--- a/청소년도박_PPT.pptx
+++ b/청소년도박_PPT.pptx
@@ -11,10 +11,14 @@
     <p:sldId id="288" r:id="rId5"/>
     <p:sldId id="285" r:id="rId6"/>
     <p:sldId id="274" r:id="rId7"/>
-    <p:sldId id="267" r:id="rId8"/>
-    <p:sldId id="290" r:id="rId9"/>
-    <p:sldId id="289" r:id="rId10"/>
-    <p:sldId id="283" r:id="rId11"/>
+    <p:sldId id="293" r:id="rId8"/>
+    <p:sldId id="294" r:id="rId9"/>
+    <p:sldId id="267" r:id="rId10"/>
+    <p:sldId id="290" r:id="rId11"/>
+    <p:sldId id="289" r:id="rId12"/>
+    <p:sldId id="291" r:id="rId13"/>
+    <p:sldId id="292" r:id="rId14"/>
+    <p:sldId id="283" r:id="rId15"/>
   </p:sldIdLst>
   <p:sldSz cx="12192000" cy="6858000"/>
   <p:notesSz cx="6858000" cy="9144000"/>
@@ -143,7 +147,7 @@
           <p:cNvPr id="2" name="제목 1">
             <a:extLst>
               <a:ext uri="{FF2B5EF4-FFF2-40B4-BE49-F238E27FC236}">
-                <a16:creationId xmlns:a16="http://schemas.microsoft.com/office/drawing/2014/main" xmlns="" id="{43184B89-0090-4B99-BB98-AB9391409DCB}"/>
+                <a16:creationId xmlns="" xmlns:a16="http://schemas.microsoft.com/office/drawing/2014/main" id="{43184B89-0090-4B99-BB98-AB9391409DCB}"/>
               </a:ext>
             </a:extLst>
           </p:cNvPr>
@@ -180,7 +184,7 @@
           <p:cNvPr id="3" name="부제목 2">
             <a:extLst>
               <a:ext uri="{FF2B5EF4-FFF2-40B4-BE49-F238E27FC236}">
-                <a16:creationId xmlns:a16="http://schemas.microsoft.com/office/drawing/2014/main" xmlns="" id="{6F2356BC-9027-48FA-BF81-4D3B80F19657}"/>
+                <a16:creationId xmlns="" xmlns:a16="http://schemas.microsoft.com/office/drawing/2014/main" id="{6F2356BC-9027-48FA-BF81-4D3B80F19657}"/>
               </a:ext>
             </a:extLst>
           </p:cNvPr>
@@ -250,7 +254,7 @@
           <p:cNvPr id="4" name="날짜 개체 틀 3">
             <a:extLst>
               <a:ext uri="{FF2B5EF4-FFF2-40B4-BE49-F238E27FC236}">
-                <a16:creationId xmlns:a16="http://schemas.microsoft.com/office/drawing/2014/main" xmlns="" id="{AD8463ED-B67B-42DF-B786-CE281D1E46E8}"/>
+                <a16:creationId xmlns="" xmlns:a16="http://schemas.microsoft.com/office/drawing/2014/main" id="{AD8463ED-B67B-42DF-B786-CE281D1E46E8}"/>
               </a:ext>
             </a:extLst>
           </p:cNvPr>
@@ -279,7 +283,7 @@
           <p:cNvPr id="5" name="바닥글 개체 틀 4">
             <a:extLst>
               <a:ext uri="{FF2B5EF4-FFF2-40B4-BE49-F238E27FC236}">
-                <a16:creationId xmlns:a16="http://schemas.microsoft.com/office/drawing/2014/main" xmlns="" id="{8E1485F7-DCA7-4153-9D3C-C33308AE50B0}"/>
+                <a16:creationId xmlns="" xmlns:a16="http://schemas.microsoft.com/office/drawing/2014/main" id="{8E1485F7-DCA7-4153-9D3C-C33308AE50B0}"/>
               </a:ext>
             </a:extLst>
           </p:cNvPr>
@@ -304,7 +308,7 @@
           <p:cNvPr id="6" name="슬라이드 번호 개체 틀 5">
             <a:extLst>
               <a:ext uri="{FF2B5EF4-FFF2-40B4-BE49-F238E27FC236}">
-                <a16:creationId xmlns:a16="http://schemas.microsoft.com/office/drawing/2014/main" xmlns="" id="{93EC41AA-AEB4-4A43-8C5A-0491C7932850}"/>
+                <a16:creationId xmlns="" xmlns:a16="http://schemas.microsoft.com/office/drawing/2014/main" id="{93EC41AA-AEB4-4A43-8C5A-0491C7932850}"/>
               </a:ext>
             </a:extLst>
           </p:cNvPr>
@@ -375,7 +379,7 @@
           <p:cNvPr id="5" name="그룹 4">
             <a:extLst>
               <a:ext uri="{FF2B5EF4-FFF2-40B4-BE49-F238E27FC236}">
-                <a16:creationId xmlns:a16="http://schemas.microsoft.com/office/drawing/2014/main" xmlns="" id="{A45EBEDC-D000-458E-9A92-D7721BA5CCD9}"/>
+                <a16:creationId xmlns="" xmlns:a16="http://schemas.microsoft.com/office/drawing/2014/main" id="{A45EBEDC-D000-458E-9A92-D7721BA5CCD9}"/>
               </a:ext>
             </a:extLst>
           </p:cNvPr>
@@ -395,7 +399,7 @@
             <p:cNvPr id="6" name="직사각형 5">
               <a:extLst>
                 <a:ext uri="{FF2B5EF4-FFF2-40B4-BE49-F238E27FC236}">
-                  <a16:creationId xmlns:a16="http://schemas.microsoft.com/office/drawing/2014/main" xmlns="" id="{DAECE6DE-372A-4371-96A9-2833E80CE567}"/>
+                  <a16:creationId xmlns="" xmlns:a16="http://schemas.microsoft.com/office/drawing/2014/main" id="{DAECE6DE-372A-4371-96A9-2833E80CE567}"/>
                 </a:ext>
               </a:extLst>
             </p:cNvPr>
@@ -447,7 +451,7 @@
             <p:cNvPr id="7" name="Picture 4" descr="재킷을 입고 남자의 회색조 사진">
               <a:extLst>
                 <a:ext uri="{FF2B5EF4-FFF2-40B4-BE49-F238E27FC236}">
-                  <a16:creationId xmlns:a16="http://schemas.microsoft.com/office/drawing/2014/main" xmlns="" id="{3651D224-386B-4D58-A766-CF4444EAD22F}"/>
+                  <a16:creationId xmlns="" xmlns:a16="http://schemas.microsoft.com/office/drawing/2014/main" id="{3651D224-386B-4D58-A766-CF4444EAD22F}"/>
                 </a:ext>
               </a:extLst>
             </p:cNvPr>
@@ -494,7 +498,7 @@
             <p:cNvPr id="8" name="그룹 7">
               <a:extLst>
                 <a:ext uri="{FF2B5EF4-FFF2-40B4-BE49-F238E27FC236}">
-                  <a16:creationId xmlns:a16="http://schemas.microsoft.com/office/drawing/2014/main" xmlns="" id="{5869C8EC-E84E-4B95-96A3-CAEAFE7DFA3E}"/>
+                  <a16:creationId xmlns="" xmlns:a16="http://schemas.microsoft.com/office/drawing/2014/main" id="{5869C8EC-E84E-4B95-96A3-CAEAFE7DFA3E}"/>
                 </a:ext>
               </a:extLst>
             </p:cNvPr>
@@ -514,7 +518,7 @@
               <p:cNvPr id="9" name="직사각형 8">
                 <a:extLst>
                   <a:ext uri="{FF2B5EF4-FFF2-40B4-BE49-F238E27FC236}">
-                    <a16:creationId xmlns:a16="http://schemas.microsoft.com/office/drawing/2014/main" xmlns="" id="{013689B1-44BB-4210-9BB9-5441E387B0E2}"/>
+                    <a16:creationId xmlns="" xmlns:a16="http://schemas.microsoft.com/office/drawing/2014/main" id="{013689B1-44BB-4210-9BB9-5441E387B0E2}"/>
                   </a:ext>
                 </a:extLst>
               </p:cNvPr>
@@ -568,7 +572,7 @@
               <p:cNvPr id="10" name="직사각형 9">
                 <a:extLst>
                   <a:ext uri="{FF2B5EF4-FFF2-40B4-BE49-F238E27FC236}">
-                    <a16:creationId xmlns:a16="http://schemas.microsoft.com/office/drawing/2014/main" xmlns="" id="{1AD1C496-15D5-441E-93BC-EEDAD14EFBBD}"/>
+                    <a16:creationId xmlns="" xmlns:a16="http://schemas.microsoft.com/office/drawing/2014/main" id="{1AD1C496-15D5-441E-93BC-EEDAD14EFBBD}"/>
                   </a:ext>
                 </a:extLst>
               </p:cNvPr>
@@ -666,7 +670,7 @@
           <p:cNvPr id="2" name="제목 1">
             <a:extLst>
               <a:ext uri="{FF2B5EF4-FFF2-40B4-BE49-F238E27FC236}">
-                <a16:creationId xmlns:a16="http://schemas.microsoft.com/office/drawing/2014/main" xmlns="" id="{9EBE64F8-D58C-4193-ADF1-2E33A0871CB6}"/>
+                <a16:creationId xmlns="" xmlns:a16="http://schemas.microsoft.com/office/drawing/2014/main" id="{9EBE64F8-D58C-4193-ADF1-2E33A0871CB6}"/>
               </a:ext>
             </a:extLst>
           </p:cNvPr>
@@ -703,7 +707,7 @@
           <p:cNvPr id="3" name="내용 개체 틀 2">
             <a:extLst>
               <a:ext uri="{FF2B5EF4-FFF2-40B4-BE49-F238E27FC236}">
-                <a16:creationId xmlns:a16="http://schemas.microsoft.com/office/drawing/2014/main" xmlns="" id="{76ED4F30-1F9C-428A-94A8-3214DD238630}"/>
+                <a16:creationId xmlns="" xmlns:a16="http://schemas.microsoft.com/office/drawing/2014/main" id="{76ED4F30-1F9C-428A-94A8-3214DD238630}"/>
               </a:ext>
             </a:extLst>
           </p:cNvPr>
@@ -793,7 +797,7 @@
           <p:cNvPr id="4" name="텍스트 개체 틀 3">
             <a:extLst>
               <a:ext uri="{FF2B5EF4-FFF2-40B4-BE49-F238E27FC236}">
-                <a16:creationId xmlns:a16="http://schemas.microsoft.com/office/drawing/2014/main" xmlns="" id="{BC643B04-2988-4F2B-89A1-40B6742C7B01}"/>
+                <a16:creationId xmlns="" xmlns:a16="http://schemas.microsoft.com/office/drawing/2014/main" id="{BC643B04-2988-4F2B-89A1-40B6742C7B01}"/>
               </a:ext>
             </a:extLst>
           </p:cNvPr>
@@ -864,7 +868,7 @@
           <p:cNvPr id="5" name="날짜 개체 틀 4">
             <a:extLst>
               <a:ext uri="{FF2B5EF4-FFF2-40B4-BE49-F238E27FC236}">
-                <a16:creationId xmlns:a16="http://schemas.microsoft.com/office/drawing/2014/main" xmlns="" id="{209F27AF-D3B8-48B5-AD12-768A82E8B505}"/>
+                <a16:creationId xmlns="" xmlns:a16="http://schemas.microsoft.com/office/drawing/2014/main" id="{209F27AF-D3B8-48B5-AD12-768A82E8B505}"/>
               </a:ext>
             </a:extLst>
           </p:cNvPr>
@@ -893,7 +897,7 @@
           <p:cNvPr id="6" name="바닥글 개체 틀 5">
             <a:extLst>
               <a:ext uri="{FF2B5EF4-FFF2-40B4-BE49-F238E27FC236}">
-                <a16:creationId xmlns:a16="http://schemas.microsoft.com/office/drawing/2014/main" xmlns="" id="{3372ECA7-CB1D-4A76-816C-04962A3C8E71}"/>
+                <a16:creationId xmlns="" xmlns:a16="http://schemas.microsoft.com/office/drawing/2014/main" id="{3372ECA7-CB1D-4A76-816C-04962A3C8E71}"/>
               </a:ext>
             </a:extLst>
           </p:cNvPr>
@@ -918,7 +922,7 @@
           <p:cNvPr id="7" name="슬라이드 번호 개체 틀 6">
             <a:extLst>
               <a:ext uri="{FF2B5EF4-FFF2-40B4-BE49-F238E27FC236}">
-                <a16:creationId xmlns:a16="http://schemas.microsoft.com/office/drawing/2014/main" xmlns="" id="{CEB1D283-E222-48AA-8975-FE6447FB6827}"/>
+                <a16:creationId xmlns="" xmlns:a16="http://schemas.microsoft.com/office/drawing/2014/main" id="{CEB1D283-E222-48AA-8975-FE6447FB6827}"/>
               </a:ext>
             </a:extLst>
           </p:cNvPr>
@@ -989,7 +993,7 @@
           <p:cNvPr id="2" name="제목 1">
             <a:extLst>
               <a:ext uri="{FF2B5EF4-FFF2-40B4-BE49-F238E27FC236}">
-                <a16:creationId xmlns:a16="http://schemas.microsoft.com/office/drawing/2014/main" xmlns="" id="{26A903B1-6F34-4F92-9F5B-0F0555150588}"/>
+                <a16:creationId xmlns="" xmlns:a16="http://schemas.microsoft.com/office/drawing/2014/main" id="{26A903B1-6F34-4F92-9F5B-0F0555150588}"/>
               </a:ext>
             </a:extLst>
           </p:cNvPr>
@@ -1026,7 +1030,7 @@
           <p:cNvPr id="3" name="그림 개체 틀 2">
             <a:extLst>
               <a:ext uri="{FF2B5EF4-FFF2-40B4-BE49-F238E27FC236}">
-                <a16:creationId xmlns:a16="http://schemas.microsoft.com/office/drawing/2014/main" xmlns="" id="{10A1BF80-B01C-42EB-8F19-77330001E386}"/>
+                <a16:creationId xmlns="" xmlns:a16="http://schemas.microsoft.com/office/drawing/2014/main" id="{10A1BF80-B01C-42EB-8F19-77330001E386}"/>
               </a:ext>
             </a:extLst>
           </p:cNvPr>
@@ -1093,7 +1097,7 @@
           <p:cNvPr id="4" name="텍스트 개체 틀 3">
             <a:extLst>
               <a:ext uri="{FF2B5EF4-FFF2-40B4-BE49-F238E27FC236}">
-                <a16:creationId xmlns:a16="http://schemas.microsoft.com/office/drawing/2014/main" xmlns="" id="{80817C2F-064C-4058-B956-8AABC24AA14D}"/>
+                <a16:creationId xmlns="" xmlns:a16="http://schemas.microsoft.com/office/drawing/2014/main" id="{80817C2F-064C-4058-B956-8AABC24AA14D}"/>
               </a:ext>
             </a:extLst>
           </p:cNvPr>
@@ -1164,7 +1168,7 @@
           <p:cNvPr id="5" name="날짜 개체 틀 4">
             <a:extLst>
               <a:ext uri="{FF2B5EF4-FFF2-40B4-BE49-F238E27FC236}">
-                <a16:creationId xmlns:a16="http://schemas.microsoft.com/office/drawing/2014/main" xmlns="" id="{DB209AA9-FFA9-497D-B3C2-97F787B40F42}"/>
+                <a16:creationId xmlns="" xmlns:a16="http://schemas.microsoft.com/office/drawing/2014/main" id="{DB209AA9-FFA9-497D-B3C2-97F787B40F42}"/>
               </a:ext>
             </a:extLst>
           </p:cNvPr>
@@ -1193,7 +1197,7 @@
           <p:cNvPr id="6" name="바닥글 개체 틀 5">
             <a:extLst>
               <a:ext uri="{FF2B5EF4-FFF2-40B4-BE49-F238E27FC236}">
-                <a16:creationId xmlns:a16="http://schemas.microsoft.com/office/drawing/2014/main" xmlns="" id="{5C7AC90C-1310-4A41-8274-9C71E0F3533A}"/>
+                <a16:creationId xmlns="" xmlns:a16="http://schemas.microsoft.com/office/drawing/2014/main" id="{5C7AC90C-1310-4A41-8274-9C71E0F3533A}"/>
               </a:ext>
             </a:extLst>
           </p:cNvPr>
@@ -1218,7 +1222,7 @@
           <p:cNvPr id="7" name="슬라이드 번호 개체 틀 6">
             <a:extLst>
               <a:ext uri="{FF2B5EF4-FFF2-40B4-BE49-F238E27FC236}">
-                <a16:creationId xmlns:a16="http://schemas.microsoft.com/office/drawing/2014/main" xmlns="" id="{1DFAFEFF-BBE9-4EAD-B3F6-35B616D36678}"/>
+                <a16:creationId xmlns="" xmlns:a16="http://schemas.microsoft.com/office/drawing/2014/main" id="{1DFAFEFF-BBE9-4EAD-B3F6-35B616D36678}"/>
               </a:ext>
             </a:extLst>
           </p:cNvPr>
@@ -1289,7 +1293,7 @@
           <p:cNvPr id="2" name="제목 1">
             <a:extLst>
               <a:ext uri="{FF2B5EF4-FFF2-40B4-BE49-F238E27FC236}">
-                <a16:creationId xmlns:a16="http://schemas.microsoft.com/office/drawing/2014/main" xmlns="" id="{D2BADD1F-941C-431C-92C6-CBC737F39AF8}"/>
+                <a16:creationId xmlns="" xmlns:a16="http://schemas.microsoft.com/office/drawing/2014/main" id="{D2BADD1F-941C-431C-92C6-CBC737F39AF8}"/>
               </a:ext>
             </a:extLst>
           </p:cNvPr>
@@ -1317,7 +1321,7 @@
           <p:cNvPr id="3" name="세로 텍스트 개체 틀 2">
             <a:extLst>
               <a:ext uri="{FF2B5EF4-FFF2-40B4-BE49-F238E27FC236}">
-                <a16:creationId xmlns:a16="http://schemas.microsoft.com/office/drawing/2014/main" xmlns="" id="{5BB5A581-B5D6-4B49-B132-C14E2F77DB5E}"/>
+                <a16:creationId xmlns="" xmlns:a16="http://schemas.microsoft.com/office/drawing/2014/main" id="{5BB5A581-B5D6-4B49-B132-C14E2F77DB5E}"/>
               </a:ext>
             </a:extLst>
           </p:cNvPr>
@@ -1374,7 +1378,7 @@
           <p:cNvPr id="4" name="날짜 개체 틀 3">
             <a:extLst>
               <a:ext uri="{FF2B5EF4-FFF2-40B4-BE49-F238E27FC236}">
-                <a16:creationId xmlns:a16="http://schemas.microsoft.com/office/drawing/2014/main" xmlns="" id="{C4E9EFA1-22B4-41FE-A553-C4D8A75C2AF4}"/>
+                <a16:creationId xmlns="" xmlns:a16="http://schemas.microsoft.com/office/drawing/2014/main" id="{C4E9EFA1-22B4-41FE-A553-C4D8A75C2AF4}"/>
               </a:ext>
             </a:extLst>
           </p:cNvPr>
@@ -1403,7 +1407,7 @@
           <p:cNvPr id="5" name="바닥글 개체 틀 4">
             <a:extLst>
               <a:ext uri="{FF2B5EF4-FFF2-40B4-BE49-F238E27FC236}">
-                <a16:creationId xmlns:a16="http://schemas.microsoft.com/office/drawing/2014/main" xmlns="" id="{D63AA89D-F7E1-4DD4-BD1A-19E1FEA9B618}"/>
+                <a16:creationId xmlns="" xmlns:a16="http://schemas.microsoft.com/office/drawing/2014/main" id="{D63AA89D-F7E1-4DD4-BD1A-19E1FEA9B618}"/>
               </a:ext>
             </a:extLst>
           </p:cNvPr>
@@ -1428,7 +1432,7 @@
           <p:cNvPr id="6" name="슬라이드 번호 개체 틀 5">
             <a:extLst>
               <a:ext uri="{FF2B5EF4-FFF2-40B4-BE49-F238E27FC236}">
-                <a16:creationId xmlns:a16="http://schemas.microsoft.com/office/drawing/2014/main" xmlns="" id="{200CC327-BA5B-4EA0-B8C7-084D8E07A7A1}"/>
+                <a16:creationId xmlns="" xmlns:a16="http://schemas.microsoft.com/office/drawing/2014/main" id="{200CC327-BA5B-4EA0-B8C7-084D8E07A7A1}"/>
               </a:ext>
             </a:extLst>
           </p:cNvPr>
@@ -1499,7 +1503,7 @@
           <p:cNvPr id="2" name="세로 제목 1">
             <a:extLst>
               <a:ext uri="{FF2B5EF4-FFF2-40B4-BE49-F238E27FC236}">
-                <a16:creationId xmlns:a16="http://schemas.microsoft.com/office/drawing/2014/main" xmlns="" id="{FD21F10B-8EB6-4364-810C-4488990DE16D}"/>
+                <a16:creationId xmlns="" xmlns:a16="http://schemas.microsoft.com/office/drawing/2014/main" id="{FD21F10B-8EB6-4364-810C-4488990DE16D}"/>
               </a:ext>
             </a:extLst>
           </p:cNvPr>
@@ -1532,7 +1536,7 @@
           <p:cNvPr id="3" name="세로 텍스트 개체 틀 2">
             <a:extLst>
               <a:ext uri="{FF2B5EF4-FFF2-40B4-BE49-F238E27FC236}">
-                <a16:creationId xmlns:a16="http://schemas.microsoft.com/office/drawing/2014/main" xmlns="" id="{7C5F628F-38EA-4BD2-B21F-E39F21CB626A}"/>
+                <a16:creationId xmlns="" xmlns:a16="http://schemas.microsoft.com/office/drawing/2014/main" id="{7C5F628F-38EA-4BD2-B21F-E39F21CB626A}"/>
               </a:ext>
             </a:extLst>
           </p:cNvPr>
@@ -1594,7 +1598,7 @@
           <p:cNvPr id="4" name="날짜 개체 틀 3">
             <a:extLst>
               <a:ext uri="{FF2B5EF4-FFF2-40B4-BE49-F238E27FC236}">
-                <a16:creationId xmlns:a16="http://schemas.microsoft.com/office/drawing/2014/main" xmlns="" id="{491A742C-F296-4B84-897E-06BA1369492C}"/>
+                <a16:creationId xmlns="" xmlns:a16="http://schemas.microsoft.com/office/drawing/2014/main" id="{491A742C-F296-4B84-897E-06BA1369492C}"/>
               </a:ext>
             </a:extLst>
           </p:cNvPr>
@@ -1623,7 +1627,7 @@
           <p:cNvPr id="5" name="바닥글 개체 틀 4">
             <a:extLst>
               <a:ext uri="{FF2B5EF4-FFF2-40B4-BE49-F238E27FC236}">
-                <a16:creationId xmlns:a16="http://schemas.microsoft.com/office/drawing/2014/main" xmlns="" id="{FA4F227D-A58C-4B22-80BD-6B647720AB1E}"/>
+                <a16:creationId xmlns="" xmlns:a16="http://schemas.microsoft.com/office/drawing/2014/main" id="{FA4F227D-A58C-4B22-80BD-6B647720AB1E}"/>
               </a:ext>
             </a:extLst>
           </p:cNvPr>
@@ -1648,7 +1652,7 @@
           <p:cNvPr id="6" name="슬라이드 번호 개체 틀 5">
             <a:extLst>
               <a:ext uri="{FF2B5EF4-FFF2-40B4-BE49-F238E27FC236}">
-                <a16:creationId xmlns:a16="http://schemas.microsoft.com/office/drawing/2014/main" xmlns="" id="{EA8513E2-66D2-4C02-AA0A-12C15B8CD78C}"/>
+                <a16:creationId xmlns="" xmlns:a16="http://schemas.microsoft.com/office/drawing/2014/main" id="{EA8513E2-66D2-4C02-AA0A-12C15B8CD78C}"/>
               </a:ext>
             </a:extLst>
           </p:cNvPr>
@@ -1719,7 +1723,7 @@
           <p:cNvPr id="2" name="제목 1">
             <a:extLst>
               <a:ext uri="{FF2B5EF4-FFF2-40B4-BE49-F238E27FC236}">
-                <a16:creationId xmlns:a16="http://schemas.microsoft.com/office/drawing/2014/main" xmlns="" id="{19E5FDA6-70E5-49E8-98E0-9213F46FC42F}"/>
+                <a16:creationId xmlns="" xmlns:a16="http://schemas.microsoft.com/office/drawing/2014/main" id="{19E5FDA6-70E5-49E8-98E0-9213F46FC42F}"/>
               </a:ext>
             </a:extLst>
           </p:cNvPr>
@@ -1747,7 +1751,7 @@
           <p:cNvPr id="3" name="내용 개체 틀 2">
             <a:extLst>
               <a:ext uri="{FF2B5EF4-FFF2-40B4-BE49-F238E27FC236}">
-                <a16:creationId xmlns:a16="http://schemas.microsoft.com/office/drawing/2014/main" xmlns="" id="{3F771345-90A2-4C56-BB29-71FF57974AB1}"/>
+                <a16:creationId xmlns="" xmlns:a16="http://schemas.microsoft.com/office/drawing/2014/main" id="{3F771345-90A2-4C56-BB29-71FF57974AB1}"/>
               </a:ext>
             </a:extLst>
           </p:cNvPr>
@@ -1804,7 +1808,7 @@
           <p:cNvPr id="4" name="날짜 개체 틀 3">
             <a:extLst>
               <a:ext uri="{FF2B5EF4-FFF2-40B4-BE49-F238E27FC236}">
-                <a16:creationId xmlns:a16="http://schemas.microsoft.com/office/drawing/2014/main" xmlns="" id="{C1E90461-8E7C-4346-927E-4BB595373219}"/>
+                <a16:creationId xmlns="" xmlns:a16="http://schemas.microsoft.com/office/drawing/2014/main" id="{C1E90461-8E7C-4346-927E-4BB595373219}"/>
               </a:ext>
             </a:extLst>
           </p:cNvPr>
@@ -1833,7 +1837,7 @@
           <p:cNvPr id="5" name="바닥글 개체 틀 4">
             <a:extLst>
               <a:ext uri="{FF2B5EF4-FFF2-40B4-BE49-F238E27FC236}">
-                <a16:creationId xmlns:a16="http://schemas.microsoft.com/office/drawing/2014/main" xmlns="" id="{1D348396-B9D3-43BB-8AA3-C2D14894F94B}"/>
+                <a16:creationId xmlns="" xmlns:a16="http://schemas.microsoft.com/office/drawing/2014/main" id="{1D348396-B9D3-43BB-8AA3-C2D14894F94B}"/>
               </a:ext>
             </a:extLst>
           </p:cNvPr>
@@ -1858,7 +1862,7 @@
           <p:cNvPr id="6" name="슬라이드 번호 개체 틀 5">
             <a:extLst>
               <a:ext uri="{FF2B5EF4-FFF2-40B4-BE49-F238E27FC236}">
-                <a16:creationId xmlns:a16="http://schemas.microsoft.com/office/drawing/2014/main" xmlns="" id="{AF96DA7B-57BD-4B98-9442-07A8975E61D5}"/>
+                <a16:creationId xmlns="" xmlns:a16="http://schemas.microsoft.com/office/drawing/2014/main" id="{AF96DA7B-57BD-4B98-9442-07A8975E61D5}"/>
               </a:ext>
             </a:extLst>
           </p:cNvPr>
@@ -1929,7 +1933,7 @@
           <p:cNvPr id="2" name="제목 1">
             <a:extLst>
               <a:ext uri="{FF2B5EF4-FFF2-40B4-BE49-F238E27FC236}">
-                <a16:creationId xmlns:a16="http://schemas.microsoft.com/office/drawing/2014/main" xmlns="" id="{7E388DBA-5ADE-43CA-A58F-78F72AAF9AFF}"/>
+                <a16:creationId xmlns="" xmlns:a16="http://schemas.microsoft.com/office/drawing/2014/main" id="{7E388DBA-5ADE-43CA-A58F-78F72AAF9AFF}"/>
               </a:ext>
             </a:extLst>
           </p:cNvPr>
@@ -1966,7 +1970,7 @@
           <p:cNvPr id="3" name="텍스트 개체 틀 2">
             <a:extLst>
               <a:ext uri="{FF2B5EF4-FFF2-40B4-BE49-F238E27FC236}">
-                <a16:creationId xmlns:a16="http://schemas.microsoft.com/office/drawing/2014/main" xmlns="" id="{54C00B00-DF96-4DD9-BA8D-FBAF05670768}"/>
+                <a16:creationId xmlns="" xmlns:a16="http://schemas.microsoft.com/office/drawing/2014/main" id="{54C00B00-DF96-4DD9-BA8D-FBAF05670768}"/>
               </a:ext>
             </a:extLst>
           </p:cNvPr>
@@ -2091,7 +2095,7 @@
           <p:cNvPr id="4" name="날짜 개체 틀 3">
             <a:extLst>
               <a:ext uri="{FF2B5EF4-FFF2-40B4-BE49-F238E27FC236}">
-                <a16:creationId xmlns:a16="http://schemas.microsoft.com/office/drawing/2014/main" xmlns="" id="{9DEFCDE6-463D-4D57-836E-C46C1B1301E8}"/>
+                <a16:creationId xmlns="" xmlns:a16="http://schemas.microsoft.com/office/drawing/2014/main" id="{9DEFCDE6-463D-4D57-836E-C46C1B1301E8}"/>
               </a:ext>
             </a:extLst>
           </p:cNvPr>
@@ -2120,7 +2124,7 @@
           <p:cNvPr id="5" name="바닥글 개체 틀 4">
             <a:extLst>
               <a:ext uri="{FF2B5EF4-FFF2-40B4-BE49-F238E27FC236}">
-                <a16:creationId xmlns:a16="http://schemas.microsoft.com/office/drawing/2014/main" xmlns="" id="{245152B0-45C8-4DCE-A86D-8E9594950AF8}"/>
+                <a16:creationId xmlns="" xmlns:a16="http://schemas.microsoft.com/office/drawing/2014/main" id="{245152B0-45C8-4DCE-A86D-8E9594950AF8}"/>
               </a:ext>
             </a:extLst>
           </p:cNvPr>
@@ -2145,7 +2149,7 @@
           <p:cNvPr id="6" name="슬라이드 번호 개체 틀 5">
             <a:extLst>
               <a:ext uri="{FF2B5EF4-FFF2-40B4-BE49-F238E27FC236}">
-                <a16:creationId xmlns:a16="http://schemas.microsoft.com/office/drawing/2014/main" xmlns="" id="{264C4677-994A-4132-A319-505AEE08ADC6}"/>
+                <a16:creationId xmlns="" xmlns:a16="http://schemas.microsoft.com/office/drawing/2014/main" id="{264C4677-994A-4132-A319-505AEE08ADC6}"/>
               </a:ext>
             </a:extLst>
           </p:cNvPr>
@@ -2216,7 +2220,7 @@
           <p:cNvPr id="2" name="제목 1">
             <a:extLst>
               <a:ext uri="{FF2B5EF4-FFF2-40B4-BE49-F238E27FC236}">
-                <a16:creationId xmlns:a16="http://schemas.microsoft.com/office/drawing/2014/main" xmlns="" id="{88A98158-DBF0-4540-9B55-64AF0AB792B3}"/>
+                <a16:creationId xmlns="" xmlns:a16="http://schemas.microsoft.com/office/drawing/2014/main" id="{88A98158-DBF0-4540-9B55-64AF0AB792B3}"/>
               </a:ext>
             </a:extLst>
           </p:cNvPr>
@@ -2244,7 +2248,7 @@
           <p:cNvPr id="3" name="내용 개체 틀 2">
             <a:extLst>
               <a:ext uri="{FF2B5EF4-FFF2-40B4-BE49-F238E27FC236}">
-                <a16:creationId xmlns:a16="http://schemas.microsoft.com/office/drawing/2014/main" xmlns="" id="{7746FB48-0781-4DA9-B367-8ACE6B8B0D6F}"/>
+                <a16:creationId xmlns="" xmlns:a16="http://schemas.microsoft.com/office/drawing/2014/main" id="{7746FB48-0781-4DA9-B367-8ACE6B8B0D6F}"/>
               </a:ext>
             </a:extLst>
           </p:cNvPr>
@@ -2306,7 +2310,7 @@
           <p:cNvPr id="4" name="내용 개체 틀 3">
             <a:extLst>
               <a:ext uri="{FF2B5EF4-FFF2-40B4-BE49-F238E27FC236}">
-                <a16:creationId xmlns:a16="http://schemas.microsoft.com/office/drawing/2014/main" xmlns="" id="{A6EB4A7B-C23B-4467-8920-CDD8588F4470}"/>
+                <a16:creationId xmlns="" xmlns:a16="http://schemas.microsoft.com/office/drawing/2014/main" id="{A6EB4A7B-C23B-4467-8920-CDD8588F4470}"/>
               </a:ext>
             </a:extLst>
           </p:cNvPr>
@@ -2368,7 +2372,7 @@
           <p:cNvPr id="5" name="날짜 개체 틀 4">
             <a:extLst>
               <a:ext uri="{FF2B5EF4-FFF2-40B4-BE49-F238E27FC236}">
-                <a16:creationId xmlns:a16="http://schemas.microsoft.com/office/drawing/2014/main" xmlns="" id="{F2A8FA38-0A44-401D-880D-0B62C1EA22AF}"/>
+                <a16:creationId xmlns="" xmlns:a16="http://schemas.microsoft.com/office/drawing/2014/main" id="{F2A8FA38-0A44-401D-880D-0B62C1EA22AF}"/>
               </a:ext>
             </a:extLst>
           </p:cNvPr>
@@ -2397,7 +2401,7 @@
           <p:cNvPr id="6" name="바닥글 개체 틀 5">
             <a:extLst>
               <a:ext uri="{FF2B5EF4-FFF2-40B4-BE49-F238E27FC236}">
-                <a16:creationId xmlns:a16="http://schemas.microsoft.com/office/drawing/2014/main" xmlns="" id="{40DC72B0-8B98-40E9-83E7-4BD3739B80CC}"/>
+                <a16:creationId xmlns="" xmlns:a16="http://schemas.microsoft.com/office/drawing/2014/main" id="{40DC72B0-8B98-40E9-83E7-4BD3739B80CC}"/>
               </a:ext>
             </a:extLst>
           </p:cNvPr>
@@ -2422,7 +2426,7 @@
           <p:cNvPr id="7" name="슬라이드 번호 개체 틀 6">
             <a:extLst>
               <a:ext uri="{FF2B5EF4-FFF2-40B4-BE49-F238E27FC236}">
-                <a16:creationId xmlns:a16="http://schemas.microsoft.com/office/drawing/2014/main" xmlns="" id="{DA4D3C9D-56B6-4E68-A1AD-90E687970CC2}"/>
+                <a16:creationId xmlns="" xmlns:a16="http://schemas.microsoft.com/office/drawing/2014/main" id="{DA4D3C9D-56B6-4E68-A1AD-90E687970CC2}"/>
               </a:ext>
             </a:extLst>
           </p:cNvPr>
@@ -2493,7 +2497,7 @@
           <p:cNvPr id="2" name="제목 1">
             <a:extLst>
               <a:ext uri="{FF2B5EF4-FFF2-40B4-BE49-F238E27FC236}">
-                <a16:creationId xmlns:a16="http://schemas.microsoft.com/office/drawing/2014/main" xmlns="" id="{0FDC6845-7482-4368-86E4-BDDC23E6EF01}"/>
+                <a16:creationId xmlns="" xmlns:a16="http://schemas.microsoft.com/office/drawing/2014/main" id="{0FDC6845-7482-4368-86E4-BDDC23E6EF01}"/>
               </a:ext>
             </a:extLst>
           </p:cNvPr>
@@ -2526,7 +2530,7 @@
           <p:cNvPr id="3" name="텍스트 개체 틀 2">
             <a:extLst>
               <a:ext uri="{FF2B5EF4-FFF2-40B4-BE49-F238E27FC236}">
-                <a16:creationId xmlns:a16="http://schemas.microsoft.com/office/drawing/2014/main" xmlns="" id="{32893F44-9492-4057-8F60-5F897D431FF5}"/>
+                <a16:creationId xmlns="" xmlns:a16="http://schemas.microsoft.com/office/drawing/2014/main" id="{32893F44-9492-4057-8F60-5F897D431FF5}"/>
               </a:ext>
             </a:extLst>
           </p:cNvPr>
@@ -2597,7 +2601,7 @@
           <p:cNvPr id="4" name="내용 개체 틀 3">
             <a:extLst>
               <a:ext uri="{FF2B5EF4-FFF2-40B4-BE49-F238E27FC236}">
-                <a16:creationId xmlns:a16="http://schemas.microsoft.com/office/drawing/2014/main" xmlns="" id="{2E62F373-E7E7-4A9C-91A9-D69AD5A902AC}"/>
+                <a16:creationId xmlns="" xmlns:a16="http://schemas.microsoft.com/office/drawing/2014/main" id="{2E62F373-E7E7-4A9C-91A9-D69AD5A902AC}"/>
               </a:ext>
             </a:extLst>
           </p:cNvPr>
@@ -2659,7 +2663,7 @@
           <p:cNvPr id="5" name="텍스트 개체 틀 4">
             <a:extLst>
               <a:ext uri="{FF2B5EF4-FFF2-40B4-BE49-F238E27FC236}">
-                <a16:creationId xmlns:a16="http://schemas.microsoft.com/office/drawing/2014/main" xmlns="" id="{3264474A-C48E-41E9-8B27-96E7BD7A6A5A}"/>
+                <a16:creationId xmlns="" xmlns:a16="http://schemas.microsoft.com/office/drawing/2014/main" id="{3264474A-C48E-41E9-8B27-96E7BD7A6A5A}"/>
               </a:ext>
             </a:extLst>
           </p:cNvPr>
@@ -2730,7 +2734,7 @@
           <p:cNvPr id="6" name="내용 개체 틀 5">
             <a:extLst>
               <a:ext uri="{FF2B5EF4-FFF2-40B4-BE49-F238E27FC236}">
-                <a16:creationId xmlns:a16="http://schemas.microsoft.com/office/drawing/2014/main" xmlns="" id="{C798FDF9-3940-4476-B0A8-DC5DEA13DBE8}"/>
+                <a16:creationId xmlns="" xmlns:a16="http://schemas.microsoft.com/office/drawing/2014/main" id="{C798FDF9-3940-4476-B0A8-DC5DEA13DBE8}"/>
               </a:ext>
             </a:extLst>
           </p:cNvPr>
@@ -2792,7 +2796,7 @@
           <p:cNvPr id="7" name="날짜 개체 틀 6">
             <a:extLst>
               <a:ext uri="{FF2B5EF4-FFF2-40B4-BE49-F238E27FC236}">
-                <a16:creationId xmlns:a16="http://schemas.microsoft.com/office/drawing/2014/main" xmlns="" id="{7B5CF835-DF4F-471F-BA23-BB855E026AE9}"/>
+                <a16:creationId xmlns="" xmlns:a16="http://schemas.microsoft.com/office/drawing/2014/main" id="{7B5CF835-DF4F-471F-BA23-BB855E026AE9}"/>
               </a:ext>
             </a:extLst>
           </p:cNvPr>
@@ -2821,7 +2825,7 @@
           <p:cNvPr id="8" name="바닥글 개체 틀 7">
             <a:extLst>
               <a:ext uri="{FF2B5EF4-FFF2-40B4-BE49-F238E27FC236}">
-                <a16:creationId xmlns:a16="http://schemas.microsoft.com/office/drawing/2014/main" xmlns="" id="{D447652D-8AAC-42EB-8D91-ECC591B35BB6}"/>
+                <a16:creationId xmlns="" xmlns:a16="http://schemas.microsoft.com/office/drawing/2014/main" id="{D447652D-8AAC-42EB-8D91-ECC591B35BB6}"/>
               </a:ext>
             </a:extLst>
           </p:cNvPr>
@@ -2846,7 +2850,7 @@
           <p:cNvPr id="9" name="슬라이드 번호 개체 틀 8">
             <a:extLst>
               <a:ext uri="{FF2B5EF4-FFF2-40B4-BE49-F238E27FC236}">
-                <a16:creationId xmlns:a16="http://schemas.microsoft.com/office/drawing/2014/main" xmlns="" id="{D7E6984B-9130-4AEF-B5EA-D87024983F29}"/>
+                <a16:creationId xmlns="" xmlns:a16="http://schemas.microsoft.com/office/drawing/2014/main" id="{D7E6984B-9130-4AEF-B5EA-D87024983F29}"/>
               </a:ext>
             </a:extLst>
           </p:cNvPr>
@@ -2917,7 +2921,7 @@
           <p:cNvPr id="2" name="제목 1">
             <a:extLst>
               <a:ext uri="{FF2B5EF4-FFF2-40B4-BE49-F238E27FC236}">
-                <a16:creationId xmlns:a16="http://schemas.microsoft.com/office/drawing/2014/main" xmlns="" id="{995B342D-CA11-4AFE-81C8-41BC010F89BA}"/>
+                <a16:creationId xmlns="" xmlns:a16="http://schemas.microsoft.com/office/drawing/2014/main" id="{995B342D-CA11-4AFE-81C8-41BC010F89BA}"/>
               </a:ext>
             </a:extLst>
           </p:cNvPr>
@@ -2945,7 +2949,7 @@
           <p:cNvPr id="3" name="날짜 개체 틀 2">
             <a:extLst>
               <a:ext uri="{FF2B5EF4-FFF2-40B4-BE49-F238E27FC236}">
-                <a16:creationId xmlns:a16="http://schemas.microsoft.com/office/drawing/2014/main" xmlns="" id="{DD553250-8F94-4D00-B38C-BC1CD50925BF}"/>
+                <a16:creationId xmlns="" xmlns:a16="http://schemas.microsoft.com/office/drawing/2014/main" id="{DD553250-8F94-4D00-B38C-BC1CD50925BF}"/>
               </a:ext>
             </a:extLst>
           </p:cNvPr>
@@ -2974,7 +2978,7 @@
           <p:cNvPr id="4" name="바닥글 개체 틀 3">
             <a:extLst>
               <a:ext uri="{FF2B5EF4-FFF2-40B4-BE49-F238E27FC236}">
-                <a16:creationId xmlns:a16="http://schemas.microsoft.com/office/drawing/2014/main" xmlns="" id="{5A122F39-32F7-4F99-AFAA-13BD9C41F0EC}"/>
+                <a16:creationId xmlns="" xmlns:a16="http://schemas.microsoft.com/office/drawing/2014/main" id="{5A122F39-32F7-4F99-AFAA-13BD9C41F0EC}"/>
               </a:ext>
             </a:extLst>
           </p:cNvPr>
@@ -2999,7 +3003,7 @@
           <p:cNvPr id="5" name="슬라이드 번호 개체 틀 4">
             <a:extLst>
               <a:ext uri="{FF2B5EF4-FFF2-40B4-BE49-F238E27FC236}">
-                <a16:creationId xmlns:a16="http://schemas.microsoft.com/office/drawing/2014/main" xmlns="" id="{FF39EA4C-A84C-4753-9406-27E7FE06C91B}"/>
+                <a16:creationId xmlns="" xmlns:a16="http://schemas.microsoft.com/office/drawing/2014/main" id="{FF39EA4C-A84C-4753-9406-27E7FE06C91B}"/>
               </a:ext>
             </a:extLst>
           </p:cNvPr>
@@ -3070,7 +3074,7 @@
           <p:cNvPr id="2" name="날짜 개체 틀 1">
             <a:extLst>
               <a:ext uri="{FF2B5EF4-FFF2-40B4-BE49-F238E27FC236}">
-                <a16:creationId xmlns:a16="http://schemas.microsoft.com/office/drawing/2014/main" xmlns="" id="{1A732EFE-3B97-47CD-97B8-E20014532C93}"/>
+                <a16:creationId xmlns="" xmlns:a16="http://schemas.microsoft.com/office/drawing/2014/main" id="{1A732EFE-3B97-47CD-97B8-E20014532C93}"/>
               </a:ext>
             </a:extLst>
           </p:cNvPr>
@@ -3099,7 +3103,7 @@
           <p:cNvPr id="3" name="바닥글 개체 틀 2">
             <a:extLst>
               <a:ext uri="{FF2B5EF4-FFF2-40B4-BE49-F238E27FC236}">
-                <a16:creationId xmlns:a16="http://schemas.microsoft.com/office/drawing/2014/main" xmlns="" id="{55413F52-BE20-4678-811F-38E3213B17E2}"/>
+                <a16:creationId xmlns="" xmlns:a16="http://schemas.microsoft.com/office/drawing/2014/main" id="{55413F52-BE20-4678-811F-38E3213B17E2}"/>
               </a:ext>
             </a:extLst>
           </p:cNvPr>
@@ -3124,7 +3128,7 @@
           <p:cNvPr id="4" name="슬라이드 번호 개체 틀 3">
             <a:extLst>
               <a:ext uri="{FF2B5EF4-FFF2-40B4-BE49-F238E27FC236}">
-                <a16:creationId xmlns:a16="http://schemas.microsoft.com/office/drawing/2014/main" xmlns="" id="{851DEA1D-111B-4F9A-B777-7164450F0318}"/>
+                <a16:creationId xmlns="" xmlns:a16="http://schemas.microsoft.com/office/drawing/2014/main" id="{851DEA1D-111B-4F9A-B777-7164450F0318}"/>
               </a:ext>
             </a:extLst>
           </p:cNvPr>
@@ -3195,7 +3199,7 @@
           <p:cNvPr id="8" name="그룹 7">
             <a:extLst>
               <a:ext uri="{FF2B5EF4-FFF2-40B4-BE49-F238E27FC236}">
-                <a16:creationId xmlns:a16="http://schemas.microsoft.com/office/drawing/2014/main" xmlns="" id="{137D75BF-DA6A-413E-8852-6088EE862F4A}"/>
+                <a16:creationId xmlns="" xmlns:a16="http://schemas.microsoft.com/office/drawing/2014/main" id="{137D75BF-DA6A-413E-8852-6088EE862F4A}"/>
               </a:ext>
             </a:extLst>
           </p:cNvPr>
@@ -3215,7 +3219,7 @@
             <p:cNvPr id="9" name="Picture 2" descr="사람이 보여주는 수갑">
               <a:extLst>
                 <a:ext uri="{FF2B5EF4-FFF2-40B4-BE49-F238E27FC236}">
-                  <a16:creationId xmlns:a16="http://schemas.microsoft.com/office/drawing/2014/main" xmlns="" id="{EFEC0E1F-75B0-46D3-805B-A5B13186C6E3}"/>
+                  <a16:creationId xmlns="" xmlns:a16="http://schemas.microsoft.com/office/drawing/2014/main" id="{EFEC0E1F-75B0-46D3-805B-A5B13186C6E3}"/>
                 </a:ext>
               </a:extLst>
             </p:cNvPr>
@@ -3271,7 +3275,7 @@
             <p:cNvPr id="10" name="Picture 2" descr="사람이 보여주는 수갑">
               <a:extLst>
                 <a:ext uri="{FF2B5EF4-FFF2-40B4-BE49-F238E27FC236}">
-                  <a16:creationId xmlns:a16="http://schemas.microsoft.com/office/drawing/2014/main" xmlns="" id="{2A9843C7-2E43-400C-8EAA-02420B8C506B}"/>
+                  <a16:creationId xmlns="" xmlns:a16="http://schemas.microsoft.com/office/drawing/2014/main" id="{2A9843C7-2E43-400C-8EAA-02420B8C506B}"/>
                 </a:ext>
               </a:extLst>
             </p:cNvPr>
@@ -3359,7 +3363,7 @@
           <p:cNvPr id="5" name="그룹 4">
             <a:extLst>
               <a:ext uri="{FF2B5EF4-FFF2-40B4-BE49-F238E27FC236}">
-                <a16:creationId xmlns:a16="http://schemas.microsoft.com/office/drawing/2014/main" xmlns="" id="{64AFCD34-9BF6-4FEF-921C-E03C829A050E}"/>
+                <a16:creationId xmlns="" xmlns:a16="http://schemas.microsoft.com/office/drawing/2014/main" id="{64AFCD34-9BF6-4FEF-921C-E03C829A050E}"/>
               </a:ext>
             </a:extLst>
           </p:cNvPr>
@@ -3379,7 +3383,7 @@
             <p:cNvPr id="6" name="Picture 12" descr="회색 바닥에 그림자와 좁은 통로에 걷는 사람">
               <a:extLst>
                 <a:ext uri="{FF2B5EF4-FFF2-40B4-BE49-F238E27FC236}">
-                  <a16:creationId xmlns:a16="http://schemas.microsoft.com/office/drawing/2014/main" xmlns="" id="{28E31B7A-74F1-40BE-97B7-B87B8190452F}"/>
+                  <a16:creationId xmlns="" xmlns:a16="http://schemas.microsoft.com/office/drawing/2014/main" id="{28E31B7A-74F1-40BE-97B7-B87B8190452F}"/>
                 </a:ext>
               </a:extLst>
             </p:cNvPr>
@@ -3436,7 +3440,7 @@
             <p:cNvPr id="7" name="직사각형 6">
               <a:extLst>
                 <a:ext uri="{FF2B5EF4-FFF2-40B4-BE49-F238E27FC236}">
-                  <a16:creationId xmlns:a16="http://schemas.microsoft.com/office/drawing/2014/main" xmlns="" id="{B92D0FE2-7B2F-4092-BD45-23F3FF081857}"/>
+                  <a16:creationId xmlns="" xmlns:a16="http://schemas.microsoft.com/office/drawing/2014/main" id="{B92D0FE2-7B2F-4092-BD45-23F3FF081857}"/>
                 </a:ext>
               </a:extLst>
             </p:cNvPr>
@@ -3538,7 +3542,7 @@
           <p:cNvPr id="2" name="제목 개체 틀 1">
             <a:extLst>
               <a:ext uri="{FF2B5EF4-FFF2-40B4-BE49-F238E27FC236}">
-                <a16:creationId xmlns:a16="http://schemas.microsoft.com/office/drawing/2014/main" xmlns="" id="{4B8DDF93-AC7F-49F6-B35A-9A26B286EFBC}"/>
+                <a16:creationId xmlns="" xmlns:a16="http://schemas.microsoft.com/office/drawing/2014/main" id="{4B8DDF93-AC7F-49F6-B35A-9A26B286EFBC}"/>
               </a:ext>
             </a:extLst>
           </p:cNvPr>
@@ -3576,7 +3580,7 @@
           <p:cNvPr id="3" name="텍스트 개체 틀 2">
             <a:extLst>
               <a:ext uri="{FF2B5EF4-FFF2-40B4-BE49-F238E27FC236}">
-                <a16:creationId xmlns:a16="http://schemas.microsoft.com/office/drawing/2014/main" xmlns="" id="{C2FF2C03-5265-457F-BFAA-880922288F5A}"/>
+                <a16:creationId xmlns="" xmlns:a16="http://schemas.microsoft.com/office/drawing/2014/main" id="{C2FF2C03-5265-457F-BFAA-880922288F5A}"/>
               </a:ext>
             </a:extLst>
           </p:cNvPr>
@@ -3643,7 +3647,7 @@
           <p:cNvPr id="4" name="날짜 개체 틀 3">
             <a:extLst>
               <a:ext uri="{FF2B5EF4-FFF2-40B4-BE49-F238E27FC236}">
-                <a16:creationId xmlns:a16="http://schemas.microsoft.com/office/drawing/2014/main" xmlns="" id="{A5661B97-EF76-4805-B466-EF1AFA0282BB}"/>
+                <a16:creationId xmlns="" xmlns:a16="http://schemas.microsoft.com/office/drawing/2014/main" id="{A5661B97-EF76-4805-B466-EF1AFA0282BB}"/>
               </a:ext>
             </a:extLst>
           </p:cNvPr>
@@ -3690,7 +3694,7 @@
           <p:cNvPr id="5" name="바닥글 개체 틀 4">
             <a:extLst>
               <a:ext uri="{FF2B5EF4-FFF2-40B4-BE49-F238E27FC236}">
-                <a16:creationId xmlns:a16="http://schemas.microsoft.com/office/drawing/2014/main" xmlns="" id="{F35A05D6-5C3C-42DB-A9EF-6183F547416D}"/>
+                <a16:creationId xmlns="" xmlns:a16="http://schemas.microsoft.com/office/drawing/2014/main" id="{F35A05D6-5C3C-42DB-A9EF-6183F547416D}"/>
               </a:ext>
             </a:extLst>
           </p:cNvPr>
@@ -3733,7 +3737,7 @@
           <p:cNvPr id="6" name="슬라이드 번호 개체 틀 5">
             <a:extLst>
               <a:ext uri="{FF2B5EF4-FFF2-40B4-BE49-F238E27FC236}">
-                <a16:creationId xmlns:a16="http://schemas.microsoft.com/office/drawing/2014/main" xmlns="" id="{D4D74DAE-B2C7-4CDE-8479-7EA63BD75703}"/>
+                <a16:creationId xmlns="" xmlns:a16="http://schemas.microsoft.com/office/drawing/2014/main" id="{D4D74DAE-B2C7-4CDE-8479-7EA63BD75703}"/>
               </a:ext>
             </a:extLst>
           </p:cNvPr>
@@ -4124,7 +4128,7 @@
           <p:cNvPr id="33" name="그룹 32">
             <a:extLst>
               <a:ext uri="{FF2B5EF4-FFF2-40B4-BE49-F238E27FC236}">
-                <a16:creationId xmlns="" xmlns:a16="http://schemas.microsoft.com/office/drawing/2014/main" id="{B2AA0A9B-8A49-4A61-95FA-861326959683}"/>
+                <a16:creationId xmlns:a16="http://schemas.microsoft.com/office/drawing/2014/main" xmlns="" id="{B2AA0A9B-8A49-4A61-95FA-861326959683}"/>
               </a:ext>
             </a:extLst>
           </p:cNvPr>
@@ -4144,7 +4148,7 @@
             <p:cNvPr id="31" name="직사각형 30">
               <a:extLst>
                 <a:ext uri="{FF2B5EF4-FFF2-40B4-BE49-F238E27FC236}">
-                  <a16:creationId xmlns="" xmlns:a16="http://schemas.microsoft.com/office/drawing/2014/main" id="{9C35C89C-BDC3-4493-A3BC-C3D604CA1CAF}"/>
+                  <a16:creationId xmlns:a16="http://schemas.microsoft.com/office/drawing/2014/main" xmlns="" id="{9C35C89C-BDC3-4493-A3BC-C3D604CA1CAF}"/>
                 </a:ext>
               </a:extLst>
             </p:cNvPr>
@@ -4205,7 +4209,7 @@
             <p:cNvPr id="93" name="평행 사변형 92">
               <a:extLst>
                 <a:ext uri="{FF2B5EF4-FFF2-40B4-BE49-F238E27FC236}">
-                  <a16:creationId xmlns="" xmlns:a16="http://schemas.microsoft.com/office/drawing/2014/main" id="{26DEACD9-EC7B-4D64-A93E-A8175089148F}"/>
+                  <a16:creationId xmlns:a16="http://schemas.microsoft.com/office/drawing/2014/main" xmlns="" id="{26DEACD9-EC7B-4D64-A93E-A8175089148F}"/>
                 </a:ext>
               </a:extLst>
             </p:cNvPr>
@@ -4265,7 +4269,7 @@
             <p:cNvPr id="143" name="평행 사변형 142">
               <a:extLst>
                 <a:ext uri="{FF2B5EF4-FFF2-40B4-BE49-F238E27FC236}">
-                  <a16:creationId xmlns="" xmlns:a16="http://schemas.microsoft.com/office/drawing/2014/main" id="{2F2E6169-1C50-46CA-86CE-3A15C9607EDA}"/>
+                  <a16:creationId xmlns:a16="http://schemas.microsoft.com/office/drawing/2014/main" xmlns="" id="{2F2E6169-1C50-46CA-86CE-3A15C9607EDA}"/>
                 </a:ext>
               </a:extLst>
             </p:cNvPr>
@@ -4325,7 +4329,7 @@
             <p:cNvPr id="144" name="평행 사변형 143">
               <a:extLst>
                 <a:ext uri="{FF2B5EF4-FFF2-40B4-BE49-F238E27FC236}">
-                  <a16:creationId xmlns="" xmlns:a16="http://schemas.microsoft.com/office/drawing/2014/main" id="{0257D512-E4D7-4DD6-92B5-EBFECF7344F4}"/>
+                  <a16:creationId xmlns:a16="http://schemas.microsoft.com/office/drawing/2014/main" xmlns="" id="{0257D512-E4D7-4DD6-92B5-EBFECF7344F4}"/>
                 </a:ext>
               </a:extLst>
             </p:cNvPr>
@@ -4385,7 +4389,7 @@
             <p:cNvPr id="145" name="평행 사변형 144">
               <a:extLst>
                 <a:ext uri="{FF2B5EF4-FFF2-40B4-BE49-F238E27FC236}">
-                  <a16:creationId xmlns="" xmlns:a16="http://schemas.microsoft.com/office/drawing/2014/main" id="{3B4EC5AF-F4DF-43B3-A953-2CD566F5D401}"/>
+                  <a16:creationId xmlns:a16="http://schemas.microsoft.com/office/drawing/2014/main" xmlns="" id="{3B4EC5AF-F4DF-43B3-A953-2CD566F5D401}"/>
                 </a:ext>
               </a:extLst>
             </p:cNvPr>
@@ -4445,7 +4449,7 @@
             <p:cNvPr id="146" name="평행 사변형 145">
               <a:extLst>
                 <a:ext uri="{FF2B5EF4-FFF2-40B4-BE49-F238E27FC236}">
-                  <a16:creationId xmlns="" xmlns:a16="http://schemas.microsoft.com/office/drawing/2014/main" id="{BB9A9513-0797-4CD9-A4EF-A234E67A98BF}"/>
+                  <a16:creationId xmlns:a16="http://schemas.microsoft.com/office/drawing/2014/main" xmlns="" id="{BB9A9513-0797-4CD9-A4EF-A234E67A98BF}"/>
                 </a:ext>
               </a:extLst>
             </p:cNvPr>
@@ -4505,7 +4509,7 @@
             <p:cNvPr id="147" name="평행 사변형 146">
               <a:extLst>
                 <a:ext uri="{FF2B5EF4-FFF2-40B4-BE49-F238E27FC236}">
-                  <a16:creationId xmlns="" xmlns:a16="http://schemas.microsoft.com/office/drawing/2014/main" id="{8355522C-44BF-4FC9-8F73-C4EE9F9038D9}"/>
+                  <a16:creationId xmlns:a16="http://schemas.microsoft.com/office/drawing/2014/main" xmlns="" id="{8355522C-44BF-4FC9-8F73-C4EE9F9038D9}"/>
                 </a:ext>
               </a:extLst>
             </p:cNvPr>
@@ -4565,7 +4569,7 @@
             <p:cNvPr id="148" name="평행 사변형 147">
               <a:extLst>
                 <a:ext uri="{FF2B5EF4-FFF2-40B4-BE49-F238E27FC236}">
-                  <a16:creationId xmlns="" xmlns:a16="http://schemas.microsoft.com/office/drawing/2014/main" id="{C64D3A3D-E488-4B67-9CBE-C9CE8B7E0320}"/>
+                  <a16:creationId xmlns:a16="http://schemas.microsoft.com/office/drawing/2014/main" xmlns="" id="{C64D3A3D-E488-4B67-9CBE-C9CE8B7E0320}"/>
                 </a:ext>
               </a:extLst>
             </p:cNvPr>
@@ -4625,7 +4629,7 @@
             <p:cNvPr id="149" name="평행 사변형 148">
               <a:extLst>
                 <a:ext uri="{FF2B5EF4-FFF2-40B4-BE49-F238E27FC236}">
-                  <a16:creationId xmlns="" xmlns:a16="http://schemas.microsoft.com/office/drawing/2014/main" id="{DDDCAA0A-66BB-46F8-8920-F63DB4F02F10}"/>
+                  <a16:creationId xmlns:a16="http://schemas.microsoft.com/office/drawing/2014/main" xmlns="" id="{DDDCAA0A-66BB-46F8-8920-F63DB4F02F10}"/>
                 </a:ext>
               </a:extLst>
             </p:cNvPr>
@@ -4685,7 +4689,7 @@
             <p:cNvPr id="150" name="평행 사변형 149">
               <a:extLst>
                 <a:ext uri="{FF2B5EF4-FFF2-40B4-BE49-F238E27FC236}">
-                  <a16:creationId xmlns="" xmlns:a16="http://schemas.microsoft.com/office/drawing/2014/main" id="{8F5F769C-CFA0-4ED2-A7EC-1D4D8F9056FF}"/>
+                  <a16:creationId xmlns:a16="http://schemas.microsoft.com/office/drawing/2014/main" xmlns="" id="{8F5F769C-CFA0-4ED2-A7EC-1D4D8F9056FF}"/>
                 </a:ext>
               </a:extLst>
             </p:cNvPr>
@@ -4745,7 +4749,7 @@
             <p:cNvPr id="151" name="평행 사변형 150">
               <a:extLst>
                 <a:ext uri="{FF2B5EF4-FFF2-40B4-BE49-F238E27FC236}">
-                  <a16:creationId xmlns="" xmlns:a16="http://schemas.microsoft.com/office/drawing/2014/main" id="{D2E0C0D8-1096-4220-8927-FA023627BC5B}"/>
+                  <a16:creationId xmlns:a16="http://schemas.microsoft.com/office/drawing/2014/main" xmlns="" id="{D2E0C0D8-1096-4220-8927-FA023627BC5B}"/>
                 </a:ext>
               </a:extLst>
             </p:cNvPr>
@@ -4805,7 +4809,7 @@
             <p:cNvPr id="152" name="평행 사변형 151">
               <a:extLst>
                 <a:ext uri="{FF2B5EF4-FFF2-40B4-BE49-F238E27FC236}">
-                  <a16:creationId xmlns="" xmlns:a16="http://schemas.microsoft.com/office/drawing/2014/main" id="{C751998C-9C80-420E-844E-05834F4811C4}"/>
+                  <a16:creationId xmlns:a16="http://schemas.microsoft.com/office/drawing/2014/main" xmlns="" id="{C751998C-9C80-420E-844E-05834F4811C4}"/>
                 </a:ext>
               </a:extLst>
             </p:cNvPr>
@@ -4865,7 +4869,7 @@
             <p:cNvPr id="153" name="평행 사변형 152">
               <a:extLst>
                 <a:ext uri="{FF2B5EF4-FFF2-40B4-BE49-F238E27FC236}">
-                  <a16:creationId xmlns="" xmlns:a16="http://schemas.microsoft.com/office/drawing/2014/main" id="{632E107F-106B-492E-A572-9A9401BC7099}"/>
+                  <a16:creationId xmlns:a16="http://schemas.microsoft.com/office/drawing/2014/main" xmlns="" id="{632E107F-106B-492E-A572-9A9401BC7099}"/>
                 </a:ext>
               </a:extLst>
             </p:cNvPr>
@@ -4925,7 +4929,7 @@
             <p:cNvPr id="154" name="평행 사변형 153">
               <a:extLst>
                 <a:ext uri="{FF2B5EF4-FFF2-40B4-BE49-F238E27FC236}">
-                  <a16:creationId xmlns="" xmlns:a16="http://schemas.microsoft.com/office/drawing/2014/main" id="{BA41C4FD-0388-4850-8228-B45EE6BF445F}"/>
+                  <a16:creationId xmlns:a16="http://schemas.microsoft.com/office/drawing/2014/main" xmlns="" id="{BA41C4FD-0388-4850-8228-B45EE6BF445F}"/>
                 </a:ext>
               </a:extLst>
             </p:cNvPr>
@@ -4985,7 +4989,7 @@
             <p:cNvPr id="155" name="평행 사변형 154">
               <a:extLst>
                 <a:ext uri="{FF2B5EF4-FFF2-40B4-BE49-F238E27FC236}">
-                  <a16:creationId xmlns="" xmlns:a16="http://schemas.microsoft.com/office/drawing/2014/main" id="{A263E2E2-4FE5-47FB-8938-C513591188EA}"/>
+                  <a16:creationId xmlns:a16="http://schemas.microsoft.com/office/drawing/2014/main" xmlns="" id="{A263E2E2-4FE5-47FB-8938-C513591188EA}"/>
                 </a:ext>
               </a:extLst>
             </p:cNvPr>
@@ -5045,7 +5049,7 @@
             <p:cNvPr id="156" name="평행 사변형 155">
               <a:extLst>
                 <a:ext uri="{FF2B5EF4-FFF2-40B4-BE49-F238E27FC236}">
-                  <a16:creationId xmlns="" xmlns:a16="http://schemas.microsoft.com/office/drawing/2014/main" id="{B4DAE30F-6BC9-41EC-916F-85AF60DB806F}"/>
+                  <a16:creationId xmlns:a16="http://schemas.microsoft.com/office/drawing/2014/main" xmlns="" id="{B4DAE30F-6BC9-41EC-916F-85AF60DB806F}"/>
                 </a:ext>
               </a:extLst>
             </p:cNvPr>
@@ -5105,7 +5109,7 @@
             <p:cNvPr id="157" name="평행 사변형 156">
               <a:extLst>
                 <a:ext uri="{FF2B5EF4-FFF2-40B4-BE49-F238E27FC236}">
-                  <a16:creationId xmlns="" xmlns:a16="http://schemas.microsoft.com/office/drawing/2014/main" id="{E486B4A2-1973-448B-BE6E-533F62511113}"/>
+                  <a16:creationId xmlns:a16="http://schemas.microsoft.com/office/drawing/2014/main" xmlns="" id="{E486B4A2-1973-448B-BE6E-533F62511113}"/>
                 </a:ext>
               </a:extLst>
             </p:cNvPr>
@@ -5165,7 +5169,7 @@
             <p:cNvPr id="158" name="평행 사변형 157">
               <a:extLst>
                 <a:ext uri="{FF2B5EF4-FFF2-40B4-BE49-F238E27FC236}">
-                  <a16:creationId xmlns="" xmlns:a16="http://schemas.microsoft.com/office/drawing/2014/main" id="{8131AD11-1DB6-4EA8-866C-1F7CBFAC7BFE}"/>
+                  <a16:creationId xmlns:a16="http://schemas.microsoft.com/office/drawing/2014/main" xmlns="" id="{8131AD11-1DB6-4EA8-866C-1F7CBFAC7BFE}"/>
                 </a:ext>
               </a:extLst>
             </p:cNvPr>
@@ -5225,7 +5229,7 @@
             <p:cNvPr id="159" name="평행 사변형 158">
               <a:extLst>
                 <a:ext uri="{FF2B5EF4-FFF2-40B4-BE49-F238E27FC236}">
-                  <a16:creationId xmlns="" xmlns:a16="http://schemas.microsoft.com/office/drawing/2014/main" id="{F60F6752-437E-448E-ACAA-45928ACFB737}"/>
+                  <a16:creationId xmlns:a16="http://schemas.microsoft.com/office/drawing/2014/main" xmlns="" id="{F60F6752-437E-448E-ACAA-45928ACFB737}"/>
                 </a:ext>
               </a:extLst>
             </p:cNvPr>
@@ -5285,7 +5289,7 @@
             <p:cNvPr id="160" name="평행 사변형 159">
               <a:extLst>
                 <a:ext uri="{FF2B5EF4-FFF2-40B4-BE49-F238E27FC236}">
-                  <a16:creationId xmlns="" xmlns:a16="http://schemas.microsoft.com/office/drawing/2014/main" id="{DAC4F9D7-3EA8-4587-999A-50466869A667}"/>
+                  <a16:creationId xmlns:a16="http://schemas.microsoft.com/office/drawing/2014/main" xmlns="" id="{DAC4F9D7-3EA8-4587-999A-50466869A667}"/>
                 </a:ext>
               </a:extLst>
             </p:cNvPr>
@@ -5345,7 +5349,7 @@
             <p:cNvPr id="161" name="평행 사변형 160">
               <a:extLst>
                 <a:ext uri="{FF2B5EF4-FFF2-40B4-BE49-F238E27FC236}">
-                  <a16:creationId xmlns="" xmlns:a16="http://schemas.microsoft.com/office/drawing/2014/main" id="{549AEC14-315B-4EE2-A2A0-B5783A26A5B5}"/>
+                  <a16:creationId xmlns:a16="http://schemas.microsoft.com/office/drawing/2014/main" xmlns="" id="{549AEC14-315B-4EE2-A2A0-B5783A26A5B5}"/>
                 </a:ext>
               </a:extLst>
             </p:cNvPr>
@@ -5405,7 +5409,7 @@
             <p:cNvPr id="162" name="평행 사변형 161">
               <a:extLst>
                 <a:ext uri="{FF2B5EF4-FFF2-40B4-BE49-F238E27FC236}">
-                  <a16:creationId xmlns="" xmlns:a16="http://schemas.microsoft.com/office/drawing/2014/main" id="{B0DB70DF-AD66-4208-9784-B2C2BC9A90A8}"/>
+                  <a16:creationId xmlns:a16="http://schemas.microsoft.com/office/drawing/2014/main" xmlns="" id="{B0DB70DF-AD66-4208-9784-B2C2BC9A90A8}"/>
                 </a:ext>
               </a:extLst>
             </p:cNvPr>
@@ -5465,7 +5469,7 @@
             <p:cNvPr id="163" name="평행 사변형 162">
               <a:extLst>
                 <a:ext uri="{FF2B5EF4-FFF2-40B4-BE49-F238E27FC236}">
-                  <a16:creationId xmlns="" xmlns:a16="http://schemas.microsoft.com/office/drawing/2014/main" id="{C5CBCE5A-83A1-4FAE-9005-5FCA0A08C619}"/>
+                  <a16:creationId xmlns:a16="http://schemas.microsoft.com/office/drawing/2014/main" xmlns="" id="{C5CBCE5A-83A1-4FAE-9005-5FCA0A08C619}"/>
                 </a:ext>
               </a:extLst>
             </p:cNvPr>
@@ -5525,7 +5529,7 @@
             <p:cNvPr id="164" name="평행 사변형 163">
               <a:extLst>
                 <a:ext uri="{FF2B5EF4-FFF2-40B4-BE49-F238E27FC236}">
-                  <a16:creationId xmlns="" xmlns:a16="http://schemas.microsoft.com/office/drawing/2014/main" id="{991AEFB0-2211-4659-8CE3-82BEF1AA08D4}"/>
+                  <a16:creationId xmlns:a16="http://schemas.microsoft.com/office/drawing/2014/main" xmlns="" id="{991AEFB0-2211-4659-8CE3-82BEF1AA08D4}"/>
                 </a:ext>
               </a:extLst>
             </p:cNvPr>
@@ -5585,7 +5589,7 @@
             <p:cNvPr id="165" name="평행 사변형 164">
               <a:extLst>
                 <a:ext uri="{FF2B5EF4-FFF2-40B4-BE49-F238E27FC236}">
-                  <a16:creationId xmlns="" xmlns:a16="http://schemas.microsoft.com/office/drawing/2014/main" id="{89FB1CF9-F3BC-4D97-9DD4-5E3F9CEFAA58}"/>
+                  <a16:creationId xmlns:a16="http://schemas.microsoft.com/office/drawing/2014/main" xmlns="" id="{89FB1CF9-F3BC-4D97-9DD4-5E3F9CEFAA58}"/>
                 </a:ext>
               </a:extLst>
             </p:cNvPr>
@@ -5645,7 +5649,7 @@
             <p:cNvPr id="166" name="평행 사변형 165">
               <a:extLst>
                 <a:ext uri="{FF2B5EF4-FFF2-40B4-BE49-F238E27FC236}">
-                  <a16:creationId xmlns="" xmlns:a16="http://schemas.microsoft.com/office/drawing/2014/main" id="{1E1B4EB0-B425-407A-A166-5B2DFF553446}"/>
+                  <a16:creationId xmlns:a16="http://schemas.microsoft.com/office/drawing/2014/main" xmlns="" id="{1E1B4EB0-B425-407A-A166-5B2DFF553446}"/>
                 </a:ext>
               </a:extLst>
             </p:cNvPr>
@@ -5705,7 +5709,7 @@
             <p:cNvPr id="167" name="평행 사변형 166">
               <a:extLst>
                 <a:ext uri="{FF2B5EF4-FFF2-40B4-BE49-F238E27FC236}">
-                  <a16:creationId xmlns="" xmlns:a16="http://schemas.microsoft.com/office/drawing/2014/main" id="{8466ED32-6492-453A-AA0D-6D56CD1533C2}"/>
+                  <a16:creationId xmlns:a16="http://schemas.microsoft.com/office/drawing/2014/main" xmlns="" id="{8466ED32-6492-453A-AA0D-6D56CD1533C2}"/>
                 </a:ext>
               </a:extLst>
             </p:cNvPr>
@@ -5765,7 +5769,7 @@
             <p:cNvPr id="168" name="평행 사변형 167">
               <a:extLst>
                 <a:ext uri="{FF2B5EF4-FFF2-40B4-BE49-F238E27FC236}">
-                  <a16:creationId xmlns="" xmlns:a16="http://schemas.microsoft.com/office/drawing/2014/main" id="{96F3FF47-91F9-474B-8A0E-991635A232B2}"/>
+                  <a16:creationId xmlns:a16="http://schemas.microsoft.com/office/drawing/2014/main" xmlns="" id="{96F3FF47-91F9-474B-8A0E-991635A232B2}"/>
                 </a:ext>
               </a:extLst>
             </p:cNvPr>
@@ -5825,7 +5829,7 @@
             <p:cNvPr id="169" name="평행 사변형 168">
               <a:extLst>
                 <a:ext uri="{FF2B5EF4-FFF2-40B4-BE49-F238E27FC236}">
-                  <a16:creationId xmlns="" xmlns:a16="http://schemas.microsoft.com/office/drawing/2014/main" id="{5D93AE75-44F0-422D-866D-7F019B988562}"/>
+                  <a16:creationId xmlns:a16="http://schemas.microsoft.com/office/drawing/2014/main" xmlns="" id="{5D93AE75-44F0-422D-866D-7F019B988562}"/>
                 </a:ext>
               </a:extLst>
             </p:cNvPr>
@@ -5885,7 +5889,7 @@
             <p:cNvPr id="170" name="평행 사변형 169">
               <a:extLst>
                 <a:ext uri="{FF2B5EF4-FFF2-40B4-BE49-F238E27FC236}">
-                  <a16:creationId xmlns="" xmlns:a16="http://schemas.microsoft.com/office/drawing/2014/main" id="{F6DE7FCB-0670-4815-A52B-0AA82C1EC0AB}"/>
+                  <a16:creationId xmlns:a16="http://schemas.microsoft.com/office/drawing/2014/main" xmlns="" id="{F6DE7FCB-0670-4815-A52B-0AA82C1EC0AB}"/>
                 </a:ext>
               </a:extLst>
             </p:cNvPr>
@@ -5945,7 +5949,7 @@
             <p:cNvPr id="171" name="평행 사변형 170">
               <a:extLst>
                 <a:ext uri="{FF2B5EF4-FFF2-40B4-BE49-F238E27FC236}">
-                  <a16:creationId xmlns="" xmlns:a16="http://schemas.microsoft.com/office/drawing/2014/main" id="{CF841BF5-FD5B-4FC9-90C7-BCFA889A2ECB}"/>
+                  <a16:creationId xmlns:a16="http://schemas.microsoft.com/office/drawing/2014/main" xmlns="" id="{CF841BF5-FD5B-4FC9-90C7-BCFA889A2ECB}"/>
                 </a:ext>
               </a:extLst>
             </p:cNvPr>
@@ -6006,7 +6010,7 @@
           <p:cNvPr id="61" name="그룹 60">
             <a:extLst>
               <a:ext uri="{FF2B5EF4-FFF2-40B4-BE49-F238E27FC236}">
-                <a16:creationId xmlns="" xmlns:a16="http://schemas.microsoft.com/office/drawing/2014/main" id="{20E00D45-887E-4781-B920-8F762840E022}"/>
+                <a16:creationId xmlns:a16="http://schemas.microsoft.com/office/drawing/2014/main" xmlns="" id="{20E00D45-887E-4781-B920-8F762840E022}"/>
               </a:ext>
             </a:extLst>
           </p:cNvPr>
@@ -6026,7 +6030,7 @@
             <p:cNvPr id="62" name="그룹 61">
               <a:extLst>
                 <a:ext uri="{FF2B5EF4-FFF2-40B4-BE49-F238E27FC236}">
-                  <a16:creationId xmlns="" xmlns:a16="http://schemas.microsoft.com/office/drawing/2014/main" id="{9BBF0EA3-13E3-49D4-B3DA-A7D138E8B464}"/>
+                  <a16:creationId xmlns:a16="http://schemas.microsoft.com/office/drawing/2014/main" xmlns="" id="{9BBF0EA3-13E3-49D4-B3DA-A7D138E8B464}"/>
                 </a:ext>
               </a:extLst>
             </p:cNvPr>
@@ -6046,7 +6050,7 @@
               <p:cNvPr id="71" name="자유형: 도형 70">
                 <a:extLst>
                   <a:ext uri="{FF2B5EF4-FFF2-40B4-BE49-F238E27FC236}">
-                    <a16:creationId xmlns="" xmlns:a16="http://schemas.microsoft.com/office/drawing/2014/main" id="{0A975673-BD86-40A2-A61D-1229EAA2BC9D}"/>
+                    <a16:creationId xmlns:a16="http://schemas.microsoft.com/office/drawing/2014/main" xmlns="" id="{0A975673-BD86-40A2-A61D-1229EAA2BC9D}"/>
                   </a:ext>
                 </a:extLst>
               </p:cNvPr>
@@ -6272,7 +6276,7 @@
               <p:cNvPr id="72" name="자유형: 도형 71">
                 <a:extLst>
                   <a:ext uri="{FF2B5EF4-FFF2-40B4-BE49-F238E27FC236}">
-                    <a16:creationId xmlns="" xmlns:a16="http://schemas.microsoft.com/office/drawing/2014/main" id="{D20D41D6-3E0E-4194-8FF1-BC4B7723E747}"/>
+                    <a16:creationId xmlns:a16="http://schemas.microsoft.com/office/drawing/2014/main" xmlns="" id="{D20D41D6-3E0E-4194-8FF1-BC4B7723E747}"/>
                   </a:ext>
                 </a:extLst>
               </p:cNvPr>
@@ -6427,7 +6431,7 @@
               <p:cNvPr id="73" name="자유형: 도형 72">
                 <a:extLst>
                   <a:ext uri="{FF2B5EF4-FFF2-40B4-BE49-F238E27FC236}">
-                    <a16:creationId xmlns="" xmlns:a16="http://schemas.microsoft.com/office/drawing/2014/main" id="{E14FD74C-6938-48D2-83A0-7D91EB245596}"/>
+                    <a16:creationId xmlns:a16="http://schemas.microsoft.com/office/drawing/2014/main" xmlns="" id="{E14FD74C-6938-48D2-83A0-7D91EB245596}"/>
                   </a:ext>
                 </a:extLst>
               </p:cNvPr>
@@ -6635,7 +6639,7 @@
             <p:cNvPr id="63" name="직사각형 62">
               <a:extLst>
                 <a:ext uri="{FF2B5EF4-FFF2-40B4-BE49-F238E27FC236}">
-                  <a16:creationId xmlns="" xmlns:a16="http://schemas.microsoft.com/office/drawing/2014/main" id="{B86CEBCF-116D-4663-8FF3-867BBC982B1B}"/>
+                  <a16:creationId xmlns:a16="http://schemas.microsoft.com/office/drawing/2014/main" xmlns="" id="{B86CEBCF-116D-4663-8FF3-867BBC982B1B}"/>
                 </a:ext>
               </a:extLst>
             </p:cNvPr>
@@ -6714,7 +6718,7 @@
             <p:cNvPr id="64" name="직사각형 63">
               <a:extLst>
                 <a:ext uri="{FF2B5EF4-FFF2-40B4-BE49-F238E27FC236}">
-                  <a16:creationId xmlns="" xmlns:a16="http://schemas.microsoft.com/office/drawing/2014/main" id="{FBF573FD-26CA-469E-BCB7-DB0968411981}"/>
+                  <a16:creationId xmlns:a16="http://schemas.microsoft.com/office/drawing/2014/main" xmlns="" id="{FBF573FD-26CA-469E-BCB7-DB0968411981}"/>
                 </a:ext>
               </a:extLst>
             </p:cNvPr>
@@ -6793,7 +6797,7 @@
             <p:cNvPr id="65" name="그룹 64">
               <a:extLst>
                 <a:ext uri="{FF2B5EF4-FFF2-40B4-BE49-F238E27FC236}">
-                  <a16:creationId xmlns="" xmlns:a16="http://schemas.microsoft.com/office/drawing/2014/main" id="{C5C7A516-FD0B-44A5-B51C-5FF46345C652}"/>
+                  <a16:creationId xmlns:a16="http://schemas.microsoft.com/office/drawing/2014/main" xmlns="" id="{C5C7A516-FD0B-44A5-B51C-5FF46345C652}"/>
                 </a:ext>
               </a:extLst>
             </p:cNvPr>
@@ -6813,7 +6817,7 @@
               <p:cNvPr id="66" name="자유형: 도형 65">
                 <a:extLst>
                   <a:ext uri="{FF2B5EF4-FFF2-40B4-BE49-F238E27FC236}">
-                    <a16:creationId xmlns="" xmlns:a16="http://schemas.microsoft.com/office/drawing/2014/main" id="{D6B424CA-02A6-456F-8D31-D3210BECBD7A}"/>
+                    <a16:creationId xmlns:a16="http://schemas.microsoft.com/office/drawing/2014/main" xmlns="" id="{D6B424CA-02A6-456F-8D31-D3210BECBD7A}"/>
                   </a:ext>
                 </a:extLst>
               </p:cNvPr>
@@ -7169,7 +7173,7 @@
               <p:cNvPr id="67" name="자유형: 도형 66">
                 <a:extLst>
                   <a:ext uri="{FF2B5EF4-FFF2-40B4-BE49-F238E27FC236}">
-                    <a16:creationId xmlns="" xmlns:a16="http://schemas.microsoft.com/office/drawing/2014/main" id="{CE29B63E-1782-4F15-BEA1-29497CF773B4}"/>
+                    <a16:creationId xmlns:a16="http://schemas.microsoft.com/office/drawing/2014/main" xmlns="" id="{CE29B63E-1782-4F15-BEA1-29497CF773B4}"/>
                   </a:ext>
                 </a:extLst>
               </p:cNvPr>
@@ -7285,7 +7289,7 @@
               <p:cNvPr id="68" name="자유형: 도형 67">
                 <a:extLst>
                   <a:ext uri="{FF2B5EF4-FFF2-40B4-BE49-F238E27FC236}">
-                    <a16:creationId xmlns="" xmlns:a16="http://schemas.microsoft.com/office/drawing/2014/main" id="{1C98583C-25F2-443F-A191-055E68026D13}"/>
+                    <a16:creationId xmlns:a16="http://schemas.microsoft.com/office/drawing/2014/main" xmlns="" id="{1C98583C-25F2-443F-A191-055E68026D13}"/>
                   </a:ext>
                 </a:extLst>
               </p:cNvPr>
@@ -7401,7 +7405,7 @@
               <p:cNvPr id="69" name="자유형: 도형 68">
                 <a:extLst>
                   <a:ext uri="{FF2B5EF4-FFF2-40B4-BE49-F238E27FC236}">
-                    <a16:creationId xmlns="" xmlns:a16="http://schemas.microsoft.com/office/drawing/2014/main" id="{51183270-BC6D-414C-BB65-EC772C3EBC4C}"/>
+                    <a16:creationId xmlns:a16="http://schemas.microsoft.com/office/drawing/2014/main" xmlns="" id="{51183270-BC6D-414C-BB65-EC772C3EBC4C}"/>
                   </a:ext>
                 </a:extLst>
               </p:cNvPr>
@@ -7507,7 +7511,7 @@
               <p:cNvPr id="70" name="자유형: 도형 69">
                 <a:extLst>
                   <a:ext uri="{FF2B5EF4-FFF2-40B4-BE49-F238E27FC236}">
-                    <a16:creationId xmlns="" xmlns:a16="http://schemas.microsoft.com/office/drawing/2014/main" id="{0922BAD8-8BD5-4688-96BA-5776767056E1}"/>
+                    <a16:creationId xmlns:a16="http://schemas.microsoft.com/office/drawing/2014/main" xmlns="" id="{0922BAD8-8BD5-4688-96BA-5776767056E1}"/>
                   </a:ext>
                 </a:extLst>
               </p:cNvPr>
@@ -7837,7 +7841,7 @@
           <p:cNvPr id="23" name="그룹 22">
             <a:extLst>
               <a:ext uri="{FF2B5EF4-FFF2-40B4-BE49-F238E27FC236}">
-                <a16:creationId xmlns="" xmlns:a16="http://schemas.microsoft.com/office/drawing/2014/main" id="{21F19923-9831-4D1E-9E2A-E4A9B8A1B8F6}"/>
+                <a16:creationId xmlns:a16="http://schemas.microsoft.com/office/drawing/2014/main" xmlns="" id="{21F19923-9831-4D1E-9E2A-E4A9B8A1B8F6}"/>
               </a:ext>
             </a:extLst>
           </p:cNvPr>
@@ -7857,7 +7861,7 @@
             <p:cNvPr id="35" name="그룹 34">
               <a:extLst>
                 <a:ext uri="{FF2B5EF4-FFF2-40B4-BE49-F238E27FC236}">
-                  <a16:creationId xmlns="" xmlns:a16="http://schemas.microsoft.com/office/drawing/2014/main" id="{BFAC5A82-0B9A-4BBA-8939-5A03C16A9C85}"/>
+                  <a16:creationId xmlns:a16="http://schemas.microsoft.com/office/drawing/2014/main" xmlns="" id="{BFAC5A82-0B9A-4BBA-8939-5A03C16A9C85}"/>
                 </a:ext>
               </a:extLst>
             </p:cNvPr>
@@ -7877,7 +7881,7 @@
               <p:cNvPr id="36" name="자유형: 도형 35">
                 <a:extLst>
                   <a:ext uri="{FF2B5EF4-FFF2-40B4-BE49-F238E27FC236}">
-                    <a16:creationId xmlns="" xmlns:a16="http://schemas.microsoft.com/office/drawing/2014/main" id="{0F812893-2E9D-461B-B04C-41AB16027EF6}"/>
+                    <a16:creationId xmlns:a16="http://schemas.microsoft.com/office/drawing/2014/main" xmlns="" id="{0F812893-2E9D-461B-B04C-41AB16027EF6}"/>
                   </a:ext>
                 </a:extLst>
               </p:cNvPr>
@@ -8103,7 +8107,7 @@
               <p:cNvPr id="37" name="자유형: 도형 36">
                 <a:extLst>
                   <a:ext uri="{FF2B5EF4-FFF2-40B4-BE49-F238E27FC236}">
-                    <a16:creationId xmlns="" xmlns:a16="http://schemas.microsoft.com/office/drawing/2014/main" id="{12078FFF-94DE-4097-AA65-9489ACF3F8B1}"/>
+                    <a16:creationId xmlns:a16="http://schemas.microsoft.com/office/drawing/2014/main" xmlns="" id="{12078FFF-94DE-4097-AA65-9489ACF3F8B1}"/>
                   </a:ext>
                 </a:extLst>
               </p:cNvPr>
@@ -8258,7 +8262,7 @@
               <p:cNvPr id="38" name="자유형: 도형 37">
                 <a:extLst>
                   <a:ext uri="{FF2B5EF4-FFF2-40B4-BE49-F238E27FC236}">
-                    <a16:creationId xmlns="" xmlns:a16="http://schemas.microsoft.com/office/drawing/2014/main" id="{49AD2714-68C0-4FEF-AD6F-21EF72E7AE7B}"/>
+                    <a16:creationId xmlns:a16="http://schemas.microsoft.com/office/drawing/2014/main" xmlns="" id="{49AD2714-68C0-4FEF-AD6F-21EF72E7AE7B}"/>
                   </a:ext>
                 </a:extLst>
               </p:cNvPr>
@@ -8466,7 +8470,7 @@
             <p:cNvPr id="39" name="직사각형 38">
               <a:extLst>
                 <a:ext uri="{FF2B5EF4-FFF2-40B4-BE49-F238E27FC236}">
-                  <a16:creationId xmlns="" xmlns:a16="http://schemas.microsoft.com/office/drawing/2014/main" id="{29FD25F0-46EB-44FA-97AA-989192DAC8ED}"/>
+                  <a16:creationId xmlns:a16="http://schemas.microsoft.com/office/drawing/2014/main" xmlns="" id="{29FD25F0-46EB-44FA-97AA-989192DAC8ED}"/>
                 </a:ext>
               </a:extLst>
             </p:cNvPr>
@@ -8545,7 +8549,7 @@
             <p:cNvPr id="40" name="직사각형 39">
               <a:extLst>
                 <a:ext uri="{FF2B5EF4-FFF2-40B4-BE49-F238E27FC236}">
-                  <a16:creationId xmlns="" xmlns:a16="http://schemas.microsoft.com/office/drawing/2014/main" id="{35A55CCD-769A-4F81-80E9-A091D4C99F74}"/>
+                  <a16:creationId xmlns:a16="http://schemas.microsoft.com/office/drawing/2014/main" xmlns="" id="{35A55CCD-769A-4F81-80E9-A091D4C99F74}"/>
                 </a:ext>
               </a:extLst>
             </p:cNvPr>
@@ -8624,7 +8628,7 @@
             <p:cNvPr id="42" name="그룹 41">
               <a:extLst>
                 <a:ext uri="{FF2B5EF4-FFF2-40B4-BE49-F238E27FC236}">
-                  <a16:creationId xmlns="" xmlns:a16="http://schemas.microsoft.com/office/drawing/2014/main" id="{7AC25D26-9C34-41F0-B985-3389D3F45A59}"/>
+                  <a16:creationId xmlns:a16="http://schemas.microsoft.com/office/drawing/2014/main" xmlns="" id="{7AC25D26-9C34-41F0-B985-3389D3F45A59}"/>
                 </a:ext>
               </a:extLst>
             </p:cNvPr>
@@ -8644,7 +8648,7 @@
               <p:cNvPr id="43" name="자유형: 도형 42">
                 <a:extLst>
                   <a:ext uri="{FF2B5EF4-FFF2-40B4-BE49-F238E27FC236}">
-                    <a16:creationId xmlns="" xmlns:a16="http://schemas.microsoft.com/office/drawing/2014/main" id="{DF4F3120-E46D-4E1D-A6D8-515154A999F5}"/>
+                    <a16:creationId xmlns:a16="http://schemas.microsoft.com/office/drawing/2014/main" xmlns="" id="{DF4F3120-E46D-4E1D-A6D8-515154A999F5}"/>
                   </a:ext>
                 </a:extLst>
               </p:cNvPr>
@@ -9000,7 +9004,7 @@
               <p:cNvPr id="44" name="자유형: 도형 43">
                 <a:extLst>
                   <a:ext uri="{FF2B5EF4-FFF2-40B4-BE49-F238E27FC236}">
-                    <a16:creationId xmlns="" xmlns:a16="http://schemas.microsoft.com/office/drawing/2014/main" id="{051D9A10-CA2B-4B41-B00D-E78D7F682180}"/>
+                    <a16:creationId xmlns:a16="http://schemas.microsoft.com/office/drawing/2014/main" xmlns="" id="{051D9A10-CA2B-4B41-B00D-E78D7F682180}"/>
                   </a:ext>
                 </a:extLst>
               </p:cNvPr>
@@ -9116,7 +9120,7 @@
               <p:cNvPr id="45" name="자유형: 도형 44">
                 <a:extLst>
                   <a:ext uri="{FF2B5EF4-FFF2-40B4-BE49-F238E27FC236}">
-                    <a16:creationId xmlns="" xmlns:a16="http://schemas.microsoft.com/office/drawing/2014/main" id="{DE20734D-C13C-4C49-BCAC-61F5ACA44DCF}"/>
+                    <a16:creationId xmlns:a16="http://schemas.microsoft.com/office/drawing/2014/main" xmlns="" id="{DE20734D-C13C-4C49-BCAC-61F5ACA44DCF}"/>
                   </a:ext>
                 </a:extLst>
               </p:cNvPr>
@@ -9232,7 +9236,7 @@
               <p:cNvPr id="46" name="자유형: 도형 45">
                 <a:extLst>
                   <a:ext uri="{FF2B5EF4-FFF2-40B4-BE49-F238E27FC236}">
-                    <a16:creationId xmlns="" xmlns:a16="http://schemas.microsoft.com/office/drawing/2014/main" id="{06976A5D-4B45-44DB-9FD6-0E05FE1E8DA8}"/>
+                    <a16:creationId xmlns:a16="http://schemas.microsoft.com/office/drawing/2014/main" xmlns="" id="{06976A5D-4B45-44DB-9FD6-0E05FE1E8DA8}"/>
                   </a:ext>
                 </a:extLst>
               </p:cNvPr>
@@ -9338,7 +9342,7 @@
               <p:cNvPr id="47" name="자유형: 도형 46">
                 <a:extLst>
                   <a:ext uri="{FF2B5EF4-FFF2-40B4-BE49-F238E27FC236}">
-                    <a16:creationId xmlns="" xmlns:a16="http://schemas.microsoft.com/office/drawing/2014/main" id="{F0BE06C5-4434-4D53-B8DF-12D6B5D41F6C}"/>
+                    <a16:creationId xmlns:a16="http://schemas.microsoft.com/office/drawing/2014/main" xmlns="" id="{F0BE06C5-4434-4D53-B8DF-12D6B5D41F6C}"/>
                   </a:ext>
                 </a:extLst>
               </p:cNvPr>
@@ -9668,7 +9672,7 @@
           <p:cNvPr id="91" name="TextBox 90">
             <a:extLst>
               <a:ext uri="{FF2B5EF4-FFF2-40B4-BE49-F238E27FC236}">
-                <a16:creationId xmlns="" xmlns:a16="http://schemas.microsoft.com/office/drawing/2014/main" id="{70E4BF2C-6FF7-4B8D-9BFC-9164A198AD6F}"/>
+                <a16:creationId xmlns:a16="http://schemas.microsoft.com/office/drawing/2014/main" xmlns="" id="{70E4BF2C-6FF7-4B8D-9BFC-9164A198AD6F}"/>
               </a:ext>
             </a:extLst>
           </p:cNvPr>
@@ -9705,7 +9709,33 @@
                   <a:srgbClr val="FF0000"/>
                 </a:solidFill>
               </a:rPr>
-              <a:t>청소년 도박</a:t>
+              <a:t>청소년 </a:t>
+            </a:r>
+            <a:r>
+              <a:rPr lang="ko-KR" altLang="en-US" sz="4400" b="1" i="1" kern="0" dirty="0" smtClean="0">
+                <a:ln>
+                  <a:solidFill>
+                    <a:prstClr val="black"/>
+                  </a:solidFill>
+                </a:ln>
+                <a:solidFill>
+                  <a:srgbClr val="FF0000"/>
+                </a:solidFill>
+              </a:rPr>
+              <a:t>도박 </a:t>
+            </a:r>
+            <a:r>
+              <a:rPr lang="ko-KR" altLang="en-US" sz="4400" b="1" i="1" kern="0" dirty="0" err="1" smtClean="0">
+                <a:ln>
+                  <a:solidFill>
+                    <a:prstClr val="black"/>
+                  </a:solidFill>
+                </a:ln>
+                <a:solidFill>
+                  <a:srgbClr val="FF0000"/>
+                </a:solidFill>
+              </a:rPr>
+              <a:t>크롤링</a:t>
             </a:r>
             <a:endParaRPr lang="en-US" altLang="ko-KR" sz="4400" b="1" i="1" kern="0" dirty="0">
               <a:ln>
@@ -9725,7 +9755,7 @@
           <p:cNvPr id="95" name="사각형: 둥근 모서리 94">
             <a:extLst>
               <a:ext uri="{FF2B5EF4-FFF2-40B4-BE49-F238E27FC236}">
-                <a16:creationId xmlns="" xmlns:a16="http://schemas.microsoft.com/office/drawing/2014/main" id="{0D7ED3BD-4925-469D-A336-D40406943326}"/>
+                <a16:creationId xmlns:a16="http://schemas.microsoft.com/office/drawing/2014/main" xmlns="" id="{0D7ED3BD-4925-469D-A336-D40406943326}"/>
               </a:ext>
             </a:extLst>
           </p:cNvPr>
@@ -9791,15 +9821,7 @@
                   <a:prstClr val="black"/>
                 </a:solidFill>
               </a:rPr>
-              <a:t>3</a:t>
-            </a:r>
-            <a:r>
-              <a:rPr lang="en-US" altLang="ko-KR" sz="1600" b="1" dirty="0" smtClean="0">
-                <a:solidFill>
-                  <a:prstClr val="black"/>
-                </a:solidFill>
-              </a:rPr>
-              <a:t>Team</a:t>
+              <a:t>3Team</a:t>
             </a:r>
             <a:endParaRPr lang="ko-KR" altLang="en-US" sz="1600" b="1" dirty="0">
               <a:solidFill>
@@ -9847,6 +9869,2428 @@
     <p:bg>
       <p:bgPr>
         <a:solidFill>
+          <a:schemeClr val="tx1">
+            <a:lumMod val="85000"/>
+            <a:lumOff val="15000"/>
+          </a:schemeClr>
+        </a:solidFill>
+        <a:effectLst/>
+      </p:bgPr>
+    </p:bg>
+    <p:spTree>
+      <p:nvGrpSpPr>
+        <p:cNvPr id="1" name=""/>
+        <p:cNvGrpSpPr/>
+        <p:nvPr/>
+      </p:nvGrpSpPr>
+      <p:grpSpPr>
+        <a:xfrm>
+          <a:off x="0" y="0"/>
+          <a:ext cx="0" cy="0"/>
+          <a:chOff x="0" y="0"/>
+          <a:chExt cx="0" cy="0"/>
+        </a:xfrm>
+      </p:grpSpPr>
+      <p:sp>
+        <p:nvSpPr>
+          <p:cNvPr id="13" name="직사각형 12">
+            <a:extLst>
+              <a:ext uri="{FF2B5EF4-FFF2-40B4-BE49-F238E27FC236}">
+                <a16:creationId xmlns="" xmlns:a16="http://schemas.microsoft.com/office/drawing/2014/main" id="{F389E3C6-C02A-4CF2-8404-1F9A8CB2FA11}"/>
+              </a:ext>
+            </a:extLst>
+          </p:cNvPr>
+          <p:cNvSpPr/>
+          <p:nvPr/>
+        </p:nvSpPr>
+        <p:spPr>
+          <a:xfrm>
+            <a:off x="4762500" y="1051717"/>
+            <a:ext cx="7429499" cy="45719"/>
+          </a:xfrm>
+          <a:prstGeom prst="rect">
+            <a:avLst/>
+          </a:prstGeom>
+          <a:gradFill flip="none" rotWithShape="1">
+            <a:gsLst>
+              <a:gs pos="0">
+                <a:srgbClr val="960000"/>
+              </a:gs>
+              <a:gs pos="40000">
+                <a:srgbClr val="960000"/>
+              </a:gs>
+              <a:gs pos="100000">
+                <a:srgbClr val="191919"/>
+              </a:gs>
+            </a:gsLst>
+            <a:lin ang="0" scaled="1"/>
+            <a:tileRect/>
+          </a:gradFill>
+          <a:ln>
+            <a:noFill/>
+          </a:ln>
+        </p:spPr>
+        <p:style>
+          <a:lnRef idx="2">
+            <a:schemeClr val="accent1">
+              <a:shade val="50000"/>
+            </a:schemeClr>
+          </a:lnRef>
+          <a:fillRef idx="1">
+            <a:schemeClr val="accent1"/>
+          </a:fillRef>
+          <a:effectRef idx="0">
+            <a:schemeClr val="accent1"/>
+          </a:effectRef>
+          <a:fontRef idx="minor">
+            <a:schemeClr val="lt1"/>
+          </a:fontRef>
+        </p:style>
+        <p:txBody>
+          <a:bodyPr rtlCol="0" anchor="ctr"/>
+          <a:lstStyle/>
+          <a:p>
+            <a:pPr algn="ctr"/>
+            <a:endParaRPr lang="ko-KR" altLang="en-US"/>
+          </a:p>
+        </p:txBody>
+      </p:sp>
+      <p:sp>
+        <p:nvSpPr>
+          <p:cNvPr id="14" name="직사각형 13">
+            <a:extLst>
+              <a:ext uri="{FF2B5EF4-FFF2-40B4-BE49-F238E27FC236}">
+                <a16:creationId xmlns="" xmlns:a16="http://schemas.microsoft.com/office/drawing/2014/main" id="{A3B4747F-421F-47F2-A7FC-0B557A1A5731}"/>
+              </a:ext>
+            </a:extLst>
+          </p:cNvPr>
+          <p:cNvSpPr/>
+          <p:nvPr/>
+        </p:nvSpPr>
+        <p:spPr>
+          <a:xfrm flipH="1">
+            <a:off x="4762499" y="5757304"/>
+            <a:ext cx="7429499" cy="45719"/>
+          </a:xfrm>
+          <a:prstGeom prst="rect">
+            <a:avLst/>
+          </a:prstGeom>
+          <a:gradFill flip="none" rotWithShape="1">
+            <a:gsLst>
+              <a:gs pos="0">
+                <a:srgbClr val="960000"/>
+              </a:gs>
+              <a:gs pos="40000">
+                <a:srgbClr val="960000"/>
+              </a:gs>
+              <a:gs pos="100000">
+                <a:srgbClr val="191919"/>
+              </a:gs>
+            </a:gsLst>
+            <a:lin ang="0" scaled="1"/>
+            <a:tileRect/>
+          </a:gradFill>
+          <a:ln>
+            <a:noFill/>
+          </a:ln>
+        </p:spPr>
+        <p:style>
+          <a:lnRef idx="2">
+            <a:schemeClr val="accent1">
+              <a:shade val="50000"/>
+            </a:schemeClr>
+          </a:lnRef>
+          <a:fillRef idx="1">
+            <a:schemeClr val="accent1"/>
+          </a:fillRef>
+          <a:effectRef idx="0">
+            <a:schemeClr val="accent1"/>
+          </a:effectRef>
+          <a:fontRef idx="minor">
+            <a:schemeClr val="lt1"/>
+          </a:fontRef>
+        </p:style>
+        <p:txBody>
+          <a:bodyPr rtlCol="0" anchor="ctr"/>
+          <a:lstStyle/>
+          <a:p>
+            <a:pPr algn="ctr"/>
+            <a:endParaRPr lang="ko-KR" altLang="en-US"/>
+          </a:p>
+        </p:txBody>
+      </p:sp>
+      <p:pic>
+        <p:nvPicPr>
+          <p:cNvPr id="8" name="그림 7"/>
+          <p:cNvPicPr>
+            <a:picLocks noChangeAspect="1"/>
+          </p:cNvPicPr>
+          <p:nvPr/>
+        </p:nvPicPr>
+        <p:blipFill>
+          <a:blip r:embed="rId2">
+            <a:extLst>
+              <a:ext uri="{28A0092B-C50C-407E-A947-70E740481C1C}">
+                <a14:useLocalDpi xmlns:a14="http://schemas.microsoft.com/office/drawing/2010/main" val="0"/>
+              </a:ext>
+            </a:extLst>
+          </a:blip>
+          <a:stretch>
+            <a:fillRect/>
+          </a:stretch>
+        </p:blipFill>
+        <p:spPr>
+          <a:xfrm>
+            <a:off x="-288326" y="1664814"/>
+            <a:ext cx="5904427" cy="3847401"/>
+          </a:xfrm>
+          <a:prstGeom prst="rect">
+            <a:avLst/>
+          </a:prstGeom>
+        </p:spPr>
+      </p:pic>
+      <p:sp>
+        <p:nvSpPr>
+          <p:cNvPr id="9" name="TextBox 8">
+            <a:extLst>
+              <a:ext uri="{FF2B5EF4-FFF2-40B4-BE49-F238E27FC236}">
+                <a16:creationId xmlns="" xmlns:a16="http://schemas.microsoft.com/office/drawing/2014/main" id="{773DF187-FAE7-4B00-9DAF-A0006D605DE3}"/>
+              </a:ext>
+            </a:extLst>
+          </p:cNvPr>
+          <p:cNvSpPr txBox="1"/>
+          <p:nvPr/>
+        </p:nvSpPr>
+        <p:spPr>
+          <a:xfrm>
+            <a:off x="5801077" y="1691147"/>
+            <a:ext cx="6390923" cy="738664"/>
+          </a:xfrm>
+          <a:prstGeom prst="rect">
+            <a:avLst/>
+          </a:prstGeom>
+          <a:noFill/>
+        </p:spPr>
+        <p:txBody>
+          <a:bodyPr wrap="square" rtlCol="0">
+            <a:spAutoFit/>
+          </a:bodyPr>
+          <a:lstStyle/>
+          <a:p>
+            <a:pPr algn="just">
+              <a:lnSpc>
+                <a:spcPct val="150000"/>
+              </a:lnSpc>
+            </a:pPr>
+            <a:r>
+              <a:rPr lang="en-US" altLang="ko-KR" sz="2800" dirty="0" smtClean="0">
+                <a:solidFill>
+                  <a:schemeClr val="bg1"/>
+                </a:solidFill>
+                <a:latin typeface="G마켓 산스 Light" panose="02000000000000000000" pitchFamily="50" charset="-127"/>
+                <a:ea typeface="G마켓 산스 Light" panose="02000000000000000000" pitchFamily="50" charset="-127"/>
+              </a:rPr>
+              <a:t>1. </a:t>
+            </a:r>
+            <a:r>
+              <a:rPr lang="ko-KR" altLang="en-US" sz="2800" dirty="0" smtClean="0">
+                <a:solidFill>
+                  <a:schemeClr val="bg1"/>
+                </a:solidFill>
+                <a:latin typeface="G마켓 산스 Light" panose="02000000000000000000" pitchFamily="50" charset="-127"/>
+                <a:ea typeface="G마켓 산스 Light" panose="02000000000000000000" pitchFamily="50" charset="-127"/>
+              </a:rPr>
+              <a:t>청소년 도박 치료 이용 강화</a:t>
+            </a:r>
+            <a:endParaRPr lang="en-US" altLang="ko-KR" sz="2800" dirty="0">
+              <a:solidFill>
+                <a:schemeClr val="bg1"/>
+              </a:solidFill>
+              <a:latin typeface="G마켓 산스 Light" panose="02000000000000000000" pitchFamily="50" charset="-127"/>
+              <a:ea typeface="G마켓 산스 Light" panose="02000000000000000000" pitchFamily="50" charset="-127"/>
+            </a:endParaRPr>
+          </a:p>
+        </p:txBody>
+      </p:sp>
+      <p:sp>
+        <p:nvSpPr>
+          <p:cNvPr id="12" name="TextBox 11">
+            <a:extLst>
+              <a:ext uri="{FF2B5EF4-FFF2-40B4-BE49-F238E27FC236}">
+                <a16:creationId xmlns="" xmlns:a16="http://schemas.microsoft.com/office/drawing/2014/main" id="{773DF187-FAE7-4B00-9DAF-A0006D605DE3}"/>
+              </a:ext>
+            </a:extLst>
+          </p:cNvPr>
+          <p:cNvSpPr txBox="1"/>
+          <p:nvPr/>
+        </p:nvSpPr>
+        <p:spPr>
+          <a:xfrm>
+            <a:off x="5801075" y="2361056"/>
+            <a:ext cx="6390923" cy="738664"/>
+          </a:xfrm>
+          <a:prstGeom prst="rect">
+            <a:avLst/>
+          </a:prstGeom>
+          <a:noFill/>
+        </p:spPr>
+        <p:txBody>
+          <a:bodyPr wrap="square" rtlCol="0">
+            <a:spAutoFit/>
+          </a:bodyPr>
+          <a:lstStyle/>
+          <a:p>
+            <a:pPr algn="just">
+              <a:lnSpc>
+                <a:spcPct val="150000"/>
+              </a:lnSpc>
+            </a:pPr>
+            <a:r>
+              <a:rPr lang="en-US" altLang="ko-KR" sz="2800" dirty="0" smtClean="0">
+                <a:solidFill>
+                  <a:schemeClr val="bg1"/>
+                </a:solidFill>
+                <a:latin typeface="G마켓 산스 Light" panose="02000000000000000000" pitchFamily="50" charset="-127"/>
+                <a:ea typeface="G마켓 산스 Light" panose="02000000000000000000" pitchFamily="50" charset="-127"/>
+              </a:rPr>
+              <a:t>2. </a:t>
+            </a:r>
+            <a:r>
+              <a:rPr lang="ko-KR" altLang="en-US" sz="2800" dirty="0" smtClean="0">
+                <a:solidFill>
+                  <a:schemeClr val="bg1"/>
+                </a:solidFill>
+                <a:latin typeface="G마켓 산스 Light" panose="02000000000000000000" pitchFamily="50" charset="-127"/>
+                <a:ea typeface="G마켓 산스 Light" panose="02000000000000000000" pitchFamily="50" charset="-127"/>
+              </a:rPr>
+              <a:t>범죄 경로 파악</a:t>
+            </a:r>
+            <a:endParaRPr lang="en-US" altLang="ko-KR" sz="2800" dirty="0">
+              <a:solidFill>
+                <a:schemeClr val="bg1"/>
+              </a:solidFill>
+              <a:latin typeface="G마켓 산스 Light" panose="02000000000000000000" pitchFamily="50" charset="-127"/>
+              <a:ea typeface="G마켓 산스 Light" panose="02000000000000000000" pitchFamily="50" charset="-127"/>
+            </a:endParaRPr>
+          </a:p>
+        </p:txBody>
+      </p:sp>
+      <p:sp>
+        <p:nvSpPr>
+          <p:cNvPr id="17" name="TextBox 16">
+            <a:extLst>
+              <a:ext uri="{FF2B5EF4-FFF2-40B4-BE49-F238E27FC236}">
+                <a16:creationId xmlns="" xmlns:a16="http://schemas.microsoft.com/office/drawing/2014/main" id="{773DF187-FAE7-4B00-9DAF-A0006D605DE3}"/>
+              </a:ext>
+            </a:extLst>
+          </p:cNvPr>
+          <p:cNvSpPr txBox="1"/>
+          <p:nvPr/>
+        </p:nvSpPr>
+        <p:spPr>
+          <a:xfrm>
+            <a:off x="5801077" y="3674059"/>
+            <a:ext cx="6390923" cy="738664"/>
+          </a:xfrm>
+          <a:prstGeom prst="rect">
+            <a:avLst/>
+          </a:prstGeom>
+          <a:noFill/>
+        </p:spPr>
+        <p:txBody>
+          <a:bodyPr wrap="square" rtlCol="0">
+            <a:spAutoFit/>
+          </a:bodyPr>
+          <a:lstStyle/>
+          <a:p>
+            <a:pPr algn="just">
+              <a:lnSpc>
+                <a:spcPct val="150000"/>
+              </a:lnSpc>
+            </a:pPr>
+            <a:r>
+              <a:rPr lang="en-US" altLang="ko-KR" sz="2800" dirty="0" smtClean="0">
+                <a:solidFill>
+                  <a:schemeClr val="bg1"/>
+                </a:solidFill>
+                <a:latin typeface="G마켓 산스 Light" panose="02000000000000000000" pitchFamily="50" charset="-127"/>
+                <a:ea typeface="G마켓 산스 Light" panose="02000000000000000000" pitchFamily="50" charset="-127"/>
+              </a:rPr>
+              <a:t>4. </a:t>
+            </a:r>
+            <a:r>
+              <a:rPr lang="ko-KR" altLang="en-US" sz="2800" dirty="0" smtClean="0">
+                <a:solidFill>
+                  <a:schemeClr val="bg1"/>
+                </a:solidFill>
+                <a:latin typeface="G마켓 산스 Light" panose="02000000000000000000" pitchFamily="50" charset="-127"/>
+                <a:ea typeface="G마켓 산스 Light" panose="02000000000000000000" pitchFamily="50" charset="-127"/>
+              </a:rPr>
+              <a:t>학교 밖 청소년에 대한 치료 </a:t>
+            </a:r>
+            <a:endParaRPr lang="en-US" altLang="ko-KR" sz="2800" dirty="0">
+              <a:solidFill>
+                <a:schemeClr val="bg1"/>
+              </a:solidFill>
+              <a:latin typeface="G마켓 산스 Light" panose="02000000000000000000" pitchFamily="50" charset="-127"/>
+              <a:ea typeface="G마켓 산스 Light" panose="02000000000000000000" pitchFamily="50" charset="-127"/>
+            </a:endParaRPr>
+          </a:p>
+        </p:txBody>
+      </p:sp>
+      <p:sp>
+        <p:nvSpPr>
+          <p:cNvPr id="18" name="TextBox 17">
+            <a:extLst>
+              <a:ext uri="{FF2B5EF4-FFF2-40B4-BE49-F238E27FC236}">
+                <a16:creationId xmlns="" xmlns:a16="http://schemas.microsoft.com/office/drawing/2014/main" id="{773DF187-FAE7-4B00-9DAF-A0006D605DE3}"/>
+              </a:ext>
+            </a:extLst>
+          </p:cNvPr>
+          <p:cNvSpPr txBox="1"/>
+          <p:nvPr/>
+        </p:nvSpPr>
+        <p:spPr>
+          <a:xfrm>
+            <a:off x="5801074" y="3009433"/>
+            <a:ext cx="6390923" cy="738664"/>
+          </a:xfrm>
+          <a:prstGeom prst="rect">
+            <a:avLst/>
+          </a:prstGeom>
+          <a:noFill/>
+        </p:spPr>
+        <p:txBody>
+          <a:bodyPr wrap="square" rtlCol="0">
+            <a:spAutoFit/>
+          </a:bodyPr>
+          <a:lstStyle/>
+          <a:p>
+            <a:pPr algn="just">
+              <a:lnSpc>
+                <a:spcPct val="150000"/>
+              </a:lnSpc>
+            </a:pPr>
+            <a:r>
+              <a:rPr lang="en-US" altLang="ko-KR" sz="2800" dirty="0" smtClean="0">
+                <a:solidFill>
+                  <a:schemeClr val="bg1"/>
+                </a:solidFill>
+                <a:latin typeface="G마켓 산스 Light" panose="02000000000000000000" pitchFamily="50" charset="-127"/>
+                <a:ea typeface="G마켓 산스 Light" panose="02000000000000000000" pitchFamily="50" charset="-127"/>
+              </a:rPr>
+              <a:t>3. </a:t>
+            </a:r>
+            <a:r>
+              <a:rPr lang="ko-KR" altLang="en-US" sz="2800" dirty="0" smtClean="0">
+                <a:solidFill>
+                  <a:schemeClr val="bg1"/>
+                </a:solidFill>
+                <a:latin typeface="G마켓 산스 Light" panose="02000000000000000000" pitchFamily="50" charset="-127"/>
+                <a:ea typeface="G마켓 산스 Light" panose="02000000000000000000" pitchFamily="50" charset="-127"/>
+              </a:rPr>
+              <a:t>유해 사이트 차단 </a:t>
+            </a:r>
+            <a:r>
+              <a:rPr lang="ko-KR" altLang="en-US" sz="2800" dirty="0" err="1" smtClean="0">
+                <a:solidFill>
+                  <a:schemeClr val="bg1"/>
+                </a:solidFill>
+                <a:latin typeface="G마켓 산스 Light" panose="02000000000000000000" pitchFamily="50" charset="-127"/>
+                <a:ea typeface="G마켓 산스 Light" panose="02000000000000000000" pitchFamily="50" charset="-127"/>
+              </a:rPr>
+              <a:t>어플</a:t>
+            </a:r>
+            <a:r>
+              <a:rPr lang="ko-KR" altLang="en-US" sz="2800" dirty="0" smtClean="0">
+                <a:solidFill>
+                  <a:schemeClr val="bg1"/>
+                </a:solidFill>
+                <a:latin typeface="G마켓 산스 Light" panose="02000000000000000000" pitchFamily="50" charset="-127"/>
+                <a:ea typeface="G마켓 산스 Light" panose="02000000000000000000" pitchFamily="50" charset="-127"/>
+              </a:rPr>
+              <a:t> 활성화</a:t>
+            </a:r>
+            <a:endParaRPr lang="en-US" altLang="ko-KR" sz="2800" dirty="0">
+              <a:solidFill>
+                <a:schemeClr val="bg1"/>
+              </a:solidFill>
+              <a:latin typeface="G마켓 산스 Light" panose="02000000000000000000" pitchFamily="50" charset="-127"/>
+              <a:ea typeface="G마켓 산스 Light" panose="02000000000000000000" pitchFamily="50" charset="-127"/>
+            </a:endParaRPr>
+          </a:p>
+        </p:txBody>
+      </p:sp>
+    </p:spTree>
+    <p:extLst>
+      <p:ext uri="{BB962C8B-B14F-4D97-AF65-F5344CB8AC3E}">
+        <p14:creationId xmlns:p14="http://schemas.microsoft.com/office/powerpoint/2010/main" val="3591463131"/>
+      </p:ext>
+    </p:extLst>
+  </p:cSld>
+  <p:clrMapOvr>
+    <a:masterClrMapping/>
+  </p:clrMapOvr>
+  <mc:AlternateContent xmlns:mc="http://schemas.openxmlformats.org/markup-compatibility/2006" xmlns:p14="http://schemas.microsoft.com/office/powerpoint/2010/main">
+    <mc:Choice Requires="p14">
+      <p:transition spd="slow">
+        <p14:reveal/>
+      </p:transition>
+    </mc:Choice>
+    <mc:Fallback xmlns="">
+      <p:transition spd="slow">
+        <p:fade/>
+      </p:transition>
+    </mc:Fallback>
+  </mc:AlternateContent>
+</p:sld>
+</file>
+
+<file path=ppt/slides/slide11.xml><?xml version="1.0" encoding="utf-8"?>
+<p:sld xmlns:a="http://schemas.openxmlformats.org/drawingml/2006/main" xmlns:r="http://schemas.openxmlformats.org/officeDocument/2006/relationships" xmlns:p="http://schemas.openxmlformats.org/presentationml/2006/main">
+  <p:cSld>
+    <p:bg>
+      <p:bgPr>
+        <a:solidFill>
+          <a:schemeClr val="tx1">
+            <a:lumMod val="85000"/>
+            <a:lumOff val="15000"/>
+          </a:schemeClr>
+        </a:solidFill>
+        <a:effectLst/>
+      </p:bgPr>
+    </p:bg>
+    <p:spTree>
+      <p:nvGrpSpPr>
+        <p:cNvPr id="1" name=""/>
+        <p:cNvGrpSpPr/>
+        <p:nvPr/>
+      </p:nvGrpSpPr>
+      <p:grpSpPr>
+        <a:xfrm>
+          <a:off x="0" y="0"/>
+          <a:ext cx="0" cy="0"/>
+          <a:chOff x="0" y="0"/>
+          <a:chExt cx="0" cy="0"/>
+        </a:xfrm>
+      </p:grpSpPr>
+      <p:pic>
+        <p:nvPicPr>
+          <p:cNvPr id="1028" name="Picture 4" descr="경찰 바리케이드 테이프 클로즈업 사진을 교차하지 마십시오">
+            <a:extLst>
+              <a:ext uri="{FF2B5EF4-FFF2-40B4-BE49-F238E27FC236}">
+                <a16:creationId xmlns="" xmlns:a16="http://schemas.microsoft.com/office/drawing/2014/main" id="{671B63BB-08E7-44B2-A6F0-4BE26FB84658}"/>
+              </a:ext>
+            </a:extLst>
+          </p:cNvPr>
+          <p:cNvPicPr>
+            <a:picLocks noChangeAspect="1" noChangeArrowheads="1"/>
+          </p:cNvPicPr>
+          <p:nvPr/>
+        </p:nvPicPr>
+        <p:blipFill>
+          <a:blip r:embed="rId2">
+            <a:extLst>
+              <a:ext uri="{BEBA8EAE-BF5A-486C-A8C5-ECC9F3942E4B}">
+                <a14:imgProps xmlns:a14="http://schemas.microsoft.com/office/drawing/2010/main">
+                  <a14:imgLayer r:embed="rId3">
+                    <a14:imgEffect>
+                      <a14:brightnessContrast bright="-52000" contrast="20000"/>
+                    </a14:imgEffect>
+                  </a14:imgLayer>
+                </a14:imgProps>
+              </a:ext>
+              <a:ext uri="{28A0092B-C50C-407E-A947-70E740481C1C}">
+                <a14:useLocalDpi xmlns:a14="http://schemas.microsoft.com/office/drawing/2010/main" val="0"/>
+              </a:ext>
+            </a:extLst>
+          </a:blip>
+          <a:srcRect/>
+          <a:stretch>
+            <a:fillRect/>
+          </a:stretch>
+        </p:blipFill>
+        <p:spPr bwMode="auto">
+          <a:xfrm>
+            <a:off x="7620000" y="0"/>
+            <a:ext cx="4572000" cy="6858000"/>
+          </a:xfrm>
+          <a:prstGeom prst="rect">
+            <a:avLst/>
+          </a:prstGeom>
+          <a:noFill/>
+          <a:extLst>
+            <a:ext uri="{909E8E84-426E-40DD-AFC4-6F175D3DCCD1}">
+              <a14:hiddenFill xmlns:a14="http://schemas.microsoft.com/office/drawing/2010/main">
+                <a:solidFill>
+                  <a:srgbClr val="FFFFFF"/>
+                </a:solidFill>
+              </a14:hiddenFill>
+            </a:ext>
+          </a:extLst>
+        </p:spPr>
+      </p:pic>
+      <p:sp>
+        <p:nvSpPr>
+          <p:cNvPr id="5" name="직사각형 4">
+            <a:extLst>
+              <a:ext uri="{FF2B5EF4-FFF2-40B4-BE49-F238E27FC236}">
+                <a16:creationId xmlns="" xmlns:a16="http://schemas.microsoft.com/office/drawing/2014/main" id="{93CB9BD6-5CFD-4F5D-85F2-D501F430508A}"/>
+              </a:ext>
+            </a:extLst>
+          </p:cNvPr>
+          <p:cNvSpPr/>
+          <p:nvPr/>
+        </p:nvSpPr>
+        <p:spPr>
+          <a:xfrm>
+            <a:off x="504825" y="438150"/>
+            <a:ext cx="6591300" cy="5943600"/>
+          </a:xfrm>
+          <a:prstGeom prst="rect">
+            <a:avLst/>
+          </a:prstGeom>
+          <a:noFill/>
+          <a:ln w="22225">
+            <a:solidFill>
+              <a:schemeClr val="bg1"/>
+            </a:solidFill>
+          </a:ln>
+        </p:spPr>
+        <p:style>
+          <a:lnRef idx="2">
+            <a:schemeClr val="accent1">
+              <a:shade val="50000"/>
+            </a:schemeClr>
+          </a:lnRef>
+          <a:fillRef idx="1">
+            <a:schemeClr val="accent1"/>
+          </a:fillRef>
+          <a:effectRef idx="0">
+            <a:schemeClr val="accent1"/>
+          </a:effectRef>
+          <a:fontRef idx="minor">
+            <a:schemeClr val="lt1"/>
+          </a:fontRef>
+        </p:style>
+        <p:txBody>
+          <a:bodyPr rtlCol="0" anchor="ctr"/>
+          <a:lstStyle/>
+          <a:p>
+            <a:pPr algn="ctr"/>
+            <a:endParaRPr lang="ko-KR" altLang="en-US"/>
+          </a:p>
+        </p:txBody>
+      </p:sp>
+      <p:grpSp>
+        <p:nvGrpSpPr>
+          <p:cNvPr id="9" name="그룹 8">
+            <a:extLst>
+              <a:ext uri="{FF2B5EF4-FFF2-40B4-BE49-F238E27FC236}">
+                <a16:creationId xmlns="" xmlns:a16="http://schemas.microsoft.com/office/drawing/2014/main" id="{C70B18DF-9367-4194-B73B-50D6E847EED5}"/>
+              </a:ext>
+            </a:extLst>
+          </p:cNvPr>
+          <p:cNvGrpSpPr/>
+          <p:nvPr/>
+        </p:nvGrpSpPr>
+        <p:grpSpPr>
+          <a:xfrm>
+            <a:off x="3187166" y="1962150"/>
+            <a:ext cx="1420413" cy="1200329"/>
+            <a:chOff x="3187166" y="1476375"/>
+            <a:chExt cx="1420413" cy="1200329"/>
+          </a:xfrm>
+        </p:grpSpPr>
+        <p:sp>
+          <p:nvSpPr>
+            <p:cNvPr id="6" name="TextBox 5">
+              <a:extLst>
+                <a:ext uri="{FF2B5EF4-FFF2-40B4-BE49-F238E27FC236}">
+                  <a16:creationId xmlns="" xmlns:a16="http://schemas.microsoft.com/office/drawing/2014/main" id="{72AC3162-CC19-4D6F-844F-E961C2121213}"/>
+                </a:ext>
+              </a:extLst>
+            </p:cNvPr>
+            <p:cNvSpPr txBox="1"/>
+            <p:nvPr/>
+          </p:nvSpPr>
+          <p:spPr>
+            <a:xfrm>
+              <a:off x="3187166" y="1476375"/>
+              <a:ext cx="1358064" cy="1200329"/>
+            </a:xfrm>
+            <a:prstGeom prst="rect">
+              <a:avLst/>
+            </a:prstGeom>
+            <a:noFill/>
+          </p:spPr>
+          <p:txBody>
+            <a:bodyPr wrap="none" rtlCol="0">
+              <a:spAutoFit/>
+            </a:bodyPr>
+            <a:lstStyle/>
+            <a:p>
+              <a:r>
+                <a:rPr lang="en-US" altLang="ko-KR" sz="7200" dirty="0" smtClean="0">
+                  <a:solidFill>
+                    <a:schemeClr val="bg1"/>
+                  </a:solidFill>
+                  <a:latin typeface="가나초콜릿" panose="020B0600000101010101" pitchFamily="34" charset="-127"/>
+                  <a:ea typeface="가나초콜릿" panose="020B0600000101010101" pitchFamily="34" charset="-127"/>
+                </a:rPr>
+                <a:t>03</a:t>
+              </a:r>
+              <a:endParaRPr lang="ko-KR" altLang="en-US" sz="7200" dirty="0">
+                <a:solidFill>
+                  <a:schemeClr val="bg1"/>
+                </a:solidFill>
+                <a:latin typeface="가나초콜릿" panose="020B0600000101010101" pitchFamily="34" charset="-127"/>
+                <a:ea typeface="가나초콜릿" panose="020B0600000101010101" pitchFamily="34" charset="-127"/>
+              </a:endParaRPr>
+            </a:p>
+          </p:txBody>
+        </p:sp>
+        <p:cxnSp>
+          <p:nvCxnSpPr>
+            <p:cNvPr id="8" name="직선 연결선 7">
+              <a:extLst>
+                <a:ext uri="{FF2B5EF4-FFF2-40B4-BE49-F238E27FC236}">
+                  <a16:creationId xmlns="" xmlns:a16="http://schemas.microsoft.com/office/drawing/2014/main" id="{FF09E170-F7DB-4A2F-8E79-FDBC9350D15B}"/>
+                </a:ext>
+              </a:extLst>
+            </p:cNvPr>
+            <p:cNvCxnSpPr>
+              <a:cxnSpLocks/>
+            </p:cNvCxnSpPr>
+            <p:nvPr/>
+          </p:nvCxnSpPr>
+          <p:spPr>
+            <a:xfrm>
+              <a:off x="3229945" y="2552700"/>
+              <a:ext cx="1377634" cy="0"/>
+            </a:xfrm>
+            <a:prstGeom prst="line">
+              <a:avLst/>
+            </a:prstGeom>
+            <a:ln>
+              <a:solidFill>
+                <a:schemeClr val="bg1"/>
+              </a:solidFill>
+            </a:ln>
+          </p:spPr>
+          <p:style>
+            <a:lnRef idx="1">
+              <a:schemeClr val="accent1"/>
+            </a:lnRef>
+            <a:fillRef idx="0">
+              <a:schemeClr val="accent1"/>
+            </a:fillRef>
+            <a:effectRef idx="0">
+              <a:schemeClr val="accent1"/>
+            </a:effectRef>
+            <a:fontRef idx="minor">
+              <a:schemeClr val="tx1"/>
+            </a:fontRef>
+          </p:style>
+        </p:cxnSp>
+      </p:grpSp>
+      <p:sp>
+        <p:nvSpPr>
+          <p:cNvPr id="10" name="TextBox 9">
+            <a:extLst>
+              <a:ext uri="{FF2B5EF4-FFF2-40B4-BE49-F238E27FC236}">
+                <a16:creationId xmlns="" xmlns:a16="http://schemas.microsoft.com/office/drawing/2014/main" id="{4F418FC5-E944-4175-8571-30F8AA7F5624}"/>
+              </a:ext>
+            </a:extLst>
+          </p:cNvPr>
+          <p:cNvSpPr txBox="1"/>
+          <p:nvPr/>
+        </p:nvSpPr>
+        <p:spPr>
+          <a:xfrm>
+            <a:off x="2682220" y="3162479"/>
+            <a:ext cx="2236511" cy="707886"/>
+          </a:xfrm>
+          <a:prstGeom prst="rect">
+            <a:avLst/>
+          </a:prstGeom>
+          <a:noFill/>
+        </p:spPr>
+        <p:txBody>
+          <a:bodyPr wrap="none" rtlCol="0">
+            <a:spAutoFit/>
+          </a:bodyPr>
+          <a:lstStyle/>
+          <a:p>
+            <a:pPr algn="ctr"/>
+            <a:r>
+              <a:rPr lang="ko-KR" altLang="en-US" sz="4000" dirty="0" smtClean="0">
+                <a:solidFill>
+                  <a:schemeClr val="bg1"/>
+                </a:solidFill>
+                <a:latin typeface="가나초콜릿" panose="020B0600000101010101" pitchFamily="34" charset="-127"/>
+                <a:ea typeface="가나초콜릿" panose="020B0600000101010101" pitchFamily="34" charset="-127"/>
+              </a:rPr>
+              <a:t>기대효과</a:t>
+            </a:r>
+            <a:endParaRPr lang="ko-KR" altLang="en-US" sz="4000" dirty="0">
+              <a:solidFill>
+                <a:schemeClr val="bg1"/>
+              </a:solidFill>
+              <a:latin typeface="가나초콜릿" panose="020B0600000101010101" pitchFamily="34" charset="-127"/>
+              <a:ea typeface="가나초콜릿" panose="020B0600000101010101" pitchFamily="34" charset="-127"/>
+            </a:endParaRPr>
+          </a:p>
+        </p:txBody>
+      </p:sp>
+    </p:spTree>
+    <p:extLst>
+      <p:ext uri="{BB962C8B-B14F-4D97-AF65-F5344CB8AC3E}">
+        <p14:creationId xmlns:p14="http://schemas.microsoft.com/office/powerpoint/2010/main" val="4222745613"/>
+      </p:ext>
+    </p:extLst>
+  </p:cSld>
+  <p:clrMapOvr>
+    <a:masterClrMapping/>
+  </p:clrMapOvr>
+  <mc:AlternateContent xmlns:mc="http://schemas.openxmlformats.org/markup-compatibility/2006" xmlns:p14="http://schemas.microsoft.com/office/powerpoint/2010/main">
+    <mc:Choice Requires="p14">
+      <p:transition spd="slow">
+        <p14:reveal/>
+      </p:transition>
+    </mc:Choice>
+    <mc:Fallback xmlns="">
+      <p:transition spd="slow">
+        <p:fade/>
+      </p:transition>
+    </mc:Fallback>
+  </mc:AlternateContent>
+</p:sld>
+</file>
+
+<file path=ppt/slides/slide12.xml><?xml version="1.0" encoding="utf-8"?>
+<p:sld xmlns:a="http://schemas.openxmlformats.org/drawingml/2006/main" xmlns:r="http://schemas.openxmlformats.org/officeDocument/2006/relationships" xmlns:p="http://schemas.openxmlformats.org/presentationml/2006/main">
+  <p:cSld>
+    <p:bg>
+      <p:bgPr>
+        <a:solidFill>
+          <a:schemeClr val="tx1">
+            <a:lumMod val="85000"/>
+            <a:lumOff val="15000"/>
+          </a:schemeClr>
+        </a:solidFill>
+        <a:effectLst/>
+      </p:bgPr>
+    </p:bg>
+    <p:spTree>
+      <p:nvGrpSpPr>
+        <p:cNvPr id="1" name=""/>
+        <p:cNvGrpSpPr/>
+        <p:nvPr/>
+      </p:nvGrpSpPr>
+      <p:grpSpPr>
+        <a:xfrm>
+          <a:off x="0" y="0"/>
+          <a:ext cx="0" cy="0"/>
+          <a:chOff x="0" y="0"/>
+          <a:chExt cx="0" cy="0"/>
+        </a:xfrm>
+      </p:grpSpPr>
+      <p:sp>
+        <p:nvSpPr>
+          <p:cNvPr id="33" name="직사각형 32">
+            <a:extLst>
+              <a:ext uri="{FF2B5EF4-FFF2-40B4-BE49-F238E27FC236}">
+                <a16:creationId xmlns="" xmlns:a16="http://schemas.microsoft.com/office/drawing/2014/main" id="{071BD9A8-937E-4838-8166-AB56E628827A}"/>
+              </a:ext>
+            </a:extLst>
+          </p:cNvPr>
+          <p:cNvSpPr/>
+          <p:nvPr/>
+        </p:nvSpPr>
+        <p:spPr>
+          <a:xfrm>
+            <a:off x="-10120" y="341029"/>
+            <a:ext cx="12202119" cy="45719"/>
+          </a:xfrm>
+          <a:prstGeom prst="rect">
+            <a:avLst/>
+          </a:prstGeom>
+          <a:gradFill flip="none" rotWithShape="1">
+            <a:gsLst>
+              <a:gs pos="0">
+                <a:srgbClr val="960000"/>
+              </a:gs>
+              <a:gs pos="40000">
+                <a:srgbClr val="960000"/>
+              </a:gs>
+              <a:gs pos="100000">
+                <a:srgbClr val="191919"/>
+              </a:gs>
+            </a:gsLst>
+            <a:lin ang="0" scaled="1"/>
+            <a:tileRect/>
+          </a:gradFill>
+          <a:ln>
+            <a:noFill/>
+          </a:ln>
+        </p:spPr>
+        <p:style>
+          <a:lnRef idx="2">
+            <a:schemeClr val="accent1">
+              <a:shade val="50000"/>
+            </a:schemeClr>
+          </a:lnRef>
+          <a:fillRef idx="1">
+            <a:schemeClr val="accent1"/>
+          </a:fillRef>
+          <a:effectRef idx="0">
+            <a:schemeClr val="accent1"/>
+          </a:effectRef>
+          <a:fontRef idx="minor">
+            <a:schemeClr val="lt1"/>
+          </a:fontRef>
+        </p:style>
+        <p:txBody>
+          <a:bodyPr rtlCol="0" anchor="ctr"/>
+          <a:lstStyle/>
+          <a:p>
+            <a:pPr algn="ctr"/>
+            <a:endParaRPr lang="ko-KR" altLang="en-US"/>
+          </a:p>
+        </p:txBody>
+      </p:sp>
+      <p:sp>
+        <p:nvSpPr>
+          <p:cNvPr id="34" name="직사각형 33">
+            <a:extLst>
+              <a:ext uri="{FF2B5EF4-FFF2-40B4-BE49-F238E27FC236}">
+                <a16:creationId xmlns="" xmlns:a16="http://schemas.microsoft.com/office/drawing/2014/main" id="{905EBA1D-24C7-4F00-B3C7-6DEBD568B0FF}"/>
+              </a:ext>
+            </a:extLst>
+          </p:cNvPr>
+          <p:cNvSpPr/>
+          <p:nvPr/>
+        </p:nvSpPr>
+        <p:spPr>
+          <a:xfrm flipH="1">
+            <a:off x="0" y="6418399"/>
+            <a:ext cx="12202119" cy="45719"/>
+          </a:xfrm>
+          <a:prstGeom prst="rect">
+            <a:avLst/>
+          </a:prstGeom>
+          <a:gradFill flip="none" rotWithShape="1">
+            <a:gsLst>
+              <a:gs pos="0">
+                <a:srgbClr val="960000"/>
+              </a:gs>
+              <a:gs pos="40000">
+                <a:srgbClr val="960000"/>
+              </a:gs>
+              <a:gs pos="100000">
+                <a:srgbClr val="191919"/>
+              </a:gs>
+            </a:gsLst>
+            <a:lin ang="0" scaled="1"/>
+            <a:tileRect/>
+          </a:gradFill>
+          <a:ln>
+            <a:noFill/>
+          </a:ln>
+        </p:spPr>
+        <p:style>
+          <a:lnRef idx="2">
+            <a:schemeClr val="accent1">
+              <a:shade val="50000"/>
+            </a:schemeClr>
+          </a:lnRef>
+          <a:fillRef idx="1">
+            <a:schemeClr val="accent1"/>
+          </a:fillRef>
+          <a:effectRef idx="0">
+            <a:schemeClr val="accent1"/>
+          </a:effectRef>
+          <a:fontRef idx="minor">
+            <a:schemeClr val="lt1"/>
+          </a:fontRef>
+        </p:style>
+        <p:txBody>
+          <a:bodyPr rtlCol="0" anchor="ctr"/>
+          <a:lstStyle/>
+          <a:p>
+            <a:pPr algn="ctr"/>
+            <a:endParaRPr lang="ko-KR" altLang="en-US"/>
+          </a:p>
+        </p:txBody>
+      </p:sp>
+      <p:sp>
+        <p:nvSpPr>
+          <p:cNvPr id="21" name="TextBox 20">
+            <a:extLst>
+              <a:ext uri="{FF2B5EF4-FFF2-40B4-BE49-F238E27FC236}">
+                <a16:creationId xmlns="" xmlns:a16="http://schemas.microsoft.com/office/drawing/2014/main" id="{773DF187-FAE7-4B00-9DAF-A0006D605DE3}"/>
+              </a:ext>
+            </a:extLst>
+          </p:cNvPr>
+          <p:cNvSpPr txBox="1"/>
+          <p:nvPr/>
+        </p:nvSpPr>
+        <p:spPr>
+          <a:xfrm>
+            <a:off x="135497" y="512039"/>
+            <a:ext cx="3725657" cy="738664"/>
+          </a:xfrm>
+          <a:prstGeom prst="rect">
+            <a:avLst/>
+          </a:prstGeom>
+          <a:noFill/>
+        </p:spPr>
+        <p:txBody>
+          <a:bodyPr wrap="square" rtlCol="0">
+            <a:spAutoFit/>
+          </a:bodyPr>
+          <a:lstStyle/>
+          <a:p>
+            <a:pPr algn="just">
+              <a:lnSpc>
+                <a:spcPct val="150000"/>
+              </a:lnSpc>
+            </a:pPr>
+            <a:r>
+              <a:rPr lang="ko-KR" altLang="en-US" sz="2800" b="1" dirty="0" smtClean="0">
+                <a:solidFill>
+                  <a:schemeClr val="bg1"/>
+                </a:solidFill>
+                <a:latin typeface="G마켓 산스 Light" panose="02000000000000000000" pitchFamily="50" charset="-127"/>
+                <a:ea typeface="G마켓 산스 Light" panose="02000000000000000000" pitchFamily="50" charset="-127"/>
+              </a:rPr>
+              <a:t>성인인증 절차의 강화</a:t>
+            </a:r>
+            <a:endParaRPr lang="en-US" altLang="ko-KR" sz="2800" b="1" dirty="0">
+              <a:solidFill>
+                <a:schemeClr val="bg1"/>
+              </a:solidFill>
+              <a:latin typeface="G마켓 산스 Light" panose="02000000000000000000" pitchFamily="50" charset="-127"/>
+              <a:ea typeface="G마켓 산스 Light" panose="02000000000000000000" pitchFamily="50" charset="-127"/>
+            </a:endParaRPr>
+          </a:p>
+        </p:txBody>
+      </p:sp>
+      <p:sp>
+        <p:nvSpPr>
+          <p:cNvPr id="3" name="직사각형 2"/>
+          <p:cNvSpPr/>
+          <p:nvPr/>
+        </p:nvSpPr>
+        <p:spPr>
+          <a:xfrm>
+            <a:off x="6444389" y="1535079"/>
+            <a:ext cx="4359250" cy="4725711"/>
+          </a:xfrm>
+          <a:prstGeom prst="rect">
+            <a:avLst/>
+          </a:prstGeom>
+          <a:solidFill>
+            <a:schemeClr val="bg1"/>
+          </a:solidFill>
+        </p:spPr>
+        <p:style>
+          <a:lnRef idx="2">
+            <a:schemeClr val="accent1">
+              <a:shade val="50000"/>
+            </a:schemeClr>
+          </a:lnRef>
+          <a:fillRef idx="1">
+            <a:schemeClr val="accent1"/>
+          </a:fillRef>
+          <a:effectRef idx="0">
+            <a:schemeClr val="accent1"/>
+          </a:effectRef>
+          <a:fontRef idx="minor">
+            <a:schemeClr val="lt1"/>
+          </a:fontRef>
+        </p:style>
+        <p:txBody>
+          <a:bodyPr rtlCol="0" anchor="ctr"/>
+          <a:lstStyle/>
+          <a:p>
+            <a:pPr algn="ctr"/>
+            <a:endParaRPr lang="ko-KR" altLang="en-US" dirty="0"/>
+          </a:p>
+        </p:txBody>
+      </p:sp>
+      <p:sp>
+        <p:nvSpPr>
+          <p:cNvPr id="4" name="TextBox 3"/>
+          <p:cNvSpPr txBox="1"/>
+          <p:nvPr/>
+        </p:nvSpPr>
+        <p:spPr>
+          <a:xfrm>
+            <a:off x="6532972" y="1599461"/>
+            <a:ext cx="1415772" cy="461665"/>
+          </a:xfrm>
+          <a:prstGeom prst="rect">
+            <a:avLst/>
+          </a:prstGeom>
+          <a:noFill/>
+        </p:spPr>
+        <p:txBody>
+          <a:bodyPr wrap="none" rtlCol="0">
+            <a:spAutoFit/>
+          </a:bodyPr>
+          <a:lstStyle/>
+          <a:p>
+            <a:r>
+              <a:rPr lang="ko-KR" altLang="en-US" sz="2400" b="1" dirty="0" smtClean="0"/>
+              <a:t>성인인증</a:t>
+            </a:r>
+            <a:endParaRPr lang="ko-KR" altLang="en-US" sz="2400" b="1" dirty="0"/>
+          </a:p>
+        </p:txBody>
+      </p:sp>
+      <p:sp>
+        <p:nvSpPr>
+          <p:cNvPr id="5" name="타원 4"/>
+          <p:cNvSpPr/>
+          <p:nvPr/>
+        </p:nvSpPr>
+        <p:spPr>
+          <a:xfrm>
+            <a:off x="7884396" y="2112642"/>
+            <a:ext cx="1650721" cy="1650721"/>
+          </a:xfrm>
+          <a:prstGeom prst="ellipse">
+            <a:avLst/>
+          </a:prstGeom>
+          <a:solidFill>
+            <a:srgbClr val="FF0000"/>
+          </a:solidFill>
+          <a:ln>
+            <a:solidFill>
+              <a:schemeClr val="bg1"/>
+            </a:solidFill>
+          </a:ln>
+        </p:spPr>
+        <p:style>
+          <a:lnRef idx="2">
+            <a:schemeClr val="accent1">
+              <a:shade val="50000"/>
+            </a:schemeClr>
+          </a:lnRef>
+          <a:fillRef idx="1">
+            <a:schemeClr val="accent1"/>
+          </a:fillRef>
+          <a:effectRef idx="0">
+            <a:schemeClr val="accent1"/>
+          </a:effectRef>
+          <a:fontRef idx="minor">
+            <a:schemeClr val="lt1"/>
+          </a:fontRef>
+        </p:style>
+        <p:txBody>
+          <a:bodyPr rtlCol="0" anchor="ctr"/>
+          <a:lstStyle/>
+          <a:p>
+            <a:pPr algn="ctr"/>
+            <a:endParaRPr lang="ko-KR" altLang="en-US"/>
+          </a:p>
+        </p:txBody>
+      </p:sp>
+      <p:sp>
+        <p:nvSpPr>
+          <p:cNvPr id="26" name="타원 25"/>
+          <p:cNvSpPr/>
+          <p:nvPr/>
+        </p:nvSpPr>
+        <p:spPr>
+          <a:xfrm>
+            <a:off x="8008224" y="2232102"/>
+            <a:ext cx="1397436" cy="1397436"/>
+          </a:xfrm>
+          <a:prstGeom prst="ellipse">
+            <a:avLst/>
+          </a:prstGeom>
+          <a:solidFill>
+            <a:schemeClr val="bg1"/>
+          </a:solidFill>
+          <a:ln>
+            <a:solidFill>
+              <a:schemeClr val="bg1"/>
+            </a:solidFill>
+          </a:ln>
+        </p:spPr>
+        <p:style>
+          <a:lnRef idx="2">
+            <a:schemeClr val="accent1">
+              <a:shade val="50000"/>
+            </a:schemeClr>
+          </a:lnRef>
+          <a:fillRef idx="1">
+            <a:schemeClr val="accent1"/>
+          </a:fillRef>
+          <a:effectRef idx="0">
+            <a:schemeClr val="accent1"/>
+          </a:effectRef>
+          <a:fontRef idx="minor">
+            <a:schemeClr val="lt1"/>
+          </a:fontRef>
+        </p:style>
+        <p:txBody>
+          <a:bodyPr rtlCol="0" anchor="ctr"/>
+          <a:lstStyle/>
+          <a:p>
+            <a:pPr algn="ctr"/>
+            <a:endParaRPr lang="ko-KR" altLang="en-US" dirty="0"/>
+          </a:p>
+        </p:txBody>
+      </p:sp>
+      <p:sp>
+        <p:nvSpPr>
+          <p:cNvPr id="6" name="TextBox 5"/>
+          <p:cNvSpPr txBox="1"/>
+          <p:nvPr/>
+        </p:nvSpPr>
+        <p:spPr>
+          <a:xfrm>
+            <a:off x="8110436" y="2386910"/>
+            <a:ext cx="1382820" cy="1015663"/>
+          </a:xfrm>
+          <a:prstGeom prst="rect">
+            <a:avLst/>
+          </a:prstGeom>
+          <a:noFill/>
+        </p:spPr>
+        <p:txBody>
+          <a:bodyPr wrap="square" rtlCol="0">
+            <a:spAutoFit/>
+          </a:bodyPr>
+          <a:lstStyle/>
+          <a:p>
+            <a:r>
+              <a:rPr lang="en-US" altLang="ko-KR" sz="6000" spc="600" dirty="0" smtClean="0">
+                <a:latin typeface="HY견고딕" panose="02030600000101010101" pitchFamily="18" charset="-127"/>
+                <a:ea typeface="HY견고딕" panose="02030600000101010101" pitchFamily="18" charset="-127"/>
+              </a:rPr>
+              <a:t>19</a:t>
+            </a:r>
+            <a:endParaRPr lang="ko-KR" altLang="en-US" sz="6000" spc="600" dirty="0">
+              <a:latin typeface="HY견고딕" panose="02030600000101010101" pitchFamily="18" charset="-127"/>
+              <a:ea typeface="HY견고딕" panose="02030600000101010101" pitchFamily="18" charset="-127"/>
+            </a:endParaRPr>
+          </a:p>
+        </p:txBody>
+      </p:sp>
+      <p:sp>
+        <p:nvSpPr>
+          <p:cNvPr id="7" name="TextBox 6"/>
+          <p:cNvSpPr txBox="1"/>
+          <p:nvPr/>
+        </p:nvSpPr>
+        <p:spPr>
+          <a:xfrm>
+            <a:off x="6584488" y="3970017"/>
+            <a:ext cx="4219150" cy="1077218"/>
+          </a:xfrm>
+          <a:prstGeom prst="rect">
+            <a:avLst/>
+          </a:prstGeom>
+          <a:noFill/>
+        </p:spPr>
+        <p:txBody>
+          <a:bodyPr wrap="square" rtlCol="0">
+            <a:spAutoFit/>
+          </a:bodyPr>
+          <a:lstStyle/>
+          <a:p>
+            <a:r>
+              <a:rPr lang="ko-KR" altLang="en-US" sz="1600" dirty="0" smtClean="0">
+                <a:latin typeface="HY신명조" panose="02030600000101010101" pitchFamily="18" charset="-127"/>
+                <a:ea typeface="HY신명조" panose="02030600000101010101" pitchFamily="18" charset="-127"/>
+              </a:rPr>
+              <a:t>이 정보 내용은 청소년 </a:t>
+            </a:r>
+            <a:r>
+              <a:rPr lang="ko-KR" altLang="en-US" sz="1600" dirty="0" err="1" smtClean="0">
+                <a:latin typeface="HY신명조" panose="02030600000101010101" pitchFamily="18" charset="-127"/>
+                <a:ea typeface="HY신명조" panose="02030600000101010101" pitchFamily="18" charset="-127"/>
+              </a:rPr>
+              <a:t>유해매체물로서</a:t>
+            </a:r>
+            <a:r>
+              <a:rPr lang="ko-KR" altLang="en-US" sz="1600" dirty="0" smtClean="0">
+                <a:latin typeface="HY신명조" panose="02030600000101010101" pitchFamily="18" charset="-127"/>
+                <a:ea typeface="HY신명조" panose="02030600000101010101" pitchFamily="18" charset="-127"/>
+              </a:rPr>
+              <a:t> 정보통신만</a:t>
+            </a:r>
+            <a:r>
+              <a:rPr lang="en-US" altLang="ko-KR" sz="1600" dirty="0">
+                <a:latin typeface="HY신명조" panose="02030600000101010101" pitchFamily="18" charset="-127"/>
+                <a:ea typeface="HY신명조" panose="02030600000101010101" pitchFamily="18" charset="-127"/>
+              </a:rPr>
+              <a:t> </a:t>
+            </a:r>
+            <a:r>
+              <a:rPr lang="ko-KR" altLang="en-US" sz="1600" dirty="0" smtClean="0">
+                <a:latin typeface="HY신명조" panose="02030600000101010101" pitchFamily="18" charset="-127"/>
+                <a:ea typeface="HY신명조" panose="02030600000101010101" pitchFamily="18" charset="-127"/>
+              </a:rPr>
+              <a:t>이용촉진 및 정보보호 등에 관한 법률 및 청소년 보호법의 규정에 의하여 </a:t>
+            </a:r>
+            <a:r>
+              <a:rPr lang="en-US" altLang="ko-KR" sz="1600" dirty="0" smtClean="0">
+                <a:latin typeface="HY신명조" panose="02030600000101010101" pitchFamily="18" charset="-127"/>
+                <a:ea typeface="HY신명조" panose="02030600000101010101" pitchFamily="18" charset="-127"/>
+              </a:rPr>
+              <a:t>19</a:t>
+            </a:r>
+            <a:r>
+              <a:rPr lang="ko-KR" altLang="en-US" sz="1600" dirty="0" smtClean="0">
+                <a:latin typeface="HY신명조" panose="02030600000101010101" pitchFamily="18" charset="-127"/>
+                <a:ea typeface="HY신명조" panose="02030600000101010101" pitchFamily="18" charset="-127"/>
+              </a:rPr>
+              <a:t>세 미만의 청소년이 이용할 수 없습니다</a:t>
+            </a:r>
+            <a:r>
+              <a:rPr lang="en-US" altLang="ko-KR" sz="1600" dirty="0" smtClean="0">
+                <a:latin typeface="HY신명조" panose="02030600000101010101" pitchFamily="18" charset="-127"/>
+                <a:ea typeface="HY신명조" panose="02030600000101010101" pitchFamily="18" charset="-127"/>
+              </a:rPr>
+              <a:t>.</a:t>
+            </a:r>
+            <a:endParaRPr lang="ko-KR" altLang="en-US" sz="1600" dirty="0">
+              <a:latin typeface="HY신명조" panose="02030600000101010101" pitchFamily="18" charset="-127"/>
+              <a:ea typeface="HY신명조" panose="02030600000101010101" pitchFamily="18" charset="-127"/>
+            </a:endParaRPr>
+          </a:p>
+        </p:txBody>
+      </p:sp>
+      <p:cxnSp>
+        <p:nvCxnSpPr>
+          <p:cNvPr id="9" name="직선 연결선 8"/>
+          <p:cNvCxnSpPr/>
+          <p:nvPr/>
+        </p:nvCxnSpPr>
+        <p:spPr>
+          <a:xfrm>
+            <a:off x="6532972" y="5150267"/>
+            <a:ext cx="4219150" cy="0"/>
+          </a:xfrm>
+          <a:prstGeom prst="line">
+            <a:avLst/>
+          </a:prstGeom>
+          <a:ln>
+            <a:solidFill>
+              <a:schemeClr val="bg2">
+                <a:lumMod val="90000"/>
+              </a:schemeClr>
+            </a:solidFill>
+          </a:ln>
+        </p:spPr>
+        <p:style>
+          <a:lnRef idx="1">
+            <a:schemeClr val="accent1"/>
+          </a:lnRef>
+          <a:fillRef idx="0">
+            <a:schemeClr val="accent1"/>
+          </a:fillRef>
+          <a:effectRef idx="0">
+            <a:schemeClr val="accent1"/>
+          </a:effectRef>
+          <a:fontRef idx="minor">
+            <a:schemeClr val="tx1"/>
+          </a:fontRef>
+        </p:style>
+      </p:cxnSp>
+      <p:sp>
+        <p:nvSpPr>
+          <p:cNvPr id="10" name="직사각형 9"/>
+          <p:cNvSpPr/>
+          <p:nvPr/>
+        </p:nvSpPr>
+        <p:spPr>
+          <a:xfrm>
+            <a:off x="8706117" y="5550793"/>
+            <a:ext cx="829000" cy="463640"/>
+          </a:xfrm>
+          <a:prstGeom prst="rect">
+            <a:avLst/>
+          </a:prstGeom>
+          <a:solidFill>
+            <a:schemeClr val="bg2">
+              <a:lumMod val="50000"/>
+            </a:schemeClr>
+          </a:solidFill>
+        </p:spPr>
+        <p:style>
+          <a:lnRef idx="2">
+            <a:schemeClr val="accent1">
+              <a:shade val="50000"/>
+            </a:schemeClr>
+          </a:lnRef>
+          <a:fillRef idx="1">
+            <a:schemeClr val="accent1"/>
+          </a:fillRef>
+          <a:effectRef idx="0">
+            <a:schemeClr val="accent1"/>
+          </a:effectRef>
+          <a:fontRef idx="minor">
+            <a:schemeClr val="lt1"/>
+          </a:fontRef>
+        </p:style>
+        <p:txBody>
+          <a:bodyPr rtlCol="0" anchor="ctr"/>
+          <a:lstStyle/>
+          <a:p>
+            <a:pPr algn="ctr"/>
+            <a:endParaRPr lang="ko-KR" altLang="en-US"/>
+          </a:p>
+        </p:txBody>
+      </p:sp>
+      <p:sp>
+        <p:nvSpPr>
+          <p:cNvPr id="32" name="직사각형 31"/>
+          <p:cNvSpPr/>
+          <p:nvPr/>
+        </p:nvSpPr>
+        <p:spPr>
+          <a:xfrm>
+            <a:off x="9705780" y="5550793"/>
+            <a:ext cx="829000" cy="463640"/>
+          </a:xfrm>
+          <a:prstGeom prst="rect">
+            <a:avLst/>
+          </a:prstGeom>
+        </p:spPr>
+        <p:style>
+          <a:lnRef idx="2">
+            <a:schemeClr val="accent1">
+              <a:shade val="50000"/>
+            </a:schemeClr>
+          </a:lnRef>
+          <a:fillRef idx="1">
+            <a:schemeClr val="accent1"/>
+          </a:fillRef>
+          <a:effectRef idx="0">
+            <a:schemeClr val="accent1"/>
+          </a:effectRef>
+          <a:fontRef idx="minor">
+            <a:schemeClr val="lt1"/>
+          </a:fontRef>
+        </p:style>
+        <p:txBody>
+          <a:bodyPr rtlCol="0" anchor="ctr"/>
+          <a:lstStyle/>
+          <a:p>
+            <a:pPr algn="ctr"/>
+            <a:endParaRPr lang="ko-KR" altLang="en-US"/>
+          </a:p>
+        </p:txBody>
+      </p:sp>
+      <p:sp>
+        <p:nvSpPr>
+          <p:cNvPr id="11" name="TextBox 10"/>
+          <p:cNvSpPr txBox="1"/>
+          <p:nvPr/>
+        </p:nvSpPr>
+        <p:spPr>
+          <a:xfrm>
+            <a:off x="8797451" y="5632222"/>
+            <a:ext cx="646331" cy="369332"/>
+          </a:xfrm>
+          <a:prstGeom prst="rect">
+            <a:avLst/>
+          </a:prstGeom>
+          <a:noFill/>
+        </p:spPr>
+        <p:txBody>
+          <a:bodyPr wrap="none" rtlCol="0">
+            <a:spAutoFit/>
+          </a:bodyPr>
+          <a:lstStyle/>
+          <a:p>
+            <a:r>
+              <a:rPr lang="ko-KR" altLang="en-US" b="1" smtClean="0">
+                <a:solidFill>
+                  <a:schemeClr val="bg1"/>
+                </a:solidFill>
+              </a:rPr>
+              <a:t>취소</a:t>
+            </a:r>
+            <a:endParaRPr lang="ko-KR" altLang="en-US" b="1">
+              <a:solidFill>
+                <a:schemeClr val="bg1"/>
+              </a:solidFill>
+            </a:endParaRPr>
+          </a:p>
+        </p:txBody>
+      </p:sp>
+      <p:sp>
+        <p:nvSpPr>
+          <p:cNvPr id="12" name="TextBox 11"/>
+          <p:cNvSpPr txBox="1"/>
+          <p:nvPr/>
+        </p:nvSpPr>
+        <p:spPr>
+          <a:xfrm>
+            <a:off x="9797114" y="5632222"/>
+            <a:ext cx="646331" cy="369332"/>
+          </a:xfrm>
+          <a:prstGeom prst="rect">
+            <a:avLst/>
+          </a:prstGeom>
+          <a:noFill/>
+        </p:spPr>
+        <p:txBody>
+          <a:bodyPr wrap="none" rtlCol="0">
+            <a:spAutoFit/>
+          </a:bodyPr>
+          <a:lstStyle/>
+          <a:p>
+            <a:r>
+              <a:rPr lang="ko-KR" altLang="en-US" b="1" smtClean="0">
+                <a:solidFill>
+                  <a:schemeClr val="bg1"/>
+                </a:solidFill>
+              </a:rPr>
+              <a:t>인증</a:t>
+            </a:r>
+            <a:endParaRPr lang="ko-KR" altLang="en-US" b="1">
+              <a:solidFill>
+                <a:schemeClr val="bg1"/>
+              </a:solidFill>
+            </a:endParaRPr>
+          </a:p>
+        </p:txBody>
+      </p:sp>
+      <p:sp>
+        <p:nvSpPr>
+          <p:cNvPr id="35" name="직사각형 34"/>
+          <p:cNvSpPr/>
+          <p:nvPr/>
+        </p:nvSpPr>
+        <p:spPr>
+          <a:xfrm>
+            <a:off x="1037135" y="1535080"/>
+            <a:ext cx="4245506" cy="4710063"/>
+          </a:xfrm>
+          <a:prstGeom prst="rect">
+            <a:avLst/>
+          </a:prstGeom>
+          <a:solidFill>
+            <a:schemeClr val="bg1"/>
+          </a:solidFill>
+        </p:spPr>
+        <p:style>
+          <a:lnRef idx="2">
+            <a:schemeClr val="accent1">
+              <a:shade val="50000"/>
+            </a:schemeClr>
+          </a:lnRef>
+          <a:fillRef idx="1">
+            <a:schemeClr val="accent1"/>
+          </a:fillRef>
+          <a:effectRef idx="0">
+            <a:schemeClr val="accent1"/>
+          </a:effectRef>
+          <a:fontRef idx="minor">
+            <a:schemeClr val="lt1"/>
+          </a:fontRef>
+        </p:style>
+        <p:txBody>
+          <a:bodyPr rtlCol="0" anchor="ctr"/>
+          <a:lstStyle/>
+          <a:p>
+            <a:pPr algn="ctr"/>
+            <a:endParaRPr lang="ko-KR" altLang="en-US" dirty="0"/>
+          </a:p>
+        </p:txBody>
+      </p:sp>
+      <p:sp>
+        <p:nvSpPr>
+          <p:cNvPr id="36" name="타원 35"/>
+          <p:cNvSpPr/>
+          <p:nvPr/>
+        </p:nvSpPr>
+        <p:spPr>
+          <a:xfrm>
+            <a:off x="1154855" y="1658276"/>
+            <a:ext cx="1131505" cy="1131505"/>
+          </a:xfrm>
+          <a:prstGeom prst="ellipse">
+            <a:avLst/>
+          </a:prstGeom>
+          <a:solidFill>
+            <a:srgbClr val="FF0000"/>
+          </a:solidFill>
+          <a:ln>
+            <a:solidFill>
+              <a:schemeClr val="bg1"/>
+            </a:solidFill>
+          </a:ln>
+        </p:spPr>
+        <p:style>
+          <a:lnRef idx="2">
+            <a:schemeClr val="accent1">
+              <a:shade val="50000"/>
+            </a:schemeClr>
+          </a:lnRef>
+          <a:fillRef idx="1">
+            <a:schemeClr val="accent1"/>
+          </a:fillRef>
+          <a:effectRef idx="0">
+            <a:schemeClr val="accent1"/>
+          </a:effectRef>
+          <a:fontRef idx="minor">
+            <a:schemeClr val="lt1"/>
+          </a:fontRef>
+        </p:style>
+        <p:txBody>
+          <a:bodyPr rtlCol="0" anchor="ctr"/>
+          <a:lstStyle/>
+          <a:p>
+            <a:pPr algn="ctr"/>
+            <a:endParaRPr lang="ko-KR" altLang="en-US"/>
+          </a:p>
+        </p:txBody>
+      </p:sp>
+      <p:sp>
+        <p:nvSpPr>
+          <p:cNvPr id="37" name="타원 36"/>
+          <p:cNvSpPr/>
+          <p:nvPr/>
+        </p:nvSpPr>
+        <p:spPr>
+          <a:xfrm>
+            <a:off x="1252924" y="1736706"/>
+            <a:ext cx="957888" cy="957888"/>
+          </a:xfrm>
+          <a:prstGeom prst="ellipse">
+            <a:avLst/>
+          </a:prstGeom>
+          <a:solidFill>
+            <a:schemeClr val="bg1"/>
+          </a:solidFill>
+          <a:ln>
+            <a:solidFill>
+              <a:schemeClr val="bg1"/>
+            </a:solidFill>
+          </a:ln>
+        </p:spPr>
+        <p:style>
+          <a:lnRef idx="2">
+            <a:schemeClr val="accent1">
+              <a:shade val="50000"/>
+            </a:schemeClr>
+          </a:lnRef>
+          <a:fillRef idx="1">
+            <a:schemeClr val="accent1"/>
+          </a:fillRef>
+          <a:effectRef idx="0">
+            <a:schemeClr val="accent1"/>
+          </a:effectRef>
+          <a:fontRef idx="minor">
+            <a:schemeClr val="lt1"/>
+          </a:fontRef>
+        </p:style>
+        <p:txBody>
+          <a:bodyPr rtlCol="0" anchor="ctr"/>
+          <a:lstStyle/>
+          <a:p>
+            <a:pPr algn="ctr"/>
+            <a:endParaRPr lang="ko-KR" altLang="en-US" dirty="0"/>
+          </a:p>
+        </p:txBody>
+      </p:sp>
+      <p:sp>
+        <p:nvSpPr>
+          <p:cNvPr id="38" name="TextBox 37"/>
+          <p:cNvSpPr txBox="1"/>
+          <p:nvPr/>
+        </p:nvSpPr>
+        <p:spPr>
+          <a:xfrm>
+            <a:off x="1345929" y="1881392"/>
+            <a:ext cx="947869" cy="646331"/>
+          </a:xfrm>
+          <a:prstGeom prst="rect">
+            <a:avLst/>
+          </a:prstGeom>
+          <a:noFill/>
+        </p:spPr>
+        <p:txBody>
+          <a:bodyPr wrap="square" rtlCol="0">
+            <a:spAutoFit/>
+          </a:bodyPr>
+          <a:lstStyle/>
+          <a:p>
+            <a:r>
+              <a:rPr lang="en-US" altLang="ko-KR" sz="3600" spc="300" dirty="0">
+                <a:latin typeface="HY견고딕" panose="02030600000101010101" pitchFamily="18" charset="-127"/>
+                <a:ea typeface="HY견고딕" panose="02030600000101010101" pitchFamily="18" charset="-127"/>
+              </a:rPr>
+              <a:t>1</a:t>
+            </a:r>
+            <a:r>
+              <a:rPr lang="en-US" altLang="ko-KR" sz="3600" spc="300" dirty="0" smtClean="0">
+                <a:latin typeface="HY견고딕" panose="02030600000101010101" pitchFamily="18" charset="-127"/>
+                <a:ea typeface="HY견고딕" panose="02030600000101010101" pitchFamily="18" charset="-127"/>
+              </a:rPr>
+              <a:t>9</a:t>
+            </a:r>
+            <a:endParaRPr lang="ko-KR" altLang="en-US" sz="3600" spc="300" dirty="0">
+              <a:latin typeface="HY견고딕" panose="02030600000101010101" pitchFamily="18" charset="-127"/>
+              <a:ea typeface="HY견고딕" panose="02030600000101010101" pitchFamily="18" charset="-127"/>
+            </a:endParaRPr>
+          </a:p>
+        </p:txBody>
+      </p:sp>
+      <p:sp>
+        <p:nvSpPr>
+          <p:cNvPr id="13" name="TextBox 12"/>
+          <p:cNvSpPr txBox="1"/>
+          <p:nvPr/>
+        </p:nvSpPr>
+        <p:spPr>
+          <a:xfrm>
+            <a:off x="2322708" y="1863597"/>
+            <a:ext cx="2836033" cy="830997"/>
+          </a:xfrm>
+          <a:prstGeom prst="rect">
+            <a:avLst/>
+          </a:prstGeom>
+          <a:noFill/>
+        </p:spPr>
+        <p:txBody>
+          <a:bodyPr wrap="none" rtlCol="0">
+            <a:spAutoFit/>
+          </a:bodyPr>
+          <a:lstStyle/>
+          <a:p>
+            <a:r>
+              <a:rPr lang="ko-KR" altLang="en-US" sz="1600" dirty="0" smtClean="0">
+                <a:latin typeface="HY신명조" panose="02030600000101010101" pitchFamily="18" charset="-127"/>
+                <a:ea typeface="HY신명조" panose="02030600000101010101" pitchFamily="18" charset="-127"/>
+              </a:rPr>
+              <a:t>성인 본인인증이 필요합니다</a:t>
+            </a:r>
+            <a:r>
+              <a:rPr lang="en-US" altLang="ko-KR" sz="1600" dirty="0" smtClean="0">
+                <a:latin typeface="HY신명조" panose="02030600000101010101" pitchFamily="18" charset="-127"/>
+                <a:ea typeface="HY신명조" panose="02030600000101010101" pitchFamily="18" charset="-127"/>
+              </a:rPr>
+              <a:t>.</a:t>
+            </a:r>
+          </a:p>
+          <a:p>
+            <a:r>
+              <a:rPr lang="ko-KR" altLang="en-US" sz="1600" dirty="0" smtClean="0">
+                <a:latin typeface="HY신명조" panose="02030600000101010101" pitchFamily="18" charset="-127"/>
+                <a:ea typeface="HY신명조" panose="02030600000101010101" pitchFamily="18" charset="-127"/>
+              </a:rPr>
+              <a:t>청소년 보호법 규정에 의한</a:t>
+            </a:r>
+            <a:endParaRPr lang="en-US" altLang="ko-KR" sz="1600" dirty="0" smtClean="0">
+              <a:latin typeface="HY신명조" panose="02030600000101010101" pitchFamily="18" charset="-127"/>
+              <a:ea typeface="HY신명조" panose="02030600000101010101" pitchFamily="18" charset="-127"/>
+            </a:endParaRPr>
+          </a:p>
+          <a:p>
+            <a:r>
+              <a:rPr lang="ko-KR" altLang="en-US" sz="1600" dirty="0" smtClean="0">
+                <a:latin typeface="HY신명조" panose="02030600000101010101" pitchFamily="18" charset="-127"/>
+                <a:ea typeface="HY신명조" panose="02030600000101010101" pitchFamily="18" charset="-127"/>
+              </a:rPr>
+              <a:t>성인 본인인증 안내</a:t>
+            </a:r>
+            <a:endParaRPr lang="ko-KR" altLang="en-US" sz="1600" dirty="0">
+              <a:latin typeface="HY신명조" panose="02030600000101010101" pitchFamily="18" charset="-127"/>
+              <a:ea typeface="HY신명조" panose="02030600000101010101" pitchFamily="18" charset="-127"/>
+            </a:endParaRPr>
+          </a:p>
+        </p:txBody>
+      </p:sp>
+      <p:sp>
+        <p:nvSpPr>
+          <p:cNvPr id="14" name="직사각형 13"/>
+          <p:cNvSpPr/>
+          <p:nvPr/>
+        </p:nvSpPr>
+        <p:spPr>
+          <a:xfrm>
+            <a:off x="1313143" y="3074158"/>
+            <a:ext cx="3741107" cy="360790"/>
+          </a:xfrm>
+          <a:prstGeom prst="rect">
+            <a:avLst/>
+          </a:prstGeom>
+          <a:solidFill>
+            <a:schemeClr val="bg2"/>
+          </a:solidFill>
+          <a:ln>
+            <a:solidFill>
+              <a:schemeClr val="bg1"/>
+            </a:solidFill>
+          </a:ln>
+          <a:effectLst>
+            <a:outerShdw blurRad="50800" dist="38100" dir="5400000" algn="t" rotWithShape="0">
+              <a:prstClr val="black">
+                <a:alpha val="40000"/>
+              </a:prstClr>
+            </a:outerShdw>
+          </a:effectLst>
+        </p:spPr>
+        <p:style>
+          <a:lnRef idx="2">
+            <a:schemeClr val="accent1">
+              <a:shade val="50000"/>
+            </a:schemeClr>
+          </a:lnRef>
+          <a:fillRef idx="1">
+            <a:schemeClr val="accent1"/>
+          </a:fillRef>
+          <a:effectRef idx="0">
+            <a:schemeClr val="accent1"/>
+          </a:effectRef>
+          <a:fontRef idx="minor">
+            <a:schemeClr val="lt1"/>
+          </a:fontRef>
+        </p:style>
+        <p:txBody>
+          <a:bodyPr rtlCol="0" anchor="ctr"/>
+          <a:lstStyle/>
+          <a:p>
+            <a:pPr algn="ctr"/>
+            <a:endParaRPr lang="ko-KR" altLang="en-US"/>
+          </a:p>
+        </p:txBody>
+      </p:sp>
+      <p:sp>
+        <p:nvSpPr>
+          <p:cNvPr id="15" name="TextBox 14"/>
+          <p:cNvSpPr txBox="1"/>
+          <p:nvPr/>
+        </p:nvSpPr>
+        <p:spPr>
+          <a:xfrm>
+            <a:off x="2139317" y="3081474"/>
+            <a:ext cx="1986441" cy="369332"/>
+          </a:xfrm>
+          <a:prstGeom prst="rect">
+            <a:avLst/>
+          </a:prstGeom>
+          <a:noFill/>
+        </p:spPr>
+        <p:txBody>
+          <a:bodyPr wrap="none" rtlCol="0">
+            <a:spAutoFit/>
+          </a:bodyPr>
+          <a:lstStyle/>
+          <a:p>
+            <a:r>
+              <a:rPr lang="en-US" altLang="ko-KR" dirty="0" smtClean="0"/>
+              <a:t>19</a:t>
+            </a:r>
+            <a:r>
+              <a:rPr lang="ko-KR" altLang="en-US" dirty="0" smtClean="0"/>
+              <a:t>세 미만 나가기</a:t>
+            </a:r>
+            <a:endParaRPr lang="ko-KR" altLang="en-US" dirty="0"/>
+          </a:p>
+        </p:txBody>
+      </p:sp>
+      <p:sp>
+        <p:nvSpPr>
+          <p:cNvPr id="44" name="TextBox 43"/>
+          <p:cNvSpPr txBox="1"/>
+          <p:nvPr/>
+        </p:nvSpPr>
+        <p:spPr>
+          <a:xfrm>
+            <a:off x="1252924" y="3766217"/>
+            <a:ext cx="1210588" cy="400110"/>
+          </a:xfrm>
+          <a:prstGeom prst="rect">
+            <a:avLst/>
+          </a:prstGeom>
+          <a:noFill/>
+        </p:spPr>
+        <p:txBody>
+          <a:bodyPr wrap="none" rtlCol="0">
+            <a:spAutoFit/>
+          </a:bodyPr>
+          <a:lstStyle/>
+          <a:p>
+            <a:r>
+              <a:rPr lang="ko-KR" altLang="en-US" sz="2000" b="1" dirty="0" smtClean="0"/>
+              <a:t>성인인증</a:t>
+            </a:r>
+            <a:endParaRPr lang="ko-KR" altLang="en-US" sz="2000" b="1" dirty="0"/>
+          </a:p>
+        </p:txBody>
+      </p:sp>
+      <p:cxnSp>
+        <p:nvCxnSpPr>
+          <p:cNvPr id="56" name="직선 연결선 55"/>
+          <p:cNvCxnSpPr/>
+          <p:nvPr/>
+        </p:nvCxnSpPr>
+        <p:spPr>
+          <a:xfrm>
+            <a:off x="1048607" y="4465570"/>
+            <a:ext cx="4219150" cy="0"/>
+          </a:xfrm>
+          <a:prstGeom prst="line">
+            <a:avLst/>
+          </a:prstGeom>
+          <a:ln>
+            <a:solidFill>
+              <a:schemeClr val="bg2">
+                <a:lumMod val="90000"/>
+              </a:schemeClr>
+            </a:solidFill>
+          </a:ln>
+        </p:spPr>
+        <p:style>
+          <a:lnRef idx="1">
+            <a:schemeClr val="accent1"/>
+          </a:lnRef>
+          <a:fillRef idx="0">
+            <a:schemeClr val="accent1"/>
+          </a:fillRef>
+          <a:effectRef idx="0">
+            <a:schemeClr val="accent1"/>
+          </a:effectRef>
+          <a:fontRef idx="minor">
+            <a:schemeClr val="tx1"/>
+          </a:fontRef>
+        </p:style>
+      </p:cxnSp>
+      <p:sp>
+        <p:nvSpPr>
+          <p:cNvPr id="16" name="TextBox 15"/>
+          <p:cNvSpPr txBox="1"/>
+          <p:nvPr/>
+        </p:nvSpPr>
+        <p:spPr>
+          <a:xfrm>
+            <a:off x="1313143" y="4764814"/>
+            <a:ext cx="1282723" cy="338554"/>
+          </a:xfrm>
+          <a:prstGeom prst="rect">
+            <a:avLst/>
+          </a:prstGeom>
+          <a:noFill/>
+        </p:spPr>
+        <p:txBody>
+          <a:bodyPr wrap="none" rtlCol="0">
+            <a:spAutoFit/>
+          </a:bodyPr>
+          <a:lstStyle/>
+          <a:p>
+            <a:r>
+              <a:rPr lang="ko-KR" altLang="en-US" sz="1600" dirty="0" err="1" smtClean="0"/>
+              <a:t>아이핀</a:t>
+            </a:r>
+            <a:r>
+              <a:rPr lang="ko-KR" altLang="en-US" sz="1600" dirty="0" smtClean="0"/>
+              <a:t> 인증</a:t>
+            </a:r>
+            <a:endParaRPr lang="ko-KR" altLang="en-US" sz="1600" dirty="0"/>
+          </a:p>
+        </p:txBody>
+      </p:sp>
+      <p:sp>
+        <p:nvSpPr>
+          <p:cNvPr id="57" name="TextBox 56"/>
+          <p:cNvSpPr txBox="1"/>
+          <p:nvPr/>
+        </p:nvSpPr>
+        <p:spPr>
+          <a:xfrm>
+            <a:off x="1313143" y="5366127"/>
+            <a:ext cx="1282723" cy="338554"/>
+          </a:xfrm>
+          <a:prstGeom prst="rect">
+            <a:avLst/>
+          </a:prstGeom>
+          <a:noFill/>
+        </p:spPr>
+        <p:txBody>
+          <a:bodyPr wrap="none" rtlCol="0">
+            <a:spAutoFit/>
+          </a:bodyPr>
+          <a:lstStyle/>
+          <a:p>
+            <a:r>
+              <a:rPr lang="ko-KR" altLang="en-US" sz="1600" dirty="0" smtClean="0"/>
+              <a:t>핸드폰 인증</a:t>
+            </a:r>
+            <a:endParaRPr lang="ko-KR" altLang="en-US" sz="1600" dirty="0"/>
+          </a:p>
+        </p:txBody>
+      </p:sp>
+      <p:sp>
+        <p:nvSpPr>
+          <p:cNvPr id="17" name="직사각형 16"/>
+          <p:cNvSpPr/>
+          <p:nvPr/>
+        </p:nvSpPr>
+        <p:spPr>
+          <a:xfrm>
+            <a:off x="2952231" y="4739056"/>
+            <a:ext cx="1631801" cy="385453"/>
+          </a:xfrm>
+          <a:prstGeom prst="rect">
+            <a:avLst/>
+          </a:prstGeom>
+          <a:solidFill>
+            <a:schemeClr val="bg2">
+              <a:lumMod val="50000"/>
+            </a:schemeClr>
+          </a:solidFill>
+          <a:ln>
+            <a:noFill/>
+          </a:ln>
+          <a:effectLst>
+            <a:outerShdw blurRad="44450" dist="27940" dir="5400000" algn="ctr">
+              <a:srgbClr val="000000">
+                <a:alpha val="32000"/>
+              </a:srgbClr>
+            </a:outerShdw>
+          </a:effectLst>
+          <a:scene3d>
+            <a:camera prst="orthographicFront">
+              <a:rot lat="0" lon="0" rev="0"/>
+            </a:camera>
+            <a:lightRig rig="balanced" dir="t">
+              <a:rot lat="0" lon="0" rev="8700000"/>
+            </a:lightRig>
+          </a:scene3d>
+          <a:sp3d>
+            <a:bevelT w="190500" h="38100"/>
+          </a:sp3d>
+        </p:spPr>
+        <p:style>
+          <a:lnRef idx="2">
+            <a:schemeClr val="accent1">
+              <a:shade val="50000"/>
+            </a:schemeClr>
+          </a:lnRef>
+          <a:fillRef idx="1">
+            <a:schemeClr val="accent1"/>
+          </a:fillRef>
+          <a:effectRef idx="0">
+            <a:schemeClr val="accent1"/>
+          </a:effectRef>
+          <a:fontRef idx="minor">
+            <a:schemeClr val="lt1"/>
+          </a:fontRef>
+        </p:style>
+        <p:txBody>
+          <a:bodyPr rtlCol="0" anchor="ctr"/>
+          <a:lstStyle/>
+          <a:p>
+            <a:pPr algn="ctr"/>
+            <a:r>
+              <a:rPr lang="ko-KR" altLang="en-US" sz="1600" dirty="0" err="1" smtClean="0"/>
+              <a:t>아이핀</a:t>
+            </a:r>
+            <a:r>
+              <a:rPr lang="ko-KR" altLang="en-US" sz="1600" dirty="0" smtClean="0"/>
+              <a:t> 인증</a:t>
+            </a:r>
+            <a:endParaRPr lang="ko-KR" altLang="en-US" sz="1600" dirty="0"/>
+          </a:p>
+        </p:txBody>
+      </p:sp>
+      <p:sp>
+        <p:nvSpPr>
+          <p:cNvPr id="58" name="직사각형 57"/>
+          <p:cNvSpPr/>
+          <p:nvPr/>
+        </p:nvSpPr>
+        <p:spPr>
+          <a:xfrm>
+            <a:off x="2952231" y="5375088"/>
+            <a:ext cx="1631801" cy="385453"/>
+          </a:xfrm>
+          <a:prstGeom prst="rect">
+            <a:avLst/>
+          </a:prstGeom>
+          <a:solidFill>
+            <a:schemeClr val="bg2">
+              <a:lumMod val="50000"/>
+            </a:schemeClr>
+          </a:solidFill>
+          <a:ln>
+            <a:noFill/>
+          </a:ln>
+          <a:effectLst>
+            <a:outerShdw blurRad="44450" dist="27940" dir="5400000" algn="ctr">
+              <a:srgbClr val="000000">
+                <a:alpha val="32000"/>
+              </a:srgbClr>
+            </a:outerShdw>
+          </a:effectLst>
+          <a:scene3d>
+            <a:camera prst="orthographicFront">
+              <a:rot lat="0" lon="0" rev="0"/>
+            </a:camera>
+            <a:lightRig rig="balanced" dir="t">
+              <a:rot lat="0" lon="0" rev="8700000"/>
+            </a:lightRig>
+          </a:scene3d>
+          <a:sp3d>
+            <a:bevelT w="190500" h="38100"/>
+          </a:sp3d>
+        </p:spPr>
+        <p:style>
+          <a:lnRef idx="2">
+            <a:schemeClr val="accent1">
+              <a:shade val="50000"/>
+            </a:schemeClr>
+          </a:lnRef>
+          <a:fillRef idx="1">
+            <a:schemeClr val="accent1"/>
+          </a:fillRef>
+          <a:effectRef idx="0">
+            <a:schemeClr val="accent1"/>
+          </a:effectRef>
+          <a:fontRef idx="minor">
+            <a:schemeClr val="lt1"/>
+          </a:fontRef>
+        </p:style>
+        <p:txBody>
+          <a:bodyPr rtlCol="0" anchor="ctr"/>
+          <a:lstStyle/>
+          <a:p>
+            <a:pPr algn="ctr"/>
+            <a:r>
+              <a:rPr lang="ko-KR" altLang="en-US" sz="1600" smtClean="0"/>
+              <a:t>핸드폰 인증</a:t>
+            </a:r>
+            <a:endParaRPr lang="ko-KR" altLang="en-US" sz="1600"/>
+          </a:p>
+        </p:txBody>
+      </p:sp>
+    </p:spTree>
+    <p:extLst>
+      <p:ext uri="{BB962C8B-B14F-4D97-AF65-F5344CB8AC3E}">
+        <p14:creationId xmlns:p14="http://schemas.microsoft.com/office/powerpoint/2010/main" val="4109051401"/>
+      </p:ext>
+    </p:extLst>
+  </p:cSld>
+  <p:clrMapOvr>
+    <a:masterClrMapping/>
+  </p:clrMapOvr>
+  <mc:AlternateContent xmlns:mc="http://schemas.openxmlformats.org/markup-compatibility/2006" xmlns:p14="http://schemas.microsoft.com/office/powerpoint/2010/main">
+    <mc:Choice Requires="p14">
+      <p:transition spd="slow">
+        <p14:reveal/>
+      </p:transition>
+    </mc:Choice>
+    <mc:Fallback xmlns="">
+      <p:transition spd="slow">
+        <p:fade/>
+      </p:transition>
+    </mc:Fallback>
+  </mc:AlternateContent>
+</p:sld>
+</file>
+
+<file path=ppt/slides/slide13.xml><?xml version="1.0" encoding="utf-8"?>
+<p:sld xmlns:a="http://schemas.openxmlformats.org/drawingml/2006/main" xmlns:r="http://schemas.openxmlformats.org/officeDocument/2006/relationships" xmlns:p="http://schemas.openxmlformats.org/presentationml/2006/main">
+  <p:cSld>
+    <p:bg>
+      <p:bgPr>
+        <a:solidFill>
+          <a:schemeClr val="tx1">
+            <a:lumMod val="85000"/>
+            <a:lumOff val="15000"/>
+          </a:schemeClr>
+        </a:solidFill>
+        <a:effectLst/>
+      </p:bgPr>
+    </p:bg>
+    <p:spTree>
+      <p:nvGrpSpPr>
+        <p:cNvPr id="1" name=""/>
+        <p:cNvGrpSpPr/>
+        <p:nvPr/>
+      </p:nvGrpSpPr>
+      <p:grpSpPr>
+        <a:xfrm>
+          <a:off x="0" y="0"/>
+          <a:ext cx="0" cy="0"/>
+          <a:chOff x="0" y="0"/>
+          <a:chExt cx="0" cy="0"/>
+        </a:xfrm>
+      </p:grpSpPr>
+      <p:sp>
+        <p:nvSpPr>
+          <p:cNvPr id="33" name="직사각형 32">
+            <a:extLst>
+              <a:ext uri="{FF2B5EF4-FFF2-40B4-BE49-F238E27FC236}">
+                <a16:creationId xmlns="" xmlns:a16="http://schemas.microsoft.com/office/drawing/2014/main" id="{071BD9A8-937E-4838-8166-AB56E628827A}"/>
+              </a:ext>
+            </a:extLst>
+          </p:cNvPr>
+          <p:cNvSpPr/>
+          <p:nvPr/>
+        </p:nvSpPr>
+        <p:spPr>
+          <a:xfrm>
+            <a:off x="-10120" y="341029"/>
+            <a:ext cx="12202119" cy="45719"/>
+          </a:xfrm>
+          <a:prstGeom prst="rect">
+            <a:avLst/>
+          </a:prstGeom>
+          <a:gradFill flip="none" rotWithShape="1">
+            <a:gsLst>
+              <a:gs pos="0">
+                <a:srgbClr val="960000"/>
+              </a:gs>
+              <a:gs pos="40000">
+                <a:srgbClr val="960000"/>
+              </a:gs>
+              <a:gs pos="100000">
+                <a:srgbClr val="191919"/>
+              </a:gs>
+            </a:gsLst>
+            <a:lin ang="0" scaled="1"/>
+            <a:tileRect/>
+          </a:gradFill>
+          <a:ln>
+            <a:noFill/>
+          </a:ln>
+        </p:spPr>
+        <p:style>
+          <a:lnRef idx="2">
+            <a:schemeClr val="accent1">
+              <a:shade val="50000"/>
+            </a:schemeClr>
+          </a:lnRef>
+          <a:fillRef idx="1">
+            <a:schemeClr val="accent1"/>
+          </a:fillRef>
+          <a:effectRef idx="0">
+            <a:schemeClr val="accent1"/>
+          </a:effectRef>
+          <a:fontRef idx="minor">
+            <a:schemeClr val="lt1"/>
+          </a:fontRef>
+        </p:style>
+        <p:txBody>
+          <a:bodyPr rtlCol="0" anchor="ctr"/>
+          <a:lstStyle/>
+          <a:p>
+            <a:pPr algn="ctr"/>
+            <a:endParaRPr lang="ko-KR" altLang="en-US"/>
+          </a:p>
+        </p:txBody>
+      </p:sp>
+      <p:sp>
+        <p:nvSpPr>
+          <p:cNvPr id="34" name="직사각형 33">
+            <a:extLst>
+              <a:ext uri="{FF2B5EF4-FFF2-40B4-BE49-F238E27FC236}">
+                <a16:creationId xmlns="" xmlns:a16="http://schemas.microsoft.com/office/drawing/2014/main" id="{905EBA1D-24C7-4F00-B3C7-6DEBD568B0FF}"/>
+              </a:ext>
+            </a:extLst>
+          </p:cNvPr>
+          <p:cNvSpPr/>
+          <p:nvPr/>
+        </p:nvSpPr>
+        <p:spPr>
+          <a:xfrm flipH="1">
+            <a:off x="0" y="6418399"/>
+            <a:ext cx="12202119" cy="45719"/>
+          </a:xfrm>
+          <a:prstGeom prst="rect">
+            <a:avLst/>
+          </a:prstGeom>
+          <a:gradFill flip="none" rotWithShape="1">
+            <a:gsLst>
+              <a:gs pos="0">
+                <a:srgbClr val="960000"/>
+              </a:gs>
+              <a:gs pos="40000">
+                <a:srgbClr val="960000"/>
+              </a:gs>
+              <a:gs pos="100000">
+                <a:srgbClr val="191919"/>
+              </a:gs>
+            </a:gsLst>
+            <a:lin ang="0" scaled="1"/>
+            <a:tileRect/>
+          </a:gradFill>
+          <a:ln>
+            <a:noFill/>
+          </a:ln>
+        </p:spPr>
+        <p:style>
+          <a:lnRef idx="2">
+            <a:schemeClr val="accent1">
+              <a:shade val="50000"/>
+            </a:schemeClr>
+          </a:lnRef>
+          <a:fillRef idx="1">
+            <a:schemeClr val="accent1"/>
+          </a:fillRef>
+          <a:effectRef idx="0">
+            <a:schemeClr val="accent1"/>
+          </a:effectRef>
+          <a:fontRef idx="minor">
+            <a:schemeClr val="lt1"/>
+          </a:fontRef>
+        </p:style>
+        <p:txBody>
+          <a:bodyPr rtlCol="0" anchor="ctr"/>
+          <a:lstStyle/>
+          <a:p>
+            <a:pPr algn="ctr"/>
+            <a:endParaRPr lang="ko-KR" altLang="en-US"/>
+          </a:p>
+        </p:txBody>
+      </p:sp>
+      <p:sp>
+        <p:nvSpPr>
+          <p:cNvPr id="21" name="TextBox 20">
+            <a:extLst>
+              <a:ext uri="{FF2B5EF4-FFF2-40B4-BE49-F238E27FC236}">
+                <a16:creationId xmlns="" xmlns:a16="http://schemas.microsoft.com/office/drawing/2014/main" id="{773DF187-FAE7-4B00-9DAF-A0006D605DE3}"/>
+              </a:ext>
+            </a:extLst>
+          </p:cNvPr>
+          <p:cNvSpPr txBox="1"/>
+          <p:nvPr/>
+        </p:nvSpPr>
+        <p:spPr>
+          <a:xfrm>
+            <a:off x="2528257" y="960137"/>
+            <a:ext cx="7145604" cy="738664"/>
+          </a:xfrm>
+          <a:prstGeom prst="rect">
+            <a:avLst/>
+          </a:prstGeom>
+          <a:noFill/>
+        </p:spPr>
+        <p:txBody>
+          <a:bodyPr wrap="square" rtlCol="0">
+            <a:spAutoFit/>
+          </a:bodyPr>
+          <a:lstStyle/>
+          <a:p>
+            <a:pPr algn="just">
+              <a:lnSpc>
+                <a:spcPct val="150000"/>
+              </a:lnSpc>
+            </a:pPr>
+            <a:r>
+              <a:rPr lang="ko-KR" altLang="en-US" sz="2800" b="1" dirty="0" smtClean="0">
+                <a:solidFill>
+                  <a:schemeClr val="bg1"/>
+                </a:solidFill>
+                <a:latin typeface="G마켓 산스 Light" panose="02000000000000000000" pitchFamily="50" charset="-127"/>
+                <a:ea typeface="G마켓 산스 Light" panose="02000000000000000000" pitchFamily="50" charset="-127"/>
+              </a:rPr>
+              <a:t>청소년 도박 관련 예방 교육 </a:t>
+            </a:r>
+            <a:r>
+              <a:rPr lang="ko-KR" altLang="en-US" sz="2800" b="1" dirty="0" err="1" smtClean="0">
+                <a:solidFill>
+                  <a:schemeClr val="bg1"/>
+                </a:solidFill>
+                <a:latin typeface="G마켓 산스 Light" panose="02000000000000000000" pitchFamily="50" charset="-127"/>
+                <a:ea typeface="G마켓 산스 Light" panose="02000000000000000000" pitchFamily="50" charset="-127"/>
+              </a:rPr>
+              <a:t>콘텐츠</a:t>
+            </a:r>
+            <a:r>
+              <a:rPr lang="ko-KR" altLang="en-US" sz="2800" b="1" dirty="0" smtClean="0">
+                <a:solidFill>
+                  <a:schemeClr val="bg1"/>
+                </a:solidFill>
+                <a:latin typeface="G마켓 산스 Light" panose="02000000000000000000" pitchFamily="50" charset="-127"/>
+                <a:ea typeface="G마켓 산스 Light" panose="02000000000000000000" pitchFamily="50" charset="-127"/>
+              </a:rPr>
+              <a:t> 활성화</a:t>
+            </a:r>
+            <a:endParaRPr lang="en-US" altLang="ko-KR" sz="2800" b="1" dirty="0">
+              <a:solidFill>
+                <a:schemeClr val="bg1"/>
+              </a:solidFill>
+              <a:latin typeface="G마켓 산스 Light" panose="02000000000000000000" pitchFamily="50" charset="-127"/>
+              <a:ea typeface="G마켓 산스 Light" panose="02000000000000000000" pitchFamily="50" charset="-127"/>
+            </a:endParaRPr>
+          </a:p>
+        </p:txBody>
+      </p:sp>
+      <p:pic>
+        <p:nvPicPr>
+          <p:cNvPr id="3" name="그림 2"/>
+          <p:cNvPicPr>
+            <a:picLocks noChangeAspect="1"/>
+          </p:cNvPicPr>
+          <p:nvPr/>
+        </p:nvPicPr>
+        <p:blipFill>
+          <a:blip r:embed="rId2">
+            <a:extLst>
+              <a:ext uri="{28A0092B-C50C-407E-A947-70E740481C1C}">
+                <a14:useLocalDpi xmlns:a14="http://schemas.microsoft.com/office/drawing/2010/main" val="0"/>
+              </a:ext>
+            </a:extLst>
+          </a:blip>
+          <a:stretch>
+            <a:fillRect/>
+          </a:stretch>
+        </p:blipFill>
+        <p:spPr>
+          <a:xfrm>
+            <a:off x="3535264" y="2046781"/>
+            <a:ext cx="4877861" cy="4371618"/>
+          </a:xfrm>
+          <a:prstGeom prst="rect">
+            <a:avLst/>
+          </a:prstGeom>
+        </p:spPr>
+      </p:pic>
+    </p:spTree>
+    <p:extLst>
+      <p:ext uri="{BB962C8B-B14F-4D97-AF65-F5344CB8AC3E}">
+        <p14:creationId xmlns:p14="http://schemas.microsoft.com/office/powerpoint/2010/main" val="844495812"/>
+      </p:ext>
+    </p:extLst>
+  </p:cSld>
+  <p:clrMapOvr>
+    <a:masterClrMapping/>
+  </p:clrMapOvr>
+  <mc:AlternateContent xmlns:mc="http://schemas.openxmlformats.org/markup-compatibility/2006" xmlns:p14="http://schemas.microsoft.com/office/powerpoint/2010/main">
+    <mc:Choice Requires="p14">
+      <p:transition spd="slow">
+        <p14:reveal/>
+      </p:transition>
+    </mc:Choice>
+    <mc:Fallback xmlns="">
+      <p:transition spd="slow">
+        <p:fade/>
+      </p:transition>
+    </mc:Fallback>
+  </mc:AlternateContent>
+</p:sld>
+</file>
+
+<file path=ppt/slides/slide14.xml><?xml version="1.0" encoding="utf-8"?>
+<p:sld xmlns:a="http://schemas.openxmlformats.org/drawingml/2006/main" xmlns:r="http://schemas.openxmlformats.org/officeDocument/2006/relationships" xmlns:p="http://schemas.openxmlformats.org/presentationml/2006/main">
+  <p:cSld>
+    <p:bg>
+      <p:bgPr>
+        <a:solidFill>
           <a:schemeClr val="tx1"/>
         </a:solidFill>
         <a:effectLst/>
@@ -9871,7 +12315,7 @@
           <p:cNvPr id="2" name="그룹 1">
             <a:extLst>
               <a:ext uri="{FF2B5EF4-FFF2-40B4-BE49-F238E27FC236}">
-                <a16:creationId xmlns:a16="http://schemas.microsoft.com/office/drawing/2014/main" xmlns="" id="{205EA4B2-4587-4971-A887-0C4919674AE6}"/>
+                <a16:creationId xmlns="" xmlns:a16="http://schemas.microsoft.com/office/drawing/2014/main" id="{205EA4B2-4587-4971-A887-0C4919674AE6}"/>
               </a:ext>
             </a:extLst>
           </p:cNvPr>
@@ -9891,7 +12335,7 @@
             <p:cNvPr id="39" name="직사각형 38">
               <a:extLst>
                 <a:ext uri="{FF2B5EF4-FFF2-40B4-BE49-F238E27FC236}">
-                  <a16:creationId xmlns:a16="http://schemas.microsoft.com/office/drawing/2014/main" xmlns="" id="{C585B66E-BA9B-4EF4-8C21-1EAE8917AA3C}"/>
+                  <a16:creationId xmlns="" xmlns:a16="http://schemas.microsoft.com/office/drawing/2014/main" id="{C585B66E-BA9B-4EF4-8C21-1EAE8917AA3C}"/>
                 </a:ext>
               </a:extLst>
             </p:cNvPr>
@@ -9939,7 +12383,7 @@
             <p:cNvPr id="38" name="직사각형 37">
               <a:extLst>
                 <a:ext uri="{FF2B5EF4-FFF2-40B4-BE49-F238E27FC236}">
-                  <a16:creationId xmlns:a16="http://schemas.microsoft.com/office/drawing/2014/main" xmlns="" id="{A330FEAE-C3FA-4329-8430-332A07B74AA6}"/>
+                  <a16:creationId xmlns="" xmlns:a16="http://schemas.microsoft.com/office/drawing/2014/main" id="{A330FEAE-C3FA-4329-8430-332A07B74AA6}"/>
                 </a:ext>
               </a:extLst>
             </p:cNvPr>
@@ -10038,7 +12482,7 @@
           <p:cNvPr id="18" name="그룹 17">
             <a:extLst>
               <a:ext uri="{FF2B5EF4-FFF2-40B4-BE49-F238E27FC236}">
-                <a16:creationId xmlns:a16="http://schemas.microsoft.com/office/drawing/2014/main" xmlns="" id="{9C57FBE7-DB21-4667-88F9-E56D0EAA9D06}"/>
+                <a16:creationId xmlns="" xmlns:a16="http://schemas.microsoft.com/office/drawing/2014/main" id="{9C57FBE7-DB21-4667-88F9-E56D0EAA9D06}"/>
               </a:ext>
             </a:extLst>
           </p:cNvPr>
@@ -10058,7 +12502,7 @@
             <p:cNvPr id="4" name="TextBox 3">
               <a:extLst>
                 <a:ext uri="{FF2B5EF4-FFF2-40B4-BE49-F238E27FC236}">
-                  <a16:creationId xmlns:a16="http://schemas.microsoft.com/office/drawing/2014/main" xmlns="" id="{F98A9C6B-C7C7-4721-861F-2A9CCA3AD0A6}"/>
+                  <a16:creationId xmlns="" xmlns:a16="http://schemas.microsoft.com/office/drawing/2014/main" id="{F98A9C6B-C7C7-4721-861F-2A9CCA3AD0A6}"/>
                 </a:ext>
               </a:extLst>
             </p:cNvPr>
@@ -10106,7 +12550,7 @@
             <p:cNvPr id="11" name="그래픽 10" descr="주머니칼">
               <a:extLst>
                 <a:ext uri="{FF2B5EF4-FFF2-40B4-BE49-F238E27FC236}">
-                  <a16:creationId xmlns:a16="http://schemas.microsoft.com/office/drawing/2014/main" xmlns="" id="{AE251076-2953-41C6-9306-00CF4D68DDC5}"/>
+                  <a16:creationId xmlns="" xmlns:a16="http://schemas.microsoft.com/office/drawing/2014/main" id="{AE251076-2953-41C6-9306-00CF4D68DDC5}"/>
                 </a:ext>
               </a:extLst>
             </p:cNvPr>
@@ -10123,7 +12567,7 @@
                   <a14:useLocalDpi xmlns:a14="http://schemas.microsoft.com/office/drawing/2010/main" val="0"/>
                 </a:ext>
                 <a:ext uri="{96DAC541-7B7A-43D3-8B79-37D633B846F1}">
-                  <asvg:svgBlip xmlns:asvg="http://schemas.microsoft.com/office/drawing/2016/SVG/main" xmlns="" r:embed="rId4"/>
+                  <asvg:svgBlip xmlns="" xmlns:asvg="http://schemas.microsoft.com/office/drawing/2016/SVG/main" r:embed="rId4"/>
                 </a:ext>
               </a:extLst>
             </a:blip>
@@ -10147,7 +12591,7 @@
           <p:cNvPr id="19" name="그룹 18">
             <a:extLst>
               <a:ext uri="{FF2B5EF4-FFF2-40B4-BE49-F238E27FC236}">
-                <a16:creationId xmlns:a16="http://schemas.microsoft.com/office/drawing/2014/main" xmlns="" id="{CFBB88D0-AA97-4EC1-B4C1-E5813AD544BF}"/>
+                <a16:creationId xmlns="" xmlns:a16="http://schemas.microsoft.com/office/drawing/2014/main" id="{CFBB88D0-AA97-4EC1-B4C1-E5813AD544BF}"/>
               </a:ext>
             </a:extLst>
           </p:cNvPr>
@@ -10167,7 +12611,7 @@
             <p:cNvPr id="6" name="TextBox 5">
               <a:extLst>
                 <a:ext uri="{FF2B5EF4-FFF2-40B4-BE49-F238E27FC236}">
-                  <a16:creationId xmlns:a16="http://schemas.microsoft.com/office/drawing/2014/main" xmlns="" id="{33F98AC1-9499-41C3-8534-4F3333059D2E}"/>
+                  <a16:creationId xmlns="" xmlns:a16="http://schemas.microsoft.com/office/drawing/2014/main" id="{33F98AC1-9499-41C3-8534-4F3333059D2E}"/>
                 </a:ext>
               </a:extLst>
             </p:cNvPr>
@@ -10215,7 +12659,7 @@
             <p:cNvPr id="12" name="그래픽 11" descr="주머니칼">
               <a:extLst>
                 <a:ext uri="{FF2B5EF4-FFF2-40B4-BE49-F238E27FC236}">
-                  <a16:creationId xmlns:a16="http://schemas.microsoft.com/office/drawing/2014/main" xmlns="" id="{ECE98BBE-6BCB-45D9-BB1F-2278EE4939B8}"/>
+                  <a16:creationId xmlns="" xmlns:a16="http://schemas.microsoft.com/office/drawing/2014/main" id="{ECE98BBE-6BCB-45D9-BB1F-2278EE4939B8}"/>
                 </a:ext>
               </a:extLst>
             </p:cNvPr>
@@ -10232,7 +12676,7 @@
                   <a14:useLocalDpi xmlns:a14="http://schemas.microsoft.com/office/drawing/2010/main" val="0"/>
                 </a:ext>
                 <a:ext uri="{96DAC541-7B7A-43D3-8B79-37D633B846F1}">
-                  <asvg:svgBlip xmlns:asvg="http://schemas.microsoft.com/office/drawing/2016/SVG/main" xmlns="" r:embed="rId4"/>
+                  <asvg:svgBlip xmlns="" xmlns:asvg="http://schemas.microsoft.com/office/drawing/2016/SVG/main" r:embed="rId4"/>
                 </a:ext>
               </a:extLst>
             </a:blip>
@@ -10256,7 +12700,7 @@
           <p:cNvPr id="20" name="그룹 19">
             <a:extLst>
               <a:ext uri="{FF2B5EF4-FFF2-40B4-BE49-F238E27FC236}">
-                <a16:creationId xmlns:a16="http://schemas.microsoft.com/office/drawing/2014/main" xmlns="" id="{FB7FFCCE-A637-4215-94FC-89D6E2684F1B}"/>
+                <a16:creationId xmlns="" xmlns:a16="http://schemas.microsoft.com/office/drawing/2014/main" id="{FB7FFCCE-A637-4215-94FC-89D6E2684F1B}"/>
               </a:ext>
             </a:extLst>
           </p:cNvPr>
@@ -10276,7 +12720,7 @@
             <p:cNvPr id="7" name="TextBox 6">
               <a:extLst>
                 <a:ext uri="{FF2B5EF4-FFF2-40B4-BE49-F238E27FC236}">
-                  <a16:creationId xmlns:a16="http://schemas.microsoft.com/office/drawing/2014/main" xmlns="" id="{419145E1-BF53-462C-BFCD-7E059E4DF99C}"/>
+                  <a16:creationId xmlns="" xmlns:a16="http://schemas.microsoft.com/office/drawing/2014/main" id="{419145E1-BF53-462C-BFCD-7E059E4DF99C}"/>
                 </a:ext>
               </a:extLst>
             </p:cNvPr>
@@ -10324,7 +12768,7 @@
             <p:cNvPr id="13" name="그래픽 12" descr="주머니칼">
               <a:extLst>
                 <a:ext uri="{FF2B5EF4-FFF2-40B4-BE49-F238E27FC236}">
-                  <a16:creationId xmlns:a16="http://schemas.microsoft.com/office/drawing/2014/main" xmlns="" id="{3F991E75-6564-4697-9A85-D0A9AC8639A9}"/>
+                  <a16:creationId xmlns="" xmlns:a16="http://schemas.microsoft.com/office/drawing/2014/main" id="{3F991E75-6564-4697-9A85-D0A9AC8639A9}"/>
                 </a:ext>
               </a:extLst>
             </p:cNvPr>
@@ -10341,7 +12785,7 @@
                   <a14:useLocalDpi xmlns:a14="http://schemas.microsoft.com/office/drawing/2010/main" val="0"/>
                 </a:ext>
                 <a:ext uri="{96DAC541-7B7A-43D3-8B79-37D633B846F1}">
-                  <asvg:svgBlip xmlns:asvg="http://schemas.microsoft.com/office/drawing/2016/SVG/main" xmlns="" r:embed="rId4"/>
+                  <asvg:svgBlip xmlns="" xmlns:asvg="http://schemas.microsoft.com/office/drawing/2016/SVG/main" r:embed="rId4"/>
                 </a:ext>
               </a:extLst>
             </a:blip>
@@ -10365,7 +12809,7 @@
           <p:cNvPr id="23" name="이등변 삼각형 22">
             <a:extLst>
               <a:ext uri="{FF2B5EF4-FFF2-40B4-BE49-F238E27FC236}">
-                <a16:creationId xmlns:a16="http://schemas.microsoft.com/office/drawing/2014/main" xmlns="" id="{3CE3899C-6D47-43A3-8486-004222A51D6B}"/>
+                <a16:creationId xmlns="" xmlns:a16="http://schemas.microsoft.com/office/drawing/2014/main" id="{3CE3899C-6D47-43A3-8486-004222A51D6B}"/>
               </a:ext>
             </a:extLst>
           </p:cNvPr>
@@ -10419,7 +12863,7 @@
           <p:cNvPr id="24" name="이등변 삼각형 23">
             <a:extLst>
               <a:ext uri="{FF2B5EF4-FFF2-40B4-BE49-F238E27FC236}">
-                <a16:creationId xmlns:a16="http://schemas.microsoft.com/office/drawing/2014/main" xmlns="" id="{FED554CE-25C1-4A7E-8EB2-7BEA1417D950}"/>
+                <a16:creationId xmlns="" xmlns:a16="http://schemas.microsoft.com/office/drawing/2014/main" id="{FED554CE-25C1-4A7E-8EB2-7BEA1417D950}"/>
               </a:ext>
             </a:extLst>
           </p:cNvPr>
@@ -10473,7 +12917,7 @@
           <p:cNvPr id="28" name="TextBox 27">
             <a:extLst>
               <a:ext uri="{FF2B5EF4-FFF2-40B4-BE49-F238E27FC236}">
-                <a16:creationId xmlns:a16="http://schemas.microsoft.com/office/drawing/2014/main" xmlns="" id="{F98A9C6B-C7C7-4721-861F-2A9CCA3AD0A6}"/>
+                <a16:creationId xmlns="" xmlns:a16="http://schemas.microsoft.com/office/drawing/2014/main" id="{F98A9C6B-C7C7-4721-861F-2A9CCA3AD0A6}"/>
               </a:ext>
             </a:extLst>
           </p:cNvPr>
@@ -10571,7 +13015,7 @@
           <p:cNvPr id="4" name="타원 3">
             <a:extLst>
               <a:ext uri="{FF2B5EF4-FFF2-40B4-BE49-F238E27FC236}">
-                <a16:creationId xmlns:a16="http://schemas.microsoft.com/office/drawing/2014/main" xmlns="" id="{E27690EE-8092-4D35-B8C7-0D57A56B1CD5}"/>
+                <a16:creationId xmlns="" xmlns:a16="http://schemas.microsoft.com/office/drawing/2014/main" id="{E27690EE-8092-4D35-B8C7-0D57A56B1CD5}"/>
               </a:ext>
             </a:extLst>
           </p:cNvPr>
@@ -10633,7 +13077,7 @@
           <p:cNvPr id="5" name="타원 4">
             <a:extLst>
               <a:ext uri="{FF2B5EF4-FFF2-40B4-BE49-F238E27FC236}">
-                <a16:creationId xmlns:a16="http://schemas.microsoft.com/office/drawing/2014/main" xmlns="" id="{D665B728-FD3B-4B09-9EE6-5F8AE33BAA1D}"/>
+                <a16:creationId xmlns="" xmlns:a16="http://schemas.microsoft.com/office/drawing/2014/main" id="{D665B728-FD3B-4B09-9EE6-5F8AE33BAA1D}"/>
               </a:ext>
             </a:extLst>
           </p:cNvPr>
@@ -10695,7 +13139,7 @@
           <p:cNvPr id="6" name="타원 5">
             <a:extLst>
               <a:ext uri="{FF2B5EF4-FFF2-40B4-BE49-F238E27FC236}">
-                <a16:creationId xmlns:a16="http://schemas.microsoft.com/office/drawing/2014/main" xmlns="" id="{21B141F8-F067-4236-97FD-824B6351D0FD}"/>
+                <a16:creationId xmlns="" xmlns:a16="http://schemas.microsoft.com/office/drawing/2014/main" id="{21B141F8-F067-4236-97FD-824B6351D0FD}"/>
               </a:ext>
             </a:extLst>
           </p:cNvPr>
@@ -10757,7 +13201,7 @@
           <p:cNvPr id="27" name="직사각형 26">
             <a:extLst>
               <a:ext uri="{FF2B5EF4-FFF2-40B4-BE49-F238E27FC236}">
-                <a16:creationId xmlns:a16="http://schemas.microsoft.com/office/drawing/2014/main" xmlns="" id="{FED0293B-0556-4D7F-B828-5A6A8615381E}"/>
+                <a16:creationId xmlns="" xmlns:a16="http://schemas.microsoft.com/office/drawing/2014/main" id="{FED0293B-0556-4D7F-B828-5A6A8615381E}"/>
               </a:ext>
             </a:extLst>
           </p:cNvPr>
@@ -10821,7 +13265,7 @@
           <p:cNvPr id="28" name="직사각형 27">
             <a:extLst>
               <a:ext uri="{FF2B5EF4-FFF2-40B4-BE49-F238E27FC236}">
-                <a16:creationId xmlns:a16="http://schemas.microsoft.com/office/drawing/2014/main" xmlns="" id="{B0C52CF5-786F-4ADC-A8B1-03A50BBE3ACA}"/>
+                <a16:creationId xmlns="" xmlns:a16="http://schemas.microsoft.com/office/drawing/2014/main" id="{B0C52CF5-786F-4ADC-A8B1-03A50BBE3ACA}"/>
               </a:ext>
             </a:extLst>
           </p:cNvPr>
@@ -10885,7 +13329,7 @@
           <p:cNvPr id="20" name="TextBox 19">
             <a:extLst>
               <a:ext uri="{FF2B5EF4-FFF2-40B4-BE49-F238E27FC236}">
-                <a16:creationId xmlns:a16="http://schemas.microsoft.com/office/drawing/2014/main" xmlns="" id="{F98A9C6B-C7C7-4721-861F-2A9CCA3AD0A6}"/>
+                <a16:creationId xmlns="" xmlns:a16="http://schemas.microsoft.com/office/drawing/2014/main" id="{F98A9C6B-C7C7-4721-861F-2A9CCA3AD0A6}"/>
               </a:ext>
             </a:extLst>
           </p:cNvPr>
@@ -10986,7 +13430,7 @@
           <p:cNvPr id="1028" name="Picture 4" descr="경찰 바리케이드 테이프 클로즈업 사진을 교차하지 마십시오">
             <a:extLst>
               <a:ext uri="{FF2B5EF4-FFF2-40B4-BE49-F238E27FC236}">
-                <a16:creationId xmlns:a16="http://schemas.microsoft.com/office/drawing/2014/main" xmlns="" id="{671B63BB-08E7-44B2-A6F0-4BE26FB84658}"/>
+                <a16:creationId xmlns="" xmlns:a16="http://schemas.microsoft.com/office/drawing/2014/main" id="{671B63BB-08E7-44B2-A6F0-4BE26FB84658}"/>
               </a:ext>
             </a:extLst>
           </p:cNvPr>
@@ -11042,7 +13486,7 @@
           <p:cNvPr id="5" name="직사각형 4">
             <a:extLst>
               <a:ext uri="{FF2B5EF4-FFF2-40B4-BE49-F238E27FC236}">
-                <a16:creationId xmlns:a16="http://schemas.microsoft.com/office/drawing/2014/main" xmlns="" id="{93CB9BD6-5CFD-4F5D-85F2-D501F430508A}"/>
+                <a16:creationId xmlns="" xmlns:a16="http://schemas.microsoft.com/office/drawing/2014/main" id="{93CB9BD6-5CFD-4F5D-85F2-D501F430508A}"/>
               </a:ext>
             </a:extLst>
           </p:cNvPr>
@@ -11094,7 +13538,7 @@
           <p:cNvPr id="9" name="그룹 8">
             <a:extLst>
               <a:ext uri="{FF2B5EF4-FFF2-40B4-BE49-F238E27FC236}">
-                <a16:creationId xmlns:a16="http://schemas.microsoft.com/office/drawing/2014/main" xmlns="" id="{C70B18DF-9367-4194-B73B-50D6E847EED5}"/>
+                <a16:creationId xmlns="" xmlns:a16="http://schemas.microsoft.com/office/drawing/2014/main" id="{C70B18DF-9367-4194-B73B-50D6E847EED5}"/>
               </a:ext>
             </a:extLst>
           </p:cNvPr>
@@ -11114,7 +13558,7 @@
             <p:cNvPr id="6" name="TextBox 5">
               <a:extLst>
                 <a:ext uri="{FF2B5EF4-FFF2-40B4-BE49-F238E27FC236}">
-                  <a16:creationId xmlns:a16="http://schemas.microsoft.com/office/drawing/2014/main" xmlns="" id="{72AC3162-CC19-4D6F-844F-E961C2121213}"/>
+                  <a16:creationId xmlns="" xmlns:a16="http://schemas.microsoft.com/office/drawing/2014/main" id="{72AC3162-CC19-4D6F-844F-E961C2121213}"/>
                 </a:ext>
               </a:extLst>
             </p:cNvPr>
@@ -11162,7 +13606,7 @@
             <p:cNvPr id="8" name="직선 연결선 7">
               <a:extLst>
                 <a:ext uri="{FF2B5EF4-FFF2-40B4-BE49-F238E27FC236}">
-                  <a16:creationId xmlns:a16="http://schemas.microsoft.com/office/drawing/2014/main" xmlns="" id="{FF09E170-F7DB-4A2F-8E79-FDBC9350D15B}"/>
+                  <a16:creationId xmlns="" xmlns:a16="http://schemas.microsoft.com/office/drawing/2014/main" id="{FF09E170-F7DB-4A2F-8E79-FDBC9350D15B}"/>
                 </a:ext>
               </a:extLst>
             </p:cNvPr>
@@ -11206,7 +13650,7 @@
           <p:cNvPr id="10" name="TextBox 9">
             <a:extLst>
               <a:ext uri="{FF2B5EF4-FFF2-40B4-BE49-F238E27FC236}">
-                <a16:creationId xmlns:a16="http://schemas.microsoft.com/office/drawing/2014/main" xmlns="" id="{4F418FC5-E944-4175-8571-30F8AA7F5624}"/>
+                <a16:creationId xmlns="" xmlns:a16="http://schemas.microsoft.com/office/drawing/2014/main" id="{4F418FC5-E944-4175-8571-30F8AA7F5624}"/>
               </a:ext>
             </a:extLst>
           </p:cNvPr>
@@ -11305,7 +13749,7 @@
           <p:cNvPr id="10" name="직선 연결선 9">
             <a:extLst>
               <a:ext uri="{FF2B5EF4-FFF2-40B4-BE49-F238E27FC236}">
-                <a16:creationId xmlns:a16="http://schemas.microsoft.com/office/drawing/2014/main" xmlns="" id="{9C0CBDE4-75CB-4266-B7E6-B96B2333E15B}"/>
+                <a16:creationId xmlns="" xmlns:a16="http://schemas.microsoft.com/office/drawing/2014/main" id="{9C0CBDE4-75CB-4266-B7E6-B96B2333E15B}"/>
               </a:ext>
             </a:extLst>
           </p:cNvPr>
@@ -11346,7 +13790,7 @@
           <p:cNvPr id="11" name="TextBox 10">
             <a:extLst>
               <a:ext uri="{FF2B5EF4-FFF2-40B4-BE49-F238E27FC236}">
-                <a16:creationId xmlns:a16="http://schemas.microsoft.com/office/drawing/2014/main" xmlns="" id="{773DF187-FAE7-4B00-9DAF-A0006D605DE3}"/>
+                <a16:creationId xmlns="" xmlns:a16="http://schemas.microsoft.com/office/drawing/2014/main" id="{773DF187-FAE7-4B00-9DAF-A0006D605DE3}"/>
               </a:ext>
             </a:extLst>
           </p:cNvPr>
@@ -11473,7 +13917,7 @@
           <p:cNvPr id="13" name="직사각형 12">
             <a:extLst>
               <a:ext uri="{FF2B5EF4-FFF2-40B4-BE49-F238E27FC236}">
-                <a16:creationId xmlns:a16="http://schemas.microsoft.com/office/drawing/2014/main" xmlns="" id="{F389E3C6-C02A-4CF2-8404-1F9A8CB2FA11}"/>
+                <a16:creationId xmlns="" xmlns:a16="http://schemas.microsoft.com/office/drawing/2014/main" id="{F389E3C6-C02A-4CF2-8404-1F9A8CB2FA11}"/>
               </a:ext>
             </a:extLst>
           </p:cNvPr>
@@ -11537,7 +13981,7 @@
           <p:cNvPr id="14" name="직사각형 13">
             <a:extLst>
               <a:ext uri="{FF2B5EF4-FFF2-40B4-BE49-F238E27FC236}">
-                <a16:creationId xmlns:a16="http://schemas.microsoft.com/office/drawing/2014/main" xmlns="" id="{A3B4747F-421F-47F2-A7FC-0B557A1A5731}"/>
+                <a16:creationId xmlns="" xmlns:a16="http://schemas.microsoft.com/office/drawing/2014/main" id="{A3B4747F-421F-47F2-A7FC-0B557A1A5731}"/>
               </a:ext>
             </a:extLst>
           </p:cNvPr>
@@ -11631,7 +14075,7 @@
           <p:cNvPr id="16" name="TextBox 15">
             <a:extLst>
               <a:ext uri="{FF2B5EF4-FFF2-40B4-BE49-F238E27FC236}">
-                <a16:creationId xmlns:a16="http://schemas.microsoft.com/office/drawing/2014/main" xmlns="" id="{773DF187-FAE7-4B00-9DAF-A0006D605DE3}"/>
+                <a16:creationId xmlns="" xmlns:a16="http://schemas.microsoft.com/office/drawing/2014/main" id="{773DF187-FAE7-4B00-9DAF-A0006D605DE3}"/>
               </a:ext>
             </a:extLst>
           </p:cNvPr>
@@ -11754,7 +14198,7 @@
           <p:cNvPr id="33" name="직사각형 32">
             <a:extLst>
               <a:ext uri="{FF2B5EF4-FFF2-40B4-BE49-F238E27FC236}">
-                <a16:creationId xmlns:a16="http://schemas.microsoft.com/office/drawing/2014/main" xmlns="" id="{071BD9A8-937E-4838-8166-AB56E628827A}"/>
+                <a16:creationId xmlns="" xmlns:a16="http://schemas.microsoft.com/office/drawing/2014/main" id="{071BD9A8-937E-4838-8166-AB56E628827A}"/>
               </a:ext>
             </a:extLst>
           </p:cNvPr>
@@ -11818,7 +14262,7 @@
           <p:cNvPr id="34" name="직사각형 33">
             <a:extLst>
               <a:ext uri="{FF2B5EF4-FFF2-40B4-BE49-F238E27FC236}">
-                <a16:creationId xmlns:a16="http://schemas.microsoft.com/office/drawing/2014/main" xmlns="" id="{905EBA1D-24C7-4F00-B3C7-6DEBD568B0FF}"/>
+                <a16:creationId xmlns="" xmlns:a16="http://schemas.microsoft.com/office/drawing/2014/main" id="{905EBA1D-24C7-4F00-B3C7-6DEBD568B0FF}"/>
               </a:ext>
             </a:extLst>
           </p:cNvPr>
@@ -11882,7 +14326,7 @@
           <p:cNvPr id="39" name="TextBox 38">
             <a:extLst>
               <a:ext uri="{FF2B5EF4-FFF2-40B4-BE49-F238E27FC236}">
-                <a16:creationId xmlns:a16="http://schemas.microsoft.com/office/drawing/2014/main" xmlns="" id="{773DF187-FAE7-4B00-9DAF-A0006D605DE3}"/>
+                <a16:creationId xmlns="" xmlns:a16="http://schemas.microsoft.com/office/drawing/2014/main" id="{773DF187-FAE7-4B00-9DAF-A0006D605DE3}"/>
               </a:ext>
             </a:extLst>
           </p:cNvPr>
@@ -11935,7 +14379,7 @@
           <p:cNvPr id="40" name="TextBox 39">
             <a:extLst>
               <a:ext uri="{FF2B5EF4-FFF2-40B4-BE49-F238E27FC236}">
-                <a16:creationId xmlns:a16="http://schemas.microsoft.com/office/drawing/2014/main" xmlns="" id="{773DF187-FAE7-4B00-9DAF-A0006D605DE3}"/>
+                <a16:creationId xmlns="" xmlns:a16="http://schemas.microsoft.com/office/drawing/2014/main" id="{773DF187-FAE7-4B00-9DAF-A0006D605DE3}"/>
               </a:ext>
             </a:extLst>
           </p:cNvPr>
@@ -11998,7 +14442,7 @@
           <p:cNvPr id="41" name="TextBox 40">
             <a:extLst>
               <a:ext uri="{FF2B5EF4-FFF2-40B4-BE49-F238E27FC236}">
-                <a16:creationId xmlns:a16="http://schemas.microsoft.com/office/drawing/2014/main" xmlns="" id="{773DF187-FAE7-4B00-9DAF-A0006D605DE3}"/>
+                <a16:creationId xmlns="" xmlns:a16="http://schemas.microsoft.com/office/drawing/2014/main" id="{773DF187-FAE7-4B00-9DAF-A0006D605DE3}"/>
               </a:ext>
             </a:extLst>
           </p:cNvPr>
@@ -12061,7 +14505,7 @@
           <p:cNvPr id="42" name="TextBox 41">
             <a:extLst>
               <a:ext uri="{FF2B5EF4-FFF2-40B4-BE49-F238E27FC236}">
-                <a16:creationId xmlns:a16="http://schemas.microsoft.com/office/drawing/2014/main" xmlns="" id="{773DF187-FAE7-4B00-9DAF-A0006D605DE3}"/>
+                <a16:creationId xmlns="" xmlns:a16="http://schemas.microsoft.com/office/drawing/2014/main" id="{773DF187-FAE7-4B00-9DAF-A0006D605DE3}"/>
               </a:ext>
             </a:extLst>
           </p:cNvPr>
@@ -12734,6 +15178,773 @@
     <p:bg>
       <p:bgPr>
         <a:solidFill>
+          <a:schemeClr val="tx1">
+            <a:lumMod val="85000"/>
+            <a:lumOff val="15000"/>
+          </a:schemeClr>
+        </a:solidFill>
+        <a:effectLst/>
+      </p:bgPr>
+    </p:bg>
+    <p:spTree>
+      <p:nvGrpSpPr>
+        <p:cNvPr id="1" name=""/>
+        <p:cNvGrpSpPr/>
+        <p:nvPr/>
+      </p:nvGrpSpPr>
+      <p:grpSpPr>
+        <a:xfrm>
+          <a:off x="0" y="0"/>
+          <a:ext cx="0" cy="0"/>
+          <a:chOff x="0" y="0"/>
+          <a:chExt cx="0" cy="0"/>
+        </a:xfrm>
+      </p:grpSpPr>
+      <p:sp>
+        <p:nvSpPr>
+          <p:cNvPr id="33" name="직사각형 32">
+            <a:extLst>
+              <a:ext uri="{FF2B5EF4-FFF2-40B4-BE49-F238E27FC236}">
+                <a16:creationId xmlns="" xmlns:a16="http://schemas.microsoft.com/office/drawing/2014/main" id="{071BD9A8-937E-4838-8166-AB56E628827A}"/>
+              </a:ext>
+            </a:extLst>
+          </p:cNvPr>
+          <p:cNvSpPr/>
+          <p:nvPr/>
+        </p:nvSpPr>
+        <p:spPr>
+          <a:xfrm>
+            <a:off x="-10120" y="341029"/>
+            <a:ext cx="12202119" cy="45719"/>
+          </a:xfrm>
+          <a:prstGeom prst="rect">
+            <a:avLst/>
+          </a:prstGeom>
+          <a:gradFill flip="none" rotWithShape="1">
+            <a:gsLst>
+              <a:gs pos="0">
+                <a:srgbClr val="960000"/>
+              </a:gs>
+              <a:gs pos="40000">
+                <a:srgbClr val="960000"/>
+              </a:gs>
+              <a:gs pos="100000">
+                <a:srgbClr val="191919"/>
+              </a:gs>
+            </a:gsLst>
+            <a:lin ang="0" scaled="1"/>
+            <a:tileRect/>
+          </a:gradFill>
+          <a:ln>
+            <a:noFill/>
+          </a:ln>
+        </p:spPr>
+        <p:style>
+          <a:lnRef idx="2">
+            <a:schemeClr val="accent1">
+              <a:shade val="50000"/>
+            </a:schemeClr>
+          </a:lnRef>
+          <a:fillRef idx="1">
+            <a:schemeClr val="accent1"/>
+          </a:fillRef>
+          <a:effectRef idx="0">
+            <a:schemeClr val="accent1"/>
+          </a:effectRef>
+          <a:fontRef idx="minor">
+            <a:schemeClr val="lt1"/>
+          </a:fontRef>
+        </p:style>
+        <p:txBody>
+          <a:bodyPr rtlCol="0" anchor="ctr"/>
+          <a:lstStyle/>
+          <a:p>
+            <a:pPr algn="ctr"/>
+            <a:endParaRPr lang="ko-KR" altLang="en-US"/>
+          </a:p>
+        </p:txBody>
+      </p:sp>
+      <p:sp>
+        <p:nvSpPr>
+          <p:cNvPr id="34" name="직사각형 33">
+            <a:extLst>
+              <a:ext uri="{FF2B5EF4-FFF2-40B4-BE49-F238E27FC236}">
+                <a16:creationId xmlns="" xmlns:a16="http://schemas.microsoft.com/office/drawing/2014/main" id="{905EBA1D-24C7-4F00-B3C7-6DEBD568B0FF}"/>
+              </a:ext>
+            </a:extLst>
+          </p:cNvPr>
+          <p:cNvSpPr/>
+          <p:nvPr/>
+        </p:nvSpPr>
+        <p:spPr>
+          <a:xfrm flipH="1">
+            <a:off x="0" y="6418399"/>
+            <a:ext cx="12202119" cy="45719"/>
+          </a:xfrm>
+          <a:prstGeom prst="rect">
+            <a:avLst/>
+          </a:prstGeom>
+          <a:gradFill flip="none" rotWithShape="1">
+            <a:gsLst>
+              <a:gs pos="0">
+                <a:srgbClr val="960000"/>
+              </a:gs>
+              <a:gs pos="40000">
+                <a:srgbClr val="960000"/>
+              </a:gs>
+              <a:gs pos="100000">
+                <a:srgbClr val="191919"/>
+              </a:gs>
+            </a:gsLst>
+            <a:lin ang="0" scaled="1"/>
+            <a:tileRect/>
+          </a:gradFill>
+          <a:ln>
+            <a:noFill/>
+          </a:ln>
+        </p:spPr>
+        <p:style>
+          <a:lnRef idx="2">
+            <a:schemeClr val="accent1">
+              <a:shade val="50000"/>
+            </a:schemeClr>
+          </a:lnRef>
+          <a:fillRef idx="1">
+            <a:schemeClr val="accent1"/>
+          </a:fillRef>
+          <a:effectRef idx="0">
+            <a:schemeClr val="accent1"/>
+          </a:effectRef>
+          <a:fontRef idx="minor">
+            <a:schemeClr val="lt1"/>
+          </a:fontRef>
+        </p:style>
+        <p:txBody>
+          <a:bodyPr rtlCol="0" anchor="ctr"/>
+          <a:lstStyle/>
+          <a:p>
+            <a:pPr algn="ctr"/>
+            <a:endParaRPr lang="ko-KR" altLang="en-US"/>
+          </a:p>
+        </p:txBody>
+      </p:sp>
+      <p:pic>
+        <p:nvPicPr>
+          <p:cNvPr id="20" name="Picture 2" descr="https://lh5.googleusercontent.com/0iXdIQ1NYFrb5BcF_Yxz2of4h0cG5AFabYeEPNMW1slzExOIusDcDUKKSAlrrChVU6uQ4zRf-3iTFUZ9rmO5GTM9h9L0397wq4Rjlrt_3t9oZJ9VDe11mxiJZLZGFgP-gmSpY0H-h5n5Rx2xuKhSIw"/>
+          <p:cNvPicPr>
+            <a:picLocks noChangeAspect="1" noChangeArrowheads="1"/>
+          </p:cNvPicPr>
+          <p:nvPr/>
+        </p:nvPicPr>
+        <p:blipFill>
+          <a:blip r:embed="rId2">
+            <a:extLst>
+              <a:ext uri="{28A0092B-C50C-407E-A947-70E740481C1C}">
+                <a14:useLocalDpi xmlns:a14="http://schemas.microsoft.com/office/drawing/2010/main" val="0"/>
+              </a:ext>
+            </a:extLst>
+          </a:blip>
+          <a:srcRect/>
+          <a:stretch>
+            <a:fillRect/>
+          </a:stretch>
+        </p:blipFill>
+        <p:spPr bwMode="auto">
+          <a:xfrm>
+            <a:off x="455855" y="1573197"/>
+            <a:ext cx="5160736" cy="4518789"/>
+          </a:xfrm>
+          <a:prstGeom prst="rect">
+            <a:avLst/>
+          </a:prstGeom>
+          <a:noFill/>
+          <a:extLst>
+            <a:ext uri="{909E8E84-426E-40DD-AFC4-6F175D3DCCD1}">
+              <a14:hiddenFill xmlns:a14="http://schemas.microsoft.com/office/drawing/2010/main">
+                <a:solidFill>
+                  <a:srgbClr val="FFFFFF"/>
+                </a:solidFill>
+              </a14:hiddenFill>
+            </a:ext>
+          </a:extLst>
+        </p:spPr>
+      </p:pic>
+      <p:pic>
+        <p:nvPicPr>
+          <p:cNvPr id="7" name="그림 6"/>
+          <p:cNvPicPr>
+            <a:picLocks noChangeAspect="1"/>
+          </p:cNvPicPr>
+          <p:nvPr/>
+        </p:nvPicPr>
+        <p:blipFill>
+          <a:blip r:embed="rId3">
+            <a:extLst>
+              <a:ext uri="{28A0092B-C50C-407E-A947-70E740481C1C}">
+                <a14:useLocalDpi xmlns:a14="http://schemas.microsoft.com/office/drawing/2010/main" val="0"/>
+              </a:ext>
+            </a:extLst>
+          </a:blip>
+          <a:stretch>
+            <a:fillRect/>
+          </a:stretch>
+        </p:blipFill>
+        <p:spPr>
+          <a:xfrm>
+            <a:off x="-329403" y="2181373"/>
+            <a:ext cx="6052533" cy="4073820"/>
+          </a:xfrm>
+          <a:prstGeom prst="rect">
+            <a:avLst/>
+          </a:prstGeom>
+        </p:spPr>
+      </p:pic>
+      <p:sp>
+        <p:nvSpPr>
+          <p:cNvPr id="27" name="TextBox 26">
+            <a:extLst>
+              <a:ext uri="{FF2B5EF4-FFF2-40B4-BE49-F238E27FC236}">
+                <a16:creationId xmlns="" xmlns:a16="http://schemas.microsoft.com/office/drawing/2014/main" id="{773DF187-FAE7-4B00-9DAF-A0006D605DE3}"/>
+              </a:ext>
+            </a:extLst>
+          </p:cNvPr>
+          <p:cNvSpPr txBox="1"/>
+          <p:nvPr/>
+        </p:nvSpPr>
+        <p:spPr>
+          <a:xfrm>
+            <a:off x="970365" y="1336937"/>
+            <a:ext cx="4116789" cy="649751"/>
+          </a:xfrm>
+          <a:prstGeom prst="rect">
+            <a:avLst/>
+          </a:prstGeom>
+          <a:solidFill>
+            <a:schemeClr val="bg1"/>
+          </a:solidFill>
+        </p:spPr>
+        <p:txBody>
+          <a:bodyPr wrap="square" rtlCol="0">
+            <a:spAutoFit/>
+          </a:bodyPr>
+          <a:lstStyle/>
+          <a:p>
+            <a:pPr algn="just">
+              <a:lnSpc>
+                <a:spcPct val="150000"/>
+              </a:lnSpc>
+            </a:pPr>
+            <a:r>
+              <a:rPr lang="ko-KR" altLang="en-US" sz="2400" smtClean="0">
+                <a:solidFill>
+                  <a:srgbClr val="7030A0"/>
+                </a:solidFill>
+                <a:latin typeface="Gadugi" panose="020B0502040204020203" pitchFamily="34" charset="0"/>
+                <a:ea typeface="G마켓 산스 Light" panose="02000000000000000000" pitchFamily="50" charset="-127"/>
+              </a:rPr>
+              <a:t>청소년 온라인 도박의 종류</a:t>
+            </a:r>
+            <a:endParaRPr lang="en-US" altLang="ko-KR" sz="2400" dirty="0">
+              <a:solidFill>
+                <a:srgbClr val="7030A0"/>
+              </a:solidFill>
+              <a:latin typeface="Gadugi" panose="020B0502040204020203" pitchFamily="34" charset="0"/>
+              <a:ea typeface="Gadugi" panose="020B0502040204020203" pitchFamily="34" charset="0"/>
+            </a:endParaRPr>
+          </a:p>
+        </p:txBody>
+      </p:sp>
+      <p:pic>
+        <p:nvPicPr>
+          <p:cNvPr id="8" name="그림 7"/>
+          <p:cNvPicPr>
+            <a:picLocks noChangeAspect="1"/>
+          </p:cNvPicPr>
+          <p:nvPr/>
+        </p:nvPicPr>
+        <p:blipFill>
+          <a:blip r:embed="rId4">
+            <a:extLst>
+              <a:ext uri="{28A0092B-C50C-407E-A947-70E740481C1C}">
+                <a14:useLocalDpi xmlns:a14="http://schemas.microsoft.com/office/drawing/2010/main" val="0"/>
+              </a:ext>
+            </a:extLst>
+          </a:blip>
+          <a:stretch>
+            <a:fillRect/>
+          </a:stretch>
+        </p:blipFill>
+        <p:spPr>
+          <a:xfrm>
+            <a:off x="5829669" y="1604675"/>
+            <a:ext cx="6217000" cy="4258645"/>
+          </a:xfrm>
+          <a:prstGeom prst="rect">
+            <a:avLst/>
+          </a:prstGeom>
+        </p:spPr>
+      </p:pic>
+    </p:spTree>
+    <p:extLst>
+      <p:ext uri="{BB962C8B-B14F-4D97-AF65-F5344CB8AC3E}">
+        <p14:creationId xmlns:p14="http://schemas.microsoft.com/office/powerpoint/2010/main" val="3063104495"/>
+      </p:ext>
+    </p:extLst>
+  </p:cSld>
+  <p:clrMapOvr>
+    <a:masterClrMapping/>
+  </p:clrMapOvr>
+  <mc:AlternateContent xmlns:mc="http://schemas.openxmlformats.org/markup-compatibility/2006" xmlns:p14="http://schemas.microsoft.com/office/powerpoint/2010/main">
+    <mc:Choice Requires="p14">
+      <p:transition spd="slow">
+        <p14:reveal/>
+      </p:transition>
+    </mc:Choice>
+    <mc:Fallback xmlns="">
+      <p:transition spd="slow">
+        <p:fade/>
+      </p:transition>
+    </mc:Fallback>
+  </mc:AlternateContent>
+</p:sld>
+</file>
+
+<file path=ppt/slides/slide8.xml><?xml version="1.0" encoding="utf-8"?>
+<p:sld xmlns:a="http://schemas.openxmlformats.org/drawingml/2006/main" xmlns:r="http://schemas.openxmlformats.org/officeDocument/2006/relationships" xmlns:p="http://schemas.openxmlformats.org/presentationml/2006/main">
+  <p:cSld>
+    <p:bg>
+      <p:bgPr>
+        <a:solidFill>
+          <a:schemeClr val="tx1">
+            <a:lumMod val="85000"/>
+            <a:lumOff val="15000"/>
+          </a:schemeClr>
+        </a:solidFill>
+        <a:effectLst/>
+      </p:bgPr>
+    </p:bg>
+    <p:spTree>
+      <p:nvGrpSpPr>
+        <p:cNvPr id="1" name=""/>
+        <p:cNvGrpSpPr/>
+        <p:nvPr/>
+      </p:nvGrpSpPr>
+      <p:grpSpPr>
+        <a:xfrm>
+          <a:off x="0" y="0"/>
+          <a:ext cx="0" cy="0"/>
+          <a:chOff x="0" y="0"/>
+          <a:chExt cx="0" cy="0"/>
+        </a:xfrm>
+      </p:grpSpPr>
+      <p:sp>
+        <p:nvSpPr>
+          <p:cNvPr id="33" name="직사각형 32">
+            <a:extLst>
+              <a:ext uri="{FF2B5EF4-FFF2-40B4-BE49-F238E27FC236}">
+                <a16:creationId xmlns="" xmlns:a16="http://schemas.microsoft.com/office/drawing/2014/main" id="{071BD9A8-937E-4838-8166-AB56E628827A}"/>
+              </a:ext>
+            </a:extLst>
+          </p:cNvPr>
+          <p:cNvSpPr/>
+          <p:nvPr/>
+        </p:nvSpPr>
+        <p:spPr>
+          <a:xfrm>
+            <a:off x="-10120" y="341029"/>
+            <a:ext cx="12202119" cy="45719"/>
+          </a:xfrm>
+          <a:prstGeom prst="rect">
+            <a:avLst/>
+          </a:prstGeom>
+          <a:gradFill flip="none" rotWithShape="1">
+            <a:gsLst>
+              <a:gs pos="0">
+                <a:srgbClr val="960000"/>
+              </a:gs>
+              <a:gs pos="40000">
+                <a:srgbClr val="960000"/>
+              </a:gs>
+              <a:gs pos="100000">
+                <a:srgbClr val="191919"/>
+              </a:gs>
+            </a:gsLst>
+            <a:lin ang="0" scaled="1"/>
+            <a:tileRect/>
+          </a:gradFill>
+          <a:ln>
+            <a:noFill/>
+          </a:ln>
+        </p:spPr>
+        <p:style>
+          <a:lnRef idx="2">
+            <a:schemeClr val="accent1">
+              <a:shade val="50000"/>
+            </a:schemeClr>
+          </a:lnRef>
+          <a:fillRef idx="1">
+            <a:schemeClr val="accent1"/>
+          </a:fillRef>
+          <a:effectRef idx="0">
+            <a:schemeClr val="accent1"/>
+          </a:effectRef>
+          <a:fontRef idx="minor">
+            <a:schemeClr val="lt1"/>
+          </a:fontRef>
+        </p:style>
+        <p:txBody>
+          <a:bodyPr rtlCol="0" anchor="ctr"/>
+          <a:lstStyle/>
+          <a:p>
+            <a:pPr algn="ctr"/>
+            <a:endParaRPr lang="ko-KR" altLang="en-US"/>
+          </a:p>
+        </p:txBody>
+      </p:sp>
+      <p:sp>
+        <p:nvSpPr>
+          <p:cNvPr id="34" name="직사각형 33">
+            <a:extLst>
+              <a:ext uri="{FF2B5EF4-FFF2-40B4-BE49-F238E27FC236}">
+                <a16:creationId xmlns="" xmlns:a16="http://schemas.microsoft.com/office/drawing/2014/main" id="{905EBA1D-24C7-4F00-B3C7-6DEBD568B0FF}"/>
+              </a:ext>
+            </a:extLst>
+          </p:cNvPr>
+          <p:cNvSpPr/>
+          <p:nvPr/>
+        </p:nvSpPr>
+        <p:spPr>
+          <a:xfrm flipH="1">
+            <a:off x="0" y="6418399"/>
+            <a:ext cx="12202119" cy="45719"/>
+          </a:xfrm>
+          <a:prstGeom prst="rect">
+            <a:avLst/>
+          </a:prstGeom>
+          <a:gradFill flip="none" rotWithShape="1">
+            <a:gsLst>
+              <a:gs pos="0">
+                <a:srgbClr val="960000"/>
+              </a:gs>
+              <a:gs pos="40000">
+                <a:srgbClr val="960000"/>
+              </a:gs>
+              <a:gs pos="100000">
+                <a:srgbClr val="191919"/>
+              </a:gs>
+            </a:gsLst>
+            <a:lin ang="0" scaled="1"/>
+            <a:tileRect/>
+          </a:gradFill>
+          <a:ln>
+            <a:noFill/>
+          </a:ln>
+        </p:spPr>
+        <p:style>
+          <a:lnRef idx="2">
+            <a:schemeClr val="accent1">
+              <a:shade val="50000"/>
+            </a:schemeClr>
+          </a:lnRef>
+          <a:fillRef idx="1">
+            <a:schemeClr val="accent1"/>
+          </a:fillRef>
+          <a:effectRef idx="0">
+            <a:schemeClr val="accent1"/>
+          </a:effectRef>
+          <a:fontRef idx="minor">
+            <a:schemeClr val="lt1"/>
+          </a:fontRef>
+        </p:style>
+        <p:txBody>
+          <a:bodyPr rtlCol="0" anchor="ctr"/>
+          <a:lstStyle/>
+          <a:p>
+            <a:pPr algn="ctr"/>
+            <a:endParaRPr lang="ko-KR" altLang="en-US"/>
+          </a:p>
+        </p:txBody>
+      </p:sp>
+      <p:pic>
+        <p:nvPicPr>
+          <p:cNvPr id="7" name="그림 6"/>
+          <p:cNvPicPr>
+            <a:picLocks noChangeAspect="1"/>
+          </p:cNvPicPr>
+          <p:nvPr/>
+        </p:nvPicPr>
+        <p:blipFill>
+          <a:blip r:embed="rId2">
+            <a:extLst>
+              <a:ext uri="{28A0092B-C50C-407E-A947-70E740481C1C}">
+                <a14:useLocalDpi xmlns:a14="http://schemas.microsoft.com/office/drawing/2010/main" val="0"/>
+              </a:ext>
+            </a:extLst>
+          </a:blip>
+          <a:stretch>
+            <a:fillRect/>
+          </a:stretch>
+        </p:blipFill>
+        <p:spPr>
+          <a:xfrm>
+            <a:off x="218781" y="1628775"/>
+            <a:ext cx="6724945" cy="4526405"/>
+          </a:xfrm>
+          <a:prstGeom prst="rect">
+            <a:avLst/>
+          </a:prstGeom>
+        </p:spPr>
+      </p:pic>
+      <p:sp>
+        <p:nvSpPr>
+          <p:cNvPr id="6" name="TextBox 5"/>
+          <p:cNvSpPr txBox="1"/>
+          <p:nvPr/>
+        </p:nvSpPr>
+        <p:spPr>
+          <a:xfrm>
+            <a:off x="6943726" y="2214562"/>
+            <a:ext cx="5357557" cy="2169825"/>
+          </a:xfrm>
+          <a:prstGeom prst="rect">
+            <a:avLst/>
+          </a:prstGeom>
+          <a:noFill/>
+        </p:spPr>
+        <p:txBody>
+          <a:bodyPr wrap="none" rtlCol="0">
+            <a:spAutoFit/>
+          </a:bodyPr>
+          <a:lstStyle/>
+          <a:p>
+            <a:pPr>
+              <a:lnSpc>
+                <a:spcPct val="150000"/>
+              </a:lnSpc>
+            </a:pPr>
+            <a:r>
+              <a:rPr lang="ko-KR" altLang="en-US" dirty="0">
+                <a:solidFill>
+                  <a:schemeClr val="bg1"/>
+                </a:solidFill>
+              </a:rPr>
+              <a:t>한국도박문제관리센터가 청소년들을 대상으로 </a:t>
+            </a:r>
+            <a:endParaRPr lang="en-US" altLang="ko-KR" dirty="0" smtClean="0">
+              <a:solidFill>
+                <a:schemeClr val="bg1"/>
+              </a:solidFill>
+            </a:endParaRPr>
+          </a:p>
+          <a:p>
+            <a:pPr>
+              <a:lnSpc>
+                <a:spcPct val="150000"/>
+              </a:lnSpc>
+            </a:pPr>
+            <a:r>
+              <a:rPr lang="ko-KR" altLang="en-US" dirty="0" smtClean="0">
+                <a:solidFill>
+                  <a:schemeClr val="bg1"/>
+                </a:solidFill>
+              </a:rPr>
+              <a:t>시행한 </a:t>
+            </a:r>
+            <a:r>
+              <a:rPr lang="en-US" altLang="ko-KR" dirty="0">
+                <a:solidFill>
+                  <a:schemeClr val="bg1"/>
+                </a:solidFill>
+              </a:rPr>
+              <a:t>2020</a:t>
+            </a:r>
+            <a:r>
+              <a:rPr lang="ko-KR" altLang="en-US" dirty="0">
+                <a:solidFill>
+                  <a:schemeClr val="bg1"/>
+                </a:solidFill>
+              </a:rPr>
+              <a:t>년 청소년 도박문제 실태조사에 </a:t>
+            </a:r>
+            <a:endParaRPr lang="en-US" altLang="ko-KR" dirty="0" smtClean="0">
+              <a:solidFill>
+                <a:schemeClr val="bg1"/>
+              </a:solidFill>
+            </a:endParaRPr>
+          </a:p>
+          <a:p>
+            <a:pPr>
+              <a:lnSpc>
+                <a:spcPct val="150000"/>
+              </a:lnSpc>
+            </a:pPr>
+            <a:r>
+              <a:rPr lang="ko-KR" altLang="en-US" dirty="0" smtClean="0">
+                <a:solidFill>
+                  <a:schemeClr val="bg1"/>
+                </a:solidFill>
+              </a:rPr>
+              <a:t>따르면</a:t>
+            </a:r>
+            <a:r>
+              <a:rPr lang="en-US" altLang="ko-KR" dirty="0" smtClean="0">
+                <a:solidFill>
+                  <a:schemeClr val="bg1"/>
+                </a:solidFill>
+              </a:rPr>
+              <a:t>, </a:t>
+            </a:r>
+            <a:r>
+              <a:rPr lang="ko-KR" altLang="en-US" dirty="0">
+                <a:solidFill>
+                  <a:schemeClr val="bg1"/>
+                </a:solidFill>
+              </a:rPr>
+              <a:t>청소년 도박 첫 인지 경로는 </a:t>
+            </a:r>
+            <a:endParaRPr lang="en-US" altLang="ko-KR" dirty="0" smtClean="0">
+              <a:solidFill>
+                <a:schemeClr val="bg1"/>
+              </a:solidFill>
+            </a:endParaRPr>
+          </a:p>
+          <a:p>
+            <a:pPr>
+              <a:lnSpc>
+                <a:spcPct val="150000"/>
+              </a:lnSpc>
+            </a:pPr>
+            <a:r>
+              <a:rPr lang="en-US" altLang="ko-KR" dirty="0" smtClean="0">
+                <a:solidFill>
+                  <a:schemeClr val="bg1"/>
+                </a:solidFill>
+              </a:rPr>
+              <a:t>‘</a:t>
+            </a:r>
+            <a:r>
+              <a:rPr lang="ko-KR" altLang="en-US" dirty="0" smtClean="0">
+                <a:solidFill>
+                  <a:schemeClr val="bg1"/>
+                </a:solidFill>
+              </a:rPr>
+              <a:t>주변 </a:t>
+            </a:r>
+            <a:r>
+              <a:rPr lang="ko-KR" altLang="en-US" dirty="0">
+                <a:solidFill>
+                  <a:schemeClr val="bg1"/>
+                </a:solidFill>
+              </a:rPr>
+              <a:t>사람들이 하는 것을 보고</a:t>
+            </a:r>
+            <a:r>
+              <a:rPr lang="en-US" altLang="ko-KR" dirty="0">
+                <a:solidFill>
+                  <a:schemeClr val="bg1"/>
+                </a:solidFill>
+              </a:rPr>
+              <a:t>'(51.2%), </a:t>
+            </a:r>
+            <a:endParaRPr lang="en-US" altLang="ko-KR" dirty="0" smtClean="0">
+              <a:solidFill>
+                <a:schemeClr val="bg1"/>
+              </a:solidFill>
+            </a:endParaRPr>
+          </a:p>
+          <a:p>
+            <a:pPr>
+              <a:lnSpc>
+                <a:spcPct val="150000"/>
+              </a:lnSpc>
+            </a:pPr>
+            <a:r>
+              <a:rPr lang="en-US" altLang="ko-KR" dirty="0" smtClean="0">
+                <a:solidFill>
+                  <a:schemeClr val="bg1"/>
+                </a:solidFill>
+              </a:rPr>
+              <a:t>'</a:t>
+            </a:r>
+            <a:r>
+              <a:rPr lang="ko-KR" altLang="en-US" dirty="0">
+                <a:solidFill>
+                  <a:schemeClr val="bg1"/>
+                </a:solidFill>
+              </a:rPr>
+              <a:t>친구나 선후배의 </a:t>
+            </a:r>
+            <a:r>
+              <a:rPr lang="ko-KR" altLang="en-US" dirty="0" smtClean="0">
+                <a:solidFill>
+                  <a:schemeClr val="bg1"/>
+                </a:solidFill>
+              </a:rPr>
+              <a:t>소개</a:t>
+            </a:r>
+            <a:r>
+              <a:rPr lang="en-US" altLang="ko-KR" dirty="0">
+                <a:solidFill>
+                  <a:schemeClr val="bg1"/>
+                </a:solidFill>
+              </a:rPr>
+              <a:t>'(19.8%)</a:t>
+            </a:r>
+            <a:r>
+              <a:rPr lang="ko-KR" altLang="en-US" dirty="0">
+                <a:solidFill>
+                  <a:schemeClr val="bg1"/>
+                </a:solidFill>
+              </a:rPr>
+              <a:t>인 것으로 나타났다</a:t>
+            </a:r>
+            <a:r>
+              <a:rPr lang="en-US" altLang="ko-KR" dirty="0" smtClean="0">
+                <a:solidFill>
+                  <a:schemeClr val="bg1"/>
+                </a:solidFill>
+              </a:rPr>
+              <a:t>.</a:t>
+            </a:r>
+            <a:endParaRPr lang="ko-KR" altLang="en-US" dirty="0">
+              <a:solidFill>
+                <a:schemeClr val="bg1"/>
+              </a:solidFill>
+            </a:endParaRPr>
+          </a:p>
+        </p:txBody>
+      </p:sp>
+    </p:spTree>
+    <p:extLst>
+      <p:ext uri="{BB962C8B-B14F-4D97-AF65-F5344CB8AC3E}">
+        <p14:creationId xmlns:p14="http://schemas.microsoft.com/office/powerpoint/2010/main" val="3886097947"/>
+      </p:ext>
+    </p:extLst>
+  </p:cSld>
+  <p:clrMapOvr>
+    <a:masterClrMapping/>
+  </p:clrMapOvr>
+  <mc:AlternateContent xmlns:mc="http://schemas.openxmlformats.org/markup-compatibility/2006" xmlns:p14="http://schemas.microsoft.com/office/powerpoint/2010/main">
+    <mc:Choice Requires="p14">
+      <p:transition spd="slow">
+        <p14:reveal/>
+      </p:transition>
+    </mc:Choice>
+    <mc:Fallback xmlns="">
+      <p:transition spd="slow">
+        <p:fade/>
+      </p:transition>
+    </mc:Fallback>
+  </mc:AlternateContent>
+</p:sld>
+</file>
+
+<file path=ppt/slides/slide9.xml><?xml version="1.0" encoding="utf-8"?>
+<p:sld xmlns:a="http://schemas.openxmlformats.org/drawingml/2006/main" xmlns:r="http://schemas.openxmlformats.org/officeDocument/2006/relationships" xmlns:p="http://schemas.openxmlformats.org/presentationml/2006/main">
+  <p:cSld>
+    <p:bg>
+      <p:bgPr>
+        <a:solidFill>
           <a:srgbClr val="1B1B1B"/>
         </a:solidFill>
         <a:effectLst/>
@@ -12758,7 +15969,7 @@
           <p:cNvPr id="1028" name="Picture 4" descr="경찰 바리케이드 테이프 클로즈업 사진을 교차하지 마십시오">
             <a:extLst>
               <a:ext uri="{FF2B5EF4-FFF2-40B4-BE49-F238E27FC236}">
-                <a16:creationId xmlns:a16="http://schemas.microsoft.com/office/drawing/2014/main" xmlns="" id="{671B63BB-08E7-44B2-A6F0-4BE26FB84658}"/>
+                <a16:creationId xmlns="" xmlns:a16="http://schemas.microsoft.com/office/drawing/2014/main" id="{671B63BB-08E7-44B2-A6F0-4BE26FB84658}"/>
               </a:ext>
             </a:extLst>
           </p:cNvPr>
@@ -12814,7 +16025,7 @@
           <p:cNvPr id="5" name="직사각형 4">
             <a:extLst>
               <a:ext uri="{FF2B5EF4-FFF2-40B4-BE49-F238E27FC236}">
-                <a16:creationId xmlns:a16="http://schemas.microsoft.com/office/drawing/2014/main" xmlns="" id="{93CB9BD6-5CFD-4F5D-85F2-D501F430508A}"/>
+                <a16:creationId xmlns="" xmlns:a16="http://schemas.microsoft.com/office/drawing/2014/main" id="{93CB9BD6-5CFD-4F5D-85F2-D501F430508A}"/>
               </a:ext>
             </a:extLst>
           </p:cNvPr>
@@ -12866,7 +16077,7 @@
           <p:cNvPr id="9" name="그룹 8">
             <a:extLst>
               <a:ext uri="{FF2B5EF4-FFF2-40B4-BE49-F238E27FC236}">
-                <a16:creationId xmlns:a16="http://schemas.microsoft.com/office/drawing/2014/main" xmlns="" id="{C70B18DF-9367-4194-B73B-50D6E847EED5}"/>
+                <a16:creationId xmlns="" xmlns:a16="http://schemas.microsoft.com/office/drawing/2014/main" id="{C70B18DF-9367-4194-B73B-50D6E847EED5}"/>
               </a:ext>
             </a:extLst>
           </p:cNvPr>
@@ -12886,7 +16097,7 @@
             <p:cNvPr id="6" name="TextBox 5">
               <a:extLst>
                 <a:ext uri="{FF2B5EF4-FFF2-40B4-BE49-F238E27FC236}">
-                  <a16:creationId xmlns:a16="http://schemas.microsoft.com/office/drawing/2014/main" xmlns="" id="{72AC3162-CC19-4D6F-844F-E961C2121213}"/>
+                  <a16:creationId xmlns="" xmlns:a16="http://schemas.microsoft.com/office/drawing/2014/main" id="{72AC3162-CC19-4D6F-844F-E961C2121213}"/>
                 </a:ext>
               </a:extLst>
             </p:cNvPr>
@@ -12934,7 +16145,7 @@
             <p:cNvPr id="8" name="직선 연결선 7">
               <a:extLst>
                 <a:ext uri="{FF2B5EF4-FFF2-40B4-BE49-F238E27FC236}">
-                  <a16:creationId xmlns:a16="http://schemas.microsoft.com/office/drawing/2014/main" xmlns="" id="{FF09E170-F7DB-4A2F-8E79-FDBC9350D15B}"/>
+                  <a16:creationId xmlns="" xmlns:a16="http://schemas.microsoft.com/office/drawing/2014/main" id="{FF09E170-F7DB-4A2F-8E79-FDBC9350D15B}"/>
                 </a:ext>
               </a:extLst>
             </p:cNvPr>
@@ -12978,7 +16189,7 @@
           <p:cNvPr id="10" name="TextBox 9">
             <a:extLst>
               <a:ext uri="{FF2B5EF4-FFF2-40B4-BE49-F238E27FC236}">
-                <a16:creationId xmlns:a16="http://schemas.microsoft.com/office/drawing/2014/main" xmlns="" id="{4F418FC5-E944-4175-8571-30F8AA7F5624}"/>
+                <a16:creationId xmlns="" xmlns:a16="http://schemas.microsoft.com/office/drawing/2014/main" id="{4F418FC5-E944-4175-8571-30F8AA7F5624}"/>
               </a:ext>
             </a:extLst>
           </p:cNvPr>
@@ -13026,811 +16237,6 @@
     <p:extLst>
       <p:ext uri="{BB962C8B-B14F-4D97-AF65-F5344CB8AC3E}">
         <p14:creationId xmlns:p14="http://schemas.microsoft.com/office/powerpoint/2010/main" val="2543381177"/>
-      </p:ext>
-    </p:extLst>
-  </p:cSld>
-  <p:clrMapOvr>
-    <a:masterClrMapping/>
-  </p:clrMapOvr>
-  <mc:AlternateContent xmlns:mc="http://schemas.openxmlformats.org/markup-compatibility/2006" xmlns:p14="http://schemas.microsoft.com/office/powerpoint/2010/main">
-    <mc:Choice Requires="p14">
-      <p:transition spd="slow">
-        <p14:reveal/>
-      </p:transition>
-    </mc:Choice>
-    <mc:Fallback xmlns="">
-      <p:transition spd="slow">
-        <p:fade/>
-      </p:transition>
-    </mc:Fallback>
-  </mc:AlternateContent>
-</p:sld>
-</file>
-
-<file path=ppt/slides/slide8.xml><?xml version="1.0" encoding="utf-8"?>
-<p:sld xmlns:a="http://schemas.openxmlformats.org/drawingml/2006/main" xmlns:r="http://schemas.openxmlformats.org/officeDocument/2006/relationships" xmlns:p="http://schemas.openxmlformats.org/presentationml/2006/main">
-  <p:cSld>
-    <p:bg>
-      <p:bgPr>
-        <a:solidFill>
-          <a:schemeClr val="tx1">
-            <a:lumMod val="85000"/>
-            <a:lumOff val="15000"/>
-          </a:schemeClr>
-        </a:solidFill>
-        <a:effectLst/>
-      </p:bgPr>
-    </p:bg>
-    <p:spTree>
-      <p:nvGrpSpPr>
-        <p:cNvPr id="1" name=""/>
-        <p:cNvGrpSpPr/>
-        <p:nvPr/>
-      </p:nvGrpSpPr>
-      <p:grpSpPr>
-        <a:xfrm>
-          <a:off x="0" y="0"/>
-          <a:ext cx="0" cy="0"/>
-          <a:chOff x="0" y="0"/>
-          <a:chExt cx="0" cy="0"/>
-        </a:xfrm>
-      </p:grpSpPr>
-      <p:sp>
-        <p:nvSpPr>
-          <p:cNvPr id="13" name="직사각형 12">
-            <a:extLst>
-              <a:ext uri="{FF2B5EF4-FFF2-40B4-BE49-F238E27FC236}">
-                <a16:creationId xmlns:a16="http://schemas.microsoft.com/office/drawing/2014/main" xmlns="" id="{F389E3C6-C02A-4CF2-8404-1F9A8CB2FA11}"/>
-              </a:ext>
-            </a:extLst>
-          </p:cNvPr>
-          <p:cNvSpPr/>
-          <p:nvPr/>
-        </p:nvSpPr>
-        <p:spPr>
-          <a:xfrm>
-            <a:off x="4762500" y="1051717"/>
-            <a:ext cx="7429499" cy="45719"/>
-          </a:xfrm>
-          <a:prstGeom prst="rect">
-            <a:avLst/>
-          </a:prstGeom>
-          <a:gradFill flip="none" rotWithShape="1">
-            <a:gsLst>
-              <a:gs pos="0">
-                <a:srgbClr val="960000"/>
-              </a:gs>
-              <a:gs pos="40000">
-                <a:srgbClr val="960000"/>
-              </a:gs>
-              <a:gs pos="100000">
-                <a:srgbClr val="191919"/>
-              </a:gs>
-            </a:gsLst>
-            <a:lin ang="0" scaled="1"/>
-            <a:tileRect/>
-          </a:gradFill>
-          <a:ln>
-            <a:noFill/>
-          </a:ln>
-        </p:spPr>
-        <p:style>
-          <a:lnRef idx="2">
-            <a:schemeClr val="accent1">
-              <a:shade val="50000"/>
-            </a:schemeClr>
-          </a:lnRef>
-          <a:fillRef idx="1">
-            <a:schemeClr val="accent1"/>
-          </a:fillRef>
-          <a:effectRef idx="0">
-            <a:schemeClr val="accent1"/>
-          </a:effectRef>
-          <a:fontRef idx="minor">
-            <a:schemeClr val="lt1"/>
-          </a:fontRef>
-        </p:style>
-        <p:txBody>
-          <a:bodyPr rtlCol="0" anchor="ctr"/>
-          <a:lstStyle/>
-          <a:p>
-            <a:pPr algn="ctr"/>
-            <a:endParaRPr lang="ko-KR" altLang="en-US"/>
-          </a:p>
-        </p:txBody>
-      </p:sp>
-      <p:sp>
-        <p:nvSpPr>
-          <p:cNvPr id="14" name="직사각형 13">
-            <a:extLst>
-              <a:ext uri="{FF2B5EF4-FFF2-40B4-BE49-F238E27FC236}">
-                <a16:creationId xmlns:a16="http://schemas.microsoft.com/office/drawing/2014/main" xmlns="" id="{A3B4747F-421F-47F2-A7FC-0B557A1A5731}"/>
-              </a:ext>
-            </a:extLst>
-          </p:cNvPr>
-          <p:cNvSpPr/>
-          <p:nvPr/>
-        </p:nvSpPr>
-        <p:spPr>
-          <a:xfrm flipH="1">
-            <a:off x="4762499" y="5757304"/>
-            <a:ext cx="7429499" cy="45719"/>
-          </a:xfrm>
-          <a:prstGeom prst="rect">
-            <a:avLst/>
-          </a:prstGeom>
-          <a:gradFill flip="none" rotWithShape="1">
-            <a:gsLst>
-              <a:gs pos="0">
-                <a:srgbClr val="960000"/>
-              </a:gs>
-              <a:gs pos="40000">
-                <a:srgbClr val="960000"/>
-              </a:gs>
-              <a:gs pos="100000">
-                <a:srgbClr val="191919"/>
-              </a:gs>
-            </a:gsLst>
-            <a:lin ang="0" scaled="1"/>
-            <a:tileRect/>
-          </a:gradFill>
-          <a:ln>
-            <a:noFill/>
-          </a:ln>
-        </p:spPr>
-        <p:style>
-          <a:lnRef idx="2">
-            <a:schemeClr val="accent1">
-              <a:shade val="50000"/>
-            </a:schemeClr>
-          </a:lnRef>
-          <a:fillRef idx="1">
-            <a:schemeClr val="accent1"/>
-          </a:fillRef>
-          <a:effectRef idx="0">
-            <a:schemeClr val="accent1"/>
-          </a:effectRef>
-          <a:fontRef idx="minor">
-            <a:schemeClr val="lt1"/>
-          </a:fontRef>
-        </p:style>
-        <p:txBody>
-          <a:bodyPr rtlCol="0" anchor="ctr"/>
-          <a:lstStyle/>
-          <a:p>
-            <a:pPr algn="ctr"/>
-            <a:endParaRPr lang="ko-KR" altLang="en-US"/>
-          </a:p>
-        </p:txBody>
-      </p:sp>
-      <p:pic>
-        <p:nvPicPr>
-          <p:cNvPr id="8" name="그림 7"/>
-          <p:cNvPicPr>
-            <a:picLocks noChangeAspect="1"/>
-          </p:cNvPicPr>
-          <p:nvPr/>
-        </p:nvPicPr>
-        <p:blipFill>
-          <a:blip r:embed="rId2">
-            <a:extLst>
-              <a:ext uri="{28A0092B-C50C-407E-A947-70E740481C1C}">
-                <a14:useLocalDpi xmlns:a14="http://schemas.microsoft.com/office/drawing/2010/main" val="0"/>
-              </a:ext>
-            </a:extLst>
-          </a:blip>
-          <a:stretch>
-            <a:fillRect/>
-          </a:stretch>
-        </p:blipFill>
-        <p:spPr>
-          <a:xfrm>
-            <a:off x="-288326" y="1664814"/>
-            <a:ext cx="5904427" cy="3847401"/>
-          </a:xfrm>
-          <a:prstGeom prst="rect">
-            <a:avLst/>
-          </a:prstGeom>
-        </p:spPr>
-      </p:pic>
-      <p:sp>
-        <p:nvSpPr>
-          <p:cNvPr id="9" name="TextBox 8">
-            <a:extLst>
-              <a:ext uri="{FF2B5EF4-FFF2-40B4-BE49-F238E27FC236}">
-                <a16:creationId xmlns:a16="http://schemas.microsoft.com/office/drawing/2014/main" xmlns="" id="{773DF187-FAE7-4B00-9DAF-A0006D605DE3}"/>
-              </a:ext>
-            </a:extLst>
-          </p:cNvPr>
-          <p:cNvSpPr txBox="1"/>
-          <p:nvPr/>
-        </p:nvSpPr>
-        <p:spPr>
-          <a:xfrm>
-            <a:off x="5801077" y="1691147"/>
-            <a:ext cx="6390923" cy="738664"/>
-          </a:xfrm>
-          <a:prstGeom prst="rect">
-            <a:avLst/>
-          </a:prstGeom>
-          <a:noFill/>
-        </p:spPr>
-        <p:txBody>
-          <a:bodyPr wrap="square" rtlCol="0">
-            <a:spAutoFit/>
-          </a:bodyPr>
-          <a:lstStyle/>
-          <a:p>
-            <a:pPr algn="just">
-              <a:lnSpc>
-                <a:spcPct val="150000"/>
-              </a:lnSpc>
-            </a:pPr>
-            <a:r>
-              <a:rPr lang="en-US" altLang="ko-KR" sz="2800" dirty="0" smtClean="0">
-                <a:solidFill>
-                  <a:schemeClr val="bg1"/>
-                </a:solidFill>
-                <a:latin typeface="G마켓 산스 Light" panose="02000000000000000000" pitchFamily="50" charset="-127"/>
-                <a:ea typeface="G마켓 산스 Light" panose="02000000000000000000" pitchFamily="50" charset="-127"/>
-              </a:rPr>
-              <a:t>1. </a:t>
-            </a:r>
-            <a:r>
-              <a:rPr lang="ko-KR" altLang="en-US" sz="2800" dirty="0" smtClean="0">
-                <a:solidFill>
-                  <a:schemeClr val="bg1"/>
-                </a:solidFill>
-                <a:latin typeface="G마켓 산스 Light" panose="02000000000000000000" pitchFamily="50" charset="-127"/>
-                <a:ea typeface="G마켓 산스 Light" panose="02000000000000000000" pitchFamily="50" charset="-127"/>
-              </a:rPr>
-              <a:t>청소년 도박 치료 이용 강화</a:t>
-            </a:r>
-            <a:endParaRPr lang="en-US" altLang="ko-KR" sz="2800" dirty="0">
-              <a:solidFill>
-                <a:schemeClr val="bg1"/>
-              </a:solidFill>
-              <a:latin typeface="G마켓 산스 Light" panose="02000000000000000000" pitchFamily="50" charset="-127"/>
-              <a:ea typeface="G마켓 산스 Light" panose="02000000000000000000" pitchFamily="50" charset="-127"/>
-            </a:endParaRPr>
-          </a:p>
-        </p:txBody>
-      </p:sp>
-      <p:sp>
-        <p:nvSpPr>
-          <p:cNvPr id="12" name="TextBox 11">
-            <a:extLst>
-              <a:ext uri="{FF2B5EF4-FFF2-40B4-BE49-F238E27FC236}">
-                <a16:creationId xmlns:a16="http://schemas.microsoft.com/office/drawing/2014/main" xmlns="" id="{773DF187-FAE7-4B00-9DAF-A0006D605DE3}"/>
-              </a:ext>
-            </a:extLst>
-          </p:cNvPr>
-          <p:cNvSpPr txBox="1"/>
-          <p:nvPr/>
-        </p:nvSpPr>
-        <p:spPr>
-          <a:xfrm>
-            <a:off x="5801075" y="2361056"/>
-            <a:ext cx="6390923" cy="738664"/>
-          </a:xfrm>
-          <a:prstGeom prst="rect">
-            <a:avLst/>
-          </a:prstGeom>
-          <a:noFill/>
-        </p:spPr>
-        <p:txBody>
-          <a:bodyPr wrap="square" rtlCol="0">
-            <a:spAutoFit/>
-          </a:bodyPr>
-          <a:lstStyle/>
-          <a:p>
-            <a:pPr algn="just">
-              <a:lnSpc>
-                <a:spcPct val="150000"/>
-              </a:lnSpc>
-            </a:pPr>
-            <a:r>
-              <a:rPr lang="en-US" altLang="ko-KR" sz="2800" dirty="0" smtClean="0">
-                <a:solidFill>
-                  <a:schemeClr val="bg1"/>
-                </a:solidFill>
-                <a:latin typeface="G마켓 산스 Light" panose="02000000000000000000" pitchFamily="50" charset="-127"/>
-                <a:ea typeface="G마켓 산스 Light" panose="02000000000000000000" pitchFamily="50" charset="-127"/>
-              </a:rPr>
-              <a:t>2. </a:t>
-            </a:r>
-            <a:r>
-              <a:rPr lang="ko-KR" altLang="en-US" sz="2800" dirty="0" smtClean="0">
-                <a:solidFill>
-                  <a:schemeClr val="bg1"/>
-                </a:solidFill>
-                <a:latin typeface="G마켓 산스 Light" panose="02000000000000000000" pitchFamily="50" charset="-127"/>
-                <a:ea typeface="G마켓 산스 Light" panose="02000000000000000000" pitchFamily="50" charset="-127"/>
-              </a:rPr>
-              <a:t>범죄 경로 파악</a:t>
-            </a:r>
-            <a:endParaRPr lang="en-US" altLang="ko-KR" sz="2800" dirty="0">
-              <a:solidFill>
-                <a:schemeClr val="bg1"/>
-              </a:solidFill>
-              <a:latin typeface="G마켓 산스 Light" panose="02000000000000000000" pitchFamily="50" charset="-127"/>
-              <a:ea typeface="G마켓 산스 Light" panose="02000000000000000000" pitchFamily="50" charset="-127"/>
-            </a:endParaRPr>
-          </a:p>
-        </p:txBody>
-      </p:sp>
-      <p:sp>
-        <p:nvSpPr>
-          <p:cNvPr id="17" name="TextBox 16">
-            <a:extLst>
-              <a:ext uri="{FF2B5EF4-FFF2-40B4-BE49-F238E27FC236}">
-                <a16:creationId xmlns:a16="http://schemas.microsoft.com/office/drawing/2014/main" xmlns="" id="{773DF187-FAE7-4B00-9DAF-A0006D605DE3}"/>
-              </a:ext>
-            </a:extLst>
-          </p:cNvPr>
-          <p:cNvSpPr txBox="1"/>
-          <p:nvPr/>
-        </p:nvSpPr>
-        <p:spPr>
-          <a:xfrm>
-            <a:off x="5801077" y="3674059"/>
-            <a:ext cx="6390923" cy="738664"/>
-          </a:xfrm>
-          <a:prstGeom prst="rect">
-            <a:avLst/>
-          </a:prstGeom>
-          <a:noFill/>
-        </p:spPr>
-        <p:txBody>
-          <a:bodyPr wrap="square" rtlCol="0">
-            <a:spAutoFit/>
-          </a:bodyPr>
-          <a:lstStyle/>
-          <a:p>
-            <a:pPr algn="just">
-              <a:lnSpc>
-                <a:spcPct val="150000"/>
-              </a:lnSpc>
-            </a:pPr>
-            <a:r>
-              <a:rPr lang="en-US" altLang="ko-KR" sz="2800" dirty="0" smtClean="0">
-                <a:solidFill>
-                  <a:schemeClr val="bg1"/>
-                </a:solidFill>
-                <a:latin typeface="G마켓 산스 Light" panose="02000000000000000000" pitchFamily="50" charset="-127"/>
-                <a:ea typeface="G마켓 산스 Light" panose="02000000000000000000" pitchFamily="50" charset="-127"/>
-              </a:rPr>
-              <a:t>4. </a:t>
-            </a:r>
-            <a:r>
-              <a:rPr lang="ko-KR" altLang="en-US" sz="2800" dirty="0" smtClean="0">
-                <a:solidFill>
-                  <a:schemeClr val="bg1"/>
-                </a:solidFill>
-                <a:latin typeface="G마켓 산스 Light" panose="02000000000000000000" pitchFamily="50" charset="-127"/>
-                <a:ea typeface="G마켓 산스 Light" panose="02000000000000000000" pitchFamily="50" charset="-127"/>
-              </a:rPr>
-              <a:t>학교 밖 청소년에 대한 치료 </a:t>
-            </a:r>
-            <a:endParaRPr lang="en-US" altLang="ko-KR" sz="2800" dirty="0">
-              <a:solidFill>
-                <a:schemeClr val="bg1"/>
-              </a:solidFill>
-              <a:latin typeface="G마켓 산스 Light" panose="02000000000000000000" pitchFamily="50" charset="-127"/>
-              <a:ea typeface="G마켓 산스 Light" panose="02000000000000000000" pitchFamily="50" charset="-127"/>
-            </a:endParaRPr>
-          </a:p>
-        </p:txBody>
-      </p:sp>
-      <p:sp>
-        <p:nvSpPr>
-          <p:cNvPr id="18" name="TextBox 17">
-            <a:extLst>
-              <a:ext uri="{FF2B5EF4-FFF2-40B4-BE49-F238E27FC236}">
-                <a16:creationId xmlns:a16="http://schemas.microsoft.com/office/drawing/2014/main" xmlns="" id="{773DF187-FAE7-4B00-9DAF-A0006D605DE3}"/>
-              </a:ext>
-            </a:extLst>
-          </p:cNvPr>
-          <p:cNvSpPr txBox="1"/>
-          <p:nvPr/>
-        </p:nvSpPr>
-        <p:spPr>
-          <a:xfrm>
-            <a:off x="5801074" y="3009433"/>
-            <a:ext cx="6390923" cy="738664"/>
-          </a:xfrm>
-          <a:prstGeom prst="rect">
-            <a:avLst/>
-          </a:prstGeom>
-          <a:noFill/>
-        </p:spPr>
-        <p:txBody>
-          <a:bodyPr wrap="square" rtlCol="0">
-            <a:spAutoFit/>
-          </a:bodyPr>
-          <a:lstStyle/>
-          <a:p>
-            <a:pPr algn="just">
-              <a:lnSpc>
-                <a:spcPct val="150000"/>
-              </a:lnSpc>
-            </a:pPr>
-            <a:r>
-              <a:rPr lang="en-US" altLang="ko-KR" sz="2800" dirty="0" smtClean="0">
-                <a:solidFill>
-                  <a:schemeClr val="bg1"/>
-                </a:solidFill>
-                <a:latin typeface="G마켓 산스 Light" panose="02000000000000000000" pitchFamily="50" charset="-127"/>
-                <a:ea typeface="G마켓 산스 Light" panose="02000000000000000000" pitchFamily="50" charset="-127"/>
-              </a:rPr>
-              <a:t>3. </a:t>
-            </a:r>
-            <a:r>
-              <a:rPr lang="ko-KR" altLang="en-US" sz="2800" dirty="0" smtClean="0">
-                <a:solidFill>
-                  <a:schemeClr val="bg1"/>
-                </a:solidFill>
-                <a:latin typeface="G마켓 산스 Light" panose="02000000000000000000" pitchFamily="50" charset="-127"/>
-                <a:ea typeface="G마켓 산스 Light" panose="02000000000000000000" pitchFamily="50" charset="-127"/>
-              </a:rPr>
-              <a:t>유해 사이트 차단 </a:t>
-            </a:r>
-            <a:r>
-              <a:rPr lang="ko-KR" altLang="en-US" sz="2800" dirty="0" err="1" smtClean="0">
-                <a:solidFill>
-                  <a:schemeClr val="bg1"/>
-                </a:solidFill>
-                <a:latin typeface="G마켓 산스 Light" panose="02000000000000000000" pitchFamily="50" charset="-127"/>
-                <a:ea typeface="G마켓 산스 Light" panose="02000000000000000000" pitchFamily="50" charset="-127"/>
-              </a:rPr>
-              <a:t>어플</a:t>
-            </a:r>
-            <a:r>
-              <a:rPr lang="ko-KR" altLang="en-US" sz="2800" dirty="0" smtClean="0">
-                <a:solidFill>
-                  <a:schemeClr val="bg1"/>
-                </a:solidFill>
-                <a:latin typeface="G마켓 산스 Light" panose="02000000000000000000" pitchFamily="50" charset="-127"/>
-                <a:ea typeface="G마켓 산스 Light" panose="02000000000000000000" pitchFamily="50" charset="-127"/>
-              </a:rPr>
-              <a:t> 활성화</a:t>
-            </a:r>
-            <a:endParaRPr lang="en-US" altLang="ko-KR" sz="2800" dirty="0">
-              <a:solidFill>
-                <a:schemeClr val="bg1"/>
-              </a:solidFill>
-              <a:latin typeface="G마켓 산스 Light" panose="02000000000000000000" pitchFamily="50" charset="-127"/>
-              <a:ea typeface="G마켓 산스 Light" panose="02000000000000000000" pitchFamily="50" charset="-127"/>
-            </a:endParaRPr>
-          </a:p>
-        </p:txBody>
-      </p:sp>
-    </p:spTree>
-    <p:extLst>
-      <p:ext uri="{BB962C8B-B14F-4D97-AF65-F5344CB8AC3E}">
-        <p14:creationId xmlns:p14="http://schemas.microsoft.com/office/powerpoint/2010/main" val="3591463131"/>
-      </p:ext>
-    </p:extLst>
-  </p:cSld>
-  <p:clrMapOvr>
-    <a:masterClrMapping/>
-  </p:clrMapOvr>
-  <mc:AlternateContent xmlns:mc="http://schemas.openxmlformats.org/markup-compatibility/2006" xmlns:p14="http://schemas.microsoft.com/office/powerpoint/2010/main">
-    <mc:Choice Requires="p14">
-      <p:transition spd="slow">
-        <p14:reveal/>
-      </p:transition>
-    </mc:Choice>
-    <mc:Fallback xmlns="">
-      <p:transition spd="slow">
-        <p:fade/>
-      </p:transition>
-    </mc:Fallback>
-  </mc:AlternateContent>
-</p:sld>
-</file>
-
-<file path=ppt/slides/slide9.xml><?xml version="1.0" encoding="utf-8"?>
-<p:sld xmlns:a="http://schemas.openxmlformats.org/drawingml/2006/main" xmlns:r="http://schemas.openxmlformats.org/officeDocument/2006/relationships" xmlns:p="http://schemas.openxmlformats.org/presentationml/2006/main">
-  <p:cSld>
-    <p:bg>
-      <p:bgPr>
-        <a:solidFill>
-          <a:schemeClr val="tx1">
-            <a:lumMod val="85000"/>
-            <a:lumOff val="15000"/>
-          </a:schemeClr>
-        </a:solidFill>
-        <a:effectLst/>
-      </p:bgPr>
-    </p:bg>
-    <p:spTree>
-      <p:nvGrpSpPr>
-        <p:cNvPr id="1" name=""/>
-        <p:cNvGrpSpPr/>
-        <p:nvPr/>
-      </p:nvGrpSpPr>
-      <p:grpSpPr>
-        <a:xfrm>
-          <a:off x="0" y="0"/>
-          <a:ext cx="0" cy="0"/>
-          <a:chOff x="0" y="0"/>
-          <a:chExt cx="0" cy="0"/>
-        </a:xfrm>
-      </p:grpSpPr>
-      <p:pic>
-        <p:nvPicPr>
-          <p:cNvPr id="1028" name="Picture 4" descr="경찰 바리케이드 테이프 클로즈업 사진을 교차하지 마십시오">
-            <a:extLst>
-              <a:ext uri="{FF2B5EF4-FFF2-40B4-BE49-F238E27FC236}">
-                <a16:creationId xmlns:a16="http://schemas.microsoft.com/office/drawing/2014/main" xmlns="" id="{671B63BB-08E7-44B2-A6F0-4BE26FB84658}"/>
-              </a:ext>
-            </a:extLst>
-          </p:cNvPr>
-          <p:cNvPicPr>
-            <a:picLocks noChangeAspect="1" noChangeArrowheads="1"/>
-          </p:cNvPicPr>
-          <p:nvPr/>
-        </p:nvPicPr>
-        <p:blipFill>
-          <a:blip r:embed="rId2">
-            <a:extLst>
-              <a:ext uri="{BEBA8EAE-BF5A-486C-A8C5-ECC9F3942E4B}">
-                <a14:imgProps xmlns:a14="http://schemas.microsoft.com/office/drawing/2010/main">
-                  <a14:imgLayer r:embed="rId3">
-                    <a14:imgEffect>
-                      <a14:brightnessContrast bright="-52000" contrast="20000"/>
-                    </a14:imgEffect>
-                  </a14:imgLayer>
-                </a14:imgProps>
-              </a:ext>
-              <a:ext uri="{28A0092B-C50C-407E-A947-70E740481C1C}">
-                <a14:useLocalDpi xmlns:a14="http://schemas.microsoft.com/office/drawing/2010/main" val="0"/>
-              </a:ext>
-            </a:extLst>
-          </a:blip>
-          <a:srcRect/>
-          <a:stretch>
-            <a:fillRect/>
-          </a:stretch>
-        </p:blipFill>
-        <p:spPr bwMode="auto">
-          <a:xfrm>
-            <a:off x="7620000" y="0"/>
-            <a:ext cx="4572000" cy="6858000"/>
-          </a:xfrm>
-          <a:prstGeom prst="rect">
-            <a:avLst/>
-          </a:prstGeom>
-          <a:noFill/>
-          <a:extLst>
-            <a:ext uri="{909E8E84-426E-40DD-AFC4-6F175D3DCCD1}">
-              <a14:hiddenFill xmlns:a14="http://schemas.microsoft.com/office/drawing/2010/main">
-                <a:solidFill>
-                  <a:srgbClr val="FFFFFF"/>
-                </a:solidFill>
-              </a14:hiddenFill>
-            </a:ext>
-          </a:extLst>
-        </p:spPr>
-      </p:pic>
-      <p:sp>
-        <p:nvSpPr>
-          <p:cNvPr id="5" name="직사각형 4">
-            <a:extLst>
-              <a:ext uri="{FF2B5EF4-FFF2-40B4-BE49-F238E27FC236}">
-                <a16:creationId xmlns:a16="http://schemas.microsoft.com/office/drawing/2014/main" xmlns="" id="{93CB9BD6-5CFD-4F5D-85F2-D501F430508A}"/>
-              </a:ext>
-            </a:extLst>
-          </p:cNvPr>
-          <p:cNvSpPr/>
-          <p:nvPr/>
-        </p:nvSpPr>
-        <p:spPr>
-          <a:xfrm>
-            <a:off x="504825" y="438150"/>
-            <a:ext cx="6591300" cy="5943600"/>
-          </a:xfrm>
-          <a:prstGeom prst="rect">
-            <a:avLst/>
-          </a:prstGeom>
-          <a:noFill/>
-          <a:ln w="22225">
-            <a:solidFill>
-              <a:schemeClr val="bg1"/>
-            </a:solidFill>
-          </a:ln>
-        </p:spPr>
-        <p:style>
-          <a:lnRef idx="2">
-            <a:schemeClr val="accent1">
-              <a:shade val="50000"/>
-            </a:schemeClr>
-          </a:lnRef>
-          <a:fillRef idx="1">
-            <a:schemeClr val="accent1"/>
-          </a:fillRef>
-          <a:effectRef idx="0">
-            <a:schemeClr val="accent1"/>
-          </a:effectRef>
-          <a:fontRef idx="minor">
-            <a:schemeClr val="lt1"/>
-          </a:fontRef>
-        </p:style>
-        <p:txBody>
-          <a:bodyPr rtlCol="0" anchor="ctr"/>
-          <a:lstStyle/>
-          <a:p>
-            <a:pPr algn="ctr"/>
-            <a:endParaRPr lang="ko-KR" altLang="en-US"/>
-          </a:p>
-        </p:txBody>
-      </p:sp>
-      <p:grpSp>
-        <p:nvGrpSpPr>
-          <p:cNvPr id="9" name="그룹 8">
-            <a:extLst>
-              <a:ext uri="{FF2B5EF4-FFF2-40B4-BE49-F238E27FC236}">
-                <a16:creationId xmlns:a16="http://schemas.microsoft.com/office/drawing/2014/main" xmlns="" id="{C70B18DF-9367-4194-B73B-50D6E847EED5}"/>
-              </a:ext>
-            </a:extLst>
-          </p:cNvPr>
-          <p:cNvGrpSpPr/>
-          <p:nvPr/>
-        </p:nvGrpSpPr>
-        <p:grpSpPr>
-          <a:xfrm>
-            <a:off x="3187166" y="1962150"/>
-            <a:ext cx="1420413" cy="1200329"/>
-            <a:chOff x="3187166" y="1476375"/>
-            <a:chExt cx="1420413" cy="1200329"/>
-          </a:xfrm>
-        </p:grpSpPr>
-        <p:sp>
-          <p:nvSpPr>
-            <p:cNvPr id="6" name="TextBox 5">
-              <a:extLst>
-                <a:ext uri="{FF2B5EF4-FFF2-40B4-BE49-F238E27FC236}">
-                  <a16:creationId xmlns:a16="http://schemas.microsoft.com/office/drawing/2014/main" xmlns="" id="{72AC3162-CC19-4D6F-844F-E961C2121213}"/>
-                </a:ext>
-              </a:extLst>
-            </p:cNvPr>
-            <p:cNvSpPr txBox="1"/>
-            <p:nvPr/>
-          </p:nvSpPr>
-          <p:spPr>
-            <a:xfrm>
-              <a:off x="3187166" y="1476375"/>
-              <a:ext cx="1358064" cy="1200329"/>
-            </a:xfrm>
-            <a:prstGeom prst="rect">
-              <a:avLst/>
-            </a:prstGeom>
-            <a:noFill/>
-          </p:spPr>
-          <p:txBody>
-            <a:bodyPr wrap="none" rtlCol="0">
-              <a:spAutoFit/>
-            </a:bodyPr>
-            <a:lstStyle/>
-            <a:p>
-              <a:r>
-                <a:rPr lang="en-US" altLang="ko-KR" sz="7200" dirty="0" smtClean="0">
-                  <a:solidFill>
-                    <a:schemeClr val="bg1"/>
-                  </a:solidFill>
-                  <a:latin typeface="가나초콜릿" panose="020B0600000101010101" pitchFamily="34" charset="-127"/>
-                  <a:ea typeface="가나초콜릿" panose="020B0600000101010101" pitchFamily="34" charset="-127"/>
-                </a:rPr>
-                <a:t>03</a:t>
-              </a:r>
-              <a:endParaRPr lang="ko-KR" altLang="en-US" sz="7200" dirty="0">
-                <a:solidFill>
-                  <a:schemeClr val="bg1"/>
-                </a:solidFill>
-                <a:latin typeface="가나초콜릿" panose="020B0600000101010101" pitchFamily="34" charset="-127"/>
-                <a:ea typeface="가나초콜릿" panose="020B0600000101010101" pitchFamily="34" charset="-127"/>
-              </a:endParaRPr>
-            </a:p>
-          </p:txBody>
-        </p:sp>
-        <p:cxnSp>
-          <p:nvCxnSpPr>
-            <p:cNvPr id="8" name="직선 연결선 7">
-              <a:extLst>
-                <a:ext uri="{FF2B5EF4-FFF2-40B4-BE49-F238E27FC236}">
-                  <a16:creationId xmlns:a16="http://schemas.microsoft.com/office/drawing/2014/main" xmlns="" id="{FF09E170-F7DB-4A2F-8E79-FDBC9350D15B}"/>
-                </a:ext>
-              </a:extLst>
-            </p:cNvPr>
-            <p:cNvCxnSpPr>
-              <a:cxnSpLocks/>
-            </p:cNvCxnSpPr>
-            <p:nvPr/>
-          </p:nvCxnSpPr>
-          <p:spPr>
-            <a:xfrm>
-              <a:off x="3229945" y="2552700"/>
-              <a:ext cx="1377634" cy="0"/>
-            </a:xfrm>
-            <a:prstGeom prst="line">
-              <a:avLst/>
-            </a:prstGeom>
-            <a:ln>
-              <a:solidFill>
-                <a:schemeClr val="bg1"/>
-              </a:solidFill>
-            </a:ln>
-          </p:spPr>
-          <p:style>
-            <a:lnRef idx="1">
-              <a:schemeClr val="accent1"/>
-            </a:lnRef>
-            <a:fillRef idx="0">
-              <a:schemeClr val="accent1"/>
-            </a:fillRef>
-            <a:effectRef idx="0">
-              <a:schemeClr val="accent1"/>
-            </a:effectRef>
-            <a:fontRef idx="minor">
-              <a:schemeClr val="tx1"/>
-            </a:fontRef>
-          </p:style>
-        </p:cxnSp>
-      </p:grpSp>
-      <p:sp>
-        <p:nvSpPr>
-          <p:cNvPr id="10" name="TextBox 9">
-            <a:extLst>
-              <a:ext uri="{FF2B5EF4-FFF2-40B4-BE49-F238E27FC236}">
-                <a16:creationId xmlns:a16="http://schemas.microsoft.com/office/drawing/2014/main" xmlns="" id="{4F418FC5-E944-4175-8571-30F8AA7F5624}"/>
-              </a:ext>
-            </a:extLst>
-          </p:cNvPr>
-          <p:cNvSpPr txBox="1"/>
-          <p:nvPr/>
-        </p:nvSpPr>
-        <p:spPr>
-          <a:xfrm>
-            <a:off x="2682220" y="3162479"/>
-            <a:ext cx="2236511" cy="707886"/>
-          </a:xfrm>
-          <a:prstGeom prst="rect">
-            <a:avLst/>
-          </a:prstGeom>
-          <a:noFill/>
-        </p:spPr>
-        <p:txBody>
-          <a:bodyPr wrap="none" rtlCol="0">
-            <a:spAutoFit/>
-          </a:bodyPr>
-          <a:lstStyle/>
-          <a:p>
-            <a:pPr algn="ctr"/>
-            <a:r>
-              <a:rPr lang="ko-KR" altLang="en-US" sz="4000" dirty="0" smtClean="0">
-                <a:solidFill>
-                  <a:schemeClr val="bg1"/>
-                </a:solidFill>
-                <a:latin typeface="가나초콜릿" panose="020B0600000101010101" pitchFamily="34" charset="-127"/>
-                <a:ea typeface="가나초콜릿" panose="020B0600000101010101" pitchFamily="34" charset="-127"/>
-              </a:rPr>
-              <a:t>기대효과</a:t>
-            </a:r>
-            <a:endParaRPr lang="ko-KR" altLang="en-US" sz="4000" dirty="0">
-              <a:solidFill>
-                <a:schemeClr val="bg1"/>
-              </a:solidFill>
-              <a:latin typeface="가나초콜릿" panose="020B0600000101010101" pitchFamily="34" charset="-127"/>
-              <a:ea typeface="가나초콜릿" panose="020B0600000101010101" pitchFamily="34" charset="-127"/>
-            </a:endParaRPr>
-          </a:p>
-        </p:txBody>
-      </p:sp>
-    </p:spTree>
-    <p:extLst>
-      <p:ext uri="{BB962C8B-B14F-4D97-AF65-F5344CB8AC3E}">
-        <p14:creationId xmlns:p14="http://schemas.microsoft.com/office/powerpoint/2010/main" val="4222745613"/>
       </p:ext>
     </p:extLst>
   </p:cSld>

--- a/청소년도박_PPT.pptx
+++ b/청소년도박_PPT.pptx
@@ -147,7 +147,7 @@
           <p:cNvPr id="2" name="제목 1">
             <a:extLst>
               <a:ext uri="{FF2B5EF4-FFF2-40B4-BE49-F238E27FC236}">
-                <a16:creationId xmlns="" xmlns:a16="http://schemas.microsoft.com/office/drawing/2014/main" id="{43184B89-0090-4B99-BB98-AB9391409DCB}"/>
+                <a16:creationId xmlns:a16="http://schemas.microsoft.com/office/drawing/2014/main" xmlns="" id="{43184B89-0090-4B99-BB98-AB9391409DCB}"/>
               </a:ext>
             </a:extLst>
           </p:cNvPr>
@@ -184,7 +184,7 @@
           <p:cNvPr id="3" name="부제목 2">
             <a:extLst>
               <a:ext uri="{FF2B5EF4-FFF2-40B4-BE49-F238E27FC236}">
-                <a16:creationId xmlns="" xmlns:a16="http://schemas.microsoft.com/office/drawing/2014/main" id="{6F2356BC-9027-48FA-BF81-4D3B80F19657}"/>
+                <a16:creationId xmlns:a16="http://schemas.microsoft.com/office/drawing/2014/main" xmlns="" id="{6F2356BC-9027-48FA-BF81-4D3B80F19657}"/>
               </a:ext>
             </a:extLst>
           </p:cNvPr>
@@ -254,7 +254,7 @@
           <p:cNvPr id="4" name="날짜 개체 틀 3">
             <a:extLst>
               <a:ext uri="{FF2B5EF4-FFF2-40B4-BE49-F238E27FC236}">
-                <a16:creationId xmlns="" xmlns:a16="http://schemas.microsoft.com/office/drawing/2014/main" id="{AD8463ED-B67B-42DF-B786-CE281D1E46E8}"/>
+                <a16:creationId xmlns:a16="http://schemas.microsoft.com/office/drawing/2014/main" xmlns="" id="{AD8463ED-B67B-42DF-B786-CE281D1E46E8}"/>
               </a:ext>
             </a:extLst>
           </p:cNvPr>
@@ -283,7 +283,7 @@
           <p:cNvPr id="5" name="바닥글 개체 틀 4">
             <a:extLst>
               <a:ext uri="{FF2B5EF4-FFF2-40B4-BE49-F238E27FC236}">
-                <a16:creationId xmlns="" xmlns:a16="http://schemas.microsoft.com/office/drawing/2014/main" id="{8E1485F7-DCA7-4153-9D3C-C33308AE50B0}"/>
+                <a16:creationId xmlns:a16="http://schemas.microsoft.com/office/drawing/2014/main" xmlns="" id="{8E1485F7-DCA7-4153-9D3C-C33308AE50B0}"/>
               </a:ext>
             </a:extLst>
           </p:cNvPr>
@@ -308,7 +308,7 @@
           <p:cNvPr id="6" name="슬라이드 번호 개체 틀 5">
             <a:extLst>
               <a:ext uri="{FF2B5EF4-FFF2-40B4-BE49-F238E27FC236}">
-                <a16:creationId xmlns="" xmlns:a16="http://schemas.microsoft.com/office/drawing/2014/main" id="{93EC41AA-AEB4-4A43-8C5A-0491C7932850}"/>
+                <a16:creationId xmlns:a16="http://schemas.microsoft.com/office/drawing/2014/main" xmlns="" id="{93EC41AA-AEB4-4A43-8C5A-0491C7932850}"/>
               </a:ext>
             </a:extLst>
           </p:cNvPr>
@@ -379,7 +379,7 @@
           <p:cNvPr id="5" name="그룹 4">
             <a:extLst>
               <a:ext uri="{FF2B5EF4-FFF2-40B4-BE49-F238E27FC236}">
-                <a16:creationId xmlns="" xmlns:a16="http://schemas.microsoft.com/office/drawing/2014/main" id="{A45EBEDC-D000-458E-9A92-D7721BA5CCD9}"/>
+                <a16:creationId xmlns:a16="http://schemas.microsoft.com/office/drawing/2014/main" xmlns="" id="{A45EBEDC-D000-458E-9A92-D7721BA5CCD9}"/>
               </a:ext>
             </a:extLst>
           </p:cNvPr>
@@ -399,7 +399,7 @@
             <p:cNvPr id="6" name="직사각형 5">
               <a:extLst>
                 <a:ext uri="{FF2B5EF4-FFF2-40B4-BE49-F238E27FC236}">
-                  <a16:creationId xmlns="" xmlns:a16="http://schemas.microsoft.com/office/drawing/2014/main" id="{DAECE6DE-372A-4371-96A9-2833E80CE567}"/>
+                  <a16:creationId xmlns:a16="http://schemas.microsoft.com/office/drawing/2014/main" xmlns="" id="{DAECE6DE-372A-4371-96A9-2833E80CE567}"/>
                 </a:ext>
               </a:extLst>
             </p:cNvPr>
@@ -451,7 +451,7 @@
             <p:cNvPr id="7" name="Picture 4" descr="재킷을 입고 남자의 회색조 사진">
               <a:extLst>
                 <a:ext uri="{FF2B5EF4-FFF2-40B4-BE49-F238E27FC236}">
-                  <a16:creationId xmlns="" xmlns:a16="http://schemas.microsoft.com/office/drawing/2014/main" id="{3651D224-386B-4D58-A766-CF4444EAD22F}"/>
+                  <a16:creationId xmlns:a16="http://schemas.microsoft.com/office/drawing/2014/main" xmlns="" id="{3651D224-386B-4D58-A766-CF4444EAD22F}"/>
                 </a:ext>
               </a:extLst>
             </p:cNvPr>
@@ -498,7 +498,7 @@
             <p:cNvPr id="8" name="그룹 7">
               <a:extLst>
                 <a:ext uri="{FF2B5EF4-FFF2-40B4-BE49-F238E27FC236}">
-                  <a16:creationId xmlns="" xmlns:a16="http://schemas.microsoft.com/office/drawing/2014/main" id="{5869C8EC-E84E-4B95-96A3-CAEAFE7DFA3E}"/>
+                  <a16:creationId xmlns:a16="http://schemas.microsoft.com/office/drawing/2014/main" xmlns="" id="{5869C8EC-E84E-4B95-96A3-CAEAFE7DFA3E}"/>
                 </a:ext>
               </a:extLst>
             </p:cNvPr>
@@ -518,7 +518,7 @@
               <p:cNvPr id="9" name="직사각형 8">
                 <a:extLst>
                   <a:ext uri="{FF2B5EF4-FFF2-40B4-BE49-F238E27FC236}">
-                    <a16:creationId xmlns="" xmlns:a16="http://schemas.microsoft.com/office/drawing/2014/main" id="{013689B1-44BB-4210-9BB9-5441E387B0E2}"/>
+                    <a16:creationId xmlns:a16="http://schemas.microsoft.com/office/drawing/2014/main" xmlns="" id="{013689B1-44BB-4210-9BB9-5441E387B0E2}"/>
                   </a:ext>
                 </a:extLst>
               </p:cNvPr>
@@ -572,7 +572,7 @@
               <p:cNvPr id="10" name="직사각형 9">
                 <a:extLst>
                   <a:ext uri="{FF2B5EF4-FFF2-40B4-BE49-F238E27FC236}">
-                    <a16:creationId xmlns="" xmlns:a16="http://schemas.microsoft.com/office/drawing/2014/main" id="{1AD1C496-15D5-441E-93BC-EEDAD14EFBBD}"/>
+                    <a16:creationId xmlns:a16="http://schemas.microsoft.com/office/drawing/2014/main" xmlns="" id="{1AD1C496-15D5-441E-93BC-EEDAD14EFBBD}"/>
                   </a:ext>
                 </a:extLst>
               </p:cNvPr>
@@ -670,7 +670,7 @@
           <p:cNvPr id="2" name="제목 1">
             <a:extLst>
               <a:ext uri="{FF2B5EF4-FFF2-40B4-BE49-F238E27FC236}">
-                <a16:creationId xmlns="" xmlns:a16="http://schemas.microsoft.com/office/drawing/2014/main" id="{9EBE64F8-D58C-4193-ADF1-2E33A0871CB6}"/>
+                <a16:creationId xmlns:a16="http://schemas.microsoft.com/office/drawing/2014/main" xmlns="" id="{9EBE64F8-D58C-4193-ADF1-2E33A0871CB6}"/>
               </a:ext>
             </a:extLst>
           </p:cNvPr>
@@ -707,7 +707,7 @@
           <p:cNvPr id="3" name="내용 개체 틀 2">
             <a:extLst>
               <a:ext uri="{FF2B5EF4-FFF2-40B4-BE49-F238E27FC236}">
-                <a16:creationId xmlns="" xmlns:a16="http://schemas.microsoft.com/office/drawing/2014/main" id="{76ED4F30-1F9C-428A-94A8-3214DD238630}"/>
+                <a16:creationId xmlns:a16="http://schemas.microsoft.com/office/drawing/2014/main" xmlns="" id="{76ED4F30-1F9C-428A-94A8-3214DD238630}"/>
               </a:ext>
             </a:extLst>
           </p:cNvPr>
@@ -797,7 +797,7 @@
           <p:cNvPr id="4" name="텍스트 개체 틀 3">
             <a:extLst>
               <a:ext uri="{FF2B5EF4-FFF2-40B4-BE49-F238E27FC236}">
-                <a16:creationId xmlns="" xmlns:a16="http://schemas.microsoft.com/office/drawing/2014/main" id="{BC643B04-2988-4F2B-89A1-40B6742C7B01}"/>
+                <a16:creationId xmlns:a16="http://schemas.microsoft.com/office/drawing/2014/main" xmlns="" id="{BC643B04-2988-4F2B-89A1-40B6742C7B01}"/>
               </a:ext>
             </a:extLst>
           </p:cNvPr>
@@ -868,7 +868,7 @@
           <p:cNvPr id="5" name="날짜 개체 틀 4">
             <a:extLst>
               <a:ext uri="{FF2B5EF4-FFF2-40B4-BE49-F238E27FC236}">
-                <a16:creationId xmlns="" xmlns:a16="http://schemas.microsoft.com/office/drawing/2014/main" id="{209F27AF-D3B8-48B5-AD12-768A82E8B505}"/>
+                <a16:creationId xmlns:a16="http://schemas.microsoft.com/office/drawing/2014/main" xmlns="" id="{209F27AF-D3B8-48B5-AD12-768A82E8B505}"/>
               </a:ext>
             </a:extLst>
           </p:cNvPr>
@@ -897,7 +897,7 @@
           <p:cNvPr id="6" name="바닥글 개체 틀 5">
             <a:extLst>
               <a:ext uri="{FF2B5EF4-FFF2-40B4-BE49-F238E27FC236}">
-                <a16:creationId xmlns="" xmlns:a16="http://schemas.microsoft.com/office/drawing/2014/main" id="{3372ECA7-CB1D-4A76-816C-04962A3C8E71}"/>
+                <a16:creationId xmlns:a16="http://schemas.microsoft.com/office/drawing/2014/main" xmlns="" id="{3372ECA7-CB1D-4A76-816C-04962A3C8E71}"/>
               </a:ext>
             </a:extLst>
           </p:cNvPr>
@@ -922,7 +922,7 @@
           <p:cNvPr id="7" name="슬라이드 번호 개체 틀 6">
             <a:extLst>
               <a:ext uri="{FF2B5EF4-FFF2-40B4-BE49-F238E27FC236}">
-                <a16:creationId xmlns="" xmlns:a16="http://schemas.microsoft.com/office/drawing/2014/main" id="{CEB1D283-E222-48AA-8975-FE6447FB6827}"/>
+                <a16:creationId xmlns:a16="http://schemas.microsoft.com/office/drawing/2014/main" xmlns="" id="{CEB1D283-E222-48AA-8975-FE6447FB6827}"/>
               </a:ext>
             </a:extLst>
           </p:cNvPr>
@@ -993,7 +993,7 @@
           <p:cNvPr id="2" name="제목 1">
             <a:extLst>
               <a:ext uri="{FF2B5EF4-FFF2-40B4-BE49-F238E27FC236}">
-                <a16:creationId xmlns="" xmlns:a16="http://schemas.microsoft.com/office/drawing/2014/main" id="{26A903B1-6F34-4F92-9F5B-0F0555150588}"/>
+                <a16:creationId xmlns:a16="http://schemas.microsoft.com/office/drawing/2014/main" xmlns="" id="{26A903B1-6F34-4F92-9F5B-0F0555150588}"/>
               </a:ext>
             </a:extLst>
           </p:cNvPr>
@@ -1030,7 +1030,7 @@
           <p:cNvPr id="3" name="그림 개체 틀 2">
             <a:extLst>
               <a:ext uri="{FF2B5EF4-FFF2-40B4-BE49-F238E27FC236}">
-                <a16:creationId xmlns="" xmlns:a16="http://schemas.microsoft.com/office/drawing/2014/main" id="{10A1BF80-B01C-42EB-8F19-77330001E386}"/>
+                <a16:creationId xmlns:a16="http://schemas.microsoft.com/office/drawing/2014/main" xmlns="" id="{10A1BF80-B01C-42EB-8F19-77330001E386}"/>
               </a:ext>
             </a:extLst>
           </p:cNvPr>
@@ -1097,7 +1097,7 @@
           <p:cNvPr id="4" name="텍스트 개체 틀 3">
             <a:extLst>
               <a:ext uri="{FF2B5EF4-FFF2-40B4-BE49-F238E27FC236}">
-                <a16:creationId xmlns="" xmlns:a16="http://schemas.microsoft.com/office/drawing/2014/main" id="{80817C2F-064C-4058-B956-8AABC24AA14D}"/>
+                <a16:creationId xmlns:a16="http://schemas.microsoft.com/office/drawing/2014/main" xmlns="" id="{80817C2F-064C-4058-B956-8AABC24AA14D}"/>
               </a:ext>
             </a:extLst>
           </p:cNvPr>
@@ -1168,7 +1168,7 @@
           <p:cNvPr id="5" name="날짜 개체 틀 4">
             <a:extLst>
               <a:ext uri="{FF2B5EF4-FFF2-40B4-BE49-F238E27FC236}">
-                <a16:creationId xmlns="" xmlns:a16="http://schemas.microsoft.com/office/drawing/2014/main" id="{DB209AA9-FFA9-497D-B3C2-97F787B40F42}"/>
+                <a16:creationId xmlns:a16="http://schemas.microsoft.com/office/drawing/2014/main" xmlns="" id="{DB209AA9-FFA9-497D-B3C2-97F787B40F42}"/>
               </a:ext>
             </a:extLst>
           </p:cNvPr>
@@ -1197,7 +1197,7 @@
           <p:cNvPr id="6" name="바닥글 개체 틀 5">
             <a:extLst>
               <a:ext uri="{FF2B5EF4-FFF2-40B4-BE49-F238E27FC236}">
-                <a16:creationId xmlns="" xmlns:a16="http://schemas.microsoft.com/office/drawing/2014/main" id="{5C7AC90C-1310-4A41-8274-9C71E0F3533A}"/>
+                <a16:creationId xmlns:a16="http://schemas.microsoft.com/office/drawing/2014/main" xmlns="" id="{5C7AC90C-1310-4A41-8274-9C71E0F3533A}"/>
               </a:ext>
             </a:extLst>
           </p:cNvPr>
@@ -1222,7 +1222,7 @@
           <p:cNvPr id="7" name="슬라이드 번호 개체 틀 6">
             <a:extLst>
               <a:ext uri="{FF2B5EF4-FFF2-40B4-BE49-F238E27FC236}">
-                <a16:creationId xmlns="" xmlns:a16="http://schemas.microsoft.com/office/drawing/2014/main" id="{1DFAFEFF-BBE9-4EAD-B3F6-35B616D36678}"/>
+                <a16:creationId xmlns:a16="http://schemas.microsoft.com/office/drawing/2014/main" xmlns="" id="{1DFAFEFF-BBE9-4EAD-B3F6-35B616D36678}"/>
               </a:ext>
             </a:extLst>
           </p:cNvPr>
@@ -1293,7 +1293,7 @@
           <p:cNvPr id="2" name="제목 1">
             <a:extLst>
               <a:ext uri="{FF2B5EF4-FFF2-40B4-BE49-F238E27FC236}">
-                <a16:creationId xmlns="" xmlns:a16="http://schemas.microsoft.com/office/drawing/2014/main" id="{D2BADD1F-941C-431C-92C6-CBC737F39AF8}"/>
+                <a16:creationId xmlns:a16="http://schemas.microsoft.com/office/drawing/2014/main" xmlns="" id="{D2BADD1F-941C-431C-92C6-CBC737F39AF8}"/>
               </a:ext>
             </a:extLst>
           </p:cNvPr>
@@ -1321,7 +1321,7 @@
           <p:cNvPr id="3" name="세로 텍스트 개체 틀 2">
             <a:extLst>
               <a:ext uri="{FF2B5EF4-FFF2-40B4-BE49-F238E27FC236}">
-                <a16:creationId xmlns="" xmlns:a16="http://schemas.microsoft.com/office/drawing/2014/main" id="{5BB5A581-B5D6-4B49-B132-C14E2F77DB5E}"/>
+                <a16:creationId xmlns:a16="http://schemas.microsoft.com/office/drawing/2014/main" xmlns="" id="{5BB5A581-B5D6-4B49-B132-C14E2F77DB5E}"/>
               </a:ext>
             </a:extLst>
           </p:cNvPr>
@@ -1378,7 +1378,7 @@
           <p:cNvPr id="4" name="날짜 개체 틀 3">
             <a:extLst>
               <a:ext uri="{FF2B5EF4-FFF2-40B4-BE49-F238E27FC236}">
-                <a16:creationId xmlns="" xmlns:a16="http://schemas.microsoft.com/office/drawing/2014/main" id="{C4E9EFA1-22B4-41FE-A553-C4D8A75C2AF4}"/>
+                <a16:creationId xmlns:a16="http://schemas.microsoft.com/office/drawing/2014/main" xmlns="" id="{C4E9EFA1-22B4-41FE-A553-C4D8A75C2AF4}"/>
               </a:ext>
             </a:extLst>
           </p:cNvPr>
@@ -1407,7 +1407,7 @@
           <p:cNvPr id="5" name="바닥글 개체 틀 4">
             <a:extLst>
               <a:ext uri="{FF2B5EF4-FFF2-40B4-BE49-F238E27FC236}">
-                <a16:creationId xmlns="" xmlns:a16="http://schemas.microsoft.com/office/drawing/2014/main" id="{D63AA89D-F7E1-4DD4-BD1A-19E1FEA9B618}"/>
+                <a16:creationId xmlns:a16="http://schemas.microsoft.com/office/drawing/2014/main" xmlns="" id="{D63AA89D-F7E1-4DD4-BD1A-19E1FEA9B618}"/>
               </a:ext>
             </a:extLst>
           </p:cNvPr>
@@ -1432,7 +1432,7 @@
           <p:cNvPr id="6" name="슬라이드 번호 개체 틀 5">
             <a:extLst>
               <a:ext uri="{FF2B5EF4-FFF2-40B4-BE49-F238E27FC236}">
-                <a16:creationId xmlns="" xmlns:a16="http://schemas.microsoft.com/office/drawing/2014/main" id="{200CC327-BA5B-4EA0-B8C7-084D8E07A7A1}"/>
+                <a16:creationId xmlns:a16="http://schemas.microsoft.com/office/drawing/2014/main" xmlns="" id="{200CC327-BA5B-4EA0-B8C7-084D8E07A7A1}"/>
               </a:ext>
             </a:extLst>
           </p:cNvPr>
@@ -1503,7 +1503,7 @@
           <p:cNvPr id="2" name="세로 제목 1">
             <a:extLst>
               <a:ext uri="{FF2B5EF4-FFF2-40B4-BE49-F238E27FC236}">
-                <a16:creationId xmlns="" xmlns:a16="http://schemas.microsoft.com/office/drawing/2014/main" id="{FD21F10B-8EB6-4364-810C-4488990DE16D}"/>
+                <a16:creationId xmlns:a16="http://schemas.microsoft.com/office/drawing/2014/main" xmlns="" id="{FD21F10B-8EB6-4364-810C-4488990DE16D}"/>
               </a:ext>
             </a:extLst>
           </p:cNvPr>
@@ -1536,7 +1536,7 @@
           <p:cNvPr id="3" name="세로 텍스트 개체 틀 2">
             <a:extLst>
               <a:ext uri="{FF2B5EF4-FFF2-40B4-BE49-F238E27FC236}">
-                <a16:creationId xmlns="" xmlns:a16="http://schemas.microsoft.com/office/drawing/2014/main" id="{7C5F628F-38EA-4BD2-B21F-E39F21CB626A}"/>
+                <a16:creationId xmlns:a16="http://schemas.microsoft.com/office/drawing/2014/main" xmlns="" id="{7C5F628F-38EA-4BD2-B21F-E39F21CB626A}"/>
               </a:ext>
             </a:extLst>
           </p:cNvPr>
@@ -1598,7 +1598,7 @@
           <p:cNvPr id="4" name="날짜 개체 틀 3">
             <a:extLst>
               <a:ext uri="{FF2B5EF4-FFF2-40B4-BE49-F238E27FC236}">
-                <a16:creationId xmlns="" xmlns:a16="http://schemas.microsoft.com/office/drawing/2014/main" id="{491A742C-F296-4B84-897E-06BA1369492C}"/>
+                <a16:creationId xmlns:a16="http://schemas.microsoft.com/office/drawing/2014/main" xmlns="" id="{491A742C-F296-4B84-897E-06BA1369492C}"/>
               </a:ext>
             </a:extLst>
           </p:cNvPr>
@@ -1627,7 +1627,7 @@
           <p:cNvPr id="5" name="바닥글 개체 틀 4">
             <a:extLst>
               <a:ext uri="{FF2B5EF4-FFF2-40B4-BE49-F238E27FC236}">
-                <a16:creationId xmlns="" xmlns:a16="http://schemas.microsoft.com/office/drawing/2014/main" id="{FA4F227D-A58C-4B22-80BD-6B647720AB1E}"/>
+                <a16:creationId xmlns:a16="http://schemas.microsoft.com/office/drawing/2014/main" xmlns="" id="{FA4F227D-A58C-4B22-80BD-6B647720AB1E}"/>
               </a:ext>
             </a:extLst>
           </p:cNvPr>
@@ -1652,7 +1652,7 @@
           <p:cNvPr id="6" name="슬라이드 번호 개체 틀 5">
             <a:extLst>
               <a:ext uri="{FF2B5EF4-FFF2-40B4-BE49-F238E27FC236}">
-                <a16:creationId xmlns="" xmlns:a16="http://schemas.microsoft.com/office/drawing/2014/main" id="{EA8513E2-66D2-4C02-AA0A-12C15B8CD78C}"/>
+                <a16:creationId xmlns:a16="http://schemas.microsoft.com/office/drawing/2014/main" xmlns="" id="{EA8513E2-66D2-4C02-AA0A-12C15B8CD78C}"/>
               </a:ext>
             </a:extLst>
           </p:cNvPr>
@@ -1723,7 +1723,7 @@
           <p:cNvPr id="2" name="제목 1">
             <a:extLst>
               <a:ext uri="{FF2B5EF4-FFF2-40B4-BE49-F238E27FC236}">
-                <a16:creationId xmlns="" xmlns:a16="http://schemas.microsoft.com/office/drawing/2014/main" id="{19E5FDA6-70E5-49E8-98E0-9213F46FC42F}"/>
+                <a16:creationId xmlns:a16="http://schemas.microsoft.com/office/drawing/2014/main" xmlns="" id="{19E5FDA6-70E5-49E8-98E0-9213F46FC42F}"/>
               </a:ext>
             </a:extLst>
           </p:cNvPr>
@@ -1751,7 +1751,7 @@
           <p:cNvPr id="3" name="내용 개체 틀 2">
             <a:extLst>
               <a:ext uri="{FF2B5EF4-FFF2-40B4-BE49-F238E27FC236}">
-                <a16:creationId xmlns="" xmlns:a16="http://schemas.microsoft.com/office/drawing/2014/main" id="{3F771345-90A2-4C56-BB29-71FF57974AB1}"/>
+                <a16:creationId xmlns:a16="http://schemas.microsoft.com/office/drawing/2014/main" xmlns="" id="{3F771345-90A2-4C56-BB29-71FF57974AB1}"/>
               </a:ext>
             </a:extLst>
           </p:cNvPr>
@@ -1808,7 +1808,7 @@
           <p:cNvPr id="4" name="날짜 개체 틀 3">
             <a:extLst>
               <a:ext uri="{FF2B5EF4-FFF2-40B4-BE49-F238E27FC236}">
-                <a16:creationId xmlns="" xmlns:a16="http://schemas.microsoft.com/office/drawing/2014/main" id="{C1E90461-8E7C-4346-927E-4BB595373219}"/>
+                <a16:creationId xmlns:a16="http://schemas.microsoft.com/office/drawing/2014/main" xmlns="" id="{C1E90461-8E7C-4346-927E-4BB595373219}"/>
               </a:ext>
             </a:extLst>
           </p:cNvPr>
@@ -1837,7 +1837,7 @@
           <p:cNvPr id="5" name="바닥글 개체 틀 4">
             <a:extLst>
               <a:ext uri="{FF2B5EF4-FFF2-40B4-BE49-F238E27FC236}">
-                <a16:creationId xmlns="" xmlns:a16="http://schemas.microsoft.com/office/drawing/2014/main" id="{1D348396-B9D3-43BB-8AA3-C2D14894F94B}"/>
+                <a16:creationId xmlns:a16="http://schemas.microsoft.com/office/drawing/2014/main" xmlns="" id="{1D348396-B9D3-43BB-8AA3-C2D14894F94B}"/>
               </a:ext>
             </a:extLst>
           </p:cNvPr>
@@ -1862,7 +1862,7 @@
           <p:cNvPr id="6" name="슬라이드 번호 개체 틀 5">
             <a:extLst>
               <a:ext uri="{FF2B5EF4-FFF2-40B4-BE49-F238E27FC236}">
-                <a16:creationId xmlns="" xmlns:a16="http://schemas.microsoft.com/office/drawing/2014/main" id="{AF96DA7B-57BD-4B98-9442-07A8975E61D5}"/>
+                <a16:creationId xmlns:a16="http://schemas.microsoft.com/office/drawing/2014/main" xmlns="" id="{AF96DA7B-57BD-4B98-9442-07A8975E61D5}"/>
               </a:ext>
             </a:extLst>
           </p:cNvPr>
@@ -1933,7 +1933,7 @@
           <p:cNvPr id="2" name="제목 1">
             <a:extLst>
               <a:ext uri="{FF2B5EF4-FFF2-40B4-BE49-F238E27FC236}">
-                <a16:creationId xmlns="" xmlns:a16="http://schemas.microsoft.com/office/drawing/2014/main" id="{7E388DBA-5ADE-43CA-A58F-78F72AAF9AFF}"/>
+                <a16:creationId xmlns:a16="http://schemas.microsoft.com/office/drawing/2014/main" xmlns="" id="{7E388DBA-5ADE-43CA-A58F-78F72AAF9AFF}"/>
               </a:ext>
             </a:extLst>
           </p:cNvPr>
@@ -1970,7 +1970,7 @@
           <p:cNvPr id="3" name="텍스트 개체 틀 2">
             <a:extLst>
               <a:ext uri="{FF2B5EF4-FFF2-40B4-BE49-F238E27FC236}">
-                <a16:creationId xmlns="" xmlns:a16="http://schemas.microsoft.com/office/drawing/2014/main" id="{54C00B00-DF96-4DD9-BA8D-FBAF05670768}"/>
+                <a16:creationId xmlns:a16="http://schemas.microsoft.com/office/drawing/2014/main" xmlns="" id="{54C00B00-DF96-4DD9-BA8D-FBAF05670768}"/>
               </a:ext>
             </a:extLst>
           </p:cNvPr>
@@ -2095,7 +2095,7 @@
           <p:cNvPr id="4" name="날짜 개체 틀 3">
             <a:extLst>
               <a:ext uri="{FF2B5EF4-FFF2-40B4-BE49-F238E27FC236}">
-                <a16:creationId xmlns="" xmlns:a16="http://schemas.microsoft.com/office/drawing/2014/main" id="{9DEFCDE6-463D-4D57-836E-C46C1B1301E8}"/>
+                <a16:creationId xmlns:a16="http://schemas.microsoft.com/office/drawing/2014/main" xmlns="" id="{9DEFCDE6-463D-4D57-836E-C46C1B1301E8}"/>
               </a:ext>
             </a:extLst>
           </p:cNvPr>
@@ -2124,7 +2124,7 @@
           <p:cNvPr id="5" name="바닥글 개체 틀 4">
             <a:extLst>
               <a:ext uri="{FF2B5EF4-FFF2-40B4-BE49-F238E27FC236}">
-                <a16:creationId xmlns="" xmlns:a16="http://schemas.microsoft.com/office/drawing/2014/main" id="{245152B0-45C8-4DCE-A86D-8E9594950AF8}"/>
+                <a16:creationId xmlns:a16="http://schemas.microsoft.com/office/drawing/2014/main" xmlns="" id="{245152B0-45C8-4DCE-A86D-8E9594950AF8}"/>
               </a:ext>
             </a:extLst>
           </p:cNvPr>
@@ -2149,7 +2149,7 @@
           <p:cNvPr id="6" name="슬라이드 번호 개체 틀 5">
             <a:extLst>
               <a:ext uri="{FF2B5EF4-FFF2-40B4-BE49-F238E27FC236}">
-                <a16:creationId xmlns="" xmlns:a16="http://schemas.microsoft.com/office/drawing/2014/main" id="{264C4677-994A-4132-A319-505AEE08ADC6}"/>
+                <a16:creationId xmlns:a16="http://schemas.microsoft.com/office/drawing/2014/main" xmlns="" id="{264C4677-994A-4132-A319-505AEE08ADC6}"/>
               </a:ext>
             </a:extLst>
           </p:cNvPr>
@@ -2220,7 +2220,7 @@
           <p:cNvPr id="2" name="제목 1">
             <a:extLst>
               <a:ext uri="{FF2B5EF4-FFF2-40B4-BE49-F238E27FC236}">
-                <a16:creationId xmlns="" xmlns:a16="http://schemas.microsoft.com/office/drawing/2014/main" id="{88A98158-DBF0-4540-9B55-64AF0AB792B3}"/>
+                <a16:creationId xmlns:a16="http://schemas.microsoft.com/office/drawing/2014/main" xmlns="" id="{88A98158-DBF0-4540-9B55-64AF0AB792B3}"/>
               </a:ext>
             </a:extLst>
           </p:cNvPr>
@@ -2248,7 +2248,7 @@
           <p:cNvPr id="3" name="내용 개체 틀 2">
             <a:extLst>
               <a:ext uri="{FF2B5EF4-FFF2-40B4-BE49-F238E27FC236}">
-                <a16:creationId xmlns="" xmlns:a16="http://schemas.microsoft.com/office/drawing/2014/main" id="{7746FB48-0781-4DA9-B367-8ACE6B8B0D6F}"/>
+                <a16:creationId xmlns:a16="http://schemas.microsoft.com/office/drawing/2014/main" xmlns="" id="{7746FB48-0781-4DA9-B367-8ACE6B8B0D6F}"/>
               </a:ext>
             </a:extLst>
           </p:cNvPr>
@@ -2310,7 +2310,7 @@
           <p:cNvPr id="4" name="내용 개체 틀 3">
             <a:extLst>
               <a:ext uri="{FF2B5EF4-FFF2-40B4-BE49-F238E27FC236}">
-                <a16:creationId xmlns="" xmlns:a16="http://schemas.microsoft.com/office/drawing/2014/main" id="{A6EB4A7B-C23B-4467-8920-CDD8588F4470}"/>
+                <a16:creationId xmlns:a16="http://schemas.microsoft.com/office/drawing/2014/main" xmlns="" id="{A6EB4A7B-C23B-4467-8920-CDD8588F4470}"/>
               </a:ext>
             </a:extLst>
           </p:cNvPr>
@@ -2372,7 +2372,7 @@
           <p:cNvPr id="5" name="날짜 개체 틀 4">
             <a:extLst>
               <a:ext uri="{FF2B5EF4-FFF2-40B4-BE49-F238E27FC236}">
-                <a16:creationId xmlns="" xmlns:a16="http://schemas.microsoft.com/office/drawing/2014/main" id="{F2A8FA38-0A44-401D-880D-0B62C1EA22AF}"/>
+                <a16:creationId xmlns:a16="http://schemas.microsoft.com/office/drawing/2014/main" xmlns="" id="{F2A8FA38-0A44-401D-880D-0B62C1EA22AF}"/>
               </a:ext>
             </a:extLst>
           </p:cNvPr>
@@ -2401,7 +2401,7 @@
           <p:cNvPr id="6" name="바닥글 개체 틀 5">
             <a:extLst>
               <a:ext uri="{FF2B5EF4-FFF2-40B4-BE49-F238E27FC236}">
-                <a16:creationId xmlns="" xmlns:a16="http://schemas.microsoft.com/office/drawing/2014/main" id="{40DC72B0-8B98-40E9-83E7-4BD3739B80CC}"/>
+                <a16:creationId xmlns:a16="http://schemas.microsoft.com/office/drawing/2014/main" xmlns="" id="{40DC72B0-8B98-40E9-83E7-4BD3739B80CC}"/>
               </a:ext>
             </a:extLst>
           </p:cNvPr>
@@ -2426,7 +2426,7 @@
           <p:cNvPr id="7" name="슬라이드 번호 개체 틀 6">
             <a:extLst>
               <a:ext uri="{FF2B5EF4-FFF2-40B4-BE49-F238E27FC236}">
-                <a16:creationId xmlns="" xmlns:a16="http://schemas.microsoft.com/office/drawing/2014/main" id="{DA4D3C9D-56B6-4E68-A1AD-90E687970CC2}"/>
+                <a16:creationId xmlns:a16="http://schemas.microsoft.com/office/drawing/2014/main" xmlns="" id="{DA4D3C9D-56B6-4E68-A1AD-90E687970CC2}"/>
               </a:ext>
             </a:extLst>
           </p:cNvPr>
@@ -2497,7 +2497,7 @@
           <p:cNvPr id="2" name="제목 1">
             <a:extLst>
               <a:ext uri="{FF2B5EF4-FFF2-40B4-BE49-F238E27FC236}">
-                <a16:creationId xmlns="" xmlns:a16="http://schemas.microsoft.com/office/drawing/2014/main" id="{0FDC6845-7482-4368-86E4-BDDC23E6EF01}"/>
+                <a16:creationId xmlns:a16="http://schemas.microsoft.com/office/drawing/2014/main" xmlns="" id="{0FDC6845-7482-4368-86E4-BDDC23E6EF01}"/>
               </a:ext>
             </a:extLst>
           </p:cNvPr>
@@ -2530,7 +2530,7 @@
           <p:cNvPr id="3" name="텍스트 개체 틀 2">
             <a:extLst>
               <a:ext uri="{FF2B5EF4-FFF2-40B4-BE49-F238E27FC236}">
-                <a16:creationId xmlns="" xmlns:a16="http://schemas.microsoft.com/office/drawing/2014/main" id="{32893F44-9492-4057-8F60-5F897D431FF5}"/>
+                <a16:creationId xmlns:a16="http://schemas.microsoft.com/office/drawing/2014/main" xmlns="" id="{32893F44-9492-4057-8F60-5F897D431FF5}"/>
               </a:ext>
             </a:extLst>
           </p:cNvPr>
@@ -2601,7 +2601,7 @@
           <p:cNvPr id="4" name="내용 개체 틀 3">
             <a:extLst>
               <a:ext uri="{FF2B5EF4-FFF2-40B4-BE49-F238E27FC236}">
-                <a16:creationId xmlns="" xmlns:a16="http://schemas.microsoft.com/office/drawing/2014/main" id="{2E62F373-E7E7-4A9C-91A9-D69AD5A902AC}"/>
+                <a16:creationId xmlns:a16="http://schemas.microsoft.com/office/drawing/2014/main" xmlns="" id="{2E62F373-E7E7-4A9C-91A9-D69AD5A902AC}"/>
               </a:ext>
             </a:extLst>
           </p:cNvPr>
@@ -2663,7 +2663,7 @@
           <p:cNvPr id="5" name="텍스트 개체 틀 4">
             <a:extLst>
               <a:ext uri="{FF2B5EF4-FFF2-40B4-BE49-F238E27FC236}">
-                <a16:creationId xmlns="" xmlns:a16="http://schemas.microsoft.com/office/drawing/2014/main" id="{3264474A-C48E-41E9-8B27-96E7BD7A6A5A}"/>
+                <a16:creationId xmlns:a16="http://schemas.microsoft.com/office/drawing/2014/main" xmlns="" id="{3264474A-C48E-41E9-8B27-96E7BD7A6A5A}"/>
               </a:ext>
             </a:extLst>
           </p:cNvPr>
@@ -2734,7 +2734,7 @@
           <p:cNvPr id="6" name="내용 개체 틀 5">
             <a:extLst>
               <a:ext uri="{FF2B5EF4-FFF2-40B4-BE49-F238E27FC236}">
-                <a16:creationId xmlns="" xmlns:a16="http://schemas.microsoft.com/office/drawing/2014/main" id="{C798FDF9-3940-4476-B0A8-DC5DEA13DBE8}"/>
+                <a16:creationId xmlns:a16="http://schemas.microsoft.com/office/drawing/2014/main" xmlns="" id="{C798FDF9-3940-4476-B0A8-DC5DEA13DBE8}"/>
               </a:ext>
             </a:extLst>
           </p:cNvPr>
@@ -2796,7 +2796,7 @@
           <p:cNvPr id="7" name="날짜 개체 틀 6">
             <a:extLst>
               <a:ext uri="{FF2B5EF4-FFF2-40B4-BE49-F238E27FC236}">
-                <a16:creationId xmlns="" xmlns:a16="http://schemas.microsoft.com/office/drawing/2014/main" id="{7B5CF835-DF4F-471F-BA23-BB855E026AE9}"/>
+                <a16:creationId xmlns:a16="http://schemas.microsoft.com/office/drawing/2014/main" xmlns="" id="{7B5CF835-DF4F-471F-BA23-BB855E026AE9}"/>
               </a:ext>
             </a:extLst>
           </p:cNvPr>
@@ -2825,7 +2825,7 @@
           <p:cNvPr id="8" name="바닥글 개체 틀 7">
             <a:extLst>
               <a:ext uri="{FF2B5EF4-FFF2-40B4-BE49-F238E27FC236}">
-                <a16:creationId xmlns="" xmlns:a16="http://schemas.microsoft.com/office/drawing/2014/main" id="{D447652D-8AAC-42EB-8D91-ECC591B35BB6}"/>
+                <a16:creationId xmlns:a16="http://schemas.microsoft.com/office/drawing/2014/main" xmlns="" id="{D447652D-8AAC-42EB-8D91-ECC591B35BB6}"/>
               </a:ext>
             </a:extLst>
           </p:cNvPr>
@@ -2850,7 +2850,7 @@
           <p:cNvPr id="9" name="슬라이드 번호 개체 틀 8">
             <a:extLst>
               <a:ext uri="{FF2B5EF4-FFF2-40B4-BE49-F238E27FC236}">
-                <a16:creationId xmlns="" xmlns:a16="http://schemas.microsoft.com/office/drawing/2014/main" id="{D7E6984B-9130-4AEF-B5EA-D87024983F29}"/>
+                <a16:creationId xmlns:a16="http://schemas.microsoft.com/office/drawing/2014/main" xmlns="" id="{D7E6984B-9130-4AEF-B5EA-D87024983F29}"/>
               </a:ext>
             </a:extLst>
           </p:cNvPr>
@@ -2921,7 +2921,7 @@
           <p:cNvPr id="2" name="제목 1">
             <a:extLst>
               <a:ext uri="{FF2B5EF4-FFF2-40B4-BE49-F238E27FC236}">
-                <a16:creationId xmlns="" xmlns:a16="http://schemas.microsoft.com/office/drawing/2014/main" id="{995B342D-CA11-4AFE-81C8-41BC010F89BA}"/>
+                <a16:creationId xmlns:a16="http://schemas.microsoft.com/office/drawing/2014/main" xmlns="" id="{995B342D-CA11-4AFE-81C8-41BC010F89BA}"/>
               </a:ext>
             </a:extLst>
           </p:cNvPr>
@@ -2949,7 +2949,7 @@
           <p:cNvPr id="3" name="날짜 개체 틀 2">
             <a:extLst>
               <a:ext uri="{FF2B5EF4-FFF2-40B4-BE49-F238E27FC236}">
-                <a16:creationId xmlns="" xmlns:a16="http://schemas.microsoft.com/office/drawing/2014/main" id="{DD553250-8F94-4D00-B38C-BC1CD50925BF}"/>
+                <a16:creationId xmlns:a16="http://schemas.microsoft.com/office/drawing/2014/main" xmlns="" id="{DD553250-8F94-4D00-B38C-BC1CD50925BF}"/>
               </a:ext>
             </a:extLst>
           </p:cNvPr>
@@ -2978,7 +2978,7 @@
           <p:cNvPr id="4" name="바닥글 개체 틀 3">
             <a:extLst>
               <a:ext uri="{FF2B5EF4-FFF2-40B4-BE49-F238E27FC236}">
-                <a16:creationId xmlns="" xmlns:a16="http://schemas.microsoft.com/office/drawing/2014/main" id="{5A122F39-32F7-4F99-AFAA-13BD9C41F0EC}"/>
+                <a16:creationId xmlns:a16="http://schemas.microsoft.com/office/drawing/2014/main" xmlns="" id="{5A122F39-32F7-4F99-AFAA-13BD9C41F0EC}"/>
               </a:ext>
             </a:extLst>
           </p:cNvPr>
@@ -3003,7 +3003,7 @@
           <p:cNvPr id="5" name="슬라이드 번호 개체 틀 4">
             <a:extLst>
               <a:ext uri="{FF2B5EF4-FFF2-40B4-BE49-F238E27FC236}">
-                <a16:creationId xmlns="" xmlns:a16="http://schemas.microsoft.com/office/drawing/2014/main" id="{FF39EA4C-A84C-4753-9406-27E7FE06C91B}"/>
+                <a16:creationId xmlns:a16="http://schemas.microsoft.com/office/drawing/2014/main" xmlns="" id="{FF39EA4C-A84C-4753-9406-27E7FE06C91B}"/>
               </a:ext>
             </a:extLst>
           </p:cNvPr>
@@ -3074,7 +3074,7 @@
           <p:cNvPr id="2" name="날짜 개체 틀 1">
             <a:extLst>
               <a:ext uri="{FF2B5EF4-FFF2-40B4-BE49-F238E27FC236}">
-                <a16:creationId xmlns="" xmlns:a16="http://schemas.microsoft.com/office/drawing/2014/main" id="{1A732EFE-3B97-47CD-97B8-E20014532C93}"/>
+                <a16:creationId xmlns:a16="http://schemas.microsoft.com/office/drawing/2014/main" xmlns="" id="{1A732EFE-3B97-47CD-97B8-E20014532C93}"/>
               </a:ext>
             </a:extLst>
           </p:cNvPr>
@@ -3103,7 +3103,7 @@
           <p:cNvPr id="3" name="바닥글 개체 틀 2">
             <a:extLst>
               <a:ext uri="{FF2B5EF4-FFF2-40B4-BE49-F238E27FC236}">
-                <a16:creationId xmlns="" xmlns:a16="http://schemas.microsoft.com/office/drawing/2014/main" id="{55413F52-BE20-4678-811F-38E3213B17E2}"/>
+                <a16:creationId xmlns:a16="http://schemas.microsoft.com/office/drawing/2014/main" xmlns="" id="{55413F52-BE20-4678-811F-38E3213B17E2}"/>
               </a:ext>
             </a:extLst>
           </p:cNvPr>
@@ -3128,7 +3128,7 @@
           <p:cNvPr id="4" name="슬라이드 번호 개체 틀 3">
             <a:extLst>
               <a:ext uri="{FF2B5EF4-FFF2-40B4-BE49-F238E27FC236}">
-                <a16:creationId xmlns="" xmlns:a16="http://schemas.microsoft.com/office/drawing/2014/main" id="{851DEA1D-111B-4F9A-B777-7164450F0318}"/>
+                <a16:creationId xmlns:a16="http://schemas.microsoft.com/office/drawing/2014/main" xmlns="" id="{851DEA1D-111B-4F9A-B777-7164450F0318}"/>
               </a:ext>
             </a:extLst>
           </p:cNvPr>
@@ -3199,7 +3199,7 @@
           <p:cNvPr id="8" name="그룹 7">
             <a:extLst>
               <a:ext uri="{FF2B5EF4-FFF2-40B4-BE49-F238E27FC236}">
-                <a16:creationId xmlns="" xmlns:a16="http://schemas.microsoft.com/office/drawing/2014/main" id="{137D75BF-DA6A-413E-8852-6088EE862F4A}"/>
+                <a16:creationId xmlns:a16="http://schemas.microsoft.com/office/drawing/2014/main" xmlns="" id="{137D75BF-DA6A-413E-8852-6088EE862F4A}"/>
               </a:ext>
             </a:extLst>
           </p:cNvPr>
@@ -3219,7 +3219,7 @@
             <p:cNvPr id="9" name="Picture 2" descr="사람이 보여주는 수갑">
               <a:extLst>
                 <a:ext uri="{FF2B5EF4-FFF2-40B4-BE49-F238E27FC236}">
-                  <a16:creationId xmlns="" xmlns:a16="http://schemas.microsoft.com/office/drawing/2014/main" id="{EFEC0E1F-75B0-46D3-805B-A5B13186C6E3}"/>
+                  <a16:creationId xmlns:a16="http://schemas.microsoft.com/office/drawing/2014/main" xmlns="" id="{EFEC0E1F-75B0-46D3-805B-A5B13186C6E3}"/>
                 </a:ext>
               </a:extLst>
             </p:cNvPr>
@@ -3275,7 +3275,7 @@
             <p:cNvPr id="10" name="Picture 2" descr="사람이 보여주는 수갑">
               <a:extLst>
                 <a:ext uri="{FF2B5EF4-FFF2-40B4-BE49-F238E27FC236}">
-                  <a16:creationId xmlns="" xmlns:a16="http://schemas.microsoft.com/office/drawing/2014/main" id="{2A9843C7-2E43-400C-8EAA-02420B8C506B}"/>
+                  <a16:creationId xmlns:a16="http://schemas.microsoft.com/office/drawing/2014/main" xmlns="" id="{2A9843C7-2E43-400C-8EAA-02420B8C506B}"/>
                 </a:ext>
               </a:extLst>
             </p:cNvPr>
@@ -3363,7 +3363,7 @@
           <p:cNvPr id="5" name="그룹 4">
             <a:extLst>
               <a:ext uri="{FF2B5EF4-FFF2-40B4-BE49-F238E27FC236}">
-                <a16:creationId xmlns="" xmlns:a16="http://schemas.microsoft.com/office/drawing/2014/main" id="{64AFCD34-9BF6-4FEF-921C-E03C829A050E}"/>
+                <a16:creationId xmlns:a16="http://schemas.microsoft.com/office/drawing/2014/main" xmlns="" id="{64AFCD34-9BF6-4FEF-921C-E03C829A050E}"/>
               </a:ext>
             </a:extLst>
           </p:cNvPr>
@@ -3383,7 +3383,7 @@
             <p:cNvPr id="6" name="Picture 12" descr="회색 바닥에 그림자와 좁은 통로에 걷는 사람">
               <a:extLst>
                 <a:ext uri="{FF2B5EF4-FFF2-40B4-BE49-F238E27FC236}">
-                  <a16:creationId xmlns="" xmlns:a16="http://schemas.microsoft.com/office/drawing/2014/main" id="{28E31B7A-74F1-40BE-97B7-B87B8190452F}"/>
+                  <a16:creationId xmlns:a16="http://schemas.microsoft.com/office/drawing/2014/main" xmlns="" id="{28E31B7A-74F1-40BE-97B7-B87B8190452F}"/>
                 </a:ext>
               </a:extLst>
             </p:cNvPr>
@@ -3440,7 +3440,7 @@
             <p:cNvPr id="7" name="직사각형 6">
               <a:extLst>
                 <a:ext uri="{FF2B5EF4-FFF2-40B4-BE49-F238E27FC236}">
-                  <a16:creationId xmlns="" xmlns:a16="http://schemas.microsoft.com/office/drawing/2014/main" id="{B92D0FE2-7B2F-4092-BD45-23F3FF081857}"/>
+                  <a16:creationId xmlns:a16="http://schemas.microsoft.com/office/drawing/2014/main" xmlns="" id="{B92D0FE2-7B2F-4092-BD45-23F3FF081857}"/>
                 </a:ext>
               </a:extLst>
             </p:cNvPr>
@@ -3542,7 +3542,7 @@
           <p:cNvPr id="2" name="제목 개체 틀 1">
             <a:extLst>
               <a:ext uri="{FF2B5EF4-FFF2-40B4-BE49-F238E27FC236}">
-                <a16:creationId xmlns="" xmlns:a16="http://schemas.microsoft.com/office/drawing/2014/main" id="{4B8DDF93-AC7F-49F6-B35A-9A26B286EFBC}"/>
+                <a16:creationId xmlns:a16="http://schemas.microsoft.com/office/drawing/2014/main" xmlns="" id="{4B8DDF93-AC7F-49F6-B35A-9A26B286EFBC}"/>
               </a:ext>
             </a:extLst>
           </p:cNvPr>
@@ -3580,7 +3580,7 @@
           <p:cNvPr id="3" name="텍스트 개체 틀 2">
             <a:extLst>
               <a:ext uri="{FF2B5EF4-FFF2-40B4-BE49-F238E27FC236}">
-                <a16:creationId xmlns="" xmlns:a16="http://schemas.microsoft.com/office/drawing/2014/main" id="{C2FF2C03-5265-457F-BFAA-880922288F5A}"/>
+                <a16:creationId xmlns:a16="http://schemas.microsoft.com/office/drawing/2014/main" xmlns="" id="{C2FF2C03-5265-457F-BFAA-880922288F5A}"/>
               </a:ext>
             </a:extLst>
           </p:cNvPr>
@@ -3647,7 +3647,7 @@
           <p:cNvPr id="4" name="날짜 개체 틀 3">
             <a:extLst>
               <a:ext uri="{FF2B5EF4-FFF2-40B4-BE49-F238E27FC236}">
-                <a16:creationId xmlns="" xmlns:a16="http://schemas.microsoft.com/office/drawing/2014/main" id="{A5661B97-EF76-4805-B466-EF1AFA0282BB}"/>
+                <a16:creationId xmlns:a16="http://schemas.microsoft.com/office/drawing/2014/main" xmlns="" id="{A5661B97-EF76-4805-B466-EF1AFA0282BB}"/>
               </a:ext>
             </a:extLst>
           </p:cNvPr>
@@ -3694,7 +3694,7 @@
           <p:cNvPr id="5" name="바닥글 개체 틀 4">
             <a:extLst>
               <a:ext uri="{FF2B5EF4-FFF2-40B4-BE49-F238E27FC236}">
-                <a16:creationId xmlns="" xmlns:a16="http://schemas.microsoft.com/office/drawing/2014/main" id="{F35A05D6-5C3C-42DB-A9EF-6183F547416D}"/>
+                <a16:creationId xmlns:a16="http://schemas.microsoft.com/office/drawing/2014/main" xmlns="" id="{F35A05D6-5C3C-42DB-A9EF-6183F547416D}"/>
               </a:ext>
             </a:extLst>
           </p:cNvPr>
@@ -3737,7 +3737,7 @@
           <p:cNvPr id="6" name="슬라이드 번호 개체 틀 5">
             <a:extLst>
               <a:ext uri="{FF2B5EF4-FFF2-40B4-BE49-F238E27FC236}">
-                <a16:creationId xmlns="" xmlns:a16="http://schemas.microsoft.com/office/drawing/2014/main" id="{D4D74DAE-B2C7-4CDE-8479-7EA63BD75703}"/>
+                <a16:creationId xmlns:a16="http://schemas.microsoft.com/office/drawing/2014/main" xmlns="" id="{D4D74DAE-B2C7-4CDE-8479-7EA63BD75703}"/>
               </a:ext>
             </a:extLst>
           </p:cNvPr>
@@ -4128,7 +4128,7 @@
           <p:cNvPr id="33" name="그룹 32">
             <a:extLst>
               <a:ext uri="{FF2B5EF4-FFF2-40B4-BE49-F238E27FC236}">
-                <a16:creationId xmlns:a16="http://schemas.microsoft.com/office/drawing/2014/main" xmlns="" id="{B2AA0A9B-8A49-4A61-95FA-861326959683}"/>
+                <a16:creationId xmlns="" xmlns:a16="http://schemas.microsoft.com/office/drawing/2014/main" id="{B2AA0A9B-8A49-4A61-95FA-861326959683}"/>
               </a:ext>
             </a:extLst>
           </p:cNvPr>
@@ -4148,7 +4148,7 @@
             <p:cNvPr id="31" name="직사각형 30">
               <a:extLst>
                 <a:ext uri="{FF2B5EF4-FFF2-40B4-BE49-F238E27FC236}">
-                  <a16:creationId xmlns:a16="http://schemas.microsoft.com/office/drawing/2014/main" xmlns="" id="{9C35C89C-BDC3-4493-A3BC-C3D604CA1CAF}"/>
+                  <a16:creationId xmlns="" xmlns:a16="http://schemas.microsoft.com/office/drawing/2014/main" id="{9C35C89C-BDC3-4493-A3BC-C3D604CA1CAF}"/>
                 </a:ext>
               </a:extLst>
             </p:cNvPr>
@@ -4209,7 +4209,7 @@
             <p:cNvPr id="93" name="평행 사변형 92">
               <a:extLst>
                 <a:ext uri="{FF2B5EF4-FFF2-40B4-BE49-F238E27FC236}">
-                  <a16:creationId xmlns:a16="http://schemas.microsoft.com/office/drawing/2014/main" xmlns="" id="{26DEACD9-EC7B-4D64-A93E-A8175089148F}"/>
+                  <a16:creationId xmlns="" xmlns:a16="http://schemas.microsoft.com/office/drawing/2014/main" id="{26DEACD9-EC7B-4D64-A93E-A8175089148F}"/>
                 </a:ext>
               </a:extLst>
             </p:cNvPr>
@@ -4269,7 +4269,7 @@
             <p:cNvPr id="143" name="평행 사변형 142">
               <a:extLst>
                 <a:ext uri="{FF2B5EF4-FFF2-40B4-BE49-F238E27FC236}">
-                  <a16:creationId xmlns:a16="http://schemas.microsoft.com/office/drawing/2014/main" xmlns="" id="{2F2E6169-1C50-46CA-86CE-3A15C9607EDA}"/>
+                  <a16:creationId xmlns="" xmlns:a16="http://schemas.microsoft.com/office/drawing/2014/main" id="{2F2E6169-1C50-46CA-86CE-3A15C9607EDA}"/>
                 </a:ext>
               </a:extLst>
             </p:cNvPr>
@@ -4329,7 +4329,7 @@
             <p:cNvPr id="144" name="평행 사변형 143">
               <a:extLst>
                 <a:ext uri="{FF2B5EF4-FFF2-40B4-BE49-F238E27FC236}">
-                  <a16:creationId xmlns:a16="http://schemas.microsoft.com/office/drawing/2014/main" xmlns="" id="{0257D512-E4D7-4DD6-92B5-EBFECF7344F4}"/>
+                  <a16:creationId xmlns="" xmlns:a16="http://schemas.microsoft.com/office/drawing/2014/main" id="{0257D512-E4D7-4DD6-92B5-EBFECF7344F4}"/>
                 </a:ext>
               </a:extLst>
             </p:cNvPr>
@@ -4389,7 +4389,7 @@
             <p:cNvPr id="145" name="평행 사변형 144">
               <a:extLst>
                 <a:ext uri="{FF2B5EF4-FFF2-40B4-BE49-F238E27FC236}">
-                  <a16:creationId xmlns:a16="http://schemas.microsoft.com/office/drawing/2014/main" xmlns="" id="{3B4EC5AF-F4DF-43B3-A953-2CD566F5D401}"/>
+                  <a16:creationId xmlns="" xmlns:a16="http://schemas.microsoft.com/office/drawing/2014/main" id="{3B4EC5AF-F4DF-43B3-A953-2CD566F5D401}"/>
                 </a:ext>
               </a:extLst>
             </p:cNvPr>
@@ -4449,7 +4449,7 @@
             <p:cNvPr id="146" name="평행 사변형 145">
               <a:extLst>
                 <a:ext uri="{FF2B5EF4-FFF2-40B4-BE49-F238E27FC236}">
-                  <a16:creationId xmlns:a16="http://schemas.microsoft.com/office/drawing/2014/main" xmlns="" id="{BB9A9513-0797-4CD9-A4EF-A234E67A98BF}"/>
+                  <a16:creationId xmlns="" xmlns:a16="http://schemas.microsoft.com/office/drawing/2014/main" id="{BB9A9513-0797-4CD9-A4EF-A234E67A98BF}"/>
                 </a:ext>
               </a:extLst>
             </p:cNvPr>
@@ -4509,7 +4509,7 @@
             <p:cNvPr id="147" name="평행 사변형 146">
               <a:extLst>
                 <a:ext uri="{FF2B5EF4-FFF2-40B4-BE49-F238E27FC236}">
-                  <a16:creationId xmlns:a16="http://schemas.microsoft.com/office/drawing/2014/main" xmlns="" id="{8355522C-44BF-4FC9-8F73-C4EE9F9038D9}"/>
+                  <a16:creationId xmlns="" xmlns:a16="http://schemas.microsoft.com/office/drawing/2014/main" id="{8355522C-44BF-4FC9-8F73-C4EE9F9038D9}"/>
                 </a:ext>
               </a:extLst>
             </p:cNvPr>
@@ -4569,7 +4569,7 @@
             <p:cNvPr id="148" name="평행 사변형 147">
               <a:extLst>
                 <a:ext uri="{FF2B5EF4-FFF2-40B4-BE49-F238E27FC236}">
-                  <a16:creationId xmlns:a16="http://schemas.microsoft.com/office/drawing/2014/main" xmlns="" id="{C64D3A3D-E488-4B67-9CBE-C9CE8B7E0320}"/>
+                  <a16:creationId xmlns="" xmlns:a16="http://schemas.microsoft.com/office/drawing/2014/main" id="{C64D3A3D-E488-4B67-9CBE-C9CE8B7E0320}"/>
                 </a:ext>
               </a:extLst>
             </p:cNvPr>
@@ -4629,7 +4629,7 @@
             <p:cNvPr id="149" name="평행 사변형 148">
               <a:extLst>
                 <a:ext uri="{FF2B5EF4-FFF2-40B4-BE49-F238E27FC236}">
-                  <a16:creationId xmlns:a16="http://schemas.microsoft.com/office/drawing/2014/main" xmlns="" id="{DDDCAA0A-66BB-46F8-8920-F63DB4F02F10}"/>
+                  <a16:creationId xmlns="" xmlns:a16="http://schemas.microsoft.com/office/drawing/2014/main" id="{DDDCAA0A-66BB-46F8-8920-F63DB4F02F10}"/>
                 </a:ext>
               </a:extLst>
             </p:cNvPr>
@@ -4689,7 +4689,7 @@
             <p:cNvPr id="150" name="평행 사변형 149">
               <a:extLst>
                 <a:ext uri="{FF2B5EF4-FFF2-40B4-BE49-F238E27FC236}">
-                  <a16:creationId xmlns:a16="http://schemas.microsoft.com/office/drawing/2014/main" xmlns="" id="{8F5F769C-CFA0-4ED2-A7EC-1D4D8F9056FF}"/>
+                  <a16:creationId xmlns="" xmlns:a16="http://schemas.microsoft.com/office/drawing/2014/main" id="{8F5F769C-CFA0-4ED2-A7EC-1D4D8F9056FF}"/>
                 </a:ext>
               </a:extLst>
             </p:cNvPr>
@@ -4749,7 +4749,7 @@
             <p:cNvPr id="151" name="평행 사변형 150">
               <a:extLst>
                 <a:ext uri="{FF2B5EF4-FFF2-40B4-BE49-F238E27FC236}">
-                  <a16:creationId xmlns:a16="http://schemas.microsoft.com/office/drawing/2014/main" xmlns="" id="{D2E0C0D8-1096-4220-8927-FA023627BC5B}"/>
+                  <a16:creationId xmlns="" xmlns:a16="http://schemas.microsoft.com/office/drawing/2014/main" id="{D2E0C0D8-1096-4220-8927-FA023627BC5B}"/>
                 </a:ext>
               </a:extLst>
             </p:cNvPr>
@@ -4809,7 +4809,7 @@
             <p:cNvPr id="152" name="평행 사변형 151">
               <a:extLst>
                 <a:ext uri="{FF2B5EF4-FFF2-40B4-BE49-F238E27FC236}">
-                  <a16:creationId xmlns:a16="http://schemas.microsoft.com/office/drawing/2014/main" xmlns="" id="{C751998C-9C80-420E-844E-05834F4811C4}"/>
+                  <a16:creationId xmlns="" xmlns:a16="http://schemas.microsoft.com/office/drawing/2014/main" id="{C751998C-9C80-420E-844E-05834F4811C4}"/>
                 </a:ext>
               </a:extLst>
             </p:cNvPr>
@@ -4869,7 +4869,7 @@
             <p:cNvPr id="153" name="평행 사변형 152">
               <a:extLst>
                 <a:ext uri="{FF2B5EF4-FFF2-40B4-BE49-F238E27FC236}">
-                  <a16:creationId xmlns:a16="http://schemas.microsoft.com/office/drawing/2014/main" xmlns="" id="{632E107F-106B-492E-A572-9A9401BC7099}"/>
+                  <a16:creationId xmlns="" xmlns:a16="http://schemas.microsoft.com/office/drawing/2014/main" id="{632E107F-106B-492E-A572-9A9401BC7099}"/>
                 </a:ext>
               </a:extLst>
             </p:cNvPr>
@@ -4929,7 +4929,7 @@
             <p:cNvPr id="154" name="평행 사변형 153">
               <a:extLst>
                 <a:ext uri="{FF2B5EF4-FFF2-40B4-BE49-F238E27FC236}">
-                  <a16:creationId xmlns:a16="http://schemas.microsoft.com/office/drawing/2014/main" xmlns="" id="{BA41C4FD-0388-4850-8228-B45EE6BF445F}"/>
+                  <a16:creationId xmlns="" xmlns:a16="http://schemas.microsoft.com/office/drawing/2014/main" id="{BA41C4FD-0388-4850-8228-B45EE6BF445F}"/>
                 </a:ext>
               </a:extLst>
             </p:cNvPr>
@@ -4989,7 +4989,7 @@
             <p:cNvPr id="155" name="평행 사변형 154">
               <a:extLst>
                 <a:ext uri="{FF2B5EF4-FFF2-40B4-BE49-F238E27FC236}">
-                  <a16:creationId xmlns:a16="http://schemas.microsoft.com/office/drawing/2014/main" xmlns="" id="{A263E2E2-4FE5-47FB-8938-C513591188EA}"/>
+                  <a16:creationId xmlns="" xmlns:a16="http://schemas.microsoft.com/office/drawing/2014/main" id="{A263E2E2-4FE5-47FB-8938-C513591188EA}"/>
                 </a:ext>
               </a:extLst>
             </p:cNvPr>
@@ -5049,7 +5049,7 @@
             <p:cNvPr id="156" name="평행 사변형 155">
               <a:extLst>
                 <a:ext uri="{FF2B5EF4-FFF2-40B4-BE49-F238E27FC236}">
-                  <a16:creationId xmlns:a16="http://schemas.microsoft.com/office/drawing/2014/main" xmlns="" id="{B4DAE30F-6BC9-41EC-916F-85AF60DB806F}"/>
+                  <a16:creationId xmlns="" xmlns:a16="http://schemas.microsoft.com/office/drawing/2014/main" id="{B4DAE30F-6BC9-41EC-916F-85AF60DB806F}"/>
                 </a:ext>
               </a:extLst>
             </p:cNvPr>
@@ -5109,7 +5109,7 @@
             <p:cNvPr id="157" name="평행 사변형 156">
               <a:extLst>
                 <a:ext uri="{FF2B5EF4-FFF2-40B4-BE49-F238E27FC236}">
-                  <a16:creationId xmlns:a16="http://schemas.microsoft.com/office/drawing/2014/main" xmlns="" id="{E486B4A2-1973-448B-BE6E-533F62511113}"/>
+                  <a16:creationId xmlns="" xmlns:a16="http://schemas.microsoft.com/office/drawing/2014/main" id="{E486B4A2-1973-448B-BE6E-533F62511113}"/>
                 </a:ext>
               </a:extLst>
             </p:cNvPr>
@@ -5169,7 +5169,7 @@
             <p:cNvPr id="158" name="평행 사변형 157">
               <a:extLst>
                 <a:ext uri="{FF2B5EF4-FFF2-40B4-BE49-F238E27FC236}">
-                  <a16:creationId xmlns:a16="http://schemas.microsoft.com/office/drawing/2014/main" xmlns="" id="{8131AD11-1DB6-4EA8-866C-1F7CBFAC7BFE}"/>
+                  <a16:creationId xmlns="" xmlns:a16="http://schemas.microsoft.com/office/drawing/2014/main" id="{8131AD11-1DB6-4EA8-866C-1F7CBFAC7BFE}"/>
                 </a:ext>
               </a:extLst>
             </p:cNvPr>
@@ -5229,7 +5229,7 @@
             <p:cNvPr id="159" name="평행 사변형 158">
               <a:extLst>
                 <a:ext uri="{FF2B5EF4-FFF2-40B4-BE49-F238E27FC236}">
-                  <a16:creationId xmlns:a16="http://schemas.microsoft.com/office/drawing/2014/main" xmlns="" id="{F60F6752-437E-448E-ACAA-45928ACFB737}"/>
+                  <a16:creationId xmlns="" xmlns:a16="http://schemas.microsoft.com/office/drawing/2014/main" id="{F60F6752-437E-448E-ACAA-45928ACFB737}"/>
                 </a:ext>
               </a:extLst>
             </p:cNvPr>
@@ -5289,7 +5289,7 @@
             <p:cNvPr id="160" name="평행 사변형 159">
               <a:extLst>
                 <a:ext uri="{FF2B5EF4-FFF2-40B4-BE49-F238E27FC236}">
-                  <a16:creationId xmlns:a16="http://schemas.microsoft.com/office/drawing/2014/main" xmlns="" id="{DAC4F9D7-3EA8-4587-999A-50466869A667}"/>
+                  <a16:creationId xmlns="" xmlns:a16="http://schemas.microsoft.com/office/drawing/2014/main" id="{DAC4F9D7-3EA8-4587-999A-50466869A667}"/>
                 </a:ext>
               </a:extLst>
             </p:cNvPr>
@@ -5349,7 +5349,7 @@
             <p:cNvPr id="161" name="평행 사변형 160">
               <a:extLst>
                 <a:ext uri="{FF2B5EF4-FFF2-40B4-BE49-F238E27FC236}">
-                  <a16:creationId xmlns:a16="http://schemas.microsoft.com/office/drawing/2014/main" xmlns="" id="{549AEC14-315B-4EE2-A2A0-B5783A26A5B5}"/>
+                  <a16:creationId xmlns="" xmlns:a16="http://schemas.microsoft.com/office/drawing/2014/main" id="{549AEC14-315B-4EE2-A2A0-B5783A26A5B5}"/>
                 </a:ext>
               </a:extLst>
             </p:cNvPr>
@@ -5409,7 +5409,7 @@
             <p:cNvPr id="162" name="평행 사변형 161">
               <a:extLst>
                 <a:ext uri="{FF2B5EF4-FFF2-40B4-BE49-F238E27FC236}">
-                  <a16:creationId xmlns:a16="http://schemas.microsoft.com/office/drawing/2014/main" xmlns="" id="{B0DB70DF-AD66-4208-9784-B2C2BC9A90A8}"/>
+                  <a16:creationId xmlns="" xmlns:a16="http://schemas.microsoft.com/office/drawing/2014/main" id="{B0DB70DF-AD66-4208-9784-B2C2BC9A90A8}"/>
                 </a:ext>
               </a:extLst>
             </p:cNvPr>
@@ -5469,7 +5469,7 @@
             <p:cNvPr id="163" name="평행 사변형 162">
               <a:extLst>
                 <a:ext uri="{FF2B5EF4-FFF2-40B4-BE49-F238E27FC236}">
-                  <a16:creationId xmlns:a16="http://schemas.microsoft.com/office/drawing/2014/main" xmlns="" id="{C5CBCE5A-83A1-4FAE-9005-5FCA0A08C619}"/>
+                  <a16:creationId xmlns="" xmlns:a16="http://schemas.microsoft.com/office/drawing/2014/main" id="{C5CBCE5A-83A1-4FAE-9005-5FCA0A08C619}"/>
                 </a:ext>
               </a:extLst>
             </p:cNvPr>
@@ -5529,7 +5529,7 @@
             <p:cNvPr id="164" name="평행 사변형 163">
               <a:extLst>
                 <a:ext uri="{FF2B5EF4-FFF2-40B4-BE49-F238E27FC236}">
-                  <a16:creationId xmlns:a16="http://schemas.microsoft.com/office/drawing/2014/main" xmlns="" id="{991AEFB0-2211-4659-8CE3-82BEF1AA08D4}"/>
+                  <a16:creationId xmlns="" xmlns:a16="http://schemas.microsoft.com/office/drawing/2014/main" id="{991AEFB0-2211-4659-8CE3-82BEF1AA08D4}"/>
                 </a:ext>
               </a:extLst>
             </p:cNvPr>
@@ -5589,7 +5589,7 @@
             <p:cNvPr id="165" name="평행 사변형 164">
               <a:extLst>
                 <a:ext uri="{FF2B5EF4-FFF2-40B4-BE49-F238E27FC236}">
-                  <a16:creationId xmlns:a16="http://schemas.microsoft.com/office/drawing/2014/main" xmlns="" id="{89FB1CF9-F3BC-4D97-9DD4-5E3F9CEFAA58}"/>
+                  <a16:creationId xmlns="" xmlns:a16="http://schemas.microsoft.com/office/drawing/2014/main" id="{89FB1CF9-F3BC-4D97-9DD4-5E3F9CEFAA58}"/>
                 </a:ext>
               </a:extLst>
             </p:cNvPr>
@@ -5649,7 +5649,7 @@
             <p:cNvPr id="166" name="평행 사변형 165">
               <a:extLst>
                 <a:ext uri="{FF2B5EF4-FFF2-40B4-BE49-F238E27FC236}">
-                  <a16:creationId xmlns:a16="http://schemas.microsoft.com/office/drawing/2014/main" xmlns="" id="{1E1B4EB0-B425-407A-A166-5B2DFF553446}"/>
+                  <a16:creationId xmlns="" xmlns:a16="http://schemas.microsoft.com/office/drawing/2014/main" id="{1E1B4EB0-B425-407A-A166-5B2DFF553446}"/>
                 </a:ext>
               </a:extLst>
             </p:cNvPr>
@@ -5709,7 +5709,7 @@
             <p:cNvPr id="167" name="평행 사변형 166">
               <a:extLst>
                 <a:ext uri="{FF2B5EF4-FFF2-40B4-BE49-F238E27FC236}">
-                  <a16:creationId xmlns:a16="http://schemas.microsoft.com/office/drawing/2014/main" xmlns="" id="{8466ED32-6492-453A-AA0D-6D56CD1533C2}"/>
+                  <a16:creationId xmlns="" xmlns:a16="http://schemas.microsoft.com/office/drawing/2014/main" id="{8466ED32-6492-453A-AA0D-6D56CD1533C2}"/>
                 </a:ext>
               </a:extLst>
             </p:cNvPr>
@@ -5769,7 +5769,7 @@
             <p:cNvPr id="168" name="평행 사변형 167">
               <a:extLst>
                 <a:ext uri="{FF2B5EF4-FFF2-40B4-BE49-F238E27FC236}">
-                  <a16:creationId xmlns:a16="http://schemas.microsoft.com/office/drawing/2014/main" xmlns="" id="{96F3FF47-91F9-474B-8A0E-991635A232B2}"/>
+                  <a16:creationId xmlns="" xmlns:a16="http://schemas.microsoft.com/office/drawing/2014/main" id="{96F3FF47-91F9-474B-8A0E-991635A232B2}"/>
                 </a:ext>
               </a:extLst>
             </p:cNvPr>
@@ -5829,7 +5829,7 @@
             <p:cNvPr id="169" name="평행 사변형 168">
               <a:extLst>
                 <a:ext uri="{FF2B5EF4-FFF2-40B4-BE49-F238E27FC236}">
-                  <a16:creationId xmlns:a16="http://schemas.microsoft.com/office/drawing/2014/main" xmlns="" id="{5D93AE75-44F0-422D-866D-7F019B988562}"/>
+                  <a16:creationId xmlns="" xmlns:a16="http://schemas.microsoft.com/office/drawing/2014/main" id="{5D93AE75-44F0-422D-866D-7F019B988562}"/>
                 </a:ext>
               </a:extLst>
             </p:cNvPr>
@@ -5889,7 +5889,7 @@
             <p:cNvPr id="170" name="평행 사변형 169">
               <a:extLst>
                 <a:ext uri="{FF2B5EF4-FFF2-40B4-BE49-F238E27FC236}">
-                  <a16:creationId xmlns:a16="http://schemas.microsoft.com/office/drawing/2014/main" xmlns="" id="{F6DE7FCB-0670-4815-A52B-0AA82C1EC0AB}"/>
+                  <a16:creationId xmlns="" xmlns:a16="http://schemas.microsoft.com/office/drawing/2014/main" id="{F6DE7FCB-0670-4815-A52B-0AA82C1EC0AB}"/>
                 </a:ext>
               </a:extLst>
             </p:cNvPr>
@@ -5949,7 +5949,7 @@
             <p:cNvPr id="171" name="평행 사변형 170">
               <a:extLst>
                 <a:ext uri="{FF2B5EF4-FFF2-40B4-BE49-F238E27FC236}">
-                  <a16:creationId xmlns:a16="http://schemas.microsoft.com/office/drawing/2014/main" xmlns="" id="{CF841BF5-FD5B-4FC9-90C7-BCFA889A2ECB}"/>
+                  <a16:creationId xmlns="" xmlns:a16="http://schemas.microsoft.com/office/drawing/2014/main" id="{CF841BF5-FD5B-4FC9-90C7-BCFA889A2ECB}"/>
                 </a:ext>
               </a:extLst>
             </p:cNvPr>
@@ -6010,7 +6010,7 @@
           <p:cNvPr id="61" name="그룹 60">
             <a:extLst>
               <a:ext uri="{FF2B5EF4-FFF2-40B4-BE49-F238E27FC236}">
-                <a16:creationId xmlns:a16="http://schemas.microsoft.com/office/drawing/2014/main" xmlns="" id="{20E00D45-887E-4781-B920-8F762840E022}"/>
+                <a16:creationId xmlns="" xmlns:a16="http://schemas.microsoft.com/office/drawing/2014/main" id="{20E00D45-887E-4781-B920-8F762840E022}"/>
               </a:ext>
             </a:extLst>
           </p:cNvPr>
@@ -6030,7 +6030,7 @@
             <p:cNvPr id="62" name="그룹 61">
               <a:extLst>
                 <a:ext uri="{FF2B5EF4-FFF2-40B4-BE49-F238E27FC236}">
-                  <a16:creationId xmlns:a16="http://schemas.microsoft.com/office/drawing/2014/main" xmlns="" id="{9BBF0EA3-13E3-49D4-B3DA-A7D138E8B464}"/>
+                  <a16:creationId xmlns="" xmlns:a16="http://schemas.microsoft.com/office/drawing/2014/main" id="{9BBF0EA3-13E3-49D4-B3DA-A7D138E8B464}"/>
                 </a:ext>
               </a:extLst>
             </p:cNvPr>
@@ -6050,7 +6050,7 @@
               <p:cNvPr id="71" name="자유형: 도형 70">
                 <a:extLst>
                   <a:ext uri="{FF2B5EF4-FFF2-40B4-BE49-F238E27FC236}">
-                    <a16:creationId xmlns:a16="http://schemas.microsoft.com/office/drawing/2014/main" xmlns="" id="{0A975673-BD86-40A2-A61D-1229EAA2BC9D}"/>
+                    <a16:creationId xmlns="" xmlns:a16="http://schemas.microsoft.com/office/drawing/2014/main" id="{0A975673-BD86-40A2-A61D-1229EAA2BC9D}"/>
                   </a:ext>
                 </a:extLst>
               </p:cNvPr>
@@ -6276,7 +6276,7 @@
               <p:cNvPr id="72" name="자유형: 도형 71">
                 <a:extLst>
                   <a:ext uri="{FF2B5EF4-FFF2-40B4-BE49-F238E27FC236}">
-                    <a16:creationId xmlns:a16="http://schemas.microsoft.com/office/drawing/2014/main" xmlns="" id="{D20D41D6-3E0E-4194-8FF1-BC4B7723E747}"/>
+                    <a16:creationId xmlns="" xmlns:a16="http://schemas.microsoft.com/office/drawing/2014/main" id="{D20D41D6-3E0E-4194-8FF1-BC4B7723E747}"/>
                   </a:ext>
                 </a:extLst>
               </p:cNvPr>
@@ -6431,7 +6431,7 @@
               <p:cNvPr id="73" name="자유형: 도형 72">
                 <a:extLst>
                   <a:ext uri="{FF2B5EF4-FFF2-40B4-BE49-F238E27FC236}">
-                    <a16:creationId xmlns:a16="http://schemas.microsoft.com/office/drawing/2014/main" xmlns="" id="{E14FD74C-6938-48D2-83A0-7D91EB245596}"/>
+                    <a16:creationId xmlns="" xmlns:a16="http://schemas.microsoft.com/office/drawing/2014/main" id="{E14FD74C-6938-48D2-83A0-7D91EB245596}"/>
                   </a:ext>
                 </a:extLst>
               </p:cNvPr>
@@ -6639,7 +6639,7 @@
             <p:cNvPr id="63" name="직사각형 62">
               <a:extLst>
                 <a:ext uri="{FF2B5EF4-FFF2-40B4-BE49-F238E27FC236}">
-                  <a16:creationId xmlns:a16="http://schemas.microsoft.com/office/drawing/2014/main" xmlns="" id="{B86CEBCF-116D-4663-8FF3-867BBC982B1B}"/>
+                  <a16:creationId xmlns="" xmlns:a16="http://schemas.microsoft.com/office/drawing/2014/main" id="{B86CEBCF-116D-4663-8FF3-867BBC982B1B}"/>
                 </a:ext>
               </a:extLst>
             </p:cNvPr>
@@ -6718,7 +6718,7 @@
             <p:cNvPr id="64" name="직사각형 63">
               <a:extLst>
                 <a:ext uri="{FF2B5EF4-FFF2-40B4-BE49-F238E27FC236}">
-                  <a16:creationId xmlns:a16="http://schemas.microsoft.com/office/drawing/2014/main" xmlns="" id="{FBF573FD-26CA-469E-BCB7-DB0968411981}"/>
+                  <a16:creationId xmlns="" xmlns:a16="http://schemas.microsoft.com/office/drawing/2014/main" id="{FBF573FD-26CA-469E-BCB7-DB0968411981}"/>
                 </a:ext>
               </a:extLst>
             </p:cNvPr>
@@ -6797,7 +6797,7 @@
             <p:cNvPr id="65" name="그룹 64">
               <a:extLst>
                 <a:ext uri="{FF2B5EF4-FFF2-40B4-BE49-F238E27FC236}">
-                  <a16:creationId xmlns:a16="http://schemas.microsoft.com/office/drawing/2014/main" xmlns="" id="{C5C7A516-FD0B-44A5-B51C-5FF46345C652}"/>
+                  <a16:creationId xmlns="" xmlns:a16="http://schemas.microsoft.com/office/drawing/2014/main" id="{C5C7A516-FD0B-44A5-B51C-5FF46345C652}"/>
                 </a:ext>
               </a:extLst>
             </p:cNvPr>
@@ -6817,7 +6817,7 @@
               <p:cNvPr id="66" name="자유형: 도형 65">
                 <a:extLst>
                   <a:ext uri="{FF2B5EF4-FFF2-40B4-BE49-F238E27FC236}">
-                    <a16:creationId xmlns:a16="http://schemas.microsoft.com/office/drawing/2014/main" xmlns="" id="{D6B424CA-02A6-456F-8D31-D3210BECBD7A}"/>
+                    <a16:creationId xmlns="" xmlns:a16="http://schemas.microsoft.com/office/drawing/2014/main" id="{D6B424CA-02A6-456F-8D31-D3210BECBD7A}"/>
                   </a:ext>
                 </a:extLst>
               </p:cNvPr>
@@ -7173,7 +7173,7 @@
               <p:cNvPr id="67" name="자유형: 도형 66">
                 <a:extLst>
                   <a:ext uri="{FF2B5EF4-FFF2-40B4-BE49-F238E27FC236}">
-                    <a16:creationId xmlns:a16="http://schemas.microsoft.com/office/drawing/2014/main" xmlns="" id="{CE29B63E-1782-4F15-BEA1-29497CF773B4}"/>
+                    <a16:creationId xmlns="" xmlns:a16="http://schemas.microsoft.com/office/drawing/2014/main" id="{CE29B63E-1782-4F15-BEA1-29497CF773B4}"/>
                   </a:ext>
                 </a:extLst>
               </p:cNvPr>
@@ -7289,7 +7289,7 @@
               <p:cNvPr id="68" name="자유형: 도형 67">
                 <a:extLst>
                   <a:ext uri="{FF2B5EF4-FFF2-40B4-BE49-F238E27FC236}">
-                    <a16:creationId xmlns:a16="http://schemas.microsoft.com/office/drawing/2014/main" xmlns="" id="{1C98583C-25F2-443F-A191-055E68026D13}"/>
+                    <a16:creationId xmlns="" xmlns:a16="http://schemas.microsoft.com/office/drawing/2014/main" id="{1C98583C-25F2-443F-A191-055E68026D13}"/>
                   </a:ext>
                 </a:extLst>
               </p:cNvPr>
@@ -7405,7 +7405,7 @@
               <p:cNvPr id="69" name="자유형: 도형 68">
                 <a:extLst>
                   <a:ext uri="{FF2B5EF4-FFF2-40B4-BE49-F238E27FC236}">
-                    <a16:creationId xmlns:a16="http://schemas.microsoft.com/office/drawing/2014/main" xmlns="" id="{51183270-BC6D-414C-BB65-EC772C3EBC4C}"/>
+                    <a16:creationId xmlns="" xmlns:a16="http://schemas.microsoft.com/office/drawing/2014/main" id="{51183270-BC6D-414C-BB65-EC772C3EBC4C}"/>
                   </a:ext>
                 </a:extLst>
               </p:cNvPr>
@@ -7511,7 +7511,7 @@
               <p:cNvPr id="70" name="자유형: 도형 69">
                 <a:extLst>
                   <a:ext uri="{FF2B5EF4-FFF2-40B4-BE49-F238E27FC236}">
-                    <a16:creationId xmlns:a16="http://schemas.microsoft.com/office/drawing/2014/main" xmlns="" id="{0922BAD8-8BD5-4688-96BA-5776767056E1}"/>
+                    <a16:creationId xmlns="" xmlns:a16="http://schemas.microsoft.com/office/drawing/2014/main" id="{0922BAD8-8BD5-4688-96BA-5776767056E1}"/>
                   </a:ext>
                 </a:extLst>
               </p:cNvPr>
@@ -7841,7 +7841,7 @@
           <p:cNvPr id="23" name="그룹 22">
             <a:extLst>
               <a:ext uri="{FF2B5EF4-FFF2-40B4-BE49-F238E27FC236}">
-                <a16:creationId xmlns:a16="http://schemas.microsoft.com/office/drawing/2014/main" xmlns="" id="{21F19923-9831-4D1E-9E2A-E4A9B8A1B8F6}"/>
+                <a16:creationId xmlns="" xmlns:a16="http://schemas.microsoft.com/office/drawing/2014/main" id="{21F19923-9831-4D1E-9E2A-E4A9B8A1B8F6}"/>
               </a:ext>
             </a:extLst>
           </p:cNvPr>
@@ -7861,7 +7861,7 @@
             <p:cNvPr id="35" name="그룹 34">
               <a:extLst>
                 <a:ext uri="{FF2B5EF4-FFF2-40B4-BE49-F238E27FC236}">
-                  <a16:creationId xmlns:a16="http://schemas.microsoft.com/office/drawing/2014/main" xmlns="" id="{BFAC5A82-0B9A-4BBA-8939-5A03C16A9C85}"/>
+                  <a16:creationId xmlns="" xmlns:a16="http://schemas.microsoft.com/office/drawing/2014/main" id="{BFAC5A82-0B9A-4BBA-8939-5A03C16A9C85}"/>
                 </a:ext>
               </a:extLst>
             </p:cNvPr>
@@ -7881,7 +7881,7 @@
               <p:cNvPr id="36" name="자유형: 도형 35">
                 <a:extLst>
                   <a:ext uri="{FF2B5EF4-FFF2-40B4-BE49-F238E27FC236}">
-                    <a16:creationId xmlns:a16="http://schemas.microsoft.com/office/drawing/2014/main" xmlns="" id="{0F812893-2E9D-461B-B04C-41AB16027EF6}"/>
+                    <a16:creationId xmlns="" xmlns:a16="http://schemas.microsoft.com/office/drawing/2014/main" id="{0F812893-2E9D-461B-B04C-41AB16027EF6}"/>
                   </a:ext>
                 </a:extLst>
               </p:cNvPr>
@@ -8107,7 +8107,7 @@
               <p:cNvPr id="37" name="자유형: 도형 36">
                 <a:extLst>
                   <a:ext uri="{FF2B5EF4-FFF2-40B4-BE49-F238E27FC236}">
-                    <a16:creationId xmlns:a16="http://schemas.microsoft.com/office/drawing/2014/main" xmlns="" id="{12078FFF-94DE-4097-AA65-9489ACF3F8B1}"/>
+                    <a16:creationId xmlns="" xmlns:a16="http://schemas.microsoft.com/office/drawing/2014/main" id="{12078FFF-94DE-4097-AA65-9489ACF3F8B1}"/>
                   </a:ext>
                 </a:extLst>
               </p:cNvPr>
@@ -8262,7 +8262,7 @@
               <p:cNvPr id="38" name="자유형: 도형 37">
                 <a:extLst>
                   <a:ext uri="{FF2B5EF4-FFF2-40B4-BE49-F238E27FC236}">
-                    <a16:creationId xmlns:a16="http://schemas.microsoft.com/office/drawing/2014/main" xmlns="" id="{49AD2714-68C0-4FEF-AD6F-21EF72E7AE7B}"/>
+                    <a16:creationId xmlns="" xmlns:a16="http://schemas.microsoft.com/office/drawing/2014/main" id="{49AD2714-68C0-4FEF-AD6F-21EF72E7AE7B}"/>
                   </a:ext>
                 </a:extLst>
               </p:cNvPr>
@@ -8470,7 +8470,7 @@
             <p:cNvPr id="39" name="직사각형 38">
               <a:extLst>
                 <a:ext uri="{FF2B5EF4-FFF2-40B4-BE49-F238E27FC236}">
-                  <a16:creationId xmlns:a16="http://schemas.microsoft.com/office/drawing/2014/main" xmlns="" id="{29FD25F0-46EB-44FA-97AA-989192DAC8ED}"/>
+                  <a16:creationId xmlns="" xmlns:a16="http://schemas.microsoft.com/office/drawing/2014/main" id="{29FD25F0-46EB-44FA-97AA-989192DAC8ED}"/>
                 </a:ext>
               </a:extLst>
             </p:cNvPr>
@@ -8549,7 +8549,7 @@
             <p:cNvPr id="40" name="직사각형 39">
               <a:extLst>
                 <a:ext uri="{FF2B5EF4-FFF2-40B4-BE49-F238E27FC236}">
-                  <a16:creationId xmlns:a16="http://schemas.microsoft.com/office/drawing/2014/main" xmlns="" id="{35A55CCD-769A-4F81-80E9-A091D4C99F74}"/>
+                  <a16:creationId xmlns="" xmlns:a16="http://schemas.microsoft.com/office/drawing/2014/main" id="{35A55CCD-769A-4F81-80E9-A091D4C99F74}"/>
                 </a:ext>
               </a:extLst>
             </p:cNvPr>
@@ -8628,7 +8628,7 @@
             <p:cNvPr id="42" name="그룹 41">
               <a:extLst>
                 <a:ext uri="{FF2B5EF4-FFF2-40B4-BE49-F238E27FC236}">
-                  <a16:creationId xmlns:a16="http://schemas.microsoft.com/office/drawing/2014/main" xmlns="" id="{7AC25D26-9C34-41F0-B985-3389D3F45A59}"/>
+                  <a16:creationId xmlns="" xmlns:a16="http://schemas.microsoft.com/office/drawing/2014/main" id="{7AC25D26-9C34-41F0-B985-3389D3F45A59}"/>
                 </a:ext>
               </a:extLst>
             </p:cNvPr>
@@ -8648,7 +8648,7 @@
               <p:cNvPr id="43" name="자유형: 도형 42">
                 <a:extLst>
                   <a:ext uri="{FF2B5EF4-FFF2-40B4-BE49-F238E27FC236}">
-                    <a16:creationId xmlns:a16="http://schemas.microsoft.com/office/drawing/2014/main" xmlns="" id="{DF4F3120-E46D-4E1D-A6D8-515154A999F5}"/>
+                    <a16:creationId xmlns="" xmlns:a16="http://schemas.microsoft.com/office/drawing/2014/main" id="{DF4F3120-E46D-4E1D-A6D8-515154A999F5}"/>
                   </a:ext>
                 </a:extLst>
               </p:cNvPr>
@@ -9004,7 +9004,7 @@
               <p:cNvPr id="44" name="자유형: 도형 43">
                 <a:extLst>
                   <a:ext uri="{FF2B5EF4-FFF2-40B4-BE49-F238E27FC236}">
-                    <a16:creationId xmlns:a16="http://schemas.microsoft.com/office/drawing/2014/main" xmlns="" id="{051D9A10-CA2B-4B41-B00D-E78D7F682180}"/>
+                    <a16:creationId xmlns="" xmlns:a16="http://schemas.microsoft.com/office/drawing/2014/main" id="{051D9A10-CA2B-4B41-B00D-E78D7F682180}"/>
                   </a:ext>
                 </a:extLst>
               </p:cNvPr>
@@ -9120,7 +9120,7 @@
               <p:cNvPr id="45" name="자유형: 도형 44">
                 <a:extLst>
                   <a:ext uri="{FF2B5EF4-FFF2-40B4-BE49-F238E27FC236}">
-                    <a16:creationId xmlns:a16="http://schemas.microsoft.com/office/drawing/2014/main" xmlns="" id="{DE20734D-C13C-4C49-BCAC-61F5ACA44DCF}"/>
+                    <a16:creationId xmlns="" xmlns:a16="http://schemas.microsoft.com/office/drawing/2014/main" id="{DE20734D-C13C-4C49-BCAC-61F5ACA44DCF}"/>
                   </a:ext>
                 </a:extLst>
               </p:cNvPr>
@@ -9236,7 +9236,7 @@
               <p:cNvPr id="46" name="자유형: 도형 45">
                 <a:extLst>
                   <a:ext uri="{FF2B5EF4-FFF2-40B4-BE49-F238E27FC236}">
-                    <a16:creationId xmlns:a16="http://schemas.microsoft.com/office/drawing/2014/main" xmlns="" id="{06976A5D-4B45-44DB-9FD6-0E05FE1E8DA8}"/>
+                    <a16:creationId xmlns="" xmlns:a16="http://schemas.microsoft.com/office/drawing/2014/main" id="{06976A5D-4B45-44DB-9FD6-0E05FE1E8DA8}"/>
                   </a:ext>
                 </a:extLst>
               </p:cNvPr>
@@ -9342,7 +9342,7 @@
               <p:cNvPr id="47" name="자유형: 도형 46">
                 <a:extLst>
                   <a:ext uri="{FF2B5EF4-FFF2-40B4-BE49-F238E27FC236}">
-                    <a16:creationId xmlns:a16="http://schemas.microsoft.com/office/drawing/2014/main" xmlns="" id="{F0BE06C5-4434-4D53-B8DF-12D6B5D41F6C}"/>
+                    <a16:creationId xmlns="" xmlns:a16="http://schemas.microsoft.com/office/drawing/2014/main" id="{F0BE06C5-4434-4D53-B8DF-12D6B5D41F6C}"/>
                   </a:ext>
                 </a:extLst>
               </p:cNvPr>
@@ -9672,7 +9672,7 @@
           <p:cNvPr id="91" name="TextBox 90">
             <a:extLst>
               <a:ext uri="{FF2B5EF4-FFF2-40B4-BE49-F238E27FC236}">
-                <a16:creationId xmlns:a16="http://schemas.microsoft.com/office/drawing/2014/main" xmlns="" id="{70E4BF2C-6FF7-4B8D-9BFC-9164A198AD6F}"/>
+                <a16:creationId xmlns="" xmlns:a16="http://schemas.microsoft.com/office/drawing/2014/main" id="{70E4BF2C-6FF7-4B8D-9BFC-9164A198AD6F}"/>
               </a:ext>
             </a:extLst>
           </p:cNvPr>
@@ -9709,20 +9709,7 @@
                   <a:srgbClr val="FF0000"/>
                 </a:solidFill>
               </a:rPr>
-              <a:t>청소년 </a:t>
-            </a:r>
-            <a:r>
-              <a:rPr lang="ko-KR" altLang="en-US" sz="4400" b="1" i="1" kern="0" dirty="0" smtClean="0">
-                <a:ln>
-                  <a:solidFill>
-                    <a:prstClr val="black"/>
-                  </a:solidFill>
-                </a:ln>
-                <a:solidFill>
-                  <a:srgbClr val="FF0000"/>
-                </a:solidFill>
-              </a:rPr>
-              <a:t>도박 </a:t>
+              <a:t>청소년 도박 </a:t>
             </a:r>
             <a:r>
               <a:rPr lang="ko-KR" altLang="en-US" sz="4400" b="1" i="1" kern="0" dirty="0" err="1" smtClean="0">
@@ -9755,7 +9742,7 @@
           <p:cNvPr id="95" name="사각형: 둥근 모서리 94">
             <a:extLst>
               <a:ext uri="{FF2B5EF4-FFF2-40B4-BE49-F238E27FC236}">
-                <a16:creationId xmlns:a16="http://schemas.microsoft.com/office/drawing/2014/main" xmlns="" id="{0D7ED3BD-4925-469D-A336-D40406943326}"/>
+                <a16:creationId xmlns="" xmlns:a16="http://schemas.microsoft.com/office/drawing/2014/main" id="{0D7ED3BD-4925-469D-A336-D40406943326}"/>
               </a:ext>
             </a:extLst>
           </p:cNvPr>
@@ -9896,7 +9883,7 @@
           <p:cNvPr id="13" name="직사각형 12">
             <a:extLst>
               <a:ext uri="{FF2B5EF4-FFF2-40B4-BE49-F238E27FC236}">
-                <a16:creationId xmlns="" xmlns:a16="http://schemas.microsoft.com/office/drawing/2014/main" id="{F389E3C6-C02A-4CF2-8404-1F9A8CB2FA11}"/>
+                <a16:creationId xmlns:a16="http://schemas.microsoft.com/office/drawing/2014/main" xmlns="" id="{F389E3C6-C02A-4CF2-8404-1F9A8CB2FA11}"/>
               </a:ext>
             </a:extLst>
           </p:cNvPr>
@@ -9960,7 +9947,7 @@
           <p:cNvPr id="14" name="직사각형 13">
             <a:extLst>
               <a:ext uri="{FF2B5EF4-FFF2-40B4-BE49-F238E27FC236}">
-                <a16:creationId xmlns="" xmlns:a16="http://schemas.microsoft.com/office/drawing/2014/main" id="{A3B4747F-421F-47F2-A7FC-0B557A1A5731}"/>
+                <a16:creationId xmlns:a16="http://schemas.microsoft.com/office/drawing/2014/main" xmlns="" id="{A3B4747F-421F-47F2-A7FC-0B557A1A5731}"/>
               </a:ext>
             </a:extLst>
           </p:cNvPr>
@@ -10054,7 +10041,7 @@
           <p:cNvPr id="9" name="TextBox 8">
             <a:extLst>
               <a:ext uri="{FF2B5EF4-FFF2-40B4-BE49-F238E27FC236}">
-                <a16:creationId xmlns="" xmlns:a16="http://schemas.microsoft.com/office/drawing/2014/main" id="{773DF187-FAE7-4B00-9DAF-A0006D605DE3}"/>
+                <a16:creationId xmlns:a16="http://schemas.microsoft.com/office/drawing/2014/main" xmlns="" id="{773DF187-FAE7-4B00-9DAF-A0006D605DE3}"/>
               </a:ext>
             </a:extLst>
           </p:cNvPr>
@@ -10117,7 +10104,7 @@
           <p:cNvPr id="12" name="TextBox 11">
             <a:extLst>
               <a:ext uri="{FF2B5EF4-FFF2-40B4-BE49-F238E27FC236}">
-                <a16:creationId xmlns="" xmlns:a16="http://schemas.microsoft.com/office/drawing/2014/main" id="{773DF187-FAE7-4B00-9DAF-A0006D605DE3}"/>
+                <a16:creationId xmlns:a16="http://schemas.microsoft.com/office/drawing/2014/main" xmlns="" id="{773DF187-FAE7-4B00-9DAF-A0006D605DE3}"/>
               </a:ext>
             </a:extLst>
           </p:cNvPr>
@@ -10180,7 +10167,7 @@
           <p:cNvPr id="17" name="TextBox 16">
             <a:extLst>
               <a:ext uri="{FF2B5EF4-FFF2-40B4-BE49-F238E27FC236}">
-                <a16:creationId xmlns="" xmlns:a16="http://schemas.microsoft.com/office/drawing/2014/main" id="{773DF187-FAE7-4B00-9DAF-A0006D605DE3}"/>
+                <a16:creationId xmlns:a16="http://schemas.microsoft.com/office/drawing/2014/main" xmlns="" id="{773DF187-FAE7-4B00-9DAF-A0006D605DE3}"/>
               </a:ext>
             </a:extLst>
           </p:cNvPr>
@@ -10243,7 +10230,7 @@
           <p:cNvPr id="18" name="TextBox 17">
             <a:extLst>
               <a:ext uri="{FF2B5EF4-FFF2-40B4-BE49-F238E27FC236}">
-                <a16:creationId xmlns="" xmlns:a16="http://schemas.microsoft.com/office/drawing/2014/main" id="{773DF187-FAE7-4B00-9DAF-A0006D605DE3}"/>
+                <a16:creationId xmlns:a16="http://schemas.microsoft.com/office/drawing/2014/main" xmlns="" id="{773DF187-FAE7-4B00-9DAF-A0006D605DE3}"/>
               </a:ext>
             </a:extLst>
           </p:cNvPr>
@@ -10379,7 +10366,7 @@
           <p:cNvPr id="1028" name="Picture 4" descr="경찰 바리케이드 테이프 클로즈업 사진을 교차하지 마십시오">
             <a:extLst>
               <a:ext uri="{FF2B5EF4-FFF2-40B4-BE49-F238E27FC236}">
-                <a16:creationId xmlns="" xmlns:a16="http://schemas.microsoft.com/office/drawing/2014/main" id="{671B63BB-08E7-44B2-A6F0-4BE26FB84658}"/>
+                <a16:creationId xmlns:a16="http://schemas.microsoft.com/office/drawing/2014/main" xmlns="" id="{671B63BB-08E7-44B2-A6F0-4BE26FB84658}"/>
               </a:ext>
             </a:extLst>
           </p:cNvPr>
@@ -10435,7 +10422,7 @@
           <p:cNvPr id="5" name="직사각형 4">
             <a:extLst>
               <a:ext uri="{FF2B5EF4-FFF2-40B4-BE49-F238E27FC236}">
-                <a16:creationId xmlns="" xmlns:a16="http://schemas.microsoft.com/office/drawing/2014/main" id="{93CB9BD6-5CFD-4F5D-85F2-D501F430508A}"/>
+                <a16:creationId xmlns:a16="http://schemas.microsoft.com/office/drawing/2014/main" xmlns="" id="{93CB9BD6-5CFD-4F5D-85F2-D501F430508A}"/>
               </a:ext>
             </a:extLst>
           </p:cNvPr>
@@ -10487,7 +10474,7 @@
           <p:cNvPr id="9" name="그룹 8">
             <a:extLst>
               <a:ext uri="{FF2B5EF4-FFF2-40B4-BE49-F238E27FC236}">
-                <a16:creationId xmlns="" xmlns:a16="http://schemas.microsoft.com/office/drawing/2014/main" id="{C70B18DF-9367-4194-B73B-50D6E847EED5}"/>
+                <a16:creationId xmlns:a16="http://schemas.microsoft.com/office/drawing/2014/main" xmlns="" id="{C70B18DF-9367-4194-B73B-50D6E847EED5}"/>
               </a:ext>
             </a:extLst>
           </p:cNvPr>
@@ -10507,7 +10494,7 @@
             <p:cNvPr id="6" name="TextBox 5">
               <a:extLst>
                 <a:ext uri="{FF2B5EF4-FFF2-40B4-BE49-F238E27FC236}">
-                  <a16:creationId xmlns="" xmlns:a16="http://schemas.microsoft.com/office/drawing/2014/main" id="{72AC3162-CC19-4D6F-844F-E961C2121213}"/>
+                  <a16:creationId xmlns:a16="http://schemas.microsoft.com/office/drawing/2014/main" xmlns="" id="{72AC3162-CC19-4D6F-844F-E961C2121213}"/>
                 </a:ext>
               </a:extLst>
             </p:cNvPr>
@@ -10555,7 +10542,7 @@
             <p:cNvPr id="8" name="직선 연결선 7">
               <a:extLst>
                 <a:ext uri="{FF2B5EF4-FFF2-40B4-BE49-F238E27FC236}">
-                  <a16:creationId xmlns="" xmlns:a16="http://schemas.microsoft.com/office/drawing/2014/main" id="{FF09E170-F7DB-4A2F-8E79-FDBC9350D15B}"/>
+                  <a16:creationId xmlns:a16="http://schemas.microsoft.com/office/drawing/2014/main" xmlns="" id="{FF09E170-F7DB-4A2F-8E79-FDBC9350D15B}"/>
                 </a:ext>
               </a:extLst>
             </p:cNvPr>
@@ -10599,7 +10586,7 @@
           <p:cNvPr id="10" name="TextBox 9">
             <a:extLst>
               <a:ext uri="{FF2B5EF4-FFF2-40B4-BE49-F238E27FC236}">
-                <a16:creationId xmlns="" xmlns:a16="http://schemas.microsoft.com/office/drawing/2014/main" id="{4F418FC5-E944-4175-8571-30F8AA7F5624}"/>
+                <a16:creationId xmlns:a16="http://schemas.microsoft.com/office/drawing/2014/main" xmlns="" id="{4F418FC5-E944-4175-8571-30F8AA7F5624}"/>
               </a:ext>
             </a:extLst>
           </p:cNvPr>
@@ -10701,7 +10688,7 @@
           <p:cNvPr id="33" name="직사각형 32">
             <a:extLst>
               <a:ext uri="{FF2B5EF4-FFF2-40B4-BE49-F238E27FC236}">
-                <a16:creationId xmlns="" xmlns:a16="http://schemas.microsoft.com/office/drawing/2014/main" id="{071BD9A8-937E-4838-8166-AB56E628827A}"/>
+                <a16:creationId xmlns:a16="http://schemas.microsoft.com/office/drawing/2014/main" xmlns="" id="{071BD9A8-937E-4838-8166-AB56E628827A}"/>
               </a:ext>
             </a:extLst>
           </p:cNvPr>
@@ -10765,7 +10752,7 @@
           <p:cNvPr id="34" name="직사각형 33">
             <a:extLst>
               <a:ext uri="{FF2B5EF4-FFF2-40B4-BE49-F238E27FC236}">
-                <a16:creationId xmlns="" xmlns:a16="http://schemas.microsoft.com/office/drawing/2014/main" id="{905EBA1D-24C7-4F00-B3C7-6DEBD568B0FF}"/>
+                <a16:creationId xmlns:a16="http://schemas.microsoft.com/office/drawing/2014/main" xmlns="" id="{905EBA1D-24C7-4F00-B3C7-6DEBD568B0FF}"/>
               </a:ext>
             </a:extLst>
           </p:cNvPr>
@@ -10829,7 +10816,7 @@
           <p:cNvPr id="21" name="TextBox 20">
             <a:extLst>
               <a:ext uri="{FF2B5EF4-FFF2-40B4-BE49-F238E27FC236}">
-                <a16:creationId xmlns="" xmlns:a16="http://schemas.microsoft.com/office/drawing/2014/main" id="{773DF187-FAE7-4B00-9DAF-A0006D605DE3}"/>
+                <a16:creationId xmlns:a16="http://schemas.microsoft.com/office/drawing/2014/main" xmlns="" id="{773DF187-FAE7-4B00-9DAF-A0006D605DE3}"/>
               </a:ext>
             </a:extLst>
           </p:cNvPr>
@@ -12034,7 +12021,7 @@
           <p:cNvPr id="33" name="직사각형 32">
             <a:extLst>
               <a:ext uri="{FF2B5EF4-FFF2-40B4-BE49-F238E27FC236}">
-                <a16:creationId xmlns="" xmlns:a16="http://schemas.microsoft.com/office/drawing/2014/main" id="{071BD9A8-937E-4838-8166-AB56E628827A}"/>
+                <a16:creationId xmlns:a16="http://schemas.microsoft.com/office/drawing/2014/main" xmlns="" id="{071BD9A8-937E-4838-8166-AB56E628827A}"/>
               </a:ext>
             </a:extLst>
           </p:cNvPr>
@@ -12098,7 +12085,7 @@
           <p:cNvPr id="34" name="직사각형 33">
             <a:extLst>
               <a:ext uri="{FF2B5EF4-FFF2-40B4-BE49-F238E27FC236}">
-                <a16:creationId xmlns="" xmlns:a16="http://schemas.microsoft.com/office/drawing/2014/main" id="{905EBA1D-24C7-4F00-B3C7-6DEBD568B0FF}"/>
+                <a16:creationId xmlns:a16="http://schemas.microsoft.com/office/drawing/2014/main" xmlns="" id="{905EBA1D-24C7-4F00-B3C7-6DEBD568B0FF}"/>
               </a:ext>
             </a:extLst>
           </p:cNvPr>
@@ -12162,7 +12149,7 @@
           <p:cNvPr id="21" name="TextBox 20">
             <a:extLst>
               <a:ext uri="{FF2B5EF4-FFF2-40B4-BE49-F238E27FC236}">
-                <a16:creationId xmlns="" xmlns:a16="http://schemas.microsoft.com/office/drawing/2014/main" id="{773DF187-FAE7-4B00-9DAF-A0006D605DE3}"/>
+                <a16:creationId xmlns:a16="http://schemas.microsoft.com/office/drawing/2014/main" xmlns="" id="{773DF187-FAE7-4B00-9DAF-A0006D605DE3}"/>
               </a:ext>
             </a:extLst>
           </p:cNvPr>
@@ -12315,7 +12302,7 @@
           <p:cNvPr id="2" name="그룹 1">
             <a:extLst>
               <a:ext uri="{FF2B5EF4-FFF2-40B4-BE49-F238E27FC236}">
-                <a16:creationId xmlns="" xmlns:a16="http://schemas.microsoft.com/office/drawing/2014/main" id="{205EA4B2-4587-4971-A887-0C4919674AE6}"/>
+                <a16:creationId xmlns:a16="http://schemas.microsoft.com/office/drawing/2014/main" xmlns="" id="{205EA4B2-4587-4971-A887-0C4919674AE6}"/>
               </a:ext>
             </a:extLst>
           </p:cNvPr>
@@ -12335,7 +12322,7 @@
             <p:cNvPr id="39" name="직사각형 38">
               <a:extLst>
                 <a:ext uri="{FF2B5EF4-FFF2-40B4-BE49-F238E27FC236}">
-                  <a16:creationId xmlns="" xmlns:a16="http://schemas.microsoft.com/office/drawing/2014/main" id="{C585B66E-BA9B-4EF4-8C21-1EAE8917AA3C}"/>
+                  <a16:creationId xmlns:a16="http://schemas.microsoft.com/office/drawing/2014/main" xmlns="" id="{C585B66E-BA9B-4EF4-8C21-1EAE8917AA3C}"/>
                 </a:ext>
               </a:extLst>
             </p:cNvPr>
@@ -12383,7 +12370,7 @@
             <p:cNvPr id="38" name="직사각형 37">
               <a:extLst>
                 <a:ext uri="{FF2B5EF4-FFF2-40B4-BE49-F238E27FC236}">
-                  <a16:creationId xmlns="" xmlns:a16="http://schemas.microsoft.com/office/drawing/2014/main" id="{A330FEAE-C3FA-4329-8430-332A07B74AA6}"/>
+                  <a16:creationId xmlns:a16="http://schemas.microsoft.com/office/drawing/2014/main" xmlns="" id="{A330FEAE-C3FA-4329-8430-332A07B74AA6}"/>
                 </a:ext>
               </a:extLst>
             </p:cNvPr>
@@ -12482,7 +12469,7 @@
           <p:cNvPr id="18" name="그룹 17">
             <a:extLst>
               <a:ext uri="{FF2B5EF4-FFF2-40B4-BE49-F238E27FC236}">
-                <a16:creationId xmlns="" xmlns:a16="http://schemas.microsoft.com/office/drawing/2014/main" id="{9C57FBE7-DB21-4667-88F9-E56D0EAA9D06}"/>
+                <a16:creationId xmlns:a16="http://schemas.microsoft.com/office/drawing/2014/main" xmlns="" id="{9C57FBE7-DB21-4667-88F9-E56D0EAA9D06}"/>
               </a:ext>
             </a:extLst>
           </p:cNvPr>
@@ -12502,7 +12489,7 @@
             <p:cNvPr id="4" name="TextBox 3">
               <a:extLst>
                 <a:ext uri="{FF2B5EF4-FFF2-40B4-BE49-F238E27FC236}">
-                  <a16:creationId xmlns="" xmlns:a16="http://schemas.microsoft.com/office/drawing/2014/main" id="{F98A9C6B-C7C7-4721-861F-2A9CCA3AD0A6}"/>
+                  <a16:creationId xmlns:a16="http://schemas.microsoft.com/office/drawing/2014/main" xmlns="" id="{F98A9C6B-C7C7-4721-861F-2A9CCA3AD0A6}"/>
                 </a:ext>
               </a:extLst>
             </p:cNvPr>
@@ -12550,7 +12537,7 @@
             <p:cNvPr id="11" name="그래픽 10" descr="주머니칼">
               <a:extLst>
                 <a:ext uri="{FF2B5EF4-FFF2-40B4-BE49-F238E27FC236}">
-                  <a16:creationId xmlns="" xmlns:a16="http://schemas.microsoft.com/office/drawing/2014/main" id="{AE251076-2953-41C6-9306-00CF4D68DDC5}"/>
+                  <a16:creationId xmlns:a16="http://schemas.microsoft.com/office/drawing/2014/main" xmlns="" id="{AE251076-2953-41C6-9306-00CF4D68DDC5}"/>
                 </a:ext>
               </a:extLst>
             </p:cNvPr>
@@ -12567,7 +12554,7 @@
                   <a14:useLocalDpi xmlns:a14="http://schemas.microsoft.com/office/drawing/2010/main" val="0"/>
                 </a:ext>
                 <a:ext uri="{96DAC541-7B7A-43D3-8B79-37D633B846F1}">
-                  <asvg:svgBlip xmlns="" xmlns:asvg="http://schemas.microsoft.com/office/drawing/2016/SVG/main" r:embed="rId4"/>
+                  <asvg:svgBlip xmlns:asvg="http://schemas.microsoft.com/office/drawing/2016/SVG/main" xmlns="" r:embed="rId4"/>
                 </a:ext>
               </a:extLst>
             </a:blip>
@@ -12591,7 +12578,7 @@
           <p:cNvPr id="19" name="그룹 18">
             <a:extLst>
               <a:ext uri="{FF2B5EF4-FFF2-40B4-BE49-F238E27FC236}">
-                <a16:creationId xmlns="" xmlns:a16="http://schemas.microsoft.com/office/drawing/2014/main" id="{CFBB88D0-AA97-4EC1-B4C1-E5813AD544BF}"/>
+                <a16:creationId xmlns:a16="http://schemas.microsoft.com/office/drawing/2014/main" xmlns="" id="{CFBB88D0-AA97-4EC1-B4C1-E5813AD544BF}"/>
               </a:ext>
             </a:extLst>
           </p:cNvPr>
@@ -12611,7 +12598,7 @@
             <p:cNvPr id="6" name="TextBox 5">
               <a:extLst>
                 <a:ext uri="{FF2B5EF4-FFF2-40B4-BE49-F238E27FC236}">
-                  <a16:creationId xmlns="" xmlns:a16="http://schemas.microsoft.com/office/drawing/2014/main" id="{33F98AC1-9499-41C3-8534-4F3333059D2E}"/>
+                  <a16:creationId xmlns:a16="http://schemas.microsoft.com/office/drawing/2014/main" xmlns="" id="{33F98AC1-9499-41C3-8534-4F3333059D2E}"/>
                 </a:ext>
               </a:extLst>
             </p:cNvPr>
@@ -12659,7 +12646,7 @@
             <p:cNvPr id="12" name="그래픽 11" descr="주머니칼">
               <a:extLst>
                 <a:ext uri="{FF2B5EF4-FFF2-40B4-BE49-F238E27FC236}">
-                  <a16:creationId xmlns="" xmlns:a16="http://schemas.microsoft.com/office/drawing/2014/main" id="{ECE98BBE-6BCB-45D9-BB1F-2278EE4939B8}"/>
+                  <a16:creationId xmlns:a16="http://schemas.microsoft.com/office/drawing/2014/main" xmlns="" id="{ECE98BBE-6BCB-45D9-BB1F-2278EE4939B8}"/>
                 </a:ext>
               </a:extLst>
             </p:cNvPr>
@@ -12676,7 +12663,7 @@
                   <a14:useLocalDpi xmlns:a14="http://schemas.microsoft.com/office/drawing/2010/main" val="0"/>
                 </a:ext>
                 <a:ext uri="{96DAC541-7B7A-43D3-8B79-37D633B846F1}">
-                  <asvg:svgBlip xmlns="" xmlns:asvg="http://schemas.microsoft.com/office/drawing/2016/SVG/main" r:embed="rId4"/>
+                  <asvg:svgBlip xmlns:asvg="http://schemas.microsoft.com/office/drawing/2016/SVG/main" xmlns="" r:embed="rId4"/>
                 </a:ext>
               </a:extLst>
             </a:blip>
@@ -12700,7 +12687,7 @@
           <p:cNvPr id="20" name="그룹 19">
             <a:extLst>
               <a:ext uri="{FF2B5EF4-FFF2-40B4-BE49-F238E27FC236}">
-                <a16:creationId xmlns="" xmlns:a16="http://schemas.microsoft.com/office/drawing/2014/main" id="{FB7FFCCE-A637-4215-94FC-89D6E2684F1B}"/>
+                <a16:creationId xmlns:a16="http://schemas.microsoft.com/office/drawing/2014/main" xmlns="" id="{FB7FFCCE-A637-4215-94FC-89D6E2684F1B}"/>
               </a:ext>
             </a:extLst>
           </p:cNvPr>
@@ -12720,7 +12707,7 @@
             <p:cNvPr id="7" name="TextBox 6">
               <a:extLst>
                 <a:ext uri="{FF2B5EF4-FFF2-40B4-BE49-F238E27FC236}">
-                  <a16:creationId xmlns="" xmlns:a16="http://schemas.microsoft.com/office/drawing/2014/main" id="{419145E1-BF53-462C-BFCD-7E059E4DF99C}"/>
+                  <a16:creationId xmlns:a16="http://schemas.microsoft.com/office/drawing/2014/main" xmlns="" id="{419145E1-BF53-462C-BFCD-7E059E4DF99C}"/>
                 </a:ext>
               </a:extLst>
             </p:cNvPr>
@@ -12768,7 +12755,7 @@
             <p:cNvPr id="13" name="그래픽 12" descr="주머니칼">
               <a:extLst>
                 <a:ext uri="{FF2B5EF4-FFF2-40B4-BE49-F238E27FC236}">
-                  <a16:creationId xmlns="" xmlns:a16="http://schemas.microsoft.com/office/drawing/2014/main" id="{3F991E75-6564-4697-9A85-D0A9AC8639A9}"/>
+                  <a16:creationId xmlns:a16="http://schemas.microsoft.com/office/drawing/2014/main" xmlns="" id="{3F991E75-6564-4697-9A85-D0A9AC8639A9}"/>
                 </a:ext>
               </a:extLst>
             </p:cNvPr>
@@ -12785,7 +12772,7 @@
                   <a14:useLocalDpi xmlns:a14="http://schemas.microsoft.com/office/drawing/2010/main" val="0"/>
                 </a:ext>
                 <a:ext uri="{96DAC541-7B7A-43D3-8B79-37D633B846F1}">
-                  <asvg:svgBlip xmlns="" xmlns:asvg="http://schemas.microsoft.com/office/drawing/2016/SVG/main" r:embed="rId4"/>
+                  <asvg:svgBlip xmlns:asvg="http://schemas.microsoft.com/office/drawing/2016/SVG/main" xmlns="" r:embed="rId4"/>
                 </a:ext>
               </a:extLst>
             </a:blip>
@@ -12809,7 +12796,7 @@
           <p:cNvPr id="23" name="이등변 삼각형 22">
             <a:extLst>
               <a:ext uri="{FF2B5EF4-FFF2-40B4-BE49-F238E27FC236}">
-                <a16:creationId xmlns="" xmlns:a16="http://schemas.microsoft.com/office/drawing/2014/main" id="{3CE3899C-6D47-43A3-8486-004222A51D6B}"/>
+                <a16:creationId xmlns:a16="http://schemas.microsoft.com/office/drawing/2014/main" xmlns="" id="{3CE3899C-6D47-43A3-8486-004222A51D6B}"/>
               </a:ext>
             </a:extLst>
           </p:cNvPr>
@@ -12863,7 +12850,7 @@
           <p:cNvPr id="24" name="이등변 삼각형 23">
             <a:extLst>
               <a:ext uri="{FF2B5EF4-FFF2-40B4-BE49-F238E27FC236}">
-                <a16:creationId xmlns="" xmlns:a16="http://schemas.microsoft.com/office/drawing/2014/main" id="{FED554CE-25C1-4A7E-8EB2-7BEA1417D950}"/>
+                <a16:creationId xmlns:a16="http://schemas.microsoft.com/office/drawing/2014/main" xmlns="" id="{FED554CE-25C1-4A7E-8EB2-7BEA1417D950}"/>
               </a:ext>
             </a:extLst>
           </p:cNvPr>
@@ -12917,7 +12904,7 @@
           <p:cNvPr id="28" name="TextBox 27">
             <a:extLst>
               <a:ext uri="{FF2B5EF4-FFF2-40B4-BE49-F238E27FC236}">
-                <a16:creationId xmlns="" xmlns:a16="http://schemas.microsoft.com/office/drawing/2014/main" id="{F98A9C6B-C7C7-4721-861F-2A9CCA3AD0A6}"/>
+                <a16:creationId xmlns:a16="http://schemas.microsoft.com/office/drawing/2014/main" xmlns="" id="{F98A9C6B-C7C7-4721-861F-2A9CCA3AD0A6}"/>
               </a:ext>
             </a:extLst>
           </p:cNvPr>
@@ -12926,7 +12913,7 @@
         </p:nvSpPr>
         <p:spPr>
           <a:xfrm>
-            <a:off x="738053" y="1401234"/>
+            <a:off x="1034732" y="1401234"/>
             <a:ext cx="1313180" cy="769441"/>
           </a:xfrm>
           <a:prstGeom prst="rect">
@@ -13015,7 +13002,7 @@
           <p:cNvPr id="4" name="타원 3">
             <a:extLst>
               <a:ext uri="{FF2B5EF4-FFF2-40B4-BE49-F238E27FC236}">
-                <a16:creationId xmlns="" xmlns:a16="http://schemas.microsoft.com/office/drawing/2014/main" id="{E27690EE-8092-4D35-B8C7-0D57A56B1CD5}"/>
+                <a16:creationId xmlns:a16="http://schemas.microsoft.com/office/drawing/2014/main" xmlns="" id="{E27690EE-8092-4D35-B8C7-0D57A56B1CD5}"/>
               </a:ext>
             </a:extLst>
           </p:cNvPr>
@@ -13077,7 +13064,7 @@
           <p:cNvPr id="5" name="타원 4">
             <a:extLst>
               <a:ext uri="{FF2B5EF4-FFF2-40B4-BE49-F238E27FC236}">
-                <a16:creationId xmlns="" xmlns:a16="http://schemas.microsoft.com/office/drawing/2014/main" id="{D665B728-FD3B-4B09-9EE6-5F8AE33BAA1D}"/>
+                <a16:creationId xmlns:a16="http://schemas.microsoft.com/office/drawing/2014/main" xmlns="" id="{D665B728-FD3B-4B09-9EE6-5F8AE33BAA1D}"/>
               </a:ext>
             </a:extLst>
           </p:cNvPr>
@@ -13139,7 +13126,7 @@
           <p:cNvPr id="6" name="타원 5">
             <a:extLst>
               <a:ext uri="{FF2B5EF4-FFF2-40B4-BE49-F238E27FC236}">
-                <a16:creationId xmlns="" xmlns:a16="http://schemas.microsoft.com/office/drawing/2014/main" id="{21B141F8-F067-4236-97FD-824B6351D0FD}"/>
+                <a16:creationId xmlns:a16="http://schemas.microsoft.com/office/drawing/2014/main" xmlns="" id="{21B141F8-F067-4236-97FD-824B6351D0FD}"/>
               </a:ext>
             </a:extLst>
           </p:cNvPr>
@@ -13201,7 +13188,7 @@
           <p:cNvPr id="27" name="직사각형 26">
             <a:extLst>
               <a:ext uri="{FF2B5EF4-FFF2-40B4-BE49-F238E27FC236}">
-                <a16:creationId xmlns="" xmlns:a16="http://schemas.microsoft.com/office/drawing/2014/main" id="{FED0293B-0556-4D7F-B828-5A6A8615381E}"/>
+                <a16:creationId xmlns:a16="http://schemas.microsoft.com/office/drawing/2014/main" xmlns="" id="{FED0293B-0556-4D7F-B828-5A6A8615381E}"/>
               </a:ext>
             </a:extLst>
           </p:cNvPr>
@@ -13265,7 +13252,7 @@
           <p:cNvPr id="28" name="직사각형 27">
             <a:extLst>
               <a:ext uri="{FF2B5EF4-FFF2-40B4-BE49-F238E27FC236}">
-                <a16:creationId xmlns="" xmlns:a16="http://schemas.microsoft.com/office/drawing/2014/main" id="{B0C52CF5-786F-4ADC-A8B1-03A50BBE3ACA}"/>
+                <a16:creationId xmlns:a16="http://schemas.microsoft.com/office/drawing/2014/main" xmlns="" id="{B0C52CF5-786F-4ADC-A8B1-03A50BBE3ACA}"/>
               </a:ext>
             </a:extLst>
           </p:cNvPr>
@@ -13329,7 +13316,7 @@
           <p:cNvPr id="20" name="TextBox 19">
             <a:extLst>
               <a:ext uri="{FF2B5EF4-FFF2-40B4-BE49-F238E27FC236}">
-                <a16:creationId xmlns="" xmlns:a16="http://schemas.microsoft.com/office/drawing/2014/main" id="{F98A9C6B-C7C7-4721-861F-2A9CCA3AD0A6}"/>
+                <a16:creationId xmlns:a16="http://schemas.microsoft.com/office/drawing/2014/main" xmlns="" id="{F98A9C6B-C7C7-4721-861F-2A9CCA3AD0A6}"/>
               </a:ext>
             </a:extLst>
           </p:cNvPr>
@@ -13338,7 +13325,7 @@
         </p:nvSpPr>
         <p:spPr>
           <a:xfrm>
-            <a:off x="314960" y="599228"/>
+            <a:off x="837220" y="973076"/>
             <a:ext cx="1313180" cy="769441"/>
           </a:xfrm>
           <a:prstGeom prst="rect">
@@ -13430,7 +13417,7 @@
           <p:cNvPr id="1028" name="Picture 4" descr="경찰 바리케이드 테이프 클로즈업 사진을 교차하지 마십시오">
             <a:extLst>
               <a:ext uri="{FF2B5EF4-FFF2-40B4-BE49-F238E27FC236}">
-                <a16:creationId xmlns="" xmlns:a16="http://schemas.microsoft.com/office/drawing/2014/main" id="{671B63BB-08E7-44B2-A6F0-4BE26FB84658}"/>
+                <a16:creationId xmlns:a16="http://schemas.microsoft.com/office/drawing/2014/main" xmlns="" id="{671B63BB-08E7-44B2-A6F0-4BE26FB84658}"/>
               </a:ext>
             </a:extLst>
           </p:cNvPr>
@@ -13486,7 +13473,7 @@
           <p:cNvPr id="5" name="직사각형 4">
             <a:extLst>
               <a:ext uri="{FF2B5EF4-FFF2-40B4-BE49-F238E27FC236}">
-                <a16:creationId xmlns="" xmlns:a16="http://schemas.microsoft.com/office/drawing/2014/main" id="{93CB9BD6-5CFD-4F5D-85F2-D501F430508A}"/>
+                <a16:creationId xmlns:a16="http://schemas.microsoft.com/office/drawing/2014/main" xmlns="" id="{93CB9BD6-5CFD-4F5D-85F2-D501F430508A}"/>
               </a:ext>
             </a:extLst>
           </p:cNvPr>
@@ -13538,7 +13525,7 @@
           <p:cNvPr id="9" name="그룹 8">
             <a:extLst>
               <a:ext uri="{FF2B5EF4-FFF2-40B4-BE49-F238E27FC236}">
-                <a16:creationId xmlns="" xmlns:a16="http://schemas.microsoft.com/office/drawing/2014/main" id="{C70B18DF-9367-4194-B73B-50D6E847EED5}"/>
+                <a16:creationId xmlns:a16="http://schemas.microsoft.com/office/drawing/2014/main" xmlns="" id="{C70B18DF-9367-4194-B73B-50D6E847EED5}"/>
               </a:ext>
             </a:extLst>
           </p:cNvPr>
@@ -13558,7 +13545,7 @@
             <p:cNvPr id="6" name="TextBox 5">
               <a:extLst>
                 <a:ext uri="{FF2B5EF4-FFF2-40B4-BE49-F238E27FC236}">
-                  <a16:creationId xmlns="" xmlns:a16="http://schemas.microsoft.com/office/drawing/2014/main" id="{72AC3162-CC19-4D6F-844F-E961C2121213}"/>
+                  <a16:creationId xmlns:a16="http://schemas.microsoft.com/office/drawing/2014/main" xmlns="" id="{72AC3162-CC19-4D6F-844F-E961C2121213}"/>
                 </a:ext>
               </a:extLst>
             </p:cNvPr>
@@ -13606,7 +13593,7 @@
             <p:cNvPr id="8" name="직선 연결선 7">
               <a:extLst>
                 <a:ext uri="{FF2B5EF4-FFF2-40B4-BE49-F238E27FC236}">
-                  <a16:creationId xmlns="" xmlns:a16="http://schemas.microsoft.com/office/drawing/2014/main" id="{FF09E170-F7DB-4A2F-8E79-FDBC9350D15B}"/>
+                  <a16:creationId xmlns:a16="http://schemas.microsoft.com/office/drawing/2014/main" xmlns="" id="{FF09E170-F7DB-4A2F-8E79-FDBC9350D15B}"/>
                 </a:ext>
               </a:extLst>
             </p:cNvPr>
@@ -13650,7 +13637,7 @@
           <p:cNvPr id="10" name="TextBox 9">
             <a:extLst>
               <a:ext uri="{FF2B5EF4-FFF2-40B4-BE49-F238E27FC236}">
-                <a16:creationId xmlns="" xmlns:a16="http://schemas.microsoft.com/office/drawing/2014/main" id="{4F418FC5-E944-4175-8571-30F8AA7F5624}"/>
+                <a16:creationId xmlns:a16="http://schemas.microsoft.com/office/drawing/2014/main" xmlns="" id="{4F418FC5-E944-4175-8571-30F8AA7F5624}"/>
               </a:ext>
             </a:extLst>
           </p:cNvPr>
@@ -13749,7 +13736,7 @@
           <p:cNvPr id="10" name="직선 연결선 9">
             <a:extLst>
               <a:ext uri="{FF2B5EF4-FFF2-40B4-BE49-F238E27FC236}">
-                <a16:creationId xmlns="" xmlns:a16="http://schemas.microsoft.com/office/drawing/2014/main" id="{9C0CBDE4-75CB-4266-B7E6-B96B2333E15B}"/>
+                <a16:creationId xmlns:a16="http://schemas.microsoft.com/office/drawing/2014/main" xmlns="" id="{9C0CBDE4-75CB-4266-B7E6-B96B2333E15B}"/>
               </a:ext>
             </a:extLst>
           </p:cNvPr>
@@ -13790,7 +13777,7 @@
           <p:cNvPr id="11" name="TextBox 10">
             <a:extLst>
               <a:ext uri="{FF2B5EF4-FFF2-40B4-BE49-F238E27FC236}">
-                <a16:creationId xmlns="" xmlns:a16="http://schemas.microsoft.com/office/drawing/2014/main" id="{773DF187-FAE7-4B00-9DAF-A0006D605DE3}"/>
+                <a16:creationId xmlns:a16="http://schemas.microsoft.com/office/drawing/2014/main" xmlns="" id="{773DF187-FAE7-4B00-9DAF-A0006D605DE3}"/>
               </a:ext>
             </a:extLst>
           </p:cNvPr>
@@ -13917,7 +13904,7 @@
           <p:cNvPr id="13" name="직사각형 12">
             <a:extLst>
               <a:ext uri="{FF2B5EF4-FFF2-40B4-BE49-F238E27FC236}">
-                <a16:creationId xmlns="" xmlns:a16="http://schemas.microsoft.com/office/drawing/2014/main" id="{F389E3C6-C02A-4CF2-8404-1F9A8CB2FA11}"/>
+                <a16:creationId xmlns:a16="http://schemas.microsoft.com/office/drawing/2014/main" xmlns="" id="{F389E3C6-C02A-4CF2-8404-1F9A8CB2FA11}"/>
               </a:ext>
             </a:extLst>
           </p:cNvPr>
@@ -13981,7 +13968,7 @@
           <p:cNvPr id="14" name="직사각형 13">
             <a:extLst>
               <a:ext uri="{FF2B5EF4-FFF2-40B4-BE49-F238E27FC236}">
-                <a16:creationId xmlns="" xmlns:a16="http://schemas.microsoft.com/office/drawing/2014/main" id="{A3B4747F-421F-47F2-A7FC-0B557A1A5731}"/>
+                <a16:creationId xmlns:a16="http://schemas.microsoft.com/office/drawing/2014/main" xmlns="" id="{A3B4747F-421F-47F2-A7FC-0B557A1A5731}"/>
               </a:ext>
             </a:extLst>
           </p:cNvPr>
@@ -14075,7 +14062,7 @@
           <p:cNvPr id="16" name="TextBox 15">
             <a:extLst>
               <a:ext uri="{FF2B5EF4-FFF2-40B4-BE49-F238E27FC236}">
-                <a16:creationId xmlns="" xmlns:a16="http://schemas.microsoft.com/office/drawing/2014/main" id="{773DF187-FAE7-4B00-9DAF-A0006D605DE3}"/>
+                <a16:creationId xmlns:a16="http://schemas.microsoft.com/office/drawing/2014/main" xmlns="" id="{773DF187-FAE7-4B00-9DAF-A0006D605DE3}"/>
               </a:ext>
             </a:extLst>
           </p:cNvPr>
@@ -14198,7 +14185,7 @@
           <p:cNvPr id="33" name="직사각형 32">
             <a:extLst>
               <a:ext uri="{FF2B5EF4-FFF2-40B4-BE49-F238E27FC236}">
-                <a16:creationId xmlns="" xmlns:a16="http://schemas.microsoft.com/office/drawing/2014/main" id="{071BD9A8-937E-4838-8166-AB56E628827A}"/>
+                <a16:creationId xmlns:a16="http://schemas.microsoft.com/office/drawing/2014/main" xmlns="" id="{071BD9A8-937E-4838-8166-AB56E628827A}"/>
               </a:ext>
             </a:extLst>
           </p:cNvPr>
@@ -14262,7 +14249,7 @@
           <p:cNvPr id="34" name="직사각형 33">
             <a:extLst>
               <a:ext uri="{FF2B5EF4-FFF2-40B4-BE49-F238E27FC236}">
-                <a16:creationId xmlns="" xmlns:a16="http://schemas.microsoft.com/office/drawing/2014/main" id="{905EBA1D-24C7-4F00-B3C7-6DEBD568B0FF}"/>
+                <a16:creationId xmlns:a16="http://schemas.microsoft.com/office/drawing/2014/main" xmlns="" id="{905EBA1D-24C7-4F00-B3C7-6DEBD568B0FF}"/>
               </a:ext>
             </a:extLst>
           </p:cNvPr>
@@ -14326,7 +14313,7 @@
           <p:cNvPr id="39" name="TextBox 38">
             <a:extLst>
               <a:ext uri="{FF2B5EF4-FFF2-40B4-BE49-F238E27FC236}">
-                <a16:creationId xmlns="" xmlns:a16="http://schemas.microsoft.com/office/drawing/2014/main" id="{773DF187-FAE7-4B00-9DAF-A0006D605DE3}"/>
+                <a16:creationId xmlns:a16="http://schemas.microsoft.com/office/drawing/2014/main" xmlns="" id="{773DF187-FAE7-4B00-9DAF-A0006D605DE3}"/>
               </a:ext>
             </a:extLst>
           </p:cNvPr>
@@ -14379,7 +14366,7 @@
           <p:cNvPr id="40" name="TextBox 39">
             <a:extLst>
               <a:ext uri="{FF2B5EF4-FFF2-40B4-BE49-F238E27FC236}">
-                <a16:creationId xmlns="" xmlns:a16="http://schemas.microsoft.com/office/drawing/2014/main" id="{773DF187-FAE7-4B00-9DAF-A0006D605DE3}"/>
+                <a16:creationId xmlns:a16="http://schemas.microsoft.com/office/drawing/2014/main" xmlns="" id="{773DF187-FAE7-4B00-9DAF-A0006D605DE3}"/>
               </a:ext>
             </a:extLst>
           </p:cNvPr>
@@ -14442,7 +14429,7 @@
           <p:cNvPr id="41" name="TextBox 40">
             <a:extLst>
               <a:ext uri="{FF2B5EF4-FFF2-40B4-BE49-F238E27FC236}">
-                <a16:creationId xmlns="" xmlns:a16="http://schemas.microsoft.com/office/drawing/2014/main" id="{773DF187-FAE7-4B00-9DAF-A0006D605DE3}"/>
+                <a16:creationId xmlns:a16="http://schemas.microsoft.com/office/drawing/2014/main" xmlns="" id="{773DF187-FAE7-4B00-9DAF-A0006D605DE3}"/>
               </a:ext>
             </a:extLst>
           </p:cNvPr>
@@ -14505,7 +14492,7 @@
           <p:cNvPr id="42" name="TextBox 41">
             <a:extLst>
               <a:ext uri="{FF2B5EF4-FFF2-40B4-BE49-F238E27FC236}">
-                <a16:creationId xmlns="" xmlns:a16="http://schemas.microsoft.com/office/drawing/2014/main" id="{773DF187-FAE7-4B00-9DAF-A0006D605DE3}"/>
+                <a16:creationId xmlns:a16="http://schemas.microsoft.com/office/drawing/2014/main" xmlns="" id="{773DF187-FAE7-4B00-9DAF-A0006D605DE3}"/>
               </a:ext>
             </a:extLst>
           </p:cNvPr>
@@ -15205,7 +15192,7 @@
           <p:cNvPr id="33" name="직사각형 32">
             <a:extLst>
               <a:ext uri="{FF2B5EF4-FFF2-40B4-BE49-F238E27FC236}">
-                <a16:creationId xmlns="" xmlns:a16="http://schemas.microsoft.com/office/drawing/2014/main" id="{071BD9A8-937E-4838-8166-AB56E628827A}"/>
+                <a16:creationId xmlns:a16="http://schemas.microsoft.com/office/drawing/2014/main" xmlns="" id="{071BD9A8-937E-4838-8166-AB56E628827A}"/>
               </a:ext>
             </a:extLst>
           </p:cNvPr>
@@ -15269,7 +15256,7 @@
           <p:cNvPr id="34" name="직사각형 33">
             <a:extLst>
               <a:ext uri="{FF2B5EF4-FFF2-40B4-BE49-F238E27FC236}">
-                <a16:creationId xmlns="" xmlns:a16="http://schemas.microsoft.com/office/drawing/2014/main" id="{905EBA1D-24C7-4F00-B3C7-6DEBD568B0FF}"/>
+                <a16:creationId xmlns:a16="http://schemas.microsoft.com/office/drawing/2014/main" xmlns="" id="{905EBA1D-24C7-4F00-B3C7-6DEBD568B0FF}"/>
               </a:ext>
             </a:extLst>
           </p:cNvPr>
@@ -15369,42 +15356,12 @@
           </a:extLst>
         </p:spPr>
       </p:pic>
-      <p:pic>
-        <p:nvPicPr>
-          <p:cNvPr id="7" name="그림 6"/>
-          <p:cNvPicPr>
-            <a:picLocks noChangeAspect="1"/>
-          </p:cNvPicPr>
-          <p:nvPr/>
-        </p:nvPicPr>
-        <p:blipFill>
-          <a:blip r:embed="rId3">
-            <a:extLst>
-              <a:ext uri="{28A0092B-C50C-407E-A947-70E740481C1C}">
-                <a14:useLocalDpi xmlns:a14="http://schemas.microsoft.com/office/drawing/2010/main" val="0"/>
-              </a:ext>
-            </a:extLst>
-          </a:blip>
-          <a:stretch>
-            <a:fillRect/>
-          </a:stretch>
-        </p:blipFill>
-        <p:spPr>
-          <a:xfrm>
-            <a:off x="-329403" y="2181373"/>
-            <a:ext cx="6052533" cy="4073820"/>
-          </a:xfrm>
-          <a:prstGeom prst="rect">
-            <a:avLst/>
-          </a:prstGeom>
-        </p:spPr>
-      </p:pic>
       <p:sp>
         <p:nvSpPr>
           <p:cNvPr id="27" name="TextBox 26">
             <a:extLst>
               <a:ext uri="{FF2B5EF4-FFF2-40B4-BE49-F238E27FC236}">
-                <a16:creationId xmlns="" xmlns:a16="http://schemas.microsoft.com/office/drawing/2014/main" id="{773DF187-FAE7-4B00-9DAF-A0006D605DE3}"/>
+                <a16:creationId xmlns:a16="http://schemas.microsoft.com/office/drawing/2014/main" xmlns="" id="{773DF187-FAE7-4B00-9DAF-A0006D605DE3}"/>
               </a:ext>
             </a:extLst>
           </p:cNvPr>
@@ -15463,7 +15420,7 @@
           <p:nvPr/>
         </p:nvPicPr>
         <p:blipFill>
-          <a:blip r:embed="rId4">
+          <a:blip r:embed="rId3">
             <a:extLst>
               <a:ext uri="{28A0092B-C50C-407E-A947-70E740481C1C}">
                 <a14:useLocalDpi xmlns:a14="http://schemas.microsoft.com/office/drawing/2010/main" val="0"/>
@@ -15476,8 +15433,8 @@
         </p:blipFill>
         <p:spPr>
           <a:xfrm>
-            <a:off x="5829669" y="1604675"/>
-            <a:ext cx="6217000" cy="4258645"/>
+            <a:off x="6216035" y="2181373"/>
+            <a:ext cx="5542376" cy="3796528"/>
           </a:xfrm>
           <a:prstGeom prst="rect">
             <a:avLst/>
@@ -15542,7 +15499,7 @@
           <p:cNvPr id="33" name="직사각형 32">
             <a:extLst>
               <a:ext uri="{FF2B5EF4-FFF2-40B4-BE49-F238E27FC236}">
-                <a16:creationId xmlns="" xmlns:a16="http://schemas.microsoft.com/office/drawing/2014/main" id="{071BD9A8-937E-4838-8166-AB56E628827A}"/>
+                <a16:creationId xmlns:a16="http://schemas.microsoft.com/office/drawing/2014/main" xmlns="" id="{071BD9A8-937E-4838-8166-AB56E628827A}"/>
               </a:ext>
             </a:extLst>
           </p:cNvPr>
@@ -15606,7 +15563,7 @@
           <p:cNvPr id="34" name="직사각형 33">
             <a:extLst>
               <a:ext uri="{FF2B5EF4-FFF2-40B4-BE49-F238E27FC236}">
-                <a16:creationId xmlns="" xmlns:a16="http://schemas.microsoft.com/office/drawing/2014/main" id="{905EBA1D-24C7-4F00-B3C7-6DEBD568B0FF}"/>
+                <a16:creationId xmlns:a16="http://schemas.microsoft.com/office/drawing/2014/main" xmlns="" id="{905EBA1D-24C7-4F00-B3C7-6DEBD568B0FF}"/>
               </a:ext>
             </a:extLst>
           </p:cNvPr>
@@ -15969,7 +15926,7 @@
           <p:cNvPr id="1028" name="Picture 4" descr="경찰 바리케이드 테이프 클로즈업 사진을 교차하지 마십시오">
             <a:extLst>
               <a:ext uri="{FF2B5EF4-FFF2-40B4-BE49-F238E27FC236}">
-                <a16:creationId xmlns="" xmlns:a16="http://schemas.microsoft.com/office/drawing/2014/main" id="{671B63BB-08E7-44B2-A6F0-4BE26FB84658}"/>
+                <a16:creationId xmlns:a16="http://schemas.microsoft.com/office/drawing/2014/main" xmlns="" id="{671B63BB-08E7-44B2-A6F0-4BE26FB84658}"/>
               </a:ext>
             </a:extLst>
           </p:cNvPr>
@@ -16025,7 +15982,7 @@
           <p:cNvPr id="5" name="직사각형 4">
             <a:extLst>
               <a:ext uri="{FF2B5EF4-FFF2-40B4-BE49-F238E27FC236}">
-                <a16:creationId xmlns="" xmlns:a16="http://schemas.microsoft.com/office/drawing/2014/main" id="{93CB9BD6-5CFD-4F5D-85F2-D501F430508A}"/>
+                <a16:creationId xmlns:a16="http://schemas.microsoft.com/office/drawing/2014/main" xmlns="" id="{93CB9BD6-5CFD-4F5D-85F2-D501F430508A}"/>
               </a:ext>
             </a:extLst>
           </p:cNvPr>
@@ -16077,7 +16034,7 @@
           <p:cNvPr id="9" name="그룹 8">
             <a:extLst>
               <a:ext uri="{FF2B5EF4-FFF2-40B4-BE49-F238E27FC236}">
-                <a16:creationId xmlns="" xmlns:a16="http://schemas.microsoft.com/office/drawing/2014/main" id="{C70B18DF-9367-4194-B73B-50D6E847EED5}"/>
+                <a16:creationId xmlns:a16="http://schemas.microsoft.com/office/drawing/2014/main" xmlns="" id="{C70B18DF-9367-4194-B73B-50D6E847EED5}"/>
               </a:ext>
             </a:extLst>
           </p:cNvPr>
@@ -16097,7 +16054,7 @@
             <p:cNvPr id="6" name="TextBox 5">
               <a:extLst>
                 <a:ext uri="{FF2B5EF4-FFF2-40B4-BE49-F238E27FC236}">
-                  <a16:creationId xmlns="" xmlns:a16="http://schemas.microsoft.com/office/drawing/2014/main" id="{72AC3162-CC19-4D6F-844F-E961C2121213}"/>
+                  <a16:creationId xmlns:a16="http://schemas.microsoft.com/office/drawing/2014/main" xmlns="" id="{72AC3162-CC19-4D6F-844F-E961C2121213}"/>
                 </a:ext>
               </a:extLst>
             </p:cNvPr>
@@ -16145,7 +16102,7 @@
             <p:cNvPr id="8" name="직선 연결선 7">
               <a:extLst>
                 <a:ext uri="{FF2B5EF4-FFF2-40B4-BE49-F238E27FC236}">
-                  <a16:creationId xmlns="" xmlns:a16="http://schemas.microsoft.com/office/drawing/2014/main" id="{FF09E170-F7DB-4A2F-8E79-FDBC9350D15B}"/>
+                  <a16:creationId xmlns:a16="http://schemas.microsoft.com/office/drawing/2014/main" xmlns="" id="{FF09E170-F7DB-4A2F-8E79-FDBC9350D15B}"/>
                 </a:ext>
               </a:extLst>
             </p:cNvPr>
@@ -16189,7 +16146,7 @@
           <p:cNvPr id="10" name="TextBox 9">
             <a:extLst>
               <a:ext uri="{FF2B5EF4-FFF2-40B4-BE49-F238E27FC236}">
-                <a16:creationId xmlns="" xmlns:a16="http://schemas.microsoft.com/office/drawing/2014/main" id="{4F418FC5-E944-4175-8571-30F8AA7F5624}"/>
+                <a16:creationId xmlns:a16="http://schemas.microsoft.com/office/drawing/2014/main" xmlns="" id="{4F418FC5-E944-4175-8571-30F8AA7F5624}"/>
               </a:ext>
             </a:extLst>
           </p:cNvPr>

--- a/청소년도박_PPT.pptx
+++ b/청소년도박_PPT.pptx
@@ -7,30 +7,29 @@
   <p:sldIdLst>
     <p:sldId id="287" r:id="rId2"/>
     <p:sldId id="264" r:id="rId3"/>
-    <p:sldId id="280" r:id="rId4"/>
-    <p:sldId id="288" r:id="rId5"/>
-    <p:sldId id="285" r:id="rId6"/>
-    <p:sldId id="295" r:id="rId7"/>
-    <p:sldId id="296" r:id="rId8"/>
-    <p:sldId id="297" r:id="rId9"/>
-    <p:sldId id="298" r:id="rId10"/>
-    <p:sldId id="299" r:id="rId11"/>
-    <p:sldId id="274" r:id="rId12"/>
-    <p:sldId id="293" r:id="rId13"/>
-    <p:sldId id="294" r:id="rId14"/>
-    <p:sldId id="300" r:id="rId15"/>
-    <p:sldId id="267" r:id="rId16"/>
-    <p:sldId id="301" r:id="rId17"/>
-    <p:sldId id="302" r:id="rId18"/>
-    <p:sldId id="303" r:id="rId19"/>
-    <p:sldId id="304" r:id="rId20"/>
-    <p:sldId id="306" r:id="rId21"/>
-    <p:sldId id="307" r:id="rId22"/>
-    <p:sldId id="289" r:id="rId23"/>
-    <p:sldId id="290" r:id="rId24"/>
-    <p:sldId id="308" r:id="rId25"/>
-    <p:sldId id="291" r:id="rId26"/>
-    <p:sldId id="283" r:id="rId27"/>
+    <p:sldId id="288" r:id="rId4"/>
+    <p:sldId id="285" r:id="rId5"/>
+    <p:sldId id="295" r:id="rId6"/>
+    <p:sldId id="296" r:id="rId7"/>
+    <p:sldId id="297" r:id="rId8"/>
+    <p:sldId id="298" r:id="rId9"/>
+    <p:sldId id="299" r:id="rId10"/>
+    <p:sldId id="274" r:id="rId11"/>
+    <p:sldId id="293" r:id="rId12"/>
+    <p:sldId id="294" r:id="rId13"/>
+    <p:sldId id="300" r:id="rId14"/>
+    <p:sldId id="267" r:id="rId15"/>
+    <p:sldId id="301" r:id="rId16"/>
+    <p:sldId id="302" r:id="rId17"/>
+    <p:sldId id="303" r:id="rId18"/>
+    <p:sldId id="304" r:id="rId19"/>
+    <p:sldId id="306" r:id="rId20"/>
+    <p:sldId id="307" r:id="rId21"/>
+    <p:sldId id="289" r:id="rId22"/>
+    <p:sldId id="290" r:id="rId23"/>
+    <p:sldId id="308" r:id="rId24"/>
+    <p:sldId id="291" r:id="rId25"/>
+    <p:sldId id="283" r:id="rId26"/>
   </p:sldIdLst>
   <p:sldSz cx="12192000" cy="6858000"/>
   <p:notesSz cx="6858000" cy="9144000"/>
@@ -9693,7 +9692,7 @@
         </p:nvSpPr>
         <p:spPr>
           <a:xfrm rot="21398144">
-            <a:off x="3031107" y="1834671"/>
+            <a:off x="2954422" y="2788436"/>
             <a:ext cx="6143051" cy="769441"/>
           </a:xfrm>
           <a:prstGeom prst="rect">
@@ -9731,87 +9730,6 @@
               </a:ln>
               <a:solidFill>
                 <a:srgbClr val="FF0000"/>
-              </a:solidFill>
-            </a:endParaRPr>
-          </a:p>
-        </p:txBody>
-      </p:sp>
-      <p:sp>
-        <p:nvSpPr>
-          <p:cNvPr id="95" name="사각형: 둥근 모서리 94">
-            <a:extLst>
-              <a:ext uri="{FF2B5EF4-FFF2-40B4-BE49-F238E27FC236}">
-                <a16:creationId xmlns:a16="http://schemas.microsoft.com/office/drawing/2014/main" xmlns="" id="{0D7ED3BD-4925-469D-A336-D40406943326}"/>
-              </a:ext>
-            </a:extLst>
-          </p:cNvPr>
-          <p:cNvSpPr/>
-          <p:nvPr/>
-        </p:nvSpPr>
-        <p:spPr>
-          <a:xfrm rot="21381105">
-            <a:off x="5270734" y="2936767"/>
-            <a:ext cx="1488827" cy="329847"/>
-          </a:xfrm>
-          <a:prstGeom prst="roundRect">
-            <a:avLst>
-              <a:gd name="adj" fmla="val 50000"/>
-            </a:avLst>
-          </a:prstGeom>
-          <a:solidFill>
-            <a:schemeClr val="bg1"/>
-          </a:solidFill>
-          <a:ln w="19050">
-            <a:solidFill>
-              <a:schemeClr val="tx1">
-                <a:lumMod val="85000"/>
-                <a:lumOff val="15000"/>
-              </a:schemeClr>
-            </a:solidFill>
-          </a:ln>
-          <a:effectLst>
-            <a:outerShdw dist="63500" dir="2700000" algn="tl" rotWithShape="0">
-              <a:schemeClr val="tx1">
-                <a:lumMod val="85000"/>
-                <a:lumOff val="15000"/>
-              </a:schemeClr>
-            </a:outerShdw>
-          </a:effectLst>
-        </p:spPr>
-        <p:style>
-          <a:lnRef idx="2">
-            <a:schemeClr val="accent1">
-              <a:shade val="50000"/>
-            </a:schemeClr>
-          </a:lnRef>
-          <a:fillRef idx="1">
-            <a:schemeClr val="accent1"/>
-          </a:fillRef>
-          <a:effectRef idx="0">
-            <a:schemeClr val="accent1"/>
-          </a:effectRef>
-          <a:fontRef idx="minor">
-            <a:schemeClr val="lt1"/>
-          </a:fontRef>
-        </p:style>
-        <p:txBody>
-          <a:bodyPr rtlCol="0" anchor="ctr"/>
-          <a:lstStyle/>
-          <a:p>
-            <a:pPr algn="ctr">
-              <a:defRPr/>
-            </a:pPr>
-            <a:r>
-              <a:rPr lang="en-US" altLang="ko-KR" sz="1600" b="1" dirty="0" smtClean="0">
-                <a:solidFill>
-                  <a:prstClr val="black"/>
-                </a:solidFill>
-              </a:rPr>
-              <a:t>3Team</a:t>
-            </a:r>
-            <a:endParaRPr lang="ko-KR" altLang="en-US" sz="1600" b="1" dirty="0">
-              <a:solidFill>
-                <a:prstClr val="black"/>
               </a:solidFill>
             </a:endParaRPr>
           </a:p>
@@ -9850,441 +9768,6 @@
 </file>
 
 <file path=ppt/slides/slide10.xml><?xml version="1.0" encoding="utf-8"?>
-<p:sld xmlns:a="http://schemas.openxmlformats.org/drawingml/2006/main" xmlns:r="http://schemas.openxmlformats.org/officeDocument/2006/relationships" xmlns:p="http://schemas.openxmlformats.org/presentationml/2006/main">
-  <p:cSld>
-    <p:bg>
-      <p:bgPr>
-        <a:solidFill>
-          <a:schemeClr val="tx1">
-            <a:lumMod val="85000"/>
-            <a:lumOff val="15000"/>
-          </a:schemeClr>
-        </a:solidFill>
-        <a:effectLst/>
-      </p:bgPr>
-    </p:bg>
-    <p:spTree>
-      <p:nvGrpSpPr>
-        <p:cNvPr id="1" name=""/>
-        <p:cNvGrpSpPr/>
-        <p:nvPr/>
-      </p:nvGrpSpPr>
-      <p:grpSpPr>
-        <a:xfrm>
-          <a:off x="0" y="0"/>
-          <a:ext cx="0" cy="0"/>
-          <a:chOff x="0" y="0"/>
-          <a:chExt cx="0" cy="0"/>
-        </a:xfrm>
-      </p:grpSpPr>
-      <p:sp>
-        <p:nvSpPr>
-          <p:cNvPr id="33" name="직사각형 32">
-            <a:extLst>
-              <a:ext uri="{FF2B5EF4-FFF2-40B4-BE49-F238E27FC236}">
-                <a16:creationId xmlns="" xmlns:a16="http://schemas.microsoft.com/office/drawing/2014/main" id="{071BD9A8-937E-4838-8166-AB56E628827A}"/>
-              </a:ext>
-            </a:extLst>
-          </p:cNvPr>
-          <p:cNvSpPr/>
-          <p:nvPr/>
-        </p:nvSpPr>
-        <p:spPr>
-          <a:xfrm>
-            <a:off x="-10119" y="1103989"/>
-            <a:ext cx="12202119" cy="45719"/>
-          </a:xfrm>
-          <a:prstGeom prst="rect">
-            <a:avLst/>
-          </a:prstGeom>
-          <a:gradFill flip="none" rotWithShape="1">
-            <a:gsLst>
-              <a:gs pos="0">
-                <a:srgbClr val="960000"/>
-              </a:gs>
-              <a:gs pos="40000">
-                <a:srgbClr val="960000"/>
-              </a:gs>
-              <a:gs pos="100000">
-                <a:srgbClr val="191919"/>
-              </a:gs>
-            </a:gsLst>
-            <a:lin ang="0" scaled="1"/>
-            <a:tileRect/>
-          </a:gradFill>
-          <a:ln>
-            <a:noFill/>
-          </a:ln>
-        </p:spPr>
-        <p:style>
-          <a:lnRef idx="2">
-            <a:schemeClr val="accent1">
-              <a:shade val="50000"/>
-            </a:schemeClr>
-          </a:lnRef>
-          <a:fillRef idx="1">
-            <a:schemeClr val="accent1"/>
-          </a:fillRef>
-          <a:effectRef idx="0">
-            <a:schemeClr val="accent1"/>
-          </a:effectRef>
-          <a:fontRef idx="minor">
-            <a:schemeClr val="lt1"/>
-          </a:fontRef>
-        </p:style>
-        <p:txBody>
-          <a:bodyPr rtlCol="0" anchor="ctr"/>
-          <a:lstStyle/>
-          <a:p>
-            <a:pPr algn="ctr"/>
-            <a:endParaRPr lang="ko-KR" altLang="en-US"/>
-          </a:p>
-        </p:txBody>
-      </p:sp>
-      <p:sp>
-        <p:nvSpPr>
-          <p:cNvPr id="34" name="직사각형 33">
-            <a:extLst>
-              <a:ext uri="{FF2B5EF4-FFF2-40B4-BE49-F238E27FC236}">
-                <a16:creationId xmlns="" xmlns:a16="http://schemas.microsoft.com/office/drawing/2014/main" id="{905EBA1D-24C7-4F00-B3C7-6DEBD568B0FF}"/>
-              </a:ext>
-            </a:extLst>
-          </p:cNvPr>
-          <p:cNvSpPr/>
-          <p:nvPr/>
-        </p:nvSpPr>
-        <p:spPr>
-          <a:xfrm flipH="1">
-            <a:off x="0" y="6418399"/>
-            <a:ext cx="12202119" cy="45719"/>
-          </a:xfrm>
-          <a:prstGeom prst="rect">
-            <a:avLst/>
-          </a:prstGeom>
-          <a:gradFill flip="none" rotWithShape="1">
-            <a:gsLst>
-              <a:gs pos="0">
-                <a:srgbClr val="960000"/>
-              </a:gs>
-              <a:gs pos="40000">
-                <a:srgbClr val="960000"/>
-              </a:gs>
-              <a:gs pos="100000">
-                <a:srgbClr val="191919"/>
-              </a:gs>
-            </a:gsLst>
-            <a:lin ang="0" scaled="1"/>
-            <a:tileRect/>
-          </a:gradFill>
-          <a:ln>
-            <a:noFill/>
-          </a:ln>
-        </p:spPr>
-        <p:style>
-          <a:lnRef idx="2">
-            <a:schemeClr val="accent1">
-              <a:shade val="50000"/>
-            </a:schemeClr>
-          </a:lnRef>
-          <a:fillRef idx="1">
-            <a:schemeClr val="accent1"/>
-          </a:fillRef>
-          <a:effectRef idx="0">
-            <a:schemeClr val="accent1"/>
-          </a:effectRef>
-          <a:fontRef idx="minor">
-            <a:schemeClr val="lt1"/>
-          </a:fontRef>
-        </p:style>
-        <p:txBody>
-          <a:bodyPr rtlCol="0" anchor="ctr"/>
-          <a:lstStyle/>
-          <a:p>
-            <a:pPr algn="ctr"/>
-            <a:endParaRPr lang="ko-KR" altLang="en-US"/>
-          </a:p>
-        </p:txBody>
-      </p:sp>
-      <p:sp>
-        <p:nvSpPr>
-          <p:cNvPr id="7" name="TextBox 6">
-            <a:extLst>
-              <a:ext uri="{FF2B5EF4-FFF2-40B4-BE49-F238E27FC236}">
-                <a16:creationId xmlns="" xmlns:a16="http://schemas.microsoft.com/office/drawing/2014/main" id="{773DF187-FAE7-4B00-9DAF-A0006D605DE3}"/>
-              </a:ext>
-            </a:extLst>
-          </p:cNvPr>
-          <p:cNvSpPr txBox="1"/>
-          <p:nvPr/>
-        </p:nvSpPr>
-        <p:spPr>
-          <a:xfrm>
-            <a:off x="184127" y="451981"/>
-            <a:ext cx="8169861" cy="523220"/>
-          </a:xfrm>
-          <a:prstGeom prst="rect">
-            <a:avLst/>
-          </a:prstGeom>
-          <a:noFill/>
-        </p:spPr>
-        <p:txBody>
-          <a:bodyPr wrap="square" rtlCol="0">
-            <a:spAutoFit/>
-          </a:bodyPr>
-          <a:lstStyle/>
-          <a:p>
-            <a:r>
-              <a:rPr lang="en-US" altLang="ko-KR" sz="2800" b="1" smtClean="0">
-                <a:solidFill>
-                  <a:schemeClr val="bg1"/>
-                </a:solidFill>
-              </a:rPr>
-              <a:t>2019-2022 </a:t>
-            </a:r>
-            <a:r>
-              <a:rPr lang="ko-KR" altLang="en-US" sz="2800" b="1" dirty="0" smtClean="0">
-                <a:solidFill>
-                  <a:schemeClr val="bg1"/>
-                </a:solidFill>
-              </a:rPr>
-              <a:t>상반기 </a:t>
-            </a:r>
-            <a:r>
-              <a:rPr lang="en-US" altLang="ko-KR" sz="2800" b="1" dirty="0">
-                <a:solidFill>
-                  <a:schemeClr val="bg1"/>
-                </a:solidFill>
-              </a:rPr>
-              <a:t>'</a:t>
-            </a:r>
-            <a:r>
-              <a:rPr lang="ko-KR" altLang="en-US" sz="2800" b="1" dirty="0">
-                <a:solidFill>
-                  <a:schemeClr val="bg1"/>
-                </a:solidFill>
-              </a:rPr>
-              <a:t>청소년 불법</a:t>
-            </a:r>
-            <a:r>
-              <a:rPr lang="en-US" altLang="ko-KR" sz="2800" b="1" dirty="0">
-                <a:solidFill>
-                  <a:schemeClr val="bg1"/>
-                </a:solidFill>
-              </a:rPr>
-              <a:t>' </a:t>
-            </a:r>
-            <a:r>
-              <a:rPr lang="ko-KR" altLang="en-US" sz="2800" b="1" dirty="0">
-                <a:solidFill>
-                  <a:schemeClr val="bg1"/>
-                </a:solidFill>
-              </a:rPr>
-              <a:t>중 </a:t>
-            </a:r>
-            <a:r>
-              <a:rPr lang="en-US" altLang="ko-KR" sz="2800" b="1" dirty="0">
-                <a:solidFill>
-                  <a:schemeClr val="bg1"/>
-                </a:solidFill>
-              </a:rPr>
-              <a:t>'</a:t>
-            </a:r>
-            <a:r>
-              <a:rPr lang="ko-KR" altLang="en-US" sz="2800" b="1" dirty="0">
-                <a:solidFill>
-                  <a:schemeClr val="bg1"/>
-                </a:solidFill>
-              </a:rPr>
-              <a:t>도박</a:t>
-            </a:r>
-            <a:r>
-              <a:rPr lang="en-US" altLang="ko-KR" sz="2800" b="1" dirty="0">
-                <a:solidFill>
-                  <a:schemeClr val="bg1"/>
-                </a:solidFill>
-              </a:rPr>
-              <a:t>' </a:t>
-            </a:r>
-            <a:r>
-              <a:rPr lang="en-US" altLang="ko-KR" sz="2800" b="1" dirty="0" err="1">
-                <a:solidFill>
-                  <a:schemeClr val="bg1"/>
-                </a:solidFill>
-              </a:rPr>
-              <a:t>cnt</a:t>
-            </a:r>
-            <a:endParaRPr lang="en-US" altLang="ko-KR" sz="2800" b="1" dirty="0">
-              <a:solidFill>
-                <a:schemeClr val="bg1"/>
-              </a:solidFill>
-            </a:endParaRPr>
-          </a:p>
-        </p:txBody>
-      </p:sp>
-      <p:pic>
-        <p:nvPicPr>
-          <p:cNvPr id="5" name="그림 4"/>
-          <p:cNvPicPr>
-            <a:picLocks noChangeAspect="1"/>
-          </p:cNvPicPr>
-          <p:nvPr/>
-        </p:nvPicPr>
-        <p:blipFill>
-          <a:blip r:embed="rId2">
-            <a:extLst>
-              <a:ext uri="{28A0092B-C50C-407E-A947-70E740481C1C}">
-                <a14:useLocalDpi xmlns:a14="http://schemas.microsoft.com/office/drawing/2010/main" val="0"/>
-              </a:ext>
-            </a:extLst>
-          </a:blip>
-          <a:stretch>
-            <a:fillRect/>
-          </a:stretch>
-        </p:blipFill>
-        <p:spPr>
-          <a:xfrm>
-            <a:off x="353880" y="1296772"/>
-            <a:ext cx="6652228" cy="4131541"/>
-          </a:xfrm>
-          <a:prstGeom prst="rect">
-            <a:avLst/>
-          </a:prstGeom>
-        </p:spPr>
-      </p:pic>
-      <p:sp>
-        <p:nvSpPr>
-          <p:cNvPr id="6" name="TextBox 5"/>
-          <p:cNvSpPr txBox="1"/>
-          <p:nvPr/>
-        </p:nvSpPr>
-        <p:spPr>
-          <a:xfrm>
-            <a:off x="6365985" y="5461691"/>
-            <a:ext cx="6139027" cy="923330"/>
-          </a:xfrm>
-          <a:prstGeom prst="rect">
-            <a:avLst/>
-          </a:prstGeom>
-          <a:noFill/>
-        </p:spPr>
-        <p:txBody>
-          <a:bodyPr wrap="square" rtlCol="0">
-            <a:spAutoFit/>
-          </a:bodyPr>
-          <a:lstStyle/>
-          <a:p>
-            <a:r>
-              <a:rPr lang="en-US" altLang="ko-KR" dirty="0" smtClean="0">
-                <a:solidFill>
-                  <a:schemeClr val="bg1"/>
-                </a:solidFill>
-              </a:rPr>
-              <a:t>2019</a:t>
-            </a:r>
-            <a:r>
-              <a:rPr lang="ko-KR" altLang="en-US" dirty="0" smtClean="0">
-                <a:solidFill>
-                  <a:schemeClr val="bg1"/>
-                </a:solidFill>
-              </a:rPr>
-              <a:t>년에 비해 </a:t>
-            </a:r>
-            <a:r>
-              <a:rPr lang="en-US" altLang="ko-KR" dirty="0" smtClean="0">
-                <a:solidFill>
-                  <a:schemeClr val="bg1"/>
-                </a:solidFill>
-              </a:rPr>
-              <a:t>2020</a:t>
-            </a:r>
-            <a:r>
-              <a:rPr lang="ko-KR" altLang="en-US" dirty="0" smtClean="0">
-                <a:solidFill>
-                  <a:schemeClr val="bg1"/>
-                </a:solidFill>
-              </a:rPr>
-              <a:t>년에는 약간 감소하였지만</a:t>
-            </a:r>
-            <a:endParaRPr lang="en-US" altLang="ko-KR" dirty="0" smtClean="0">
-              <a:solidFill>
-                <a:schemeClr val="bg1"/>
-              </a:solidFill>
-            </a:endParaRPr>
-          </a:p>
-          <a:p>
-            <a:r>
-              <a:rPr lang="en-US" altLang="ko-KR" dirty="0" smtClean="0">
-                <a:solidFill>
-                  <a:schemeClr val="bg1"/>
-                </a:solidFill>
-              </a:rPr>
-              <a:t>2022</a:t>
-            </a:r>
-            <a:r>
-              <a:rPr lang="ko-KR" altLang="en-US" dirty="0" smtClean="0">
-                <a:solidFill>
-                  <a:schemeClr val="bg1"/>
-                </a:solidFill>
-              </a:rPr>
-              <a:t>년에는 현저하게 증가한 것을 보아</a:t>
-            </a:r>
-            <a:endParaRPr lang="en-US" altLang="ko-KR" dirty="0" smtClean="0">
-              <a:solidFill>
-                <a:schemeClr val="bg1"/>
-              </a:solidFill>
-            </a:endParaRPr>
-          </a:p>
-          <a:p>
-            <a:r>
-              <a:rPr lang="ko-KR" altLang="en-US" dirty="0" smtClean="0">
-                <a:solidFill>
-                  <a:schemeClr val="bg1"/>
-                </a:solidFill>
-              </a:rPr>
-              <a:t>청소년 불법 도박이 심각하다는 것을 볼 수 있습니다</a:t>
-            </a:r>
-            <a:r>
-              <a:rPr lang="en-US" altLang="ko-KR" dirty="0" smtClean="0">
-                <a:solidFill>
-                  <a:schemeClr val="bg1"/>
-                </a:solidFill>
-              </a:rPr>
-              <a:t>.</a:t>
-            </a:r>
-            <a:endParaRPr lang="ko-KR" altLang="en-US" dirty="0">
-              <a:solidFill>
-                <a:schemeClr val="bg1"/>
-              </a:solidFill>
-            </a:endParaRPr>
-          </a:p>
-        </p:txBody>
-      </p:sp>
-    </p:spTree>
-    <p:extLst>
-      <p:ext uri="{BB962C8B-B14F-4D97-AF65-F5344CB8AC3E}">
-        <p14:creationId xmlns:p14="http://schemas.microsoft.com/office/powerpoint/2010/main" val="563095598"/>
-      </p:ext>
-    </p:extLst>
-  </p:cSld>
-  <p:clrMapOvr>
-    <a:masterClrMapping/>
-  </p:clrMapOvr>
-  <mc:AlternateContent xmlns:mc="http://schemas.openxmlformats.org/markup-compatibility/2006" xmlns:p14="http://schemas.microsoft.com/office/powerpoint/2010/main">
-    <mc:Choice Requires="p14">
-      <p:transition spd="slow">
-        <p14:reveal/>
-      </p:transition>
-    </mc:Choice>
-    <mc:Fallback xmlns="">
-      <p:transition spd="slow">
-        <p:fade/>
-      </p:transition>
-    </mc:Fallback>
-  </mc:AlternateContent>
-</p:sld>
-</file>
-
-<file path=ppt/slides/slide11.xml><?xml version="1.0" encoding="utf-8"?>
 <p:sld xmlns:a="http://schemas.openxmlformats.org/drawingml/2006/main" xmlns:r="http://schemas.openxmlformats.org/officeDocument/2006/relationships" xmlns:p="http://schemas.openxmlformats.org/presentationml/2006/main">
   <p:cSld>
     <p:bg>
@@ -11288,7 +10771,7 @@
 </p:sld>
 </file>
 
-<file path=ppt/slides/slide12.xml><?xml version="1.0" encoding="utf-8"?>
+<file path=ppt/slides/slide11.xml><?xml version="1.0" encoding="utf-8"?>
 <p:sld xmlns:a="http://schemas.openxmlformats.org/drawingml/2006/main" xmlns:r="http://schemas.openxmlformats.org/officeDocument/2006/relationships" xmlns:p="http://schemas.openxmlformats.org/presentationml/2006/main">
   <p:cSld>
     <p:bg>
@@ -11595,7 +11078,7 @@
 </p:sld>
 </file>
 
-<file path=ppt/slides/slide13.xml><?xml version="1.0" encoding="utf-8"?>
+<file path=ppt/slides/slide12.xml><?xml version="1.0" encoding="utf-8"?>
 <p:sld xmlns:a="http://schemas.openxmlformats.org/drawingml/2006/main" xmlns:r="http://schemas.openxmlformats.org/officeDocument/2006/relationships" xmlns:p="http://schemas.openxmlformats.org/presentationml/2006/main">
   <p:cSld>
     <p:bg>
@@ -11956,7 +11439,7 @@
 </p:sld>
 </file>
 
-<file path=ppt/slides/slide14.xml><?xml version="1.0" encoding="utf-8"?>
+<file path=ppt/slides/slide13.xml><?xml version="1.0" encoding="utf-8"?>
 <p:sld xmlns:a="http://schemas.openxmlformats.org/drawingml/2006/main" xmlns:r="http://schemas.openxmlformats.org/officeDocument/2006/relationships" xmlns:p="http://schemas.openxmlformats.org/presentationml/2006/main">
   <p:cSld>
     <p:bg>
@@ -12597,7 +12080,7 @@
 </p:sld>
 </file>
 
-<file path=ppt/slides/slide15.xml><?xml version="1.0" encoding="utf-8"?>
+<file path=ppt/slides/slide14.xml><?xml version="1.0" encoding="utf-8"?>
 <p:sld xmlns:a="http://schemas.openxmlformats.org/drawingml/2006/main" xmlns:r="http://schemas.openxmlformats.org/officeDocument/2006/relationships" xmlns:p="http://schemas.openxmlformats.org/presentationml/2006/main">
   <p:cSld>
     <p:bg>
@@ -12916,7 +12399,7 @@
 </p:sld>
 </file>
 
-<file path=ppt/slides/slide16.xml><?xml version="1.0" encoding="utf-8"?>
+<file path=ppt/slides/slide15.xml><?xml version="1.0" encoding="utf-8"?>
 <p:sld xmlns:a="http://schemas.openxmlformats.org/drawingml/2006/main" xmlns:r="http://schemas.openxmlformats.org/officeDocument/2006/relationships" xmlns:p="http://schemas.openxmlformats.org/presentationml/2006/main">
   <p:cSld>
     <p:bg>
@@ -13502,7 +12985,7 @@
 </p:sld>
 </file>
 
-<file path=ppt/slides/slide17.xml><?xml version="1.0" encoding="utf-8"?>
+<file path=ppt/slides/slide16.xml><?xml version="1.0" encoding="utf-8"?>
 <p:sld xmlns:a="http://schemas.openxmlformats.org/drawingml/2006/main" xmlns:r="http://schemas.openxmlformats.org/officeDocument/2006/relationships" xmlns:p="http://schemas.openxmlformats.org/presentationml/2006/main">
   <p:cSld>
     <p:bg>
@@ -13719,7 +13202,7 @@
 </p:sld>
 </file>
 
-<file path=ppt/slides/slide18.xml><?xml version="1.0" encoding="utf-8"?>
+<file path=ppt/slides/slide17.xml><?xml version="1.0" encoding="utf-8"?>
 <p:sld xmlns:a="http://schemas.openxmlformats.org/drawingml/2006/main" xmlns:r="http://schemas.openxmlformats.org/officeDocument/2006/relationships" xmlns:p="http://schemas.openxmlformats.org/presentationml/2006/main">
   <p:cSld>
     <p:bg>
@@ -13950,6 +13433,309 @@
     <p:extLst>
       <p:ext uri="{BB962C8B-B14F-4D97-AF65-F5344CB8AC3E}">
         <p14:creationId xmlns:p14="http://schemas.microsoft.com/office/powerpoint/2010/main" val="2285924966"/>
+      </p:ext>
+    </p:extLst>
+  </p:cSld>
+  <p:clrMapOvr>
+    <a:masterClrMapping/>
+  </p:clrMapOvr>
+  <mc:AlternateContent xmlns:mc="http://schemas.openxmlformats.org/markup-compatibility/2006" xmlns:p14="http://schemas.microsoft.com/office/powerpoint/2010/main">
+    <mc:Choice Requires="p14">
+      <p:transition spd="slow">
+        <p14:reveal/>
+      </p:transition>
+    </mc:Choice>
+    <mc:Fallback xmlns="">
+      <p:transition spd="slow">
+        <p:fade/>
+      </p:transition>
+    </mc:Fallback>
+  </mc:AlternateContent>
+</p:sld>
+</file>
+
+<file path=ppt/slides/slide18.xml><?xml version="1.0" encoding="utf-8"?>
+<p:sld xmlns:a="http://schemas.openxmlformats.org/drawingml/2006/main" xmlns:r="http://schemas.openxmlformats.org/officeDocument/2006/relationships" xmlns:p="http://schemas.openxmlformats.org/presentationml/2006/main">
+  <p:cSld>
+    <p:bg>
+      <p:bgPr>
+        <a:solidFill>
+          <a:schemeClr val="tx1">
+            <a:lumMod val="85000"/>
+            <a:lumOff val="15000"/>
+          </a:schemeClr>
+        </a:solidFill>
+        <a:effectLst/>
+      </p:bgPr>
+    </p:bg>
+    <p:spTree>
+      <p:nvGrpSpPr>
+        <p:cNvPr id="1" name=""/>
+        <p:cNvGrpSpPr/>
+        <p:nvPr/>
+      </p:nvGrpSpPr>
+      <p:grpSpPr>
+        <a:xfrm>
+          <a:off x="0" y="0"/>
+          <a:ext cx="0" cy="0"/>
+          <a:chOff x="0" y="0"/>
+          <a:chExt cx="0" cy="0"/>
+        </a:xfrm>
+      </p:grpSpPr>
+      <p:sp>
+        <p:nvSpPr>
+          <p:cNvPr id="33" name="직사각형 32">
+            <a:extLst>
+              <a:ext uri="{FF2B5EF4-FFF2-40B4-BE49-F238E27FC236}">
+                <a16:creationId xmlns="" xmlns:a16="http://schemas.microsoft.com/office/drawing/2014/main" id="{071BD9A8-937E-4838-8166-AB56E628827A}"/>
+              </a:ext>
+            </a:extLst>
+          </p:cNvPr>
+          <p:cNvSpPr/>
+          <p:nvPr/>
+        </p:nvSpPr>
+        <p:spPr>
+          <a:xfrm>
+            <a:off x="-10120" y="341029"/>
+            <a:ext cx="12202119" cy="45719"/>
+          </a:xfrm>
+          <a:prstGeom prst="rect">
+            <a:avLst/>
+          </a:prstGeom>
+          <a:gradFill flip="none" rotWithShape="1">
+            <a:gsLst>
+              <a:gs pos="0">
+                <a:srgbClr val="960000"/>
+              </a:gs>
+              <a:gs pos="40000">
+                <a:srgbClr val="960000"/>
+              </a:gs>
+              <a:gs pos="100000">
+                <a:srgbClr val="191919"/>
+              </a:gs>
+            </a:gsLst>
+            <a:lin ang="0" scaled="1"/>
+            <a:tileRect/>
+          </a:gradFill>
+          <a:ln>
+            <a:noFill/>
+          </a:ln>
+        </p:spPr>
+        <p:style>
+          <a:lnRef idx="2">
+            <a:schemeClr val="accent1">
+              <a:shade val="50000"/>
+            </a:schemeClr>
+          </a:lnRef>
+          <a:fillRef idx="1">
+            <a:schemeClr val="accent1"/>
+          </a:fillRef>
+          <a:effectRef idx="0">
+            <a:schemeClr val="accent1"/>
+          </a:effectRef>
+          <a:fontRef idx="minor">
+            <a:schemeClr val="lt1"/>
+          </a:fontRef>
+        </p:style>
+        <p:txBody>
+          <a:bodyPr rtlCol="0" anchor="ctr"/>
+          <a:lstStyle/>
+          <a:p>
+            <a:pPr algn="ctr"/>
+            <a:endParaRPr lang="ko-KR" altLang="en-US"/>
+          </a:p>
+        </p:txBody>
+      </p:sp>
+      <p:sp>
+        <p:nvSpPr>
+          <p:cNvPr id="34" name="직사각형 33">
+            <a:extLst>
+              <a:ext uri="{FF2B5EF4-FFF2-40B4-BE49-F238E27FC236}">
+                <a16:creationId xmlns="" xmlns:a16="http://schemas.microsoft.com/office/drawing/2014/main" id="{905EBA1D-24C7-4F00-B3C7-6DEBD568B0FF}"/>
+              </a:ext>
+            </a:extLst>
+          </p:cNvPr>
+          <p:cNvSpPr/>
+          <p:nvPr/>
+        </p:nvSpPr>
+        <p:spPr>
+          <a:xfrm flipH="1">
+            <a:off x="0" y="6418399"/>
+            <a:ext cx="12202119" cy="45719"/>
+          </a:xfrm>
+          <a:prstGeom prst="rect">
+            <a:avLst/>
+          </a:prstGeom>
+          <a:gradFill flip="none" rotWithShape="1">
+            <a:gsLst>
+              <a:gs pos="0">
+                <a:srgbClr val="960000"/>
+              </a:gs>
+              <a:gs pos="40000">
+                <a:srgbClr val="960000"/>
+              </a:gs>
+              <a:gs pos="100000">
+                <a:srgbClr val="191919"/>
+              </a:gs>
+            </a:gsLst>
+            <a:lin ang="0" scaled="1"/>
+            <a:tileRect/>
+          </a:gradFill>
+          <a:ln>
+            <a:noFill/>
+          </a:ln>
+        </p:spPr>
+        <p:style>
+          <a:lnRef idx="2">
+            <a:schemeClr val="accent1">
+              <a:shade val="50000"/>
+            </a:schemeClr>
+          </a:lnRef>
+          <a:fillRef idx="1">
+            <a:schemeClr val="accent1"/>
+          </a:fillRef>
+          <a:effectRef idx="0">
+            <a:schemeClr val="accent1"/>
+          </a:effectRef>
+          <a:fontRef idx="minor">
+            <a:schemeClr val="lt1"/>
+          </a:fontRef>
+        </p:style>
+        <p:txBody>
+          <a:bodyPr rtlCol="0" anchor="ctr"/>
+          <a:lstStyle/>
+          <a:p>
+            <a:pPr algn="ctr"/>
+            <a:endParaRPr lang="ko-KR" altLang="en-US"/>
+          </a:p>
+        </p:txBody>
+      </p:sp>
+      <p:sp>
+        <p:nvSpPr>
+          <p:cNvPr id="2" name="TextBox 1"/>
+          <p:cNvSpPr txBox="1"/>
+          <p:nvPr/>
+        </p:nvSpPr>
+        <p:spPr>
+          <a:xfrm>
+            <a:off x="285749" y="799404"/>
+            <a:ext cx="7120860" cy="461665"/>
+          </a:xfrm>
+          <a:prstGeom prst="rect">
+            <a:avLst/>
+          </a:prstGeom>
+          <a:noFill/>
+        </p:spPr>
+        <p:txBody>
+          <a:bodyPr wrap="none" rtlCol="0">
+            <a:spAutoFit/>
+          </a:bodyPr>
+          <a:lstStyle/>
+          <a:p>
+            <a:r>
+              <a:rPr lang="ko-KR" altLang="en-US" sz="2400" b="1" dirty="0">
+                <a:solidFill>
+                  <a:schemeClr val="bg1"/>
+                </a:solidFill>
+              </a:rPr>
+              <a:t>청소년 도박문제 수준 </a:t>
+            </a:r>
+            <a:r>
+              <a:rPr lang="en-US" altLang="ko-KR" sz="2400" b="1" dirty="0">
+                <a:solidFill>
+                  <a:schemeClr val="bg1"/>
+                </a:solidFill>
+              </a:rPr>
+              <a:t>- </a:t>
+            </a:r>
+            <a:r>
+              <a:rPr lang="ko-KR" altLang="en-US" sz="2400" b="1" dirty="0">
+                <a:solidFill>
+                  <a:schemeClr val="bg1"/>
+                </a:solidFill>
+              </a:rPr>
+              <a:t>청소년 도박중독 </a:t>
+            </a:r>
+            <a:r>
+              <a:rPr lang="ko-KR" altLang="en-US" sz="2400" b="1" dirty="0" smtClean="0">
+                <a:solidFill>
+                  <a:schemeClr val="bg1"/>
+                </a:solidFill>
+              </a:rPr>
+              <a:t>질병통계</a:t>
+            </a:r>
+            <a:endParaRPr lang="ko-KR" altLang="en-US" sz="2400" b="1" dirty="0">
+              <a:solidFill>
+                <a:schemeClr val="bg1"/>
+              </a:solidFill>
+            </a:endParaRPr>
+          </a:p>
+        </p:txBody>
+      </p:sp>
+      <p:pic>
+        <p:nvPicPr>
+          <p:cNvPr id="4" name="그림 3"/>
+          <p:cNvPicPr>
+            <a:picLocks noChangeAspect="1"/>
+          </p:cNvPicPr>
+          <p:nvPr/>
+        </p:nvPicPr>
+        <p:blipFill>
+          <a:blip r:embed="rId2">
+            <a:extLst>
+              <a:ext uri="{28A0092B-C50C-407E-A947-70E740481C1C}">
+                <a14:useLocalDpi xmlns:a14="http://schemas.microsoft.com/office/drawing/2010/main" val="0"/>
+              </a:ext>
+            </a:extLst>
+          </a:blip>
+          <a:stretch>
+            <a:fillRect/>
+          </a:stretch>
+        </p:blipFill>
+        <p:spPr>
+          <a:xfrm>
+            <a:off x="285749" y="2044359"/>
+            <a:ext cx="5619240" cy="4060145"/>
+          </a:xfrm>
+          <a:prstGeom prst="rect">
+            <a:avLst/>
+          </a:prstGeom>
+        </p:spPr>
+      </p:pic>
+      <p:pic>
+        <p:nvPicPr>
+          <p:cNvPr id="6" name="그림 5"/>
+          <p:cNvPicPr>
+            <a:picLocks noChangeAspect="1"/>
+          </p:cNvPicPr>
+          <p:nvPr/>
+        </p:nvPicPr>
+        <p:blipFill>
+          <a:blip r:embed="rId3">
+            <a:extLst>
+              <a:ext uri="{28A0092B-C50C-407E-A947-70E740481C1C}">
+                <a14:useLocalDpi xmlns:a14="http://schemas.microsoft.com/office/drawing/2010/main" val="0"/>
+              </a:ext>
+            </a:extLst>
+          </a:blip>
+          <a:stretch>
+            <a:fillRect/>
+          </a:stretch>
+        </p:blipFill>
+        <p:spPr>
+          <a:xfrm>
+            <a:off x="6187688" y="2643188"/>
+            <a:ext cx="5508451" cy="3105150"/>
+          </a:xfrm>
+          <a:prstGeom prst="rect">
+            <a:avLst/>
+          </a:prstGeom>
+        </p:spPr>
+      </p:pic>
+    </p:spTree>
+    <p:extLst>
+      <p:ext uri="{BB962C8B-B14F-4D97-AF65-F5344CB8AC3E}">
+        <p14:creationId xmlns:p14="http://schemas.microsoft.com/office/powerpoint/2010/main" val="1741353621"/>
       </p:ext>
     </p:extLst>
   </p:cSld>
@@ -14135,8 +13921,8 @@
         </p:nvSpPr>
         <p:spPr>
           <a:xfrm>
-            <a:off x="285749" y="799404"/>
-            <a:ext cx="7120860" cy="461665"/>
+            <a:off x="182718" y="750084"/>
+            <a:ext cx="8432117" cy="461665"/>
           </a:xfrm>
           <a:prstGeom prst="rect">
             <a:avLst/>
@@ -14155,7 +13941,7 @@
                   <a:schemeClr val="bg1"/>
                 </a:solidFill>
               </a:rPr>
-              <a:t>청소년 도박문제 수준 </a:t>
+              <a:t>청소년종합실태조사 </a:t>
             </a:r>
             <a:r>
               <a:rPr lang="en-US" altLang="ko-KR" sz="2400" b="1" dirty="0">
@@ -14171,7 +13957,7 @@
                   <a:schemeClr val="bg1"/>
                 </a:solidFill>
               </a:rPr>
-              <a:t>청소년 도박중독 </a:t>
+              <a:t>도박 문제의 </a:t>
             </a:r>
             <a:r>
               <a:rPr lang="ko-KR" altLang="en-US" sz="2400" b="1" dirty="0" smtClean="0">
@@ -14179,7 +13965,23 @@
                   <a:schemeClr val="bg1"/>
                 </a:solidFill>
               </a:rPr>
-              <a:t>질병통계</a:t>
+              <a:t>심각성</a:t>
+            </a:r>
+            <a:r>
+              <a:rPr lang="en-US" altLang="ko-KR" sz="2400" b="1" dirty="0" smtClean="0">
+                <a:solidFill>
+                  <a:schemeClr val="bg1"/>
+                </a:solidFill>
+              </a:rPr>
+              <a:t>, </a:t>
+            </a:r>
+            <a:r>
+              <a:rPr lang="ko-KR" altLang="en-US" sz="2400" b="1" dirty="0" smtClean="0">
+                <a:solidFill>
+                  <a:schemeClr val="bg1"/>
+                </a:solidFill>
+              </a:rPr>
+              <a:t>청소년들의 인식</a:t>
             </a:r>
             <a:endParaRPr lang="ko-KR" altLang="en-US" sz="2400" b="1" dirty="0">
               <a:solidFill>
@@ -14191,7 +13993,7 @@
       </p:sp>
       <p:pic>
         <p:nvPicPr>
-          <p:cNvPr id="4" name="그림 3"/>
+          <p:cNvPr id="5" name="그림 4"/>
           <p:cNvPicPr>
             <a:picLocks noChangeAspect="1"/>
           </p:cNvPicPr>
@@ -14211,38 +14013,8 @@
         </p:blipFill>
         <p:spPr>
           <a:xfrm>
-            <a:off x="285749" y="2044359"/>
-            <a:ext cx="5619240" cy="4060145"/>
-          </a:xfrm>
-          <a:prstGeom prst="rect">
-            <a:avLst/>
-          </a:prstGeom>
-        </p:spPr>
-      </p:pic>
-      <p:pic>
-        <p:nvPicPr>
-          <p:cNvPr id="6" name="그림 5"/>
-          <p:cNvPicPr>
-            <a:picLocks noChangeAspect="1"/>
-          </p:cNvPicPr>
-          <p:nvPr/>
-        </p:nvPicPr>
-        <p:blipFill>
-          <a:blip r:embed="rId3">
-            <a:extLst>
-              <a:ext uri="{28A0092B-C50C-407E-A947-70E740481C1C}">
-                <a14:useLocalDpi xmlns:a14="http://schemas.microsoft.com/office/drawing/2010/main" val="0"/>
-              </a:ext>
-            </a:extLst>
-          </a:blip>
-          <a:stretch>
-            <a:fillRect/>
-          </a:stretch>
-        </p:blipFill>
-        <p:spPr>
-          <a:xfrm>
-            <a:off x="6187688" y="2643188"/>
-            <a:ext cx="5508451" cy="3105150"/>
+            <a:off x="1682328" y="1509471"/>
+            <a:ext cx="8672286" cy="4775149"/>
           </a:xfrm>
           <a:prstGeom prst="rect">
             <a:avLst/>
@@ -14252,7 +14024,7 @@
     </p:spTree>
     <p:extLst>
       <p:ext uri="{BB962C8B-B14F-4D97-AF65-F5344CB8AC3E}">
-        <p14:creationId xmlns:p14="http://schemas.microsoft.com/office/powerpoint/2010/main" val="1741353621"/>
+        <p14:creationId xmlns:p14="http://schemas.microsoft.com/office/powerpoint/2010/main" val="548581721"/>
       </p:ext>
     </p:extLst>
   </p:cSld>
@@ -14464,7 +14236,7 @@
                   <a:latin typeface="G마켓 산스 Light" panose="02000000000000000000" pitchFamily="50" charset="-127"/>
                   <a:ea typeface="G마켓 산스 Light" panose="02000000000000000000" pitchFamily="50" charset="-127"/>
                 </a:rPr>
-                <a:t>대응방안</a:t>
+                <a:t>실태파악</a:t>
               </a:r>
               <a:endParaRPr lang="ko-KR" altLang="en-US" sz="2400" dirty="0">
                 <a:solidFill>
@@ -14573,7 +14345,7 @@
                   <a:latin typeface="G마켓 산스 Light" panose="02000000000000000000" pitchFamily="50" charset="-127"/>
                   <a:ea typeface="G마켓 산스 Light" panose="02000000000000000000" pitchFamily="50" charset="-127"/>
                 </a:rPr>
-                <a:t>기대효과</a:t>
+                <a:t>대응방안</a:t>
               </a:r>
               <a:endParaRPr lang="ko-KR" altLang="en-US" sz="2400" dirty="0">
                 <a:solidFill>
@@ -14748,7 +14520,7 @@
         </p:nvSpPr>
         <p:spPr>
           <a:xfrm>
-            <a:off x="2347912" y="1785954"/>
+            <a:off x="1407754" y="1632066"/>
             <a:ext cx="1313180" cy="769441"/>
           </a:xfrm>
           <a:prstGeom prst="rect">
@@ -14782,54 +14554,115 @@
           </a:p>
         </p:txBody>
       </p:sp>
-      <p:sp>
-        <p:nvSpPr>
-          <p:cNvPr id="14" name="TextBox 13">
+      <p:grpSp>
+        <p:nvGrpSpPr>
+          <p:cNvPr id="15" name="그룹 14">
             <a:extLst>
               <a:ext uri="{FF2B5EF4-FFF2-40B4-BE49-F238E27FC236}">
-                <a16:creationId xmlns="" xmlns:a16="http://schemas.microsoft.com/office/drawing/2014/main" id="{F98A9C6B-C7C7-4721-861F-2A9CCA3AD0A6}"/>
+                <a16:creationId xmlns="" xmlns:a16="http://schemas.microsoft.com/office/drawing/2014/main" id="{FB7FFCCE-A637-4215-94FC-89D6E2684F1B}"/>
               </a:ext>
             </a:extLst>
           </p:cNvPr>
-          <p:cNvSpPr txBox="1"/>
+          <p:cNvGrpSpPr/>
           <p:nvPr/>
-        </p:nvSpPr>
-        <p:spPr>
+        </p:nvGrpSpPr>
+        <p:grpSpPr>
           <a:xfrm>
-            <a:off x="8305092" y="2628090"/>
-            <a:ext cx="1415772" cy="461665"/>
+            <a:off x="6405228" y="4818080"/>
+            <a:ext cx="2063472" cy="571500"/>
+            <a:chOff x="5448300" y="3095895"/>
+            <a:chExt cx="2063472" cy="571500"/>
           </a:xfrm>
-          <a:prstGeom prst="rect">
-            <a:avLst/>
-          </a:prstGeom>
-          <a:noFill/>
-        </p:spPr>
-        <p:txBody>
-          <a:bodyPr wrap="none" rtlCol="0">
-            <a:spAutoFit/>
-          </a:bodyPr>
-          <a:lstStyle/>
-          <a:p>
-            <a:r>
-              <a:rPr lang="ko-KR" altLang="en-US" sz="2400" dirty="0" smtClean="0">
+        </p:grpSpPr>
+        <p:sp>
+          <p:nvSpPr>
+            <p:cNvPr id="16" name="TextBox 15">
+              <a:extLst>
+                <a:ext uri="{FF2B5EF4-FFF2-40B4-BE49-F238E27FC236}">
+                  <a16:creationId xmlns="" xmlns:a16="http://schemas.microsoft.com/office/drawing/2014/main" id="{419145E1-BF53-462C-BFCD-7E059E4DF99C}"/>
+                </a:ext>
+              </a:extLst>
+            </p:cNvPr>
+            <p:cNvSpPr txBox="1"/>
+            <p:nvPr/>
+          </p:nvSpPr>
+          <p:spPr>
+            <a:xfrm>
+              <a:off x="6096000" y="3150813"/>
+              <a:ext cx="1415772" cy="461665"/>
+            </a:xfrm>
+            <a:prstGeom prst="rect">
+              <a:avLst/>
+            </a:prstGeom>
+            <a:noFill/>
+          </p:spPr>
+          <p:txBody>
+            <a:bodyPr wrap="none" rtlCol="0">
+              <a:spAutoFit/>
+            </a:bodyPr>
+            <a:lstStyle/>
+            <a:p>
+              <a:r>
+                <a:rPr lang="ko-KR" altLang="en-US" sz="2400" dirty="0" smtClean="0">
+                  <a:solidFill>
+                    <a:schemeClr val="bg1"/>
+                  </a:solidFill>
+                  <a:latin typeface="G마켓 산스 Light" panose="02000000000000000000" pitchFamily="50" charset="-127"/>
+                  <a:ea typeface="G마켓 산스 Light" panose="02000000000000000000" pitchFamily="50" charset="-127"/>
+                </a:rPr>
+                <a:t>기대효과</a:t>
+              </a:r>
+              <a:endParaRPr lang="ko-KR" altLang="en-US" sz="2400" dirty="0">
                 <a:solidFill>
                   <a:schemeClr val="bg1"/>
                 </a:solidFill>
                 <a:latin typeface="G마켓 산스 Light" panose="02000000000000000000" pitchFamily="50" charset="-127"/>
                 <a:ea typeface="G마켓 산스 Light" panose="02000000000000000000" pitchFamily="50" charset="-127"/>
-              </a:rPr>
-              <a:t>실태파악</a:t>
-            </a:r>
-            <a:endParaRPr lang="ko-KR" altLang="en-US" sz="2400" dirty="0">
-              <a:solidFill>
-                <a:schemeClr val="bg1"/>
-              </a:solidFill>
-              <a:latin typeface="G마켓 산스 Light" panose="02000000000000000000" pitchFamily="50" charset="-127"/>
-              <a:ea typeface="G마켓 산스 Light" panose="02000000000000000000" pitchFamily="50" charset="-127"/>
-            </a:endParaRPr>
-          </a:p>
-        </p:txBody>
-      </p:sp>
+              </a:endParaRPr>
+            </a:p>
+          </p:txBody>
+        </p:sp>
+        <p:pic>
+          <p:nvPicPr>
+            <p:cNvPr id="17" name="그래픽 12" descr="주머니칼">
+              <a:extLst>
+                <a:ext uri="{FF2B5EF4-FFF2-40B4-BE49-F238E27FC236}">
+                  <a16:creationId xmlns="" xmlns:a16="http://schemas.microsoft.com/office/drawing/2014/main" id="{3F991E75-6564-4697-9A85-D0A9AC8639A9}"/>
+                </a:ext>
+              </a:extLst>
+            </p:cNvPr>
+            <p:cNvPicPr>
+              <a:picLocks noChangeAspect="1"/>
+            </p:cNvPicPr>
+            <p:nvPr/>
+          </p:nvPicPr>
+          <p:blipFill>
+            <a:blip r:embed="rId2" cstate="print">
+              <a:lum bright="100000"/>
+              <a:extLst>
+                <a:ext uri="{28A0092B-C50C-407E-A947-70E740481C1C}">
+                  <a14:useLocalDpi xmlns:a14="http://schemas.microsoft.com/office/drawing/2010/main" val="0"/>
+                </a:ext>
+                <a:ext uri="{96DAC541-7B7A-43D3-8B79-37D633B846F1}">
+                  <asvg:svgBlip xmlns="" xmlns:asvg="http://schemas.microsoft.com/office/drawing/2016/SVG/main" r:embed="rId4"/>
+                </a:ext>
+              </a:extLst>
+            </a:blip>
+            <a:stretch>
+              <a:fillRect/>
+            </a:stretch>
+          </p:blipFill>
+          <p:spPr>
+            <a:xfrm>
+              <a:off x="5448300" y="3095895"/>
+              <a:ext cx="571500" cy="571500"/>
+            </a:xfrm>
+            <a:prstGeom prst="rect">
+              <a:avLst/>
+            </a:prstGeom>
+          </p:spPr>
+        </p:pic>
+      </p:grpSp>
     </p:spTree>
     <p:extLst>
       <p:ext uri="{BB962C8B-B14F-4D97-AF65-F5344CB8AC3E}">
@@ -15019,295 +14852,6 @@
         </p:nvSpPr>
         <p:spPr>
           <a:xfrm>
-            <a:off x="182718" y="750084"/>
-            <a:ext cx="8432117" cy="461665"/>
-          </a:xfrm>
-          <a:prstGeom prst="rect">
-            <a:avLst/>
-          </a:prstGeom>
-          <a:noFill/>
-        </p:spPr>
-        <p:txBody>
-          <a:bodyPr wrap="none" rtlCol="0">
-            <a:spAutoFit/>
-          </a:bodyPr>
-          <a:lstStyle/>
-          <a:p>
-            <a:r>
-              <a:rPr lang="ko-KR" altLang="en-US" sz="2400" b="1" dirty="0">
-                <a:solidFill>
-                  <a:schemeClr val="bg1"/>
-                </a:solidFill>
-              </a:rPr>
-              <a:t>청소년종합실태조사 </a:t>
-            </a:r>
-            <a:r>
-              <a:rPr lang="en-US" altLang="ko-KR" sz="2400" b="1" dirty="0">
-                <a:solidFill>
-                  <a:schemeClr val="bg1"/>
-                </a:solidFill>
-              </a:rPr>
-              <a:t>- </a:t>
-            </a:r>
-            <a:r>
-              <a:rPr lang="ko-KR" altLang="en-US" sz="2400" b="1" dirty="0">
-                <a:solidFill>
-                  <a:schemeClr val="bg1"/>
-                </a:solidFill>
-              </a:rPr>
-              <a:t>도박 문제의 </a:t>
-            </a:r>
-            <a:r>
-              <a:rPr lang="ko-KR" altLang="en-US" sz="2400" b="1" dirty="0" smtClean="0">
-                <a:solidFill>
-                  <a:schemeClr val="bg1"/>
-                </a:solidFill>
-              </a:rPr>
-              <a:t>심각성</a:t>
-            </a:r>
-            <a:r>
-              <a:rPr lang="en-US" altLang="ko-KR" sz="2400" b="1" dirty="0" smtClean="0">
-                <a:solidFill>
-                  <a:schemeClr val="bg1"/>
-                </a:solidFill>
-              </a:rPr>
-              <a:t>, </a:t>
-            </a:r>
-            <a:r>
-              <a:rPr lang="ko-KR" altLang="en-US" sz="2400" b="1" dirty="0" smtClean="0">
-                <a:solidFill>
-                  <a:schemeClr val="bg1"/>
-                </a:solidFill>
-              </a:rPr>
-              <a:t>청소년들의 인식</a:t>
-            </a:r>
-            <a:endParaRPr lang="ko-KR" altLang="en-US" sz="2400" b="1" dirty="0">
-              <a:solidFill>
-                <a:schemeClr val="bg1"/>
-              </a:solidFill>
-            </a:endParaRPr>
-          </a:p>
-        </p:txBody>
-      </p:sp>
-      <p:pic>
-        <p:nvPicPr>
-          <p:cNvPr id="5" name="그림 4"/>
-          <p:cNvPicPr>
-            <a:picLocks noChangeAspect="1"/>
-          </p:cNvPicPr>
-          <p:nvPr/>
-        </p:nvPicPr>
-        <p:blipFill>
-          <a:blip r:embed="rId2">
-            <a:extLst>
-              <a:ext uri="{28A0092B-C50C-407E-A947-70E740481C1C}">
-                <a14:useLocalDpi xmlns:a14="http://schemas.microsoft.com/office/drawing/2010/main" val="0"/>
-              </a:ext>
-            </a:extLst>
-          </a:blip>
-          <a:stretch>
-            <a:fillRect/>
-          </a:stretch>
-        </p:blipFill>
-        <p:spPr>
-          <a:xfrm>
-            <a:off x="1682328" y="1509471"/>
-            <a:ext cx="8672286" cy="4775149"/>
-          </a:xfrm>
-          <a:prstGeom prst="rect">
-            <a:avLst/>
-          </a:prstGeom>
-        </p:spPr>
-      </p:pic>
-    </p:spTree>
-    <p:extLst>
-      <p:ext uri="{BB962C8B-B14F-4D97-AF65-F5344CB8AC3E}">
-        <p14:creationId xmlns:p14="http://schemas.microsoft.com/office/powerpoint/2010/main" val="548581721"/>
-      </p:ext>
-    </p:extLst>
-  </p:cSld>
-  <p:clrMapOvr>
-    <a:masterClrMapping/>
-  </p:clrMapOvr>
-  <mc:AlternateContent xmlns:mc="http://schemas.openxmlformats.org/markup-compatibility/2006" xmlns:p14="http://schemas.microsoft.com/office/powerpoint/2010/main">
-    <mc:Choice Requires="p14">
-      <p:transition spd="slow">
-        <p14:reveal/>
-      </p:transition>
-    </mc:Choice>
-    <mc:Fallback xmlns="">
-      <p:transition spd="slow">
-        <p:fade/>
-      </p:transition>
-    </mc:Fallback>
-  </mc:AlternateContent>
-</p:sld>
-</file>
-
-<file path=ppt/slides/slide21.xml><?xml version="1.0" encoding="utf-8"?>
-<p:sld xmlns:a="http://schemas.openxmlformats.org/drawingml/2006/main" xmlns:r="http://schemas.openxmlformats.org/officeDocument/2006/relationships" xmlns:p="http://schemas.openxmlformats.org/presentationml/2006/main">
-  <p:cSld>
-    <p:bg>
-      <p:bgPr>
-        <a:solidFill>
-          <a:schemeClr val="tx1">
-            <a:lumMod val="85000"/>
-            <a:lumOff val="15000"/>
-          </a:schemeClr>
-        </a:solidFill>
-        <a:effectLst/>
-      </p:bgPr>
-    </p:bg>
-    <p:spTree>
-      <p:nvGrpSpPr>
-        <p:cNvPr id="1" name=""/>
-        <p:cNvGrpSpPr/>
-        <p:nvPr/>
-      </p:nvGrpSpPr>
-      <p:grpSpPr>
-        <a:xfrm>
-          <a:off x="0" y="0"/>
-          <a:ext cx="0" cy="0"/>
-          <a:chOff x="0" y="0"/>
-          <a:chExt cx="0" cy="0"/>
-        </a:xfrm>
-      </p:grpSpPr>
-      <p:sp>
-        <p:nvSpPr>
-          <p:cNvPr id="33" name="직사각형 32">
-            <a:extLst>
-              <a:ext uri="{FF2B5EF4-FFF2-40B4-BE49-F238E27FC236}">
-                <a16:creationId xmlns="" xmlns:a16="http://schemas.microsoft.com/office/drawing/2014/main" id="{071BD9A8-937E-4838-8166-AB56E628827A}"/>
-              </a:ext>
-            </a:extLst>
-          </p:cNvPr>
-          <p:cNvSpPr/>
-          <p:nvPr/>
-        </p:nvSpPr>
-        <p:spPr>
-          <a:xfrm>
-            <a:off x="-10120" y="341029"/>
-            <a:ext cx="12202119" cy="45719"/>
-          </a:xfrm>
-          <a:prstGeom prst="rect">
-            <a:avLst/>
-          </a:prstGeom>
-          <a:gradFill flip="none" rotWithShape="1">
-            <a:gsLst>
-              <a:gs pos="0">
-                <a:srgbClr val="960000"/>
-              </a:gs>
-              <a:gs pos="40000">
-                <a:srgbClr val="960000"/>
-              </a:gs>
-              <a:gs pos="100000">
-                <a:srgbClr val="191919"/>
-              </a:gs>
-            </a:gsLst>
-            <a:lin ang="0" scaled="1"/>
-            <a:tileRect/>
-          </a:gradFill>
-          <a:ln>
-            <a:noFill/>
-          </a:ln>
-        </p:spPr>
-        <p:style>
-          <a:lnRef idx="2">
-            <a:schemeClr val="accent1">
-              <a:shade val="50000"/>
-            </a:schemeClr>
-          </a:lnRef>
-          <a:fillRef idx="1">
-            <a:schemeClr val="accent1"/>
-          </a:fillRef>
-          <a:effectRef idx="0">
-            <a:schemeClr val="accent1"/>
-          </a:effectRef>
-          <a:fontRef idx="minor">
-            <a:schemeClr val="lt1"/>
-          </a:fontRef>
-        </p:style>
-        <p:txBody>
-          <a:bodyPr rtlCol="0" anchor="ctr"/>
-          <a:lstStyle/>
-          <a:p>
-            <a:pPr algn="ctr"/>
-            <a:endParaRPr lang="ko-KR" altLang="en-US"/>
-          </a:p>
-        </p:txBody>
-      </p:sp>
-      <p:sp>
-        <p:nvSpPr>
-          <p:cNvPr id="34" name="직사각형 33">
-            <a:extLst>
-              <a:ext uri="{FF2B5EF4-FFF2-40B4-BE49-F238E27FC236}">
-                <a16:creationId xmlns="" xmlns:a16="http://schemas.microsoft.com/office/drawing/2014/main" id="{905EBA1D-24C7-4F00-B3C7-6DEBD568B0FF}"/>
-              </a:ext>
-            </a:extLst>
-          </p:cNvPr>
-          <p:cNvSpPr/>
-          <p:nvPr/>
-        </p:nvSpPr>
-        <p:spPr>
-          <a:xfrm flipH="1">
-            <a:off x="0" y="6418399"/>
-            <a:ext cx="12202119" cy="45719"/>
-          </a:xfrm>
-          <a:prstGeom prst="rect">
-            <a:avLst/>
-          </a:prstGeom>
-          <a:gradFill flip="none" rotWithShape="1">
-            <a:gsLst>
-              <a:gs pos="0">
-                <a:srgbClr val="960000"/>
-              </a:gs>
-              <a:gs pos="40000">
-                <a:srgbClr val="960000"/>
-              </a:gs>
-              <a:gs pos="100000">
-                <a:srgbClr val="191919"/>
-              </a:gs>
-            </a:gsLst>
-            <a:lin ang="0" scaled="1"/>
-            <a:tileRect/>
-          </a:gradFill>
-          <a:ln>
-            <a:noFill/>
-          </a:ln>
-        </p:spPr>
-        <p:style>
-          <a:lnRef idx="2">
-            <a:schemeClr val="accent1">
-              <a:shade val="50000"/>
-            </a:schemeClr>
-          </a:lnRef>
-          <a:fillRef idx="1">
-            <a:schemeClr val="accent1"/>
-          </a:fillRef>
-          <a:effectRef idx="0">
-            <a:schemeClr val="accent1"/>
-          </a:effectRef>
-          <a:fontRef idx="minor">
-            <a:schemeClr val="lt1"/>
-          </a:fontRef>
-        </p:style>
-        <p:txBody>
-          <a:bodyPr rtlCol="0" anchor="ctr"/>
-          <a:lstStyle/>
-          <a:p>
-            <a:pPr algn="ctr"/>
-            <a:endParaRPr lang="ko-KR" altLang="en-US"/>
-          </a:p>
-        </p:txBody>
-      </p:sp>
-      <p:sp>
-        <p:nvSpPr>
-          <p:cNvPr id="2" name="TextBox 1"/>
-          <p:cNvSpPr txBox="1"/>
-          <p:nvPr/>
-        </p:nvSpPr>
-        <p:spPr>
-          <a:xfrm>
             <a:off x="463640" y="2710076"/>
             <a:ext cx="4095993" cy="461665"/>
           </a:xfrm>
@@ -15477,7 +15021,7 @@
 </p:sld>
 </file>
 
-<file path=ppt/slides/slide22.xml><?xml version="1.0" encoding="utf-8"?>
+<file path=ppt/slides/slide21.xml><?xml version="1.0" encoding="utf-8"?>
 <p:sld xmlns:a="http://schemas.openxmlformats.org/drawingml/2006/main" xmlns:r="http://schemas.openxmlformats.org/officeDocument/2006/relationships" xmlns:p="http://schemas.openxmlformats.org/presentationml/2006/main">
   <p:cSld>
     <p:bg>
@@ -15799,7 +15343,7 @@
 </p:sld>
 </file>
 
-<file path=ppt/slides/slide23.xml><?xml version="1.0" encoding="utf-8"?>
+<file path=ppt/slides/slide22.xml><?xml version="1.0" encoding="utf-8"?>
 <p:sld xmlns:a="http://schemas.openxmlformats.org/drawingml/2006/main" xmlns:r="http://schemas.openxmlformats.org/officeDocument/2006/relationships" xmlns:p="http://schemas.openxmlformats.org/presentationml/2006/main">
   <p:cSld>
     <p:bg>
@@ -16385,7 +15929,7 @@
 </p:sld>
 </file>
 
-<file path=ppt/slides/slide24.xml><?xml version="1.0" encoding="utf-8"?>
+<file path=ppt/slides/slide23.xml><?xml version="1.0" encoding="utf-8"?>
 <p:sld xmlns:a="http://schemas.openxmlformats.org/drawingml/2006/main" xmlns:r="http://schemas.openxmlformats.org/officeDocument/2006/relationships" xmlns:p="http://schemas.openxmlformats.org/presentationml/2006/main">
   <p:cSld>
     <p:bg>
@@ -16707,7 +16251,7 @@
 </p:sld>
 </file>
 
-<file path=ppt/slides/slide25.xml><?xml version="1.0" encoding="utf-8"?>
+<file path=ppt/slides/slide24.xml><?xml version="1.0" encoding="utf-8"?>
 <p:sld xmlns:a="http://schemas.openxmlformats.org/drawingml/2006/main" xmlns:r="http://schemas.openxmlformats.org/officeDocument/2006/relationships" xmlns:p="http://schemas.openxmlformats.org/presentationml/2006/main">
   <p:cSld>
     <p:bg>
@@ -17187,7 +16731,7 @@
 </p:sld>
 </file>
 
-<file path=ppt/slides/slide26.xml><?xml version="1.0" encoding="utf-8"?>
+<file path=ppt/slides/slide25.xml><?xml version="1.0" encoding="utf-8"?>
 <p:sld xmlns:a="http://schemas.openxmlformats.org/drawingml/2006/main" xmlns:r="http://schemas.openxmlformats.org/officeDocument/2006/relationships" xmlns:p="http://schemas.openxmlformats.org/presentationml/2006/main">
   <p:cSld>
     <p:bg>
@@ -17360,538 +16904,6 @@
     <p:bg>
       <p:bgPr>
         <a:solidFill>
-          <a:srgbClr val="191919"/>
-        </a:solidFill>
-        <a:effectLst/>
-      </p:bgPr>
-    </p:bg>
-    <p:spTree>
-      <p:nvGrpSpPr>
-        <p:cNvPr id="1" name=""/>
-        <p:cNvGrpSpPr/>
-        <p:nvPr/>
-      </p:nvGrpSpPr>
-      <p:grpSpPr>
-        <a:xfrm>
-          <a:off x="0" y="0"/>
-          <a:ext cx="0" cy="0"/>
-          <a:chOff x="0" y="0"/>
-          <a:chExt cx="0" cy="0"/>
-        </a:xfrm>
-      </p:grpSpPr>
-      <p:sp>
-        <p:nvSpPr>
-          <p:cNvPr id="4" name="타원 3">
-            <a:extLst>
-              <a:ext uri="{FF2B5EF4-FFF2-40B4-BE49-F238E27FC236}">
-                <a16:creationId xmlns="" xmlns:a16="http://schemas.microsoft.com/office/drawing/2014/main" id="{E27690EE-8092-4D35-B8C7-0D57A56B1CD5}"/>
-              </a:ext>
-            </a:extLst>
-          </p:cNvPr>
-          <p:cNvSpPr/>
-          <p:nvPr/>
-        </p:nvSpPr>
-        <p:spPr>
-          <a:xfrm>
-            <a:off x="1267999" y="2444036"/>
-            <a:ext cx="2486025" cy="2486025"/>
-          </a:xfrm>
-          <a:prstGeom prst="ellipse">
-            <a:avLst/>
-          </a:prstGeom>
-          <a:solidFill>
-            <a:schemeClr val="bg2">
-              <a:lumMod val="75000"/>
-            </a:schemeClr>
-          </a:solidFill>
-          <a:ln>
-            <a:noFill/>
-          </a:ln>
-        </p:spPr>
-        <p:style>
-          <a:lnRef idx="2">
-            <a:schemeClr val="accent1">
-              <a:shade val="50000"/>
-            </a:schemeClr>
-          </a:lnRef>
-          <a:fillRef idx="1">
-            <a:schemeClr val="accent1"/>
-          </a:fillRef>
-          <a:effectRef idx="0">
-            <a:schemeClr val="accent1"/>
-          </a:effectRef>
-          <a:fontRef idx="minor">
-            <a:schemeClr val="lt1"/>
-          </a:fontRef>
-        </p:style>
-        <p:txBody>
-          <a:bodyPr rtlCol="0" anchor="ctr"/>
-          <a:lstStyle/>
-          <a:p>
-            <a:pPr algn="ctr"/>
-            <a:r>
-              <a:rPr lang="ko-KR" altLang="en-US" b="1" dirty="0" smtClean="0">
-                <a:solidFill>
-                  <a:schemeClr val="tx1"/>
-                </a:solidFill>
-                <a:latin typeface="G마켓 산스 Light" panose="02000000000000000000" pitchFamily="50" charset="-127"/>
-                <a:ea typeface="G마켓 산스 Light" panose="02000000000000000000" pitchFamily="50" charset="-127"/>
-              </a:rPr>
-              <a:t>문제제기</a:t>
-            </a:r>
-            <a:endParaRPr lang="ko-KR" altLang="en-US" b="1" dirty="0">
-              <a:solidFill>
-                <a:schemeClr val="tx1"/>
-              </a:solidFill>
-              <a:latin typeface="G마켓 산스 Light" panose="02000000000000000000" pitchFamily="50" charset="-127"/>
-              <a:ea typeface="G마켓 산스 Light" panose="02000000000000000000" pitchFamily="50" charset="-127"/>
-            </a:endParaRPr>
-          </a:p>
-        </p:txBody>
-      </p:sp>
-      <p:sp>
-        <p:nvSpPr>
-          <p:cNvPr id="5" name="타원 4">
-            <a:extLst>
-              <a:ext uri="{FF2B5EF4-FFF2-40B4-BE49-F238E27FC236}">
-                <a16:creationId xmlns="" xmlns:a16="http://schemas.microsoft.com/office/drawing/2014/main" id="{D665B728-FD3B-4B09-9EE6-5F8AE33BAA1D}"/>
-              </a:ext>
-            </a:extLst>
-          </p:cNvPr>
-          <p:cNvSpPr/>
-          <p:nvPr/>
-        </p:nvSpPr>
-        <p:spPr>
-          <a:xfrm>
-            <a:off x="4851024" y="2444035"/>
-            <a:ext cx="2486025" cy="2486025"/>
-          </a:xfrm>
-          <a:prstGeom prst="ellipse">
-            <a:avLst/>
-          </a:prstGeom>
-          <a:solidFill>
-            <a:schemeClr val="bg2">
-              <a:lumMod val="75000"/>
-            </a:schemeClr>
-          </a:solidFill>
-          <a:ln>
-            <a:noFill/>
-          </a:ln>
-        </p:spPr>
-        <p:style>
-          <a:lnRef idx="2">
-            <a:schemeClr val="accent1">
-              <a:shade val="50000"/>
-            </a:schemeClr>
-          </a:lnRef>
-          <a:fillRef idx="1">
-            <a:schemeClr val="accent1"/>
-          </a:fillRef>
-          <a:effectRef idx="0">
-            <a:schemeClr val="accent1"/>
-          </a:effectRef>
-          <a:fontRef idx="minor">
-            <a:schemeClr val="lt1"/>
-          </a:fontRef>
-        </p:style>
-        <p:txBody>
-          <a:bodyPr rtlCol="0" anchor="ctr"/>
-          <a:lstStyle/>
-          <a:p>
-            <a:pPr algn="ctr"/>
-            <a:r>
-              <a:rPr lang="ko-KR" altLang="en-US" b="1" dirty="0" smtClean="0">
-                <a:solidFill>
-                  <a:schemeClr val="tx1"/>
-                </a:solidFill>
-                <a:latin typeface="G마켓 산스 Light" panose="02000000000000000000" pitchFamily="50" charset="-127"/>
-                <a:ea typeface="G마켓 산스 Light" panose="02000000000000000000" pitchFamily="50" charset="-127"/>
-              </a:rPr>
-              <a:t>실행방안</a:t>
-            </a:r>
-            <a:endParaRPr lang="ko-KR" altLang="en-US" b="1" dirty="0">
-              <a:solidFill>
-                <a:schemeClr val="tx1"/>
-              </a:solidFill>
-              <a:latin typeface="G마켓 산스 Light" panose="02000000000000000000" pitchFamily="50" charset="-127"/>
-              <a:ea typeface="G마켓 산스 Light" panose="02000000000000000000" pitchFamily="50" charset="-127"/>
-            </a:endParaRPr>
-          </a:p>
-        </p:txBody>
-      </p:sp>
-      <p:sp>
-        <p:nvSpPr>
-          <p:cNvPr id="6" name="타원 5">
-            <a:extLst>
-              <a:ext uri="{FF2B5EF4-FFF2-40B4-BE49-F238E27FC236}">
-                <a16:creationId xmlns="" xmlns:a16="http://schemas.microsoft.com/office/drawing/2014/main" id="{21B141F8-F067-4236-97FD-824B6351D0FD}"/>
-              </a:ext>
-            </a:extLst>
-          </p:cNvPr>
-          <p:cNvSpPr/>
-          <p:nvPr/>
-        </p:nvSpPr>
-        <p:spPr>
-          <a:xfrm>
-            <a:off x="8434049" y="2444036"/>
-            <a:ext cx="2486025" cy="2486025"/>
-          </a:xfrm>
-          <a:prstGeom prst="ellipse">
-            <a:avLst/>
-          </a:prstGeom>
-          <a:solidFill>
-            <a:schemeClr val="bg2">
-              <a:lumMod val="75000"/>
-            </a:schemeClr>
-          </a:solidFill>
-          <a:ln>
-            <a:noFill/>
-          </a:ln>
-        </p:spPr>
-        <p:style>
-          <a:lnRef idx="2">
-            <a:schemeClr val="accent1">
-              <a:shade val="50000"/>
-            </a:schemeClr>
-          </a:lnRef>
-          <a:fillRef idx="1">
-            <a:schemeClr val="accent1"/>
-          </a:fillRef>
-          <a:effectRef idx="0">
-            <a:schemeClr val="accent1"/>
-          </a:effectRef>
-          <a:fontRef idx="minor">
-            <a:schemeClr val="lt1"/>
-          </a:fontRef>
-        </p:style>
-        <p:txBody>
-          <a:bodyPr rtlCol="0" anchor="ctr"/>
-          <a:lstStyle/>
-          <a:p>
-            <a:pPr algn="ctr"/>
-            <a:r>
-              <a:rPr lang="ko-KR" altLang="en-US" b="1" dirty="0" smtClean="0">
-                <a:solidFill>
-                  <a:schemeClr val="tx1"/>
-                </a:solidFill>
-                <a:latin typeface="G마켓 산스 Light" panose="02000000000000000000" pitchFamily="50" charset="-127"/>
-                <a:ea typeface="G마켓 산스 Light" panose="02000000000000000000" pitchFamily="50" charset="-127"/>
-              </a:rPr>
-              <a:t>기대효과</a:t>
-            </a:r>
-            <a:endParaRPr lang="ko-KR" altLang="en-US" b="1" dirty="0">
-              <a:solidFill>
-                <a:schemeClr val="tx1"/>
-              </a:solidFill>
-              <a:latin typeface="G마켓 산스 Light" panose="02000000000000000000" pitchFamily="50" charset="-127"/>
-              <a:ea typeface="G마켓 산스 Light" panose="02000000000000000000" pitchFamily="50" charset="-127"/>
-            </a:endParaRPr>
-          </a:p>
-        </p:txBody>
-      </p:sp>
-      <p:sp>
-        <p:nvSpPr>
-          <p:cNvPr id="27" name="직사각형 26">
-            <a:extLst>
-              <a:ext uri="{FF2B5EF4-FFF2-40B4-BE49-F238E27FC236}">
-                <a16:creationId xmlns="" xmlns:a16="http://schemas.microsoft.com/office/drawing/2014/main" id="{FED0293B-0556-4D7F-B828-5A6A8615381E}"/>
-              </a:ext>
-            </a:extLst>
-          </p:cNvPr>
-          <p:cNvSpPr/>
-          <p:nvPr/>
-        </p:nvSpPr>
-        <p:spPr>
-          <a:xfrm flipH="1">
-            <a:off x="0" y="6418399"/>
-            <a:ext cx="12202119" cy="45719"/>
-          </a:xfrm>
-          <a:prstGeom prst="rect">
-            <a:avLst/>
-          </a:prstGeom>
-          <a:gradFill flip="none" rotWithShape="1">
-            <a:gsLst>
-              <a:gs pos="0">
-                <a:srgbClr val="960000"/>
-              </a:gs>
-              <a:gs pos="40000">
-                <a:srgbClr val="960000"/>
-              </a:gs>
-              <a:gs pos="100000">
-                <a:srgbClr val="191919"/>
-              </a:gs>
-            </a:gsLst>
-            <a:lin ang="0" scaled="1"/>
-            <a:tileRect/>
-          </a:gradFill>
-          <a:ln>
-            <a:noFill/>
-          </a:ln>
-        </p:spPr>
-        <p:style>
-          <a:lnRef idx="2">
-            <a:schemeClr val="accent1">
-              <a:shade val="50000"/>
-            </a:schemeClr>
-          </a:lnRef>
-          <a:fillRef idx="1">
-            <a:schemeClr val="accent1"/>
-          </a:fillRef>
-          <a:effectRef idx="0">
-            <a:schemeClr val="accent1"/>
-          </a:effectRef>
-          <a:fontRef idx="minor">
-            <a:schemeClr val="lt1"/>
-          </a:fontRef>
-        </p:style>
-        <p:txBody>
-          <a:bodyPr rtlCol="0" anchor="ctr"/>
-          <a:lstStyle/>
-          <a:p>
-            <a:pPr algn="ctr"/>
-            <a:endParaRPr lang="ko-KR" altLang="en-US"/>
-          </a:p>
-        </p:txBody>
-      </p:sp>
-      <p:sp>
-        <p:nvSpPr>
-          <p:cNvPr id="28" name="직사각형 27">
-            <a:extLst>
-              <a:ext uri="{FF2B5EF4-FFF2-40B4-BE49-F238E27FC236}">
-                <a16:creationId xmlns="" xmlns:a16="http://schemas.microsoft.com/office/drawing/2014/main" id="{B0C52CF5-786F-4ADC-A8B1-03A50BBE3ACA}"/>
-              </a:ext>
-            </a:extLst>
-          </p:cNvPr>
-          <p:cNvSpPr/>
-          <p:nvPr/>
-        </p:nvSpPr>
-        <p:spPr>
-          <a:xfrm>
-            <a:off x="-10120" y="341029"/>
-            <a:ext cx="12202119" cy="45719"/>
-          </a:xfrm>
-          <a:prstGeom prst="rect">
-            <a:avLst/>
-          </a:prstGeom>
-          <a:gradFill flip="none" rotWithShape="1">
-            <a:gsLst>
-              <a:gs pos="0">
-                <a:srgbClr val="960000"/>
-              </a:gs>
-              <a:gs pos="40000">
-                <a:srgbClr val="960000"/>
-              </a:gs>
-              <a:gs pos="100000">
-                <a:srgbClr val="191919"/>
-              </a:gs>
-            </a:gsLst>
-            <a:lin ang="0" scaled="1"/>
-            <a:tileRect/>
-          </a:gradFill>
-          <a:ln>
-            <a:noFill/>
-          </a:ln>
-        </p:spPr>
-        <p:style>
-          <a:lnRef idx="2">
-            <a:schemeClr val="accent1">
-              <a:shade val="50000"/>
-            </a:schemeClr>
-          </a:lnRef>
-          <a:fillRef idx="1">
-            <a:schemeClr val="accent1"/>
-          </a:fillRef>
-          <a:effectRef idx="0">
-            <a:schemeClr val="accent1"/>
-          </a:effectRef>
-          <a:fontRef idx="minor">
-            <a:schemeClr val="lt1"/>
-          </a:fontRef>
-        </p:style>
-        <p:txBody>
-          <a:bodyPr rtlCol="0" anchor="ctr"/>
-          <a:lstStyle/>
-          <a:p>
-            <a:pPr algn="ctr"/>
-            <a:endParaRPr lang="ko-KR" altLang="en-US"/>
-          </a:p>
-        </p:txBody>
-      </p:sp>
-      <p:sp>
-        <p:nvSpPr>
-          <p:cNvPr id="20" name="TextBox 19">
-            <a:extLst>
-              <a:ext uri="{FF2B5EF4-FFF2-40B4-BE49-F238E27FC236}">
-                <a16:creationId xmlns="" xmlns:a16="http://schemas.microsoft.com/office/drawing/2014/main" id="{F98A9C6B-C7C7-4721-861F-2A9CCA3AD0A6}"/>
-              </a:ext>
-            </a:extLst>
-          </p:cNvPr>
-          <p:cNvSpPr txBox="1"/>
-          <p:nvPr/>
-        </p:nvSpPr>
-        <p:spPr>
-          <a:xfrm>
-            <a:off x="837220" y="973076"/>
-            <a:ext cx="1313180" cy="769441"/>
-          </a:xfrm>
-          <a:prstGeom prst="rect">
-            <a:avLst/>
-          </a:prstGeom>
-          <a:noFill/>
-        </p:spPr>
-        <p:txBody>
-          <a:bodyPr wrap="none" rtlCol="0">
-            <a:spAutoFit/>
-          </a:bodyPr>
-          <a:lstStyle/>
-          <a:p>
-            <a:r>
-              <a:rPr lang="ko-KR" altLang="en-US" sz="4400" b="1" smtClean="0">
-                <a:solidFill>
-                  <a:schemeClr val="bg1"/>
-                </a:solidFill>
-                <a:latin typeface="G마켓 산스 Light" panose="02000000000000000000" pitchFamily="50" charset="-127"/>
-                <a:ea typeface="G마켓 산스 Light" panose="02000000000000000000" pitchFamily="50" charset="-127"/>
-              </a:rPr>
-              <a:t>목차</a:t>
-            </a:r>
-            <a:endParaRPr lang="ko-KR" altLang="en-US" sz="4400" b="1" dirty="0">
-              <a:solidFill>
-                <a:schemeClr val="bg1"/>
-              </a:solidFill>
-              <a:latin typeface="G마켓 산스 Light" panose="02000000000000000000" pitchFamily="50" charset="-127"/>
-              <a:ea typeface="G마켓 산스 Light" panose="02000000000000000000" pitchFamily="50" charset="-127"/>
-            </a:endParaRPr>
-          </a:p>
-        </p:txBody>
-      </p:sp>
-      <p:sp>
-        <p:nvSpPr>
-          <p:cNvPr id="2" name="오른쪽 화살표 1"/>
-          <p:cNvSpPr/>
-          <p:nvPr/>
-        </p:nvSpPr>
-        <p:spPr>
-          <a:xfrm>
-            <a:off x="4043966" y="3503054"/>
-            <a:ext cx="425003" cy="270456"/>
-          </a:xfrm>
-          <a:prstGeom prst="rightArrow">
-            <a:avLst/>
-          </a:prstGeom>
-          <a:solidFill>
-            <a:schemeClr val="bg1"/>
-          </a:solidFill>
-          <a:ln>
-            <a:solidFill>
-              <a:schemeClr val="bg1"/>
-            </a:solidFill>
-          </a:ln>
-        </p:spPr>
-        <p:style>
-          <a:lnRef idx="2">
-            <a:schemeClr val="accent1">
-              <a:shade val="50000"/>
-            </a:schemeClr>
-          </a:lnRef>
-          <a:fillRef idx="1">
-            <a:schemeClr val="accent1"/>
-          </a:fillRef>
-          <a:effectRef idx="0">
-            <a:schemeClr val="accent1"/>
-          </a:effectRef>
-          <a:fontRef idx="minor">
-            <a:schemeClr val="lt1"/>
-          </a:fontRef>
-        </p:style>
-        <p:txBody>
-          <a:bodyPr rtlCol="0" anchor="ctr"/>
-          <a:lstStyle/>
-          <a:p>
-            <a:pPr algn="ctr"/>
-            <a:endParaRPr lang="ko-KR" altLang="en-US"/>
-          </a:p>
-        </p:txBody>
-      </p:sp>
-      <p:sp>
-        <p:nvSpPr>
-          <p:cNvPr id="9" name="오른쪽 화살표 8"/>
-          <p:cNvSpPr/>
-          <p:nvPr/>
-        </p:nvSpPr>
-        <p:spPr>
-          <a:xfrm>
-            <a:off x="7719104" y="3490175"/>
-            <a:ext cx="425003" cy="270456"/>
-          </a:xfrm>
-          <a:prstGeom prst="rightArrow">
-            <a:avLst/>
-          </a:prstGeom>
-          <a:solidFill>
-            <a:schemeClr val="bg1"/>
-          </a:solidFill>
-          <a:ln>
-            <a:solidFill>
-              <a:schemeClr val="bg1"/>
-            </a:solidFill>
-          </a:ln>
-        </p:spPr>
-        <p:style>
-          <a:lnRef idx="2">
-            <a:schemeClr val="accent1">
-              <a:shade val="50000"/>
-            </a:schemeClr>
-          </a:lnRef>
-          <a:fillRef idx="1">
-            <a:schemeClr val="accent1"/>
-          </a:fillRef>
-          <a:effectRef idx="0">
-            <a:schemeClr val="accent1"/>
-          </a:effectRef>
-          <a:fontRef idx="minor">
-            <a:schemeClr val="lt1"/>
-          </a:fontRef>
-        </p:style>
-        <p:txBody>
-          <a:bodyPr rtlCol="0" anchor="ctr"/>
-          <a:lstStyle/>
-          <a:p>
-            <a:pPr algn="ctr"/>
-            <a:endParaRPr lang="ko-KR" altLang="en-US"/>
-          </a:p>
-        </p:txBody>
-      </p:sp>
-    </p:spTree>
-    <p:extLst>
-      <p:ext uri="{BB962C8B-B14F-4D97-AF65-F5344CB8AC3E}">
-        <p14:creationId xmlns:p14="http://schemas.microsoft.com/office/powerpoint/2010/main" val="2311835725"/>
-      </p:ext>
-    </p:extLst>
-  </p:cSld>
-  <p:clrMapOvr>
-    <a:masterClrMapping/>
-  </p:clrMapOvr>
-  <mc:AlternateContent xmlns:mc="http://schemas.openxmlformats.org/markup-compatibility/2006" xmlns:p14="http://schemas.microsoft.com/office/powerpoint/2010/main">
-    <mc:Choice Requires="p14">
-      <p:transition spd="slow">
-        <p14:reveal/>
-      </p:transition>
-    </mc:Choice>
-    <mc:Fallback xmlns="">
-      <p:transition spd="slow">
-        <p:fade/>
-      </p:transition>
-    </mc:Fallback>
-  </mc:AlternateContent>
-</p:sld>
-</file>
-
-<file path=ppt/slides/slide4.xml><?xml version="1.0" encoding="utf-8"?>
-<p:sld xmlns:a="http://schemas.openxmlformats.org/drawingml/2006/main" xmlns:r="http://schemas.openxmlformats.org/officeDocument/2006/relationships" xmlns:p="http://schemas.openxmlformats.org/presentationml/2006/main">
-  <p:cSld>
-    <p:bg>
-      <p:bgPr>
-        <a:solidFill>
           <a:schemeClr val="tx1">
             <a:lumMod val="85000"/>
             <a:lumOff val="15000"/>
@@ -18208,7 +17220,7 @@
 </p:sld>
 </file>
 
-<file path=ppt/slides/slide5.xml><?xml version="1.0" encoding="utf-8"?>
+<file path=ppt/slides/slide4.xml><?xml version="1.0" encoding="utf-8"?>
 <p:sld xmlns:a="http://schemas.openxmlformats.org/drawingml/2006/main" xmlns:r="http://schemas.openxmlformats.org/officeDocument/2006/relationships" xmlns:p="http://schemas.openxmlformats.org/presentationml/2006/main">
   <p:cSld>
     <p:bg>
@@ -18657,7 +17669,7 @@
 </p:sld>
 </file>
 
-<file path=ppt/slides/slide6.xml><?xml version="1.0" encoding="utf-8"?>
+<file path=ppt/slides/slide5.xml><?xml version="1.0" encoding="utf-8"?>
 <p:sld xmlns:a="http://schemas.openxmlformats.org/drawingml/2006/main" xmlns:r="http://schemas.openxmlformats.org/officeDocument/2006/relationships" xmlns:p="http://schemas.openxmlformats.org/presentationml/2006/main">
   <p:cSld>
     <p:bg>
@@ -19216,7 +18228,7 @@
 </p:sld>
 </file>
 
-<file path=ppt/slides/slide7.xml><?xml version="1.0" encoding="utf-8"?>
+<file path=ppt/slides/slide6.xml><?xml version="1.0" encoding="utf-8"?>
 <p:sld xmlns:a="http://schemas.openxmlformats.org/drawingml/2006/main" xmlns:r="http://schemas.openxmlformats.org/officeDocument/2006/relationships" xmlns:p="http://schemas.openxmlformats.org/presentationml/2006/main">
   <p:cSld>
     <p:bg>
@@ -19821,7 +18833,7 @@
 </p:sld>
 </file>
 
-<file path=ppt/slides/slide8.xml><?xml version="1.0" encoding="utf-8"?>
+<file path=ppt/slides/slide7.xml><?xml version="1.0" encoding="utf-8"?>
 <p:sld xmlns:a="http://schemas.openxmlformats.org/drawingml/2006/main" xmlns:r="http://schemas.openxmlformats.org/officeDocument/2006/relationships" xmlns:p="http://schemas.openxmlformats.org/presentationml/2006/main">
   <p:cSld>
     <p:bg>
@@ -20336,7 +19348,7 @@
 </p:sld>
 </file>
 
-<file path=ppt/slides/slide9.xml><?xml version="1.0" encoding="utf-8"?>
+<file path=ppt/slides/slide8.xml><?xml version="1.0" encoding="utf-8"?>
 <p:sld xmlns:a="http://schemas.openxmlformats.org/drawingml/2006/main" xmlns:r="http://schemas.openxmlformats.org/officeDocument/2006/relationships" xmlns:p="http://schemas.openxmlformats.org/presentationml/2006/main">
   <p:cSld>
     <p:bg>
@@ -21067,6 +20079,441 @@
     <p:extLst>
       <p:ext uri="{BB962C8B-B14F-4D97-AF65-F5344CB8AC3E}">
         <p14:creationId xmlns:p14="http://schemas.microsoft.com/office/powerpoint/2010/main" val="3327960741"/>
+      </p:ext>
+    </p:extLst>
+  </p:cSld>
+  <p:clrMapOvr>
+    <a:masterClrMapping/>
+  </p:clrMapOvr>
+  <mc:AlternateContent xmlns:mc="http://schemas.openxmlformats.org/markup-compatibility/2006" xmlns:p14="http://schemas.microsoft.com/office/powerpoint/2010/main">
+    <mc:Choice Requires="p14">
+      <p:transition spd="slow">
+        <p14:reveal/>
+      </p:transition>
+    </mc:Choice>
+    <mc:Fallback xmlns="">
+      <p:transition spd="slow">
+        <p:fade/>
+      </p:transition>
+    </mc:Fallback>
+  </mc:AlternateContent>
+</p:sld>
+</file>
+
+<file path=ppt/slides/slide9.xml><?xml version="1.0" encoding="utf-8"?>
+<p:sld xmlns:a="http://schemas.openxmlformats.org/drawingml/2006/main" xmlns:r="http://schemas.openxmlformats.org/officeDocument/2006/relationships" xmlns:p="http://schemas.openxmlformats.org/presentationml/2006/main">
+  <p:cSld>
+    <p:bg>
+      <p:bgPr>
+        <a:solidFill>
+          <a:schemeClr val="tx1">
+            <a:lumMod val="85000"/>
+            <a:lumOff val="15000"/>
+          </a:schemeClr>
+        </a:solidFill>
+        <a:effectLst/>
+      </p:bgPr>
+    </p:bg>
+    <p:spTree>
+      <p:nvGrpSpPr>
+        <p:cNvPr id="1" name=""/>
+        <p:cNvGrpSpPr/>
+        <p:nvPr/>
+      </p:nvGrpSpPr>
+      <p:grpSpPr>
+        <a:xfrm>
+          <a:off x="0" y="0"/>
+          <a:ext cx="0" cy="0"/>
+          <a:chOff x="0" y="0"/>
+          <a:chExt cx="0" cy="0"/>
+        </a:xfrm>
+      </p:grpSpPr>
+      <p:sp>
+        <p:nvSpPr>
+          <p:cNvPr id="33" name="직사각형 32">
+            <a:extLst>
+              <a:ext uri="{FF2B5EF4-FFF2-40B4-BE49-F238E27FC236}">
+                <a16:creationId xmlns="" xmlns:a16="http://schemas.microsoft.com/office/drawing/2014/main" id="{071BD9A8-937E-4838-8166-AB56E628827A}"/>
+              </a:ext>
+            </a:extLst>
+          </p:cNvPr>
+          <p:cNvSpPr/>
+          <p:nvPr/>
+        </p:nvSpPr>
+        <p:spPr>
+          <a:xfrm>
+            <a:off x="-10119" y="1103989"/>
+            <a:ext cx="12202119" cy="45719"/>
+          </a:xfrm>
+          <a:prstGeom prst="rect">
+            <a:avLst/>
+          </a:prstGeom>
+          <a:gradFill flip="none" rotWithShape="1">
+            <a:gsLst>
+              <a:gs pos="0">
+                <a:srgbClr val="960000"/>
+              </a:gs>
+              <a:gs pos="40000">
+                <a:srgbClr val="960000"/>
+              </a:gs>
+              <a:gs pos="100000">
+                <a:srgbClr val="191919"/>
+              </a:gs>
+            </a:gsLst>
+            <a:lin ang="0" scaled="1"/>
+            <a:tileRect/>
+          </a:gradFill>
+          <a:ln>
+            <a:noFill/>
+          </a:ln>
+        </p:spPr>
+        <p:style>
+          <a:lnRef idx="2">
+            <a:schemeClr val="accent1">
+              <a:shade val="50000"/>
+            </a:schemeClr>
+          </a:lnRef>
+          <a:fillRef idx="1">
+            <a:schemeClr val="accent1"/>
+          </a:fillRef>
+          <a:effectRef idx="0">
+            <a:schemeClr val="accent1"/>
+          </a:effectRef>
+          <a:fontRef idx="minor">
+            <a:schemeClr val="lt1"/>
+          </a:fontRef>
+        </p:style>
+        <p:txBody>
+          <a:bodyPr rtlCol="0" anchor="ctr"/>
+          <a:lstStyle/>
+          <a:p>
+            <a:pPr algn="ctr"/>
+            <a:endParaRPr lang="ko-KR" altLang="en-US"/>
+          </a:p>
+        </p:txBody>
+      </p:sp>
+      <p:sp>
+        <p:nvSpPr>
+          <p:cNvPr id="34" name="직사각형 33">
+            <a:extLst>
+              <a:ext uri="{FF2B5EF4-FFF2-40B4-BE49-F238E27FC236}">
+                <a16:creationId xmlns="" xmlns:a16="http://schemas.microsoft.com/office/drawing/2014/main" id="{905EBA1D-24C7-4F00-B3C7-6DEBD568B0FF}"/>
+              </a:ext>
+            </a:extLst>
+          </p:cNvPr>
+          <p:cNvSpPr/>
+          <p:nvPr/>
+        </p:nvSpPr>
+        <p:spPr>
+          <a:xfrm flipH="1">
+            <a:off x="0" y="6418399"/>
+            <a:ext cx="12202119" cy="45719"/>
+          </a:xfrm>
+          <a:prstGeom prst="rect">
+            <a:avLst/>
+          </a:prstGeom>
+          <a:gradFill flip="none" rotWithShape="1">
+            <a:gsLst>
+              <a:gs pos="0">
+                <a:srgbClr val="960000"/>
+              </a:gs>
+              <a:gs pos="40000">
+                <a:srgbClr val="960000"/>
+              </a:gs>
+              <a:gs pos="100000">
+                <a:srgbClr val="191919"/>
+              </a:gs>
+            </a:gsLst>
+            <a:lin ang="0" scaled="1"/>
+            <a:tileRect/>
+          </a:gradFill>
+          <a:ln>
+            <a:noFill/>
+          </a:ln>
+        </p:spPr>
+        <p:style>
+          <a:lnRef idx="2">
+            <a:schemeClr val="accent1">
+              <a:shade val="50000"/>
+            </a:schemeClr>
+          </a:lnRef>
+          <a:fillRef idx="1">
+            <a:schemeClr val="accent1"/>
+          </a:fillRef>
+          <a:effectRef idx="0">
+            <a:schemeClr val="accent1"/>
+          </a:effectRef>
+          <a:fontRef idx="minor">
+            <a:schemeClr val="lt1"/>
+          </a:fontRef>
+        </p:style>
+        <p:txBody>
+          <a:bodyPr rtlCol="0" anchor="ctr"/>
+          <a:lstStyle/>
+          <a:p>
+            <a:pPr algn="ctr"/>
+            <a:endParaRPr lang="ko-KR" altLang="en-US"/>
+          </a:p>
+        </p:txBody>
+      </p:sp>
+      <p:sp>
+        <p:nvSpPr>
+          <p:cNvPr id="7" name="TextBox 6">
+            <a:extLst>
+              <a:ext uri="{FF2B5EF4-FFF2-40B4-BE49-F238E27FC236}">
+                <a16:creationId xmlns="" xmlns:a16="http://schemas.microsoft.com/office/drawing/2014/main" id="{773DF187-FAE7-4B00-9DAF-A0006D605DE3}"/>
+              </a:ext>
+            </a:extLst>
+          </p:cNvPr>
+          <p:cNvSpPr txBox="1"/>
+          <p:nvPr/>
+        </p:nvSpPr>
+        <p:spPr>
+          <a:xfrm>
+            <a:off x="184127" y="451981"/>
+            <a:ext cx="8169861" cy="523220"/>
+          </a:xfrm>
+          <a:prstGeom prst="rect">
+            <a:avLst/>
+          </a:prstGeom>
+          <a:noFill/>
+        </p:spPr>
+        <p:txBody>
+          <a:bodyPr wrap="square" rtlCol="0">
+            <a:spAutoFit/>
+          </a:bodyPr>
+          <a:lstStyle/>
+          <a:p>
+            <a:r>
+              <a:rPr lang="en-US" altLang="ko-KR" sz="2800" b="1" smtClean="0">
+                <a:solidFill>
+                  <a:schemeClr val="bg1"/>
+                </a:solidFill>
+              </a:rPr>
+              <a:t>2019-2022 </a:t>
+            </a:r>
+            <a:r>
+              <a:rPr lang="ko-KR" altLang="en-US" sz="2800" b="1" dirty="0" smtClean="0">
+                <a:solidFill>
+                  <a:schemeClr val="bg1"/>
+                </a:solidFill>
+              </a:rPr>
+              <a:t>상반기 </a:t>
+            </a:r>
+            <a:r>
+              <a:rPr lang="en-US" altLang="ko-KR" sz="2800" b="1" dirty="0">
+                <a:solidFill>
+                  <a:schemeClr val="bg1"/>
+                </a:solidFill>
+              </a:rPr>
+              <a:t>'</a:t>
+            </a:r>
+            <a:r>
+              <a:rPr lang="ko-KR" altLang="en-US" sz="2800" b="1" dirty="0">
+                <a:solidFill>
+                  <a:schemeClr val="bg1"/>
+                </a:solidFill>
+              </a:rPr>
+              <a:t>청소년 불법</a:t>
+            </a:r>
+            <a:r>
+              <a:rPr lang="en-US" altLang="ko-KR" sz="2800" b="1" dirty="0">
+                <a:solidFill>
+                  <a:schemeClr val="bg1"/>
+                </a:solidFill>
+              </a:rPr>
+              <a:t>' </a:t>
+            </a:r>
+            <a:r>
+              <a:rPr lang="ko-KR" altLang="en-US" sz="2800" b="1" dirty="0">
+                <a:solidFill>
+                  <a:schemeClr val="bg1"/>
+                </a:solidFill>
+              </a:rPr>
+              <a:t>중 </a:t>
+            </a:r>
+            <a:r>
+              <a:rPr lang="en-US" altLang="ko-KR" sz="2800" b="1" dirty="0">
+                <a:solidFill>
+                  <a:schemeClr val="bg1"/>
+                </a:solidFill>
+              </a:rPr>
+              <a:t>'</a:t>
+            </a:r>
+            <a:r>
+              <a:rPr lang="ko-KR" altLang="en-US" sz="2800" b="1" dirty="0">
+                <a:solidFill>
+                  <a:schemeClr val="bg1"/>
+                </a:solidFill>
+              </a:rPr>
+              <a:t>도박</a:t>
+            </a:r>
+            <a:r>
+              <a:rPr lang="en-US" altLang="ko-KR" sz="2800" b="1" dirty="0">
+                <a:solidFill>
+                  <a:schemeClr val="bg1"/>
+                </a:solidFill>
+              </a:rPr>
+              <a:t>' </a:t>
+            </a:r>
+            <a:r>
+              <a:rPr lang="en-US" altLang="ko-KR" sz="2800" b="1" dirty="0" err="1">
+                <a:solidFill>
+                  <a:schemeClr val="bg1"/>
+                </a:solidFill>
+              </a:rPr>
+              <a:t>cnt</a:t>
+            </a:r>
+            <a:endParaRPr lang="en-US" altLang="ko-KR" sz="2800" b="1" dirty="0">
+              <a:solidFill>
+                <a:schemeClr val="bg1"/>
+              </a:solidFill>
+            </a:endParaRPr>
+          </a:p>
+        </p:txBody>
+      </p:sp>
+      <p:pic>
+        <p:nvPicPr>
+          <p:cNvPr id="5" name="그림 4"/>
+          <p:cNvPicPr>
+            <a:picLocks noChangeAspect="1"/>
+          </p:cNvPicPr>
+          <p:nvPr/>
+        </p:nvPicPr>
+        <p:blipFill>
+          <a:blip r:embed="rId2">
+            <a:extLst>
+              <a:ext uri="{28A0092B-C50C-407E-A947-70E740481C1C}">
+                <a14:useLocalDpi xmlns:a14="http://schemas.microsoft.com/office/drawing/2010/main" val="0"/>
+              </a:ext>
+            </a:extLst>
+          </a:blip>
+          <a:stretch>
+            <a:fillRect/>
+          </a:stretch>
+        </p:blipFill>
+        <p:spPr>
+          <a:xfrm>
+            <a:off x="353880" y="1296772"/>
+            <a:ext cx="6652228" cy="4131541"/>
+          </a:xfrm>
+          <a:prstGeom prst="rect">
+            <a:avLst/>
+          </a:prstGeom>
+        </p:spPr>
+      </p:pic>
+      <p:sp>
+        <p:nvSpPr>
+          <p:cNvPr id="6" name="TextBox 5"/>
+          <p:cNvSpPr txBox="1"/>
+          <p:nvPr/>
+        </p:nvSpPr>
+        <p:spPr>
+          <a:xfrm>
+            <a:off x="6365985" y="5461691"/>
+            <a:ext cx="6139027" cy="923330"/>
+          </a:xfrm>
+          <a:prstGeom prst="rect">
+            <a:avLst/>
+          </a:prstGeom>
+          <a:noFill/>
+        </p:spPr>
+        <p:txBody>
+          <a:bodyPr wrap="square" rtlCol="0">
+            <a:spAutoFit/>
+          </a:bodyPr>
+          <a:lstStyle/>
+          <a:p>
+            <a:r>
+              <a:rPr lang="en-US" altLang="ko-KR" dirty="0" smtClean="0">
+                <a:solidFill>
+                  <a:schemeClr val="bg1"/>
+                </a:solidFill>
+              </a:rPr>
+              <a:t>2019</a:t>
+            </a:r>
+            <a:r>
+              <a:rPr lang="ko-KR" altLang="en-US" dirty="0" smtClean="0">
+                <a:solidFill>
+                  <a:schemeClr val="bg1"/>
+                </a:solidFill>
+              </a:rPr>
+              <a:t>년에 비해 </a:t>
+            </a:r>
+            <a:r>
+              <a:rPr lang="en-US" altLang="ko-KR" dirty="0" smtClean="0">
+                <a:solidFill>
+                  <a:schemeClr val="bg1"/>
+                </a:solidFill>
+              </a:rPr>
+              <a:t>2020</a:t>
+            </a:r>
+            <a:r>
+              <a:rPr lang="ko-KR" altLang="en-US" dirty="0" smtClean="0">
+                <a:solidFill>
+                  <a:schemeClr val="bg1"/>
+                </a:solidFill>
+              </a:rPr>
+              <a:t>년에는 약간 감소하였지만</a:t>
+            </a:r>
+            <a:endParaRPr lang="en-US" altLang="ko-KR" dirty="0" smtClean="0">
+              <a:solidFill>
+                <a:schemeClr val="bg1"/>
+              </a:solidFill>
+            </a:endParaRPr>
+          </a:p>
+          <a:p>
+            <a:r>
+              <a:rPr lang="en-US" altLang="ko-KR" dirty="0" smtClean="0">
+                <a:solidFill>
+                  <a:schemeClr val="bg1"/>
+                </a:solidFill>
+              </a:rPr>
+              <a:t>2022</a:t>
+            </a:r>
+            <a:r>
+              <a:rPr lang="ko-KR" altLang="en-US" dirty="0" smtClean="0">
+                <a:solidFill>
+                  <a:schemeClr val="bg1"/>
+                </a:solidFill>
+              </a:rPr>
+              <a:t>년에는 현저하게 증가한 것을 보아</a:t>
+            </a:r>
+            <a:endParaRPr lang="en-US" altLang="ko-KR" dirty="0" smtClean="0">
+              <a:solidFill>
+                <a:schemeClr val="bg1"/>
+              </a:solidFill>
+            </a:endParaRPr>
+          </a:p>
+          <a:p>
+            <a:r>
+              <a:rPr lang="ko-KR" altLang="en-US" dirty="0" smtClean="0">
+                <a:solidFill>
+                  <a:schemeClr val="bg1"/>
+                </a:solidFill>
+              </a:rPr>
+              <a:t>청소년 불법 도박이 심각하다는 것을 볼 수 있습니다</a:t>
+            </a:r>
+            <a:r>
+              <a:rPr lang="en-US" altLang="ko-KR" dirty="0" smtClean="0">
+                <a:solidFill>
+                  <a:schemeClr val="bg1"/>
+                </a:solidFill>
+              </a:rPr>
+              <a:t>.</a:t>
+            </a:r>
+            <a:endParaRPr lang="ko-KR" altLang="en-US" dirty="0">
+              <a:solidFill>
+                <a:schemeClr val="bg1"/>
+              </a:solidFill>
+            </a:endParaRPr>
+          </a:p>
+        </p:txBody>
+      </p:sp>
+    </p:spTree>
+    <p:extLst>
+      <p:ext uri="{BB962C8B-B14F-4D97-AF65-F5344CB8AC3E}">
+        <p14:creationId xmlns:p14="http://schemas.microsoft.com/office/powerpoint/2010/main" val="563095598"/>
       </p:ext>
     </p:extLst>
   </p:cSld>

--- a/청소년도박_PPT.pptx
+++ b/청소년도박_PPT.pptx
@@ -13421,14 +13421,316 @@
         </p:blipFill>
         <p:spPr>
           <a:xfrm>
-            <a:off x="1369380" y="2101886"/>
-            <a:ext cx="8972355" cy="3658629"/>
+            <a:off x="1984535" y="2944857"/>
+            <a:ext cx="7610227" cy="3103198"/>
           </a:xfrm>
           <a:prstGeom prst="rect">
             <a:avLst/>
           </a:prstGeom>
         </p:spPr>
       </p:pic>
+      <p:sp>
+        <p:nvSpPr>
+          <p:cNvPr id="7" name="TextBox 6"/>
+          <p:cNvSpPr txBox="1"/>
+          <p:nvPr/>
+        </p:nvSpPr>
+        <p:spPr>
+          <a:xfrm>
+            <a:off x="7711787" y="6133501"/>
+            <a:ext cx="4490332" cy="253916"/>
+          </a:xfrm>
+          <a:prstGeom prst="rect">
+            <a:avLst/>
+          </a:prstGeom>
+          <a:noFill/>
+        </p:spPr>
+        <p:txBody>
+          <a:bodyPr wrap="none" rtlCol="0">
+            <a:spAutoFit/>
+          </a:bodyPr>
+          <a:lstStyle/>
+          <a:p>
+            <a:r>
+              <a:rPr lang="ko-KR" altLang="en-US" sz="1050" dirty="0">
+                <a:solidFill>
+                  <a:schemeClr val="bg1"/>
+                </a:solidFill>
+              </a:rPr>
+              <a:t>출처 </a:t>
+            </a:r>
+            <a:r>
+              <a:rPr lang="en-US" altLang="ko-KR" sz="1050" dirty="0">
+                <a:solidFill>
+                  <a:schemeClr val="bg1"/>
+                </a:solidFill>
+              </a:rPr>
+              <a:t>:  KOSIS</a:t>
+            </a:r>
+            <a:r>
+              <a:rPr lang="ko-KR" altLang="en-US" sz="1050" dirty="0">
+                <a:solidFill>
+                  <a:schemeClr val="bg1"/>
+                </a:solidFill>
+              </a:rPr>
+              <a:t>국가통계포털 </a:t>
+            </a:r>
+            <a:r>
+              <a:rPr lang="en-US" altLang="ko-KR" sz="1050" dirty="0">
+                <a:solidFill>
+                  <a:schemeClr val="bg1"/>
+                </a:solidFill>
+              </a:rPr>
+              <a:t>- </a:t>
+            </a:r>
+            <a:r>
+              <a:rPr lang="ko-KR" altLang="en-US" sz="1050" dirty="0">
+                <a:solidFill>
+                  <a:schemeClr val="bg1"/>
+                </a:solidFill>
+              </a:rPr>
+              <a:t>청소년 종합실태조사 </a:t>
+            </a:r>
+            <a:r>
+              <a:rPr lang="en-US" altLang="ko-KR" sz="1050" dirty="0">
+                <a:solidFill>
+                  <a:schemeClr val="bg1"/>
+                </a:solidFill>
+              </a:rPr>
+              <a:t>- </a:t>
+            </a:r>
+            <a:r>
+              <a:rPr lang="ko-KR" altLang="en-US" sz="1050" dirty="0">
+                <a:solidFill>
+                  <a:schemeClr val="bg1"/>
+                </a:solidFill>
+              </a:rPr>
+              <a:t>도박문제의 심각성</a:t>
+            </a:r>
+          </a:p>
+        </p:txBody>
+      </p:sp>
+      <p:sp>
+        <p:nvSpPr>
+          <p:cNvPr id="8" name="TextBox 7"/>
+          <p:cNvSpPr txBox="1"/>
+          <p:nvPr/>
+        </p:nvSpPr>
+        <p:spPr>
+          <a:xfrm>
+            <a:off x="206062" y="1741240"/>
+            <a:ext cx="10751661" cy="984885"/>
+          </a:xfrm>
+          <a:prstGeom prst="rect">
+            <a:avLst/>
+          </a:prstGeom>
+          <a:noFill/>
+        </p:spPr>
+        <p:txBody>
+          <a:bodyPr wrap="none" rtlCol="0">
+            <a:spAutoFit/>
+          </a:bodyPr>
+          <a:lstStyle/>
+          <a:p>
+            <a:pPr marL="285750" indent="-285750">
+              <a:buFontTx/>
+              <a:buChar char="-"/>
+            </a:pPr>
+            <a:r>
+              <a:rPr lang="en-US" altLang="ko-KR" dirty="0" smtClean="0">
+                <a:solidFill>
+                  <a:schemeClr val="bg1"/>
+                </a:solidFill>
+              </a:rPr>
+              <a:t>2019</a:t>
+            </a:r>
+            <a:r>
+              <a:rPr lang="ko-KR" altLang="en-US" dirty="0" smtClean="0">
+                <a:solidFill>
+                  <a:schemeClr val="bg1"/>
+                </a:solidFill>
+              </a:rPr>
+              <a:t>과 </a:t>
+            </a:r>
+            <a:r>
+              <a:rPr lang="en-US" altLang="ko-KR" dirty="0">
+                <a:solidFill>
+                  <a:schemeClr val="bg1"/>
+                </a:solidFill>
+              </a:rPr>
+              <a:t>2021</a:t>
+            </a:r>
+            <a:r>
+              <a:rPr lang="ko-KR" altLang="en-US" dirty="0">
+                <a:solidFill>
+                  <a:schemeClr val="bg1"/>
+                </a:solidFill>
+              </a:rPr>
+              <a:t>년의 청소년 도박 치료자 수</a:t>
+            </a:r>
+            <a:r>
+              <a:rPr lang="en-US" altLang="ko-KR" dirty="0" smtClean="0">
+                <a:solidFill>
+                  <a:schemeClr val="bg1"/>
+                </a:solidFill>
+              </a:rPr>
+              <a:t>, </a:t>
+            </a:r>
+            <a:r>
+              <a:rPr lang="ko-KR" altLang="en-US" dirty="0" smtClean="0">
+                <a:solidFill>
+                  <a:schemeClr val="bg1"/>
+                </a:solidFill>
+              </a:rPr>
+              <a:t>언론보도 </a:t>
+            </a:r>
+            <a:r>
+              <a:rPr lang="ko-KR" altLang="en-US" dirty="0">
+                <a:solidFill>
+                  <a:schemeClr val="bg1"/>
+                </a:solidFill>
+              </a:rPr>
+              <a:t>추이 등은 상승한 </a:t>
+            </a:r>
+            <a:endParaRPr lang="en-US" altLang="ko-KR" dirty="0" smtClean="0">
+              <a:solidFill>
+                <a:schemeClr val="bg1"/>
+              </a:solidFill>
+            </a:endParaRPr>
+          </a:p>
+          <a:p>
+            <a:r>
+              <a:rPr lang="en-US" altLang="ko-KR" dirty="0">
+                <a:solidFill>
+                  <a:schemeClr val="bg1"/>
+                </a:solidFill>
+              </a:rPr>
+              <a:t> </a:t>
+            </a:r>
+            <a:r>
+              <a:rPr lang="en-US" altLang="ko-KR" dirty="0" smtClean="0">
+                <a:solidFill>
+                  <a:schemeClr val="bg1"/>
+                </a:solidFill>
+              </a:rPr>
+              <a:t>   </a:t>
+            </a:r>
+            <a:r>
+              <a:rPr lang="ko-KR" altLang="en-US" dirty="0" smtClean="0">
+                <a:solidFill>
+                  <a:schemeClr val="bg1"/>
+                </a:solidFill>
+              </a:rPr>
+              <a:t>반면</a:t>
+            </a:r>
+            <a:r>
+              <a:rPr lang="en-US" altLang="ko-KR" dirty="0" smtClean="0">
+                <a:solidFill>
+                  <a:schemeClr val="bg1"/>
+                </a:solidFill>
+              </a:rPr>
+              <a:t>, </a:t>
+            </a:r>
+            <a:r>
+              <a:rPr lang="ko-KR" altLang="en-US" dirty="0" smtClean="0">
+                <a:solidFill>
+                  <a:schemeClr val="bg1"/>
+                </a:solidFill>
+              </a:rPr>
+              <a:t>도박문제의 </a:t>
+            </a:r>
+            <a:r>
+              <a:rPr lang="ko-KR" altLang="en-US" dirty="0">
+                <a:solidFill>
+                  <a:schemeClr val="bg1"/>
+                </a:solidFill>
+              </a:rPr>
+              <a:t>심각성에 대한 </a:t>
+            </a:r>
+            <a:r>
+              <a:rPr lang="ko-KR" altLang="en-US" dirty="0" smtClean="0">
+                <a:solidFill>
+                  <a:schemeClr val="bg1"/>
+                </a:solidFill>
+              </a:rPr>
+              <a:t>인식은</a:t>
+            </a:r>
+            <a:r>
+              <a:rPr lang="en-US" altLang="ko-KR" dirty="0">
+                <a:solidFill>
+                  <a:schemeClr val="bg1"/>
+                </a:solidFill>
+              </a:rPr>
+              <a:t> </a:t>
+            </a:r>
+            <a:r>
+              <a:rPr lang="ko-KR" altLang="en-US" dirty="0" smtClean="0">
+                <a:solidFill>
+                  <a:schemeClr val="bg1"/>
+                </a:solidFill>
+              </a:rPr>
+              <a:t>큰 </a:t>
+            </a:r>
+            <a:r>
+              <a:rPr lang="ko-KR" altLang="en-US" dirty="0">
+                <a:solidFill>
+                  <a:schemeClr val="bg1"/>
+                </a:solidFill>
+              </a:rPr>
+              <a:t>차이를 보이지 않음</a:t>
+            </a:r>
+            <a:r>
+              <a:rPr lang="en-US" altLang="ko-KR" dirty="0" smtClean="0">
+                <a:solidFill>
+                  <a:schemeClr val="bg1"/>
+                </a:solidFill>
+              </a:rPr>
+              <a:t>.</a:t>
+            </a:r>
+          </a:p>
+          <a:p>
+            <a:endParaRPr lang="en-US" altLang="ko-KR" sz="400" dirty="0">
+              <a:solidFill>
+                <a:schemeClr val="bg1"/>
+              </a:solidFill>
+            </a:endParaRPr>
+          </a:p>
+          <a:p>
+            <a:r>
+              <a:rPr lang="en-US" altLang="ko-KR" dirty="0">
+                <a:solidFill>
+                  <a:schemeClr val="bg1"/>
+                </a:solidFill>
+              </a:rPr>
+              <a:t>- </a:t>
+            </a:r>
+            <a:r>
+              <a:rPr lang="ko-KR" altLang="en-US" dirty="0">
+                <a:solidFill>
+                  <a:schemeClr val="bg1"/>
+                </a:solidFill>
+              </a:rPr>
+              <a:t>심각성에 대해 인식하지 못하면 쉽게 도박을 저지를 우려가 있음 </a:t>
+            </a:r>
+            <a:r>
+              <a:rPr lang="en-US" altLang="ko-KR" dirty="0">
+                <a:solidFill>
+                  <a:schemeClr val="bg1"/>
+                </a:solidFill>
+              </a:rPr>
+              <a:t>&gt; </a:t>
+            </a:r>
+            <a:r>
+              <a:rPr lang="ko-KR" altLang="en-US" dirty="0">
+                <a:solidFill>
+                  <a:schemeClr val="bg1"/>
+                </a:solidFill>
+              </a:rPr>
+              <a:t>인식 개선을 위한 방안 마련 필요</a:t>
+            </a:r>
+          </a:p>
+        </p:txBody>
+      </p:sp>
     </p:spTree>
     <p:extLst>
       <p:ext uri="{BB962C8B-B14F-4D97-AF65-F5344CB8AC3E}">
@@ -13799,7 +14101,7 @@
         </p:nvSpPr>
         <p:spPr>
           <a:xfrm>
-            <a:off x="-10120" y="341029"/>
+            <a:off x="-10119" y="1258581"/>
             <a:ext cx="12202119" cy="45719"/>
           </a:xfrm>
           <a:prstGeom prst="rect">
@@ -13921,8 +14223,8 @@
         </p:nvSpPr>
         <p:spPr>
           <a:xfrm>
-            <a:off x="182718" y="750084"/>
-            <a:ext cx="8432117" cy="461665"/>
+            <a:off x="121537" y="508578"/>
+            <a:ext cx="5979522" cy="461665"/>
           </a:xfrm>
           <a:prstGeom prst="rect">
             <a:avLst/>
@@ -13967,22 +14269,6 @@
               </a:rPr>
               <a:t>심각성</a:t>
             </a:r>
-            <a:r>
-              <a:rPr lang="en-US" altLang="ko-KR" sz="2400" b="1" dirty="0" smtClean="0">
-                <a:solidFill>
-                  <a:schemeClr val="bg1"/>
-                </a:solidFill>
-              </a:rPr>
-              <a:t>, </a:t>
-            </a:r>
-            <a:r>
-              <a:rPr lang="ko-KR" altLang="en-US" sz="2400" b="1" dirty="0" smtClean="0">
-                <a:solidFill>
-                  <a:schemeClr val="bg1"/>
-                </a:solidFill>
-              </a:rPr>
-              <a:t>청소년들의 인식</a:t>
-            </a:r>
             <a:endParaRPr lang="ko-KR" altLang="en-US" sz="2400" b="1" dirty="0">
               <a:solidFill>
                 <a:schemeClr val="bg1"/>
@@ -13993,7 +14279,7 @@
       </p:sp>
       <p:pic>
         <p:nvPicPr>
-          <p:cNvPr id="5" name="그림 4"/>
+          <p:cNvPr id="4" name="그림 3"/>
           <p:cNvPicPr>
             <a:picLocks noChangeAspect="1"/>
           </p:cNvPicPr>
@@ -14013,14 +14299,195 @@
         </p:blipFill>
         <p:spPr>
           <a:xfrm>
-            <a:off x="1682328" y="1509471"/>
-            <a:ext cx="8672286" cy="4775149"/>
+            <a:off x="1671169" y="2196130"/>
+            <a:ext cx="7854968" cy="4133516"/>
           </a:xfrm>
           <a:prstGeom prst="rect">
             <a:avLst/>
           </a:prstGeom>
         </p:spPr>
       </p:pic>
+      <p:sp>
+        <p:nvSpPr>
+          <p:cNvPr id="8" name="TextBox 7"/>
+          <p:cNvSpPr txBox="1"/>
+          <p:nvPr/>
+        </p:nvSpPr>
+        <p:spPr>
+          <a:xfrm>
+            <a:off x="0" y="1530378"/>
+            <a:ext cx="12242181" cy="646331"/>
+          </a:xfrm>
+          <a:prstGeom prst="rect">
+            <a:avLst/>
+          </a:prstGeom>
+          <a:noFill/>
+        </p:spPr>
+        <p:txBody>
+          <a:bodyPr wrap="square" rtlCol="0">
+            <a:spAutoFit/>
+          </a:bodyPr>
+          <a:lstStyle/>
+          <a:p>
+            <a:r>
+              <a:rPr lang="ko-KR" altLang="en-US" dirty="0" smtClean="0">
+                <a:solidFill>
+                  <a:schemeClr val="bg1"/>
+                </a:solidFill>
+              </a:rPr>
+              <a:t>청소년들을 대상으로</a:t>
+            </a:r>
+            <a:r>
+              <a:rPr lang="en-US" altLang="ko-KR" dirty="0">
+                <a:solidFill>
+                  <a:schemeClr val="bg1"/>
+                </a:solidFill>
+              </a:rPr>
+              <a:t> </a:t>
+            </a:r>
+            <a:r>
+              <a:rPr lang="ko-KR" altLang="en-US" dirty="0" smtClean="0">
+                <a:solidFill>
+                  <a:schemeClr val="bg1"/>
+                </a:solidFill>
+              </a:rPr>
+              <a:t>도박 문제의 심각성을</a:t>
+            </a:r>
+            <a:r>
+              <a:rPr lang="en-US" altLang="ko-KR" dirty="0">
+                <a:solidFill>
+                  <a:schemeClr val="bg1"/>
+                </a:solidFill>
+              </a:rPr>
+              <a:t> </a:t>
+            </a:r>
+            <a:r>
+              <a:rPr lang="ko-KR" altLang="en-US" dirty="0" smtClean="0">
+                <a:solidFill>
+                  <a:schemeClr val="bg1"/>
+                </a:solidFill>
+              </a:rPr>
+              <a:t>조사해본 결과</a:t>
+            </a:r>
+            <a:endParaRPr lang="en-US" altLang="ko-KR" dirty="0" smtClean="0">
+              <a:solidFill>
+                <a:schemeClr val="bg1"/>
+              </a:solidFill>
+            </a:endParaRPr>
+          </a:p>
+          <a:p>
+            <a:r>
+              <a:rPr lang="en-US" altLang="ko-KR" dirty="0" smtClean="0">
+                <a:solidFill>
+                  <a:schemeClr val="bg1"/>
+                </a:solidFill>
+              </a:rPr>
+              <a:t>2019</a:t>
+            </a:r>
+            <a:r>
+              <a:rPr lang="ko-KR" altLang="en-US" dirty="0" smtClean="0">
+                <a:solidFill>
+                  <a:schemeClr val="bg1"/>
+                </a:solidFill>
+              </a:rPr>
+              <a:t>년</a:t>
+            </a:r>
+            <a:r>
+              <a:rPr lang="en-US" altLang="ko-KR" dirty="0" smtClean="0">
+                <a:solidFill>
+                  <a:schemeClr val="bg1"/>
+                </a:solidFill>
+              </a:rPr>
+              <a:t>, 2021</a:t>
+            </a:r>
+            <a:r>
+              <a:rPr lang="ko-KR" altLang="en-US" dirty="0" smtClean="0">
+                <a:solidFill>
+                  <a:schemeClr val="bg1"/>
+                </a:solidFill>
+              </a:rPr>
+              <a:t>년 모두</a:t>
+            </a:r>
+            <a:r>
+              <a:rPr lang="en-US" altLang="ko-KR" dirty="0">
+                <a:solidFill>
+                  <a:schemeClr val="bg1"/>
+                </a:solidFill>
+              </a:rPr>
+              <a:t> </a:t>
+            </a:r>
+            <a:r>
+              <a:rPr lang="en-US" altLang="ko-KR" dirty="0" smtClean="0">
+                <a:solidFill>
+                  <a:schemeClr val="bg1"/>
+                </a:solidFill>
+              </a:rPr>
+              <a:t>‘</a:t>
+            </a:r>
+            <a:r>
+              <a:rPr lang="ko-KR" altLang="en-US" dirty="0" smtClean="0">
+                <a:solidFill>
+                  <a:schemeClr val="bg1"/>
+                </a:solidFill>
+              </a:rPr>
+              <a:t>심각하다</a:t>
+            </a:r>
+            <a:r>
+              <a:rPr lang="en-US" altLang="ko-KR" dirty="0" smtClean="0">
+                <a:solidFill>
+                  <a:schemeClr val="bg1"/>
+                </a:solidFill>
+              </a:rPr>
+              <a:t>-</a:t>
+            </a:r>
+            <a:r>
+              <a:rPr lang="ko-KR" altLang="en-US" dirty="0" smtClean="0">
+                <a:solidFill>
+                  <a:schemeClr val="bg1"/>
+                </a:solidFill>
+              </a:rPr>
+              <a:t>다소</a:t>
+            </a:r>
+            <a:r>
+              <a:rPr lang="en-US" altLang="ko-KR" dirty="0" smtClean="0">
+                <a:solidFill>
+                  <a:schemeClr val="bg1"/>
+                </a:solidFill>
+              </a:rPr>
+              <a:t>’</a:t>
+            </a:r>
+            <a:r>
+              <a:rPr lang="ko-KR" altLang="en-US" dirty="0" smtClean="0">
+                <a:solidFill>
+                  <a:schemeClr val="bg1"/>
+                </a:solidFill>
+              </a:rPr>
+              <a:t>가 제일 높게 나왔다</a:t>
+            </a:r>
+            <a:r>
+              <a:rPr lang="en-US" altLang="ko-KR" dirty="0" smtClean="0">
+                <a:solidFill>
+                  <a:schemeClr val="bg1"/>
+                </a:solidFill>
+              </a:rPr>
+              <a:t>.</a:t>
+            </a:r>
+            <a:r>
+              <a:rPr lang="ko-KR" altLang="en-US" dirty="0" smtClean="0">
+                <a:solidFill>
+                  <a:schemeClr val="bg1"/>
+                </a:solidFill>
+              </a:rPr>
+              <a:t>  </a:t>
+            </a:r>
+            <a:endParaRPr lang="ko-KR" altLang="en-US" dirty="0">
+              <a:solidFill>
+                <a:schemeClr val="bg1"/>
+              </a:solidFill>
+            </a:endParaRPr>
+          </a:p>
+        </p:txBody>
+      </p:sp>
     </p:spTree>
     <p:extLst>
       <p:ext uri="{BB962C8B-B14F-4D97-AF65-F5344CB8AC3E}">
